--- a/ROM updates 18 October 2024.pptx
+++ b/ROM updates 18 October 2024.pptx
@@ -5,24 +5,26 @@
     <p:sldMasterId id="2147483651" r:id="rId1"/>
   </p:sldMasterIdLst>
   <p:notesMasterIdLst>
-    <p:notesMasterId r:id="rId17"/>
+    <p:notesMasterId r:id="rId19"/>
   </p:notesMasterIdLst>
   <p:sldIdLst>
-    <p:sldId id="409" r:id="rId2"/>
-    <p:sldId id="480" r:id="rId3"/>
-    <p:sldId id="485" r:id="rId4"/>
-    <p:sldId id="484" r:id="rId5"/>
-    <p:sldId id="486" r:id="rId6"/>
-    <p:sldId id="481" r:id="rId7"/>
-    <p:sldId id="487" r:id="rId8"/>
-    <p:sldId id="483" r:id="rId9"/>
-    <p:sldId id="479" r:id="rId10"/>
-    <p:sldId id="488" r:id="rId11"/>
-    <p:sldId id="419" r:id="rId12"/>
-    <p:sldId id="478" r:id="rId13"/>
-    <p:sldId id="417" r:id="rId14"/>
-    <p:sldId id="472" r:id="rId15"/>
-    <p:sldId id="489" r:id="rId16"/>
+    <p:sldId id="491" r:id="rId2"/>
+    <p:sldId id="490" r:id="rId3"/>
+    <p:sldId id="480" r:id="rId4"/>
+    <p:sldId id="485" r:id="rId5"/>
+    <p:sldId id="484" r:id="rId6"/>
+    <p:sldId id="486" r:id="rId7"/>
+    <p:sldId id="481" r:id="rId8"/>
+    <p:sldId id="487" r:id="rId9"/>
+    <p:sldId id="483" r:id="rId10"/>
+    <p:sldId id="479" r:id="rId11"/>
+    <p:sldId id="492" r:id="rId12"/>
+    <p:sldId id="488" r:id="rId13"/>
+    <p:sldId id="419" r:id="rId14"/>
+    <p:sldId id="478" r:id="rId15"/>
+    <p:sldId id="417" r:id="rId16"/>
+    <p:sldId id="472" r:id="rId17"/>
+    <p:sldId id="489" r:id="rId18"/>
   </p:sldIdLst>
   <p:sldSz cx="9144000" cy="6858000" type="screen4x3"/>
   <p:notesSz cx="6858000" cy="9144000"/>
@@ -146,7 +148,7 @@
 <file path=ppt/revisionInfo.xml><?xml version="1.0" encoding="utf-8"?>
 <p1510:revInfo xmlns:a="http://schemas.openxmlformats.org/drawingml/2006/main" xmlns:r="http://schemas.openxmlformats.org/officeDocument/2006/relationships" xmlns:p1510="http://schemas.microsoft.com/office/powerpoint/2015/10/main">
   <p1510:revLst>
-    <p1510:client id="{6BF65FE4-74A7-9749-A675-EBA0086FF38E}" v="2103" dt="2024-10-23T14:14:44.759"/>
+    <p1510:client id="{6BF65FE4-74A7-9749-A675-EBA0086FF38E}" v="2324" dt="2024-11-12T21:38:21.067"/>
   </p1510:revLst>
 </p1510:revInfo>
 </file>
@@ -7478,13 +7480,13 @@
   </pc:docChgLst>
   <pc:docChgLst>
     <pc:chgData name="Martina Di Gennaro" userId="242c7127-975c-4ec0-b2ee-15e19a223141" providerId="ADAL" clId="{6BF65FE4-74A7-9749-A675-EBA0086FF38E}"/>
-    <pc:docChg chg="undo custSel addSld delSld modSld modMainMaster">
-      <pc:chgData name="Martina Di Gennaro" userId="242c7127-975c-4ec0-b2ee-15e19a223141" providerId="ADAL" clId="{6BF65FE4-74A7-9749-A675-EBA0086FF38E}" dt="2024-10-23T14:14:44.758" v="4333" actId="20577"/>
+    <pc:docChg chg="undo redo custSel addSld delSld modSld sldOrd modMainMaster">
+      <pc:chgData name="Martina Di Gennaro" userId="242c7127-975c-4ec0-b2ee-15e19a223141" providerId="ADAL" clId="{6BF65FE4-74A7-9749-A675-EBA0086FF38E}" dt="2024-11-13T08:11:18.317" v="4852" actId="1076"/>
       <pc:docMkLst>
         <pc:docMk/>
       </pc:docMkLst>
-      <pc:sldChg chg="modSp mod modNotesTx">
-        <pc:chgData name="Martina Di Gennaro" userId="242c7127-975c-4ec0-b2ee-15e19a223141" providerId="ADAL" clId="{6BF65FE4-74A7-9749-A675-EBA0086FF38E}" dt="2024-10-17T07:10:50.700" v="1250" actId="20577"/>
+      <pc:sldChg chg="modSp del mod modNotesTx">
+        <pc:chgData name="Martina Di Gennaro" userId="242c7127-975c-4ec0-b2ee-15e19a223141" providerId="ADAL" clId="{6BF65FE4-74A7-9749-A675-EBA0086FF38E}" dt="2024-11-12T20:52:00.777" v="4455" actId="2696"/>
         <pc:sldMkLst>
           <pc:docMk/>
           <pc:sldMk cId="3362907711" sldId="409"/>
@@ -7618,8 +7620,8 @@
           <pc:sldMk cId="3841835261" sldId="478"/>
         </pc:sldMkLst>
       </pc:sldChg>
-      <pc:sldChg chg="addSp modSp new mod">
-        <pc:chgData name="Martina Di Gennaro" userId="242c7127-975c-4ec0-b2ee-15e19a223141" providerId="ADAL" clId="{6BF65FE4-74A7-9749-A675-EBA0086FF38E}" dt="2024-10-15T13:48:47.658" v="154" actId="1076"/>
+      <pc:sldChg chg="addSp delSp modSp new mod">
+        <pc:chgData name="Martina Di Gennaro" userId="242c7127-975c-4ec0-b2ee-15e19a223141" providerId="ADAL" clId="{6BF65FE4-74A7-9749-A675-EBA0086FF38E}" dt="2024-11-12T21:35:53.546" v="4705" actId="478"/>
         <pc:sldMkLst>
           <pc:docMk/>
           <pc:sldMk cId="443031710" sldId="479"/>
@@ -7632,8 +7634,8 @@
             <ac:spMk id="2" creationId="{2E8AA45B-1AAB-B884-8901-76C25A4FE5FF}"/>
           </ac:spMkLst>
         </pc:spChg>
-        <pc:graphicFrameChg chg="add mod modGraphic">
-          <ac:chgData name="Martina Di Gennaro" userId="242c7127-975c-4ec0-b2ee-15e19a223141" providerId="ADAL" clId="{6BF65FE4-74A7-9749-A675-EBA0086FF38E}" dt="2024-10-15T13:48:47.658" v="154" actId="1076"/>
+        <pc:graphicFrameChg chg="add del mod modGraphic">
+          <ac:chgData name="Martina Di Gennaro" userId="242c7127-975c-4ec0-b2ee-15e19a223141" providerId="ADAL" clId="{6BF65FE4-74A7-9749-A675-EBA0086FF38E}" dt="2024-11-12T21:35:53.546" v="4705" actId="478"/>
           <ac:graphicFrameMkLst>
             <pc:docMk/>
             <pc:sldMk cId="443031710" sldId="479"/>
@@ -7649,13 +7651,13 @@
         </pc:sldMkLst>
       </pc:sldChg>
       <pc:sldChg chg="addSp delSp modSp new mod">
-        <pc:chgData name="Martina Di Gennaro" userId="242c7127-975c-4ec0-b2ee-15e19a223141" providerId="ADAL" clId="{6BF65FE4-74A7-9749-A675-EBA0086FF38E}" dt="2024-10-17T14:46:03.537" v="3495" actId="20577"/>
+        <pc:chgData name="Martina Di Gennaro" userId="242c7127-975c-4ec0-b2ee-15e19a223141" providerId="ADAL" clId="{6BF65FE4-74A7-9749-A675-EBA0086FF38E}" dt="2024-11-12T21:17:19.112" v="4524" actId="20577"/>
         <pc:sldMkLst>
           <pc:docMk/>
           <pc:sldMk cId="753390928" sldId="480"/>
         </pc:sldMkLst>
         <pc:spChg chg="mod">
-          <ac:chgData name="Martina Di Gennaro" userId="242c7127-975c-4ec0-b2ee-15e19a223141" providerId="ADAL" clId="{6BF65FE4-74A7-9749-A675-EBA0086FF38E}" dt="2024-10-16T20:09:27.601" v="176" actId="20577"/>
+          <ac:chgData name="Martina Di Gennaro" userId="242c7127-975c-4ec0-b2ee-15e19a223141" providerId="ADAL" clId="{6BF65FE4-74A7-9749-A675-EBA0086FF38E}" dt="2024-11-12T20:47:55.029" v="4337" actId="20577"/>
           <ac:spMkLst>
             <pc:docMk/>
             <pc:sldMk cId="753390928" sldId="480"/>
@@ -7663,7 +7665,7 @@
           </ac:spMkLst>
         </pc:spChg>
         <pc:spChg chg="add mod">
-          <ac:chgData name="Martina Di Gennaro" userId="242c7127-975c-4ec0-b2ee-15e19a223141" providerId="ADAL" clId="{6BF65FE4-74A7-9749-A675-EBA0086FF38E}" dt="2024-10-17T10:03:06.243" v="1951" actId="1036"/>
+          <ac:chgData name="Martina Di Gennaro" userId="242c7127-975c-4ec0-b2ee-15e19a223141" providerId="ADAL" clId="{6BF65FE4-74A7-9749-A675-EBA0086FF38E}" dt="2024-11-12T20:48:55.922" v="4402" actId="20577"/>
           <ac:spMkLst>
             <pc:docMk/>
             <pc:sldMk cId="753390928" sldId="480"/>
@@ -7671,21 +7673,29 @@
           </ac:spMkLst>
         </pc:spChg>
         <pc:spChg chg="add mod">
-          <ac:chgData name="Martina Di Gennaro" userId="242c7127-975c-4ec0-b2ee-15e19a223141" providerId="ADAL" clId="{6BF65FE4-74A7-9749-A675-EBA0086FF38E}" dt="2024-10-17T10:03:06.243" v="1951" actId="1036"/>
+          <ac:chgData name="Martina Di Gennaro" userId="242c7127-975c-4ec0-b2ee-15e19a223141" providerId="ADAL" clId="{6BF65FE4-74A7-9749-A675-EBA0086FF38E}" dt="2024-11-12T21:17:19.112" v="4524" actId="20577"/>
           <ac:spMkLst>
             <pc:docMk/>
             <pc:sldMk cId="753390928" sldId="480"/>
             <ac:spMk id="4" creationId="{8C1C3ACA-C396-718D-7B07-1467A48685AC}"/>
           </ac:spMkLst>
         </pc:spChg>
-        <pc:spChg chg="add mod">
-          <ac:chgData name="Martina Di Gennaro" userId="242c7127-975c-4ec0-b2ee-15e19a223141" providerId="ADAL" clId="{6BF65FE4-74A7-9749-A675-EBA0086FF38E}" dt="2024-10-17T12:26:31.489" v="2875" actId="1036"/>
+        <pc:spChg chg="add del mod">
+          <ac:chgData name="Martina Di Gennaro" userId="242c7127-975c-4ec0-b2ee-15e19a223141" providerId="ADAL" clId="{6BF65FE4-74A7-9749-A675-EBA0086FF38E}" dt="2024-11-12T20:50:33.125" v="4452" actId="478"/>
           <ac:spMkLst>
             <pc:docMk/>
             <pc:sldMk cId="753390928" sldId="480"/>
             <ac:spMk id="5" creationId="{B455FAF1-1F8F-305D-3174-B97808E59CFF}"/>
           </ac:spMkLst>
         </pc:spChg>
+        <pc:spChg chg="add mod">
+          <ac:chgData name="Martina Di Gennaro" userId="242c7127-975c-4ec0-b2ee-15e19a223141" providerId="ADAL" clId="{6BF65FE4-74A7-9749-A675-EBA0086FF38E}" dt="2024-11-12T21:16:59.986" v="4521" actId="1076"/>
+          <ac:spMkLst>
+            <pc:docMk/>
+            <pc:sldMk cId="753390928" sldId="480"/>
+            <ac:spMk id="6" creationId="{133BF110-5C03-12E1-C840-892A8466F137}"/>
+          </ac:spMkLst>
+        </pc:spChg>
         <pc:spChg chg="add del mod">
           <ac:chgData name="Martina Di Gennaro" userId="242c7127-975c-4ec0-b2ee-15e19a223141" providerId="ADAL" clId="{6BF65FE4-74A7-9749-A675-EBA0086FF38E}" dt="2024-10-17T12:25:11.364" v="2853" actId="478"/>
           <ac:spMkLst>
@@ -7695,15 +7705,15 @@
           </ac:spMkLst>
         </pc:spChg>
         <pc:spChg chg="add mod">
-          <ac:chgData name="Martina Di Gennaro" userId="242c7127-975c-4ec0-b2ee-15e19a223141" providerId="ADAL" clId="{6BF65FE4-74A7-9749-A675-EBA0086FF38E}" dt="2024-10-17T12:26:31.489" v="2875" actId="1036"/>
+          <ac:chgData name="Martina Di Gennaro" userId="242c7127-975c-4ec0-b2ee-15e19a223141" providerId="ADAL" clId="{6BF65FE4-74A7-9749-A675-EBA0086FF38E}" dt="2024-11-12T20:55:52.605" v="4465" actId="1076"/>
           <ac:spMkLst>
             <pc:docMk/>
             <pc:sldMk cId="753390928" sldId="480"/>
             <ac:spMk id="7" creationId="{22FB81B2-64DF-93BB-4547-27D60837E32F}"/>
           </ac:spMkLst>
         </pc:spChg>
-        <pc:spChg chg="add mod">
-          <ac:chgData name="Martina Di Gennaro" userId="242c7127-975c-4ec0-b2ee-15e19a223141" providerId="ADAL" clId="{6BF65FE4-74A7-9749-A675-EBA0086FF38E}" dt="2024-10-17T09:53:48.067" v="1778" actId="1076"/>
+        <pc:spChg chg="add del mod">
+          <ac:chgData name="Martina Di Gennaro" userId="242c7127-975c-4ec0-b2ee-15e19a223141" providerId="ADAL" clId="{6BF65FE4-74A7-9749-A675-EBA0086FF38E}" dt="2024-11-12T20:53:40.840" v="4459" actId="21"/>
           <ac:spMkLst>
             <pc:docMk/>
             <pc:sldMk cId="753390928" sldId="480"/>
@@ -7711,7 +7721,7 @@
           </ac:spMkLst>
         </pc:spChg>
         <pc:spChg chg="add mod">
-          <ac:chgData name="Martina Di Gennaro" userId="242c7127-975c-4ec0-b2ee-15e19a223141" providerId="ADAL" clId="{6BF65FE4-74A7-9749-A675-EBA0086FF38E}" dt="2024-10-17T14:46:03.537" v="3495" actId="20577"/>
+          <ac:chgData name="Martina Di Gennaro" userId="242c7127-975c-4ec0-b2ee-15e19a223141" providerId="ADAL" clId="{6BF65FE4-74A7-9749-A675-EBA0086FF38E}" dt="2024-10-29T10:22:05.647" v="4335" actId="16959"/>
           <ac:spMkLst>
             <pc:docMk/>
             <pc:sldMk cId="753390928" sldId="480"/>
@@ -7719,7 +7729,7 @@
           </ac:spMkLst>
         </pc:spChg>
         <pc:spChg chg="add mod">
-          <ac:chgData name="Martina Di Gennaro" userId="242c7127-975c-4ec0-b2ee-15e19a223141" providerId="ADAL" clId="{6BF65FE4-74A7-9749-A675-EBA0086FF38E}" dt="2024-10-17T12:31:27.160" v="2949" actId="1076"/>
+          <ac:chgData name="Martina Di Gennaro" userId="242c7127-975c-4ec0-b2ee-15e19a223141" providerId="ADAL" clId="{6BF65FE4-74A7-9749-A675-EBA0086FF38E}" dt="2024-11-12T20:49:11.979" v="4405" actId="1076"/>
           <ac:spMkLst>
             <pc:docMk/>
             <pc:sldMk cId="753390928" sldId="480"/>
@@ -7727,15 +7737,15 @@
           </ac:spMkLst>
         </pc:spChg>
         <pc:spChg chg="add mod">
-          <ac:chgData name="Martina Di Gennaro" userId="242c7127-975c-4ec0-b2ee-15e19a223141" providerId="ADAL" clId="{6BF65FE4-74A7-9749-A675-EBA0086FF38E}" dt="2024-10-17T12:32:39.535" v="2951" actId="14100"/>
+          <ac:chgData name="Martina Di Gennaro" userId="242c7127-975c-4ec0-b2ee-15e19a223141" providerId="ADAL" clId="{6BF65FE4-74A7-9749-A675-EBA0086FF38E}" dt="2024-11-12T20:49:15.455" v="4406" actId="1076"/>
           <ac:spMkLst>
             <pc:docMk/>
             <pc:sldMk cId="753390928" sldId="480"/>
             <ac:spMk id="14" creationId="{288BB85A-AE09-260E-5966-92B0DBC902B7}"/>
           </ac:spMkLst>
         </pc:spChg>
-        <pc:cxnChg chg="add mod">
-          <ac:chgData name="Martina Di Gennaro" userId="242c7127-975c-4ec0-b2ee-15e19a223141" providerId="ADAL" clId="{6BF65FE4-74A7-9749-A675-EBA0086FF38E}" dt="2024-10-17T10:03:06.243" v="1951" actId="1036"/>
+        <pc:cxnChg chg="add del mod">
+          <ac:chgData name="Martina Di Gennaro" userId="242c7127-975c-4ec0-b2ee-15e19a223141" providerId="ADAL" clId="{6BF65FE4-74A7-9749-A675-EBA0086FF38E}" dt="2024-11-12T21:16:52.977" v="4519" actId="478"/>
           <ac:cxnSpMkLst>
             <pc:docMk/>
             <pc:sldMk cId="753390928" sldId="480"/>
@@ -7751,7 +7761,7 @@
         </pc:sldMkLst>
       </pc:sldChg>
       <pc:sldChg chg="addSp delSp modSp new mod modTransition modNotesTx">
-        <pc:chgData name="Martina Di Gennaro" userId="242c7127-975c-4ec0-b2ee-15e19a223141" providerId="ADAL" clId="{6BF65FE4-74A7-9749-A675-EBA0086FF38E}" dt="2024-10-23T14:14:39.969" v="4332" actId="20577"/>
+        <pc:chgData name="Martina Di Gennaro" userId="242c7127-975c-4ec0-b2ee-15e19a223141" providerId="ADAL" clId="{6BF65FE4-74A7-9749-A675-EBA0086FF38E}" dt="2024-11-12T21:30:03.882" v="4668" actId="1076"/>
         <pc:sldMkLst>
           <pc:docMk/>
           <pc:sldMk cId="1428733162" sldId="481"/>
@@ -7773,7 +7783,7 @@
           </ac:spMkLst>
         </pc:spChg>
         <pc:spChg chg="add mod">
-          <ac:chgData name="Martina Di Gennaro" userId="242c7127-975c-4ec0-b2ee-15e19a223141" providerId="ADAL" clId="{6BF65FE4-74A7-9749-A675-EBA0086FF38E}" dt="2024-10-21T08:45:16.838" v="4148" actId="20577"/>
+          <ac:chgData name="Martina Di Gennaro" userId="242c7127-975c-4ec0-b2ee-15e19a223141" providerId="ADAL" clId="{6BF65FE4-74A7-9749-A675-EBA0086FF38E}" dt="2024-11-12T21:24:03.688" v="4630" actId="21"/>
           <ac:spMkLst>
             <pc:docMk/>
             <pc:sldMk cId="1428733162" sldId="481"/>
@@ -7788,32 +7798,32 @@
             <ac:spMk id="5" creationId="{E42010F6-D10D-7D5C-ACF4-643290934CBA}"/>
           </ac:spMkLst>
         </pc:spChg>
-        <pc:spChg chg="add mod">
-          <ac:chgData name="Martina Di Gennaro" userId="242c7127-975c-4ec0-b2ee-15e19a223141" providerId="ADAL" clId="{6BF65FE4-74A7-9749-A675-EBA0086FF38E}" dt="2024-10-22T07:12:13.028" v="4209" actId="692"/>
+        <pc:spChg chg="add del mod">
+          <ac:chgData name="Martina Di Gennaro" userId="242c7127-975c-4ec0-b2ee-15e19a223141" providerId="ADAL" clId="{6BF65FE4-74A7-9749-A675-EBA0086FF38E}" dt="2024-11-12T21:24:08.529" v="4631" actId="478"/>
           <ac:spMkLst>
             <pc:docMk/>
             <pc:sldMk cId="1428733162" sldId="481"/>
             <ac:spMk id="6" creationId="{4994ED60-8C9A-10EB-CDFE-DB22FEB7D09C}"/>
           </ac:spMkLst>
         </pc:spChg>
-        <pc:spChg chg="add mod">
-          <ac:chgData name="Martina Di Gennaro" userId="242c7127-975c-4ec0-b2ee-15e19a223141" providerId="ADAL" clId="{6BF65FE4-74A7-9749-A675-EBA0086FF38E}" dt="2024-10-22T07:11:35.979" v="4181" actId="207"/>
+        <pc:spChg chg="add del mod">
+          <ac:chgData name="Martina Di Gennaro" userId="242c7127-975c-4ec0-b2ee-15e19a223141" providerId="ADAL" clId="{6BF65FE4-74A7-9749-A675-EBA0086FF38E}" dt="2024-11-12T21:24:11.575" v="4632" actId="478"/>
           <ac:spMkLst>
             <pc:docMk/>
             <pc:sldMk cId="1428733162" sldId="481"/>
             <ac:spMk id="7" creationId="{3280AD4C-1CFC-5944-07DB-97AD4486591E}"/>
           </ac:spMkLst>
         </pc:spChg>
-        <pc:spChg chg="add mod">
-          <ac:chgData name="Martina Di Gennaro" userId="242c7127-975c-4ec0-b2ee-15e19a223141" providerId="ADAL" clId="{6BF65FE4-74A7-9749-A675-EBA0086FF38E}" dt="2024-10-22T07:12:13.028" v="4209" actId="692"/>
+        <pc:spChg chg="add del mod">
+          <ac:chgData name="Martina Di Gennaro" userId="242c7127-975c-4ec0-b2ee-15e19a223141" providerId="ADAL" clId="{6BF65FE4-74A7-9749-A675-EBA0086FF38E}" dt="2024-11-12T21:24:08.529" v="4631" actId="478"/>
           <ac:spMkLst>
             <pc:docMk/>
             <pc:sldMk cId="1428733162" sldId="481"/>
             <ac:spMk id="8" creationId="{76DDBE08-EC12-0B69-35FA-44C2903362B0}"/>
           </ac:spMkLst>
         </pc:spChg>
-        <pc:spChg chg="add mod">
-          <ac:chgData name="Martina Di Gennaro" userId="242c7127-975c-4ec0-b2ee-15e19a223141" providerId="ADAL" clId="{6BF65FE4-74A7-9749-A675-EBA0086FF38E}" dt="2024-10-22T07:11:38.018" v="4182" actId="207"/>
+        <pc:spChg chg="add del mod">
+          <ac:chgData name="Martina Di Gennaro" userId="242c7127-975c-4ec0-b2ee-15e19a223141" providerId="ADAL" clId="{6BF65FE4-74A7-9749-A675-EBA0086FF38E}" dt="2024-11-12T21:24:11.575" v="4632" actId="478"/>
           <ac:spMkLst>
             <pc:docMk/>
             <pc:sldMk cId="1428733162" sldId="481"/>
@@ -7821,7 +7831,7 @@
           </ac:spMkLst>
         </pc:spChg>
         <pc:spChg chg="add mod">
-          <ac:chgData name="Martina Di Gennaro" userId="242c7127-975c-4ec0-b2ee-15e19a223141" providerId="ADAL" clId="{6BF65FE4-74A7-9749-A675-EBA0086FF38E}" dt="2024-10-23T14:14:39.969" v="4332" actId="20577"/>
+          <ac:chgData name="Martina Di Gennaro" userId="242c7127-975c-4ec0-b2ee-15e19a223141" providerId="ADAL" clId="{6BF65FE4-74A7-9749-A675-EBA0086FF38E}" dt="2024-11-12T21:24:35.095" v="4638" actId="20577"/>
           <ac:spMkLst>
             <pc:docMk/>
             <pc:sldMk cId="1428733162" sldId="481"/>
@@ -7893,39 +7903,47 @@
           </ac:spMkLst>
         </pc:spChg>
         <pc:spChg chg="add mod">
-          <ac:chgData name="Martina Di Gennaro" userId="242c7127-975c-4ec0-b2ee-15e19a223141" providerId="ADAL" clId="{6BF65FE4-74A7-9749-A675-EBA0086FF38E}" dt="2024-10-17T10:35:33.169" v="2821" actId="1076"/>
+          <ac:chgData name="Martina Di Gennaro" userId="242c7127-975c-4ec0-b2ee-15e19a223141" providerId="ADAL" clId="{6BF65FE4-74A7-9749-A675-EBA0086FF38E}" dt="2024-11-12T21:30:03.882" v="4668" actId="1076"/>
+          <ac:spMkLst>
+            <pc:docMk/>
+            <pc:sldMk cId="1428733162" sldId="481"/>
+            <ac:spMk id="18" creationId="{E33FBA42-36F1-1917-6B13-B9FE4D823545}"/>
+          </ac:spMkLst>
+        </pc:spChg>
+        <pc:spChg chg="add del mod">
+          <ac:chgData name="Martina Di Gennaro" userId="242c7127-975c-4ec0-b2ee-15e19a223141" providerId="ADAL" clId="{6BF65FE4-74A7-9749-A675-EBA0086FF38E}" dt="2024-11-12T21:24:15.005" v="4633" actId="478"/>
           <ac:spMkLst>
             <pc:docMk/>
             <pc:sldMk cId="1428733162" sldId="481"/>
             <ac:spMk id="20" creationId="{6C8FA010-6D73-D025-9B2F-AB06497EC06A}"/>
           </ac:spMkLst>
         </pc:spChg>
-        <pc:spChg chg="add mod">
-          <ac:chgData name="Martina Di Gennaro" userId="242c7127-975c-4ec0-b2ee-15e19a223141" providerId="ADAL" clId="{6BF65FE4-74A7-9749-A675-EBA0086FF38E}" dt="2024-10-22T07:12:31.203" v="4227" actId="1037"/>
+        <pc:spChg chg="add del mod">
+          <ac:chgData name="Martina Di Gennaro" userId="242c7127-975c-4ec0-b2ee-15e19a223141" providerId="ADAL" clId="{6BF65FE4-74A7-9749-A675-EBA0086FF38E}" dt="2024-11-12T21:24:11.575" v="4632" actId="478"/>
           <ac:spMkLst>
             <pc:docMk/>
             <pc:sldMk cId="1428733162" sldId="481"/>
             <ac:spMk id="22" creationId="{0179F026-CC7B-7514-88A8-C5F51B262F68}"/>
           </ac:spMkLst>
         </pc:spChg>
-        <pc:spChg chg="add mod">
-          <ac:chgData name="Martina Di Gennaro" userId="242c7127-975c-4ec0-b2ee-15e19a223141" providerId="ADAL" clId="{6BF65FE4-74A7-9749-A675-EBA0086FF38E}" dt="2024-10-22T07:11:34.262" v="4180" actId="207"/>
+        <pc:spChg chg="add del mod">
+          <ac:chgData name="Martina Di Gennaro" userId="242c7127-975c-4ec0-b2ee-15e19a223141" providerId="ADAL" clId="{6BF65FE4-74A7-9749-A675-EBA0086FF38E}" dt="2024-11-12T21:24:08.529" v="4631" actId="478"/>
           <ac:spMkLst>
             <pc:docMk/>
             <pc:sldMk cId="1428733162" sldId="481"/>
             <ac:spMk id="23" creationId="{48EA09C8-DAA0-1172-DC58-38315ECBDAAA}"/>
           </ac:spMkLst>
         </pc:spChg>
-        <pc:spChg chg="add mod">
-          <ac:chgData name="Martina Di Gennaro" userId="242c7127-975c-4ec0-b2ee-15e19a223141" providerId="ADAL" clId="{6BF65FE4-74A7-9749-A675-EBA0086FF38E}" dt="2024-10-22T07:12:01.252" v="4191" actId="692"/>
+        <pc:spChg chg="add del mod">
+          <ac:chgData name="Martina Di Gennaro" userId="242c7127-975c-4ec0-b2ee-15e19a223141" providerId="ADAL" clId="{6BF65FE4-74A7-9749-A675-EBA0086FF38E}" dt="2024-11-12T21:24:08.529" v="4631" actId="478"/>
           <ac:spMkLst>
             <pc:docMk/>
             <pc:sldMk cId="1428733162" sldId="481"/>
             <ac:spMk id="24" creationId="{830E9C90-461A-9D7E-E1A6-4C4ED5933DA5}"/>
           </ac:spMkLst>
         </pc:spChg>
-        <pc:spChg chg="add mod">
-          <ac:chgData name="Martina Di Gennaro" userId="242c7127-975c-4ec0-b2ee-15e19a223141" providerId="ADAL" clId="{6BF65FE4-74A7-9749-A675-EBA0086FF38E}" dt="2024-10-22T07:15:14.261" v="4282" actId="1037"/>
+        <pc:spChg chg="add del mod">
+          <ac:chgData name="Martina Di Gennaro" userId="242c7127-975c-4ec0-b2ee-15e19a223141" providerId="ADAL" clId="{6BF65FE4-74A7-9749-A675-EBA0086FF38E}" dt="2024-11-12T21:24:02.572" v="4628" actId="478"/>
           <ac:spMkLst>
             <pc:docMk/>
             <pc:sldMk cId="1428733162" sldId="481"/>
@@ -7940,36 +7958,52 @@
             <ac:spMk id="26" creationId="{65319E3E-0814-1B61-ED0A-A4374FD5522D}"/>
           </ac:spMkLst>
         </pc:spChg>
-        <pc:spChg chg="add mod">
-          <ac:chgData name="Martina Di Gennaro" userId="242c7127-975c-4ec0-b2ee-15e19a223141" providerId="ADAL" clId="{6BF65FE4-74A7-9749-A675-EBA0086FF38E}" dt="2024-10-22T07:17:07.482" v="4292" actId="1037"/>
+        <pc:spChg chg="add del mod">
+          <ac:chgData name="Martina Di Gennaro" userId="242c7127-975c-4ec0-b2ee-15e19a223141" providerId="ADAL" clId="{6BF65FE4-74A7-9749-A675-EBA0086FF38E}" dt="2024-11-12T21:24:51.936" v="4639" actId="478"/>
           <ac:spMkLst>
             <pc:docMk/>
             <pc:sldMk cId="1428733162" sldId="481"/>
             <ac:spMk id="27" creationId="{F7B92AA1-69E3-7BFA-3AB0-F734FC389A88}"/>
           </ac:spMkLst>
         </pc:spChg>
-        <pc:spChg chg="add mod">
-          <ac:chgData name="Martina Di Gennaro" userId="242c7127-975c-4ec0-b2ee-15e19a223141" providerId="ADAL" clId="{6BF65FE4-74A7-9749-A675-EBA0086FF38E}" dt="2024-10-22T07:17:09.609" v="4296" actId="1037"/>
+        <pc:spChg chg="add del mod">
+          <ac:chgData name="Martina Di Gennaro" userId="242c7127-975c-4ec0-b2ee-15e19a223141" providerId="ADAL" clId="{6BF65FE4-74A7-9749-A675-EBA0086FF38E}" dt="2024-11-12T21:24:53.053" v="4640" actId="478"/>
           <ac:spMkLst>
             <pc:docMk/>
             <pc:sldMk cId="1428733162" sldId="481"/>
             <ac:spMk id="28" creationId="{E5FDE177-3B3B-FFA2-389D-4C135C6E8935}"/>
           </ac:spMkLst>
         </pc:spChg>
-        <pc:spChg chg="add mod">
-          <ac:chgData name="Martina Di Gennaro" userId="242c7127-975c-4ec0-b2ee-15e19a223141" providerId="ADAL" clId="{6BF65FE4-74A7-9749-A675-EBA0086FF38E}" dt="2024-10-22T07:15:05.176" v="4274" actId="1036"/>
+        <pc:spChg chg="add del mod">
+          <ac:chgData name="Martina Di Gennaro" userId="242c7127-975c-4ec0-b2ee-15e19a223141" providerId="ADAL" clId="{6BF65FE4-74A7-9749-A675-EBA0086FF38E}" dt="2024-11-12T21:29:33.841" v="4651" actId="478"/>
           <ac:spMkLst>
             <pc:docMk/>
             <pc:sldMk cId="1428733162" sldId="481"/>
             <ac:spMk id="29" creationId="{0893C474-B4EA-9A19-E503-CDA3659896FA}"/>
           </ac:spMkLst>
         </pc:spChg>
-        <pc:picChg chg="add mod">
-          <ac:chgData name="Martina Di Gennaro" userId="242c7127-975c-4ec0-b2ee-15e19a223141" providerId="ADAL" clId="{6BF65FE4-74A7-9749-A675-EBA0086FF38E}" dt="2024-10-17T08:35:48.258" v="1317" actId="1076"/>
+        <pc:picChg chg="add del mod">
+          <ac:chgData name="Martina Di Gennaro" userId="242c7127-975c-4ec0-b2ee-15e19a223141" providerId="ADAL" clId="{6BF65FE4-74A7-9749-A675-EBA0086FF38E}" dt="2024-11-12T21:29:49.151" v="4655" actId="478"/>
           <ac:picMkLst>
             <pc:docMk/>
             <pc:sldMk cId="1428733162" sldId="481"/>
             <ac:picMk id="3" creationId="{A691B7FB-0DF2-2AF4-7F97-4482443AF55E}"/>
+          </ac:picMkLst>
+        </pc:picChg>
+        <pc:picChg chg="add mod">
+          <ac:chgData name="Martina Di Gennaro" userId="242c7127-975c-4ec0-b2ee-15e19a223141" providerId="ADAL" clId="{6BF65FE4-74A7-9749-A675-EBA0086FF38E}" dt="2024-11-12T21:29:26.095" v="4650" actId="1076"/>
+          <ac:picMkLst>
+            <pc:docMk/>
+            <pc:sldMk cId="1428733162" sldId="481"/>
+            <ac:picMk id="14" creationId="{95D0A8C7-4469-CBEB-A261-952AE3F66C27}"/>
+          </ac:picMkLst>
+        </pc:picChg>
+        <pc:picChg chg="add mod">
+          <ac:chgData name="Martina Di Gennaro" userId="242c7127-975c-4ec0-b2ee-15e19a223141" providerId="ADAL" clId="{6BF65FE4-74A7-9749-A675-EBA0086FF38E}" dt="2024-11-12T21:29:54.267" v="4658" actId="1076"/>
+          <ac:picMkLst>
+            <pc:docMk/>
+            <pc:sldMk cId="1428733162" sldId="481"/>
+            <ac:picMk id="16" creationId="{463A47A9-C9E0-0031-6BC1-D68900149CAE}"/>
           </ac:picMkLst>
         </pc:picChg>
       </pc:sldChg>
@@ -7989,13 +8023,13 @@
         </pc:spChg>
       </pc:sldChg>
       <pc:sldChg chg="addSp delSp modSp new mod">
-        <pc:chgData name="Martina Di Gennaro" userId="242c7127-975c-4ec0-b2ee-15e19a223141" providerId="ADAL" clId="{6BF65FE4-74A7-9749-A675-EBA0086FF38E}" dt="2024-10-23T14:14:44.758" v="4333" actId="20577"/>
+        <pc:chgData name="Martina Di Gennaro" userId="242c7127-975c-4ec0-b2ee-15e19a223141" providerId="ADAL" clId="{6BF65FE4-74A7-9749-A675-EBA0086FF38E}" dt="2024-11-12T21:50:20.028" v="4738" actId="478"/>
         <pc:sldMkLst>
           <pc:docMk/>
           <pc:sldMk cId="1615681" sldId="483"/>
         </pc:sldMkLst>
         <pc:spChg chg="mod">
-          <ac:chgData name="Martina Di Gennaro" userId="242c7127-975c-4ec0-b2ee-15e19a223141" providerId="ADAL" clId="{6BF65FE4-74A7-9749-A675-EBA0086FF38E}" dt="2024-10-16T20:55:53.159" v="1004" actId="20577"/>
+          <ac:chgData name="Martina Di Gennaro" userId="242c7127-975c-4ec0-b2ee-15e19a223141" providerId="ADAL" clId="{6BF65FE4-74A7-9749-A675-EBA0086FF38E}" dt="2024-11-12T21:34:02.466" v="4699" actId="20577"/>
           <ac:spMkLst>
             <pc:docMk/>
             <pc:sldMk cId="1615681" sldId="483"/>
@@ -8003,15 +8037,15 @@
           </ac:spMkLst>
         </pc:spChg>
         <pc:spChg chg="add mod">
-          <ac:chgData name="Martina Di Gennaro" userId="242c7127-975c-4ec0-b2ee-15e19a223141" providerId="ADAL" clId="{6BF65FE4-74A7-9749-A675-EBA0086FF38E}" dt="2024-10-23T14:14:44.758" v="4333" actId="20577"/>
+          <ac:chgData name="Martina Di Gennaro" userId="242c7127-975c-4ec0-b2ee-15e19a223141" providerId="ADAL" clId="{6BF65FE4-74A7-9749-A675-EBA0086FF38E}" dt="2024-11-12T21:37:17.608" v="4715" actId="1076"/>
           <ac:spMkLst>
             <pc:docMk/>
             <pc:sldMk cId="1615681" sldId="483"/>
             <ac:spMk id="3" creationId="{1CE22F39-CD6B-DC39-58C1-1CBFF0FEAA31}"/>
           </ac:spMkLst>
         </pc:spChg>
-        <pc:spChg chg="add mod">
-          <ac:chgData name="Martina Di Gennaro" userId="242c7127-975c-4ec0-b2ee-15e19a223141" providerId="ADAL" clId="{6BF65FE4-74A7-9749-A675-EBA0086FF38E}" dt="2024-10-22T07:49:15.053" v="4299" actId="20577"/>
+        <pc:spChg chg="add del mod">
+          <ac:chgData name="Martina Di Gennaro" userId="242c7127-975c-4ec0-b2ee-15e19a223141" providerId="ADAL" clId="{6BF65FE4-74A7-9749-A675-EBA0086FF38E}" dt="2024-11-12T21:37:59.246" v="4729" actId="478"/>
           <ac:spMkLst>
             <pc:docMk/>
             <pc:sldMk cId="1615681" sldId="483"/>
@@ -8019,15 +8053,23 @@
           </ac:spMkLst>
         </pc:spChg>
         <pc:spChg chg="add mod">
-          <ac:chgData name="Martina Di Gennaro" userId="242c7127-975c-4ec0-b2ee-15e19a223141" providerId="ADAL" clId="{6BF65FE4-74A7-9749-A675-EBA0086FF38E}" dt="2024-10-17T15:30:51.134" v="3955" actId="1076"/>
+          <ac:chgData name="Martina Di Gennaro" userId="242c7127-975c-4ec0-b2ee-15e19a223141" providerId="ADAL" clId="{6BF65FE4-74A7-9749-A675-EBA0086FF38E}" dt="2024-11-12T21:38:05.248" v="4732" actId="1076"/>
           <ac:spMkLst>
             <pc:docMk/>
             <pc:sldMk cId="1615681" sldId="483"/>
             <ac:spMk id="5" creationId="{D9A61E0B-D161-24A4-3451-DDC0EAAA9B8F}"/>
           </ac:spMkLst>
         </pc:spChg>
+        <pc:spChg chg="add del mod">
+          <ac:chgData name="Martina Di Gennaro" userId="242c7127-975c-4ec0-b2ee-15e19a223141" providerId="ADAL" clId="{6BF65FE4-74A7-9749-A675-EBA0086FF38E}" dt="2024-11-12T21:38:00.246" v="4730" actId="478"/>
+          <ac:spMkLst>
+            <pc:docMk/>
+            <pc:sldMk cId="1615681" sldId="483"/>
+            <ac:spMk id="6" creationId="{4569D494-F4EB-F3C7-4111-FBB47DCF0304}"/>
+          </ac:spMkLst>
+        </pc:spChg>
         <pc:spChg chg="add mod">
-          <ac:chgData name="Martina Di Gennaro" userId="242c7127-975c-4ec0-b2ee-15e19a223141" providerId="ADAL" clId="{6BF65FE4-74A7-9749-A675-EBA0086FF38E}" dt="2024-10-17T15:30:51.134" v="3955" actId="1076"/>
+          <ac:chgData name="Martina Di Gennaro" userId="242c7127-975c-4ec0-b2ee-15e19a223141" providerId="ADAL" clId="{6BF65FE4-74A7-9749-A675-EBA0086FF38E}" dt="2024-11-12T21:38:09.265" v="4733" actId="1076"/>
           <ac:spMkLst>
             <pc:docMk/>
             <pc:sldMk cId="1615681" sldId="483"/>
@@ -8042,9 +8084,17 @@
             <ac:spMk id="8" creationId="{9249066E-CA88-B0B8-B308-C8C03E568800}"/>
           </ac:spMkLst>
         </pc:spChg>
+        <pc:picChg chg="add del mod">
+          <ac:chgData name="Martina Di Gennaro" userId="242c7127-975c-4ec0-b2ee-15e19a223141" providerId="ADAL" clId="{6BF65FE4-74A7-9749-A675-EBA0086FF38E}" dt="2024-11-12T21:50:20.028" v="4738" actId="478"/>
+          <ac:picMkLst>
+            <pc:docMk/>
+            <pc:sldMk cId="1615681" sldId="483"/>
+            <ac:picMk id="9" creationId="{641ED455-D6CD-A705-7AA5-741F238D1A14}"/>
+          </ac:picMkLst>
+        </pc:picChg>
       </pc:sldChg>
       <pc:sldChg chg="addSp delSp modSp new mod">
-        <pc:chgData name="Martina Di Gennaro" userId="242c7127-975c-4ec0-b2ee-15e19a223141" providerId="ADAL" clId="{6BF65FE4-74A7-9749-A675-EBA0086FF38E}" dt="2024-10-23T13:45:18.988" v="4327"/>
+        <pc:chgData name="Martina Di Gennaro" userId="242c7127-975c-4ec0-b2ee-15e19a223141" providerId="ADAL" clId="{6BF65FE4-74A7-9749-A675-EBA0086FF38E}" dt="2024-11-12T21:21:52.085" v="4600" actId="20577"/>
         <pc:sldMkLst>
           <pc:docMk/>
           <pc:sldMk cId="166359275" sldId="484"/>
@@ -8066,7 +8116,7 @@
           </ac:spMkLst>
         </pc:spChg>
         <pc:spChg chg="add mod">
-          <ac:chgData name="Martina Di Gennaro" userId="242c7127-975c-4ec0-b2ee-15e19a223141" providerId="ADAL" clId="{6BF65FE4-74A7-9749-A675-EBA0086FF38E}" dt="2024-10-22T07:13:10.383" v="4231" actId="16959"/>
+          <ac:chgData name="Martina Di Gennaro" userId="242c7127-975c-4ec0-b2ee-15e19a223141" providerId="ADAL" clId="{6BF65FE4-74A7-9749-A675-EBA0086FF38E}" dt="2024-11-12T21:21:27.079" v="4591" actId="20577"/>
           <ac:spMkLst>
             <pc:docMk/>
             <pc:sldMk cId="166359275" sldId="484"/>
@@ -8074,7 +8124,7 @@
           </ac:spMkLst>
         </pc:spChg>
         <pc:spChg chg="add mod">
-          <ac:chgData name="Martina Di Gennaro" userId="242c7127-975c-4ec0-b2ee-15e19a223141" providerId="ADAL" clId="{6BF65FE4-74A7-9749-A675-EBA0086FF38E}" dt="2024-10-17T10:23:52.770" v="2592" actId="113"/>
+          <ac:chgData name="Martina Di Gennaro" userId="242c7127-975c-4ec0-b2ee-15e19a223141" providerId="ADAL" clId="{6BF65FE4-74A7-9749-A675-EBA0086FF38E}" dt="2024-11-12T21:19:33.939" v="4541" actId="20577"/>
           <ac:spMkLst>
             <pc:docMk/>
             <pc:sldMk cId="166359275" sldId="484"/>
@@ -8082,7 +8132,7 @@
           </ac:spMkLst>
         </pc:spChg>
         <pc:spChg chg="add del mod">
-          <ac:chgData name="Martina Di Gennaro" userId="242c7127-975c-4ec0-b2ee-15e19a223141" providerId="ADAL" clId="{6BF65FE4-74A7-9749-A675-EBA0086FF38E}" dt="2024-10-22T07:13:17.662" v="4233"/>
+          <ac:chgData name="Martina Di Gennaro" userId="242c7127-975c-4ec0-b2ee-15e19a223141" providerId="ADAL" clId="{6BF65FE4-74A7-9749-A675-EBA0086FF38E}" dt="2024-11-12T21:21:52.085" v="4600" actId="20577"/>
           <ac:spMkLst>
             <pc:docMk/>
             <pc:sldMk cId="166359275" sldId="484"/>
@@ -8131,13 +8181,13 @@
         </pc:spChg>
       </pc:sldChg>
       <pc:sldChg chg="addSp delSp modSp new mod">
-        <pc:chgData name="Martina Di Gennaro" userId="242c7127-975c-4ec0-b2ee-15e19a223141" providerId="ADAL" clId="{6BF65FE4-74A7-9749-A675-EBA0086FF38E}" dt="2024-10-22T07:10:38.331" v="4171" actId="404"/>
+        <pc:chgData name="Martina Di Gennaro" userId="242c7127-975c-4ec0-b2ee-15e19a223141" providerId="ADAL" clId="{6BF65FE4-74A7-9749-A675-EBA0086FF38E}" dt="2024-11-12T21:18:49.855" v="4539" actId="20577"/>
         <pc:sldMkLst>
           <pc:docMk/>
           <pc:sldMk cId="467907165" sldId="485"/>
         </pc:sldMkLst>
         <pc:spChg chg="mod">
-          <ac:chgData name="Martina Di Gennaro" userId="242c7127-975c-4ec0-b2ee-15e19a223141" providerId="ADAL" clId="{6BF65FE4-74A7-9749-A675-EBA0086FF38E}" dt="2024-10-17T09:07:17.825" v="1443" actId="20577"/>
+          <ac:chgData name="Martina Di Gennaro" userId="242c7127-975c-4ec0-b2ee-15e19a223141" providerId="ADAL" clId="{6BF65FE4-74A7-9749-A675-EBA0086FF38E}" dt="2024-11-12T21:00:18.721" v="4496" actId="20577"/>
           <ac:spMkLst>
             <pc:docMk/>
             <pc:sldMk cId="467907165" sldId="485"/>
@@ -8153,7 +8203,7 @@
           </ac:spMkLst>
         </pc:spChg>
         <pc:spChg chg="add mod">
-          <ac:chgData name="Martina Di Gennaro" userId="242c7127-975c-4ec0-b2ee-15e19a223141" providerId="ADAL" clId="{6BF65FE4-74A7-9749-A675-EBA0086FF38E}" dt="2024-10-21T08:37:53.483" v="4119" actId="14100"/>
+          <ac:chgData name="Martina Di Gennaro" userId="242c7127-975c-4ec0-b2ee-15e19a223141" providerId="ADAL" clId="{6BF65FE4-74A7-9749-A675-EBA0086FF38E}" dt="2024-11-12T21:18:09.798" v="4536" actId="20577"/>
           <ac:spMkLst>
             <pc:docMk/>
             <pc:sldMk cId="467907165" sldId="485"/>
@@ -8161,7 +8211,7 @@
           </ac:spMkLst>
         </pc:spChg>
         <pc:spChg chg="add mod">
-          <ac:chgData name="Martina Di Gennaro" userId="242c7127-975c-4ec0-b2ee-15e19a223141" providerId="ADAL" clId="{6BF65FE4-74A7-9749-A675-EBA0086FF38E}" dt="2024-10-22T07:10:38.331" v="4171" actId="404"/>
+          <ac:chgData name="Martina Di Gennaro" userId="242c7127-975c-4ec0-b2ee-15e19a223141" providerId="ADAL" clId="{6BF65FE4-74A7-9749-A675-EBA0086FF38E}" dt="2024-11-12T21:18:49.855" v="4539" actId="20577"/>
           <ac:spMkLst>
             <pc:docMk/>
             <pc:sldMk cId="467907165" sldId="485"/>
@@ -8201,7 +8251,7 @@
         </pc:sldMkLst>
       </pc:sldChg>
       <pc:sldChg chg="addSp delSp modSp new mod">
-        <pc:chgData name="Martina Di Gennaro" userId="242c7127-975c-4ec0-b2ee-15e19a223141" providerId="ADAL" clId="{6BF65FE4-74A7-9749-A675-EBA0086FF38E}" dt="2024-10-22T12:24:54.325" v="4326" actId="1076"/>
+        <pc:chgData name="Martina Di Gennaro" userId="242c7127-975c-4ec0-b2ee-15e19a223141" providerId="ADAL" clId="{6BF65FE4-74A7-9749-A675-EBA0086FF38E}" dt="2024-11-12T21:52:04.787" v="4755" actId="1076"/>
         <pc:sldMkLst>
           <pc:docMk/>
           <pc:sldMk cId="1896682400" sldId="486"/>
@@ -8223,7 +8273,7 @@
           </ac:spMkLst>
         </pc:spChg>
         <pc:spChg chg="add mod">
-          <ac:chgData name="Martina Di Gennaro" userId="242c7127-975c-4ec0-b2ee-15e19a223141" providerId="ADAL" clId="{6BF65FE4-74A7-9749-A675-EBA0086FF38E}" dt="2024-10-21T08:36:53.574" v="4116" actId="20577"/>
+          <ac:chgData name="Martina Di Gennaro" userId="242c7127-975c-4ec0-b2ee-15e19a223141" providerId="ADAL" clId="{6BF65FE4-74A7-9749-A675-EBA0086FF38E}" dt="2024-11-12T21:52:04.787" v="4755" actId="1076"/>
           <ac:spMkLst>
             <pc:docMk/>
             <pc:sldMk cId="1896682400" sldId="486"/>
@@ -8231,11 +8281,19 @@
           </ac:spMkLst>
         </pc:spChg>
         <pc:spChg chg="add mod">
-          <ac:chgData name="Martina Di Gennaro" userId="242c7127-975c-4ec0-b2ee-15e19a223141" providerId="ADAL" clId="{6BF65FE4-74A7-9749-A675-EBA0086FF38E}" dt="2024-10-22T12:24:48.537" v="4324" actId="1076"/>
+          <ac:chgData name="Martina Di Gennaro" userId="242c7127-975c-4ec0-b2ee-15e19a223141" providerId="ADAL" clId="{6BF65FE4-74A7-9749-A675-EBA0086FF38E}" dt="2024-11-12T21:22:02.833" v="4601" actId="1076"/>
           <ac:spMkLst>
             <pc:docMk/>
             <pc:sldMk cId="1896682400" sldId="486"/>
             <ac:spMk id="6" creationId="{F90B5A80-C246-9A9B-2B32-79533AE1E3CA}"/>
+          </ac:spMkLst>
+        </pc:spChg>
+        <pc:spChg chg="add del mod">
+          <ac:chgData name="Martina Di Gennaro" userId="242c7127-975c-4ec0-b2ee-15e19a223141" providerId="ADAL" clId="{6BF65FE4-74A7-9749-A675-EBA0086FF38E}" dt="2024-11-12T21:52:01.072" v="4754" actId="478"/>
+          <ac:spMkLst>
+            <pc:docMk/>
+            <pc:sldMk cId="1896682400" sldId="486"/>
+            <ac:spMk id="10" creationId="{B7FDEF52-D3BA-5438-9D6C-3EB145CC97FE}"/>
           </ac:spMkLst>
         </pc:spChg>
         <pc:graphicFrameChg chg="add del mod modGraphic">
@@ -8246,17 +8304,25 @@
             <ac:graphicFrameMk id="4" creationId="{2DB44698-A647-2C6B-DB03-6F62EFAF866E}"/>
           </ac:graphicFrameMkLst>
         </pc:graphicFrameChg>
-        <pc:graphicFrameChg chg="add mod modGraphic">
-          <ac:chgData name="Martina Di Gennaro" userId="242c7127-975c-4ec0-b2ee-15e19a223141" providerId="ADAL" clId="{6BF65FE4-74A7-9749-A675-EBA0086FF38E}" dt="2024-10-22T12:23:51.528" v="4300" actId="20577"/>
+        <pc:graphicFrameChg chg="add del mod modGraphic">
+          <ac:chgData name="Martina Di Gennaro" userId="242c7127-975c-4ec0-b2ee-15e19a223141" providerId="ADAL" clId="{6BF65FE4-74A7-9749-A675-EBA0086FF38E}" dt="2024-11-12T21:18:29.581" v="4537" actId="478"/>
           <ac:graphicFrameMkLst>
             <pc:docMk/>
             <pc:sldMk cId="1896682400" sldId="486"/>
             <ac:graphicFrameMk id="5" creationId="{CACC1A64-8557-9EF2-0217-179DB525D725}"/>
           </ac:graphicFrameMkLst>
         </pc:graphicFrameChg>
+        <pc:picChg chg="add mod">
+          <ac:chgData name="Martina Di Gennaro" userId="242c7127-975c-4ec0-b2ee-15e19a223141" providerId="ADAL" clId="{6BF65FE4-74A7-9749-A675-EBA0086FF38E}" dt="2024-11-12T21:22:51.963" v="4606" actId="1076"/>
+          <ac:picMkLst>
+            <pc:docMk/>
+            <pc:sldMk cId="1896682400" sldId="486"/>
+            <ac:picMk id="8" creationId="{C8ED3122-D549-A5CB-A2C6-E3D23C7020B4}"/>
+          </ac:picMkLst>
+        </pc:picChg>
       </pc:sldChg>
-      <pc:sldChg chg="addSp modSp new mod">
-        <pc:chgData name="Martina Di Gennaro" userId="242c7127-975c-4ec0-b2ee-15e19a223141" providerId="ADAL" clId="{6BF65FE4-74A7-9749-A675-EBA0086FF38E}" dt="2024-10-22T07:17:37.060" v="4297"/>
+      <pc:sldChg chg="addSp delSp modSp new mod">
+        <pc:chgData name="Martina Di Gennaro" userId="242c7127-975c-4ec0-b2ee-15e19a223141" providerId="ADAL" clId="{6BF65FE4-74A7-9749-A675-EBA0086FF38E}" dt="2024-11-12T21:33:51.278" v="4677" actId="1076"/>
         <pc:sldMkLst>
           <pc:docMk/>
           <pc:sldMk cId="1824288819" sldId="487"/>
@@ -8269,23 +8335,39 @@
             <ac:spMk id="2" creationId="{BBF2151B-6A87-67E4-D6DC-C7208C0D9FF4}"/>
           </ac:spMkLst>
         </pc:spChg>
-        <pc:spChg chg="add mod">
-          <ac:chgData name="Martina Di Gennaro" userId="242c7127-975c-4ec0-b2ee-15e19a223141" providerId="ADAL" clId="{6BF65FE4-74A7-9749-A675-EBA0086FF38E}" dt="2024-10-22T07:17:37.060" v="4297"/>
+        <pc:spChg chg="add del mod">
+          <ac:chgData name="Martina Di Gennaro" userId="242c7127-975c-4ec0-b2ee-15e19a223141" providerId="ADAL" clId="{6BF65FE4-74A7-9749-A675-EBA0086FF38E}" dt="2024-11-12T21:30:19.333" v="4672" actId="478"/>
           <ac:spMkLst>
             <pc:docMk/>
             <pc:sldMk cId="1824288819" sldId="487"/>
             <ac:spMk id="3" creationId="{EA6FF419-A497-52BC-5B94-A8D51ED7A251}"/>
           </ac:spMkLst>
         </pc:spChg>
+        <pc:spChg chg="add mod">
+          <ac:chgData name="Martina Di Gennaro" userId="242c7127-975c-4ec0-b2ee-15e19a223141" providerId="ADAL" clId="{6BF65FE4-74A7-9749-A675-EBA0086FF38E}" dt="2024-11-12T21:30:18.078" v="4671" actId="1076"/>
+          <ac:spMkLst>
+            <pc:docMk/>
+            <pc:sldMk cId="1824288819" sldId="487"/>
+            <ac:spMk id="5" creationId="{C7CADFF0-5FC9-2C27-8F1D-D90F653A8FD1}"/>
+          </ac:spMkLst>
+        </pc:spChg>
+        <pc:picChg chg="add mod">
+          <ac:chgData name="Martina Di Gennaro" userId="242c7127-975c-4ec0-b2ee-15e19a223141" providerId="ADAL" clId="{6BF65FE4-74A7-9749-A675-EBA0086FF38E}" dt="2024-11-12T21:33:51.278" v="4677" actId="1076"/>
+          <ac:picMkLst>
+            <pc:docMk/>
+            <pc:sldMk cId="1824288819" sldId="487"/>
+            <ac:picMk id="7" creationId="{092757FC-2A9C-7E99-44A3-3172A6B076D7}"/>
+          </ac:picMkLst>
+        </pc:picChg>
       </pc:sldChg>
       <pc:sldChg chg="modSp new mod">
-        <pc:chgData name="Martina Di Gennaro" userId="242c7127-975c-4ec0-b2ee-15e19a223141" providerId="ADAL" clId="{6BF65FE4-74A7-9749-A675-EBA0086FF38E}" dt="2024-10-21T08:20:42.986" v="3977" actId="20577"/>
+        <pc:chgData name="Martina Di Gennaro" userId="242c7127-975c-4ec0-b2ee-15e19a223141" providerId="ADAL" clId="{6BF65FE4-74A7-9749-A675-EBA0086FF38E}" dt="2024-11-12T22:01:23.795" v="4768" actId="20577"/>
         <pc:sldMkLst>
           <pc:docMk/>
           <pc:sldMk cId="2529889896" sldId="488"/>
         </pc:sldMkLst>
         <pc:spChg chg="mod">
-          <ac:chgData name="Martina Di Gennaro" userId="242c7127-975c-4ec0-b2ee-15e19a223141" providerId="ADAL" clId="{6BF65FE4-74A7-9749-A675-EBA0086FF38E}" dt="2024-10-21T08:20:42.986" v="3977" actId="20577"/>
+          <ac:chgData name="Martina Di Gennaro" userId="242c7127-975c-4ec0-b2ee-15e19a223141" providerId="ADAL" clId="{6BF65FE4-74A7-9749-A675-EBA0086FF38E}" dt="2024-11-12T22:01:23.795" v="4768" actId="20577"/>
           <ac:spMkLst>
             <pc:docMk/>
             <pc:sldMk cId="2529889896" sldId="488"/>
@@ -8315,6 +8397,82 @@
             <ac:graphicFrameMk id="3" creationId="{90C73DB1-73F7-B400-6AC6-26779D29E731}"/>
           </ac:graphicFrameMkLst>
         </pc:graphicFrameChg>
+      </pc:sldChg>
+      <pc:sldChg chg="new del">
+        <pc:chgData name="Martina Di Gennaro" userId="242c7127-975c-4ec0-b2ee-15e19a223141" providerId="ADAL" clId="{6BF65FE4-74A7-9749-A675-EBA0086FF38E}" dt="2024-11-12T20:52:21.654" v="4457" actId="2696"/>
+        <pc:sldMkLst>
+          <pc:docMk/>
+          <pc:sldMk cId="2180048510" sldId="490"/>
+        </pc:sldMkLst>
+      </pc:sldChg>
+      <pc:sldChg chg="addSp delSp modSp new mod">
+        <pc:chgData name="Martina Di Gennaro" userId="242c7127-975c-4ec0-b2ee-15e19a223141" providerId="ADAL" clId="{6BF65FE4-74A7-9749-A675-EBA0086FF38E}" dt="2024-11-13T08:11:18.317" v="4852" actId="1076"/>
+        <pc:sldMkLst>
+          <pc:docMk/>
+          <pc:sldMk cId="2847408134" sldId="490"/>
+        </pc:sldMkLst>
+        <pc:spChg chg="mod">
+          <ac:chgData name="Martina Di Gennaro" userId="242c7127-975c-4ec0-b2ee-15e19a223141" providerId="ADAL" clId="{6BF65FE4-74A7-9749-A675-EBA0086FF38E}" dt="2024-11-12T22:02:38.236" v="4792" actId="20577"/>
+          <ac:spMkLst>
+            <pc:docMk/>
+            <pc:sldMk cId="2847408134" sldId="490"/>
+            <ac:spMk id="2" creationId="{CABB1549-7072-AA2E-DCAB-D191B8119454}"/>
+          </ac:spMkLst>
+        </pc:spChg>
+        <pc:spChg chg="add del mod">
+          <ac:chgData name="Martina Di Gennaro" userId="242c7127-975c-4ec0-b2ee-15e19a223141" providerId="ADAL" clId="{6BF65FE4-74A7-9749-A675-EBA0086FF38E}" dt="2024-11-12T21:14:45.784" v="4512" actId="21"/>
+          <ac:spMkLst>
+            <pc:docMk/>
+            <pc:sldMk cId="2847408134" sldId="490"/>
+            <ac:spMk id="3" creationId="{EA5B4EF4-38E6-6A69-AC72-94790960EA3E}"/>
+          </ac:spMkLst>
+        </pc:spChg>
+        <pc:picChg chg="add mod">
+          <ac:chgData name="Martina Di Gennaro" userId="242c7127-975c-4ec0-b2ee-15e19a223141" providerId="ADAL" clId="{6BF65FE4-74A7-9749-A675-EBA0086FF38E}" dt="2024-11-13T08:11:18.317" v="4852" actId="1076"/>
+          <ac:picMkLst>
+            <pc:docMk/>
+            <pc:sldMk cId="2847408134" sldId="490"/>
+            <ac:picMk id="5" creationId="{ED2CF797-5B2E-043E-9487-16C3815F53FA}"/>
+          </ac:picMkLst>
+        </pc:picChg>
+      </pc:sldChg>
+      <pc:sldChg chg="addSp modSp new mod ord">
+        <pc:chgData name="Martina Di Gennaro" userId="242c7127-975c-4ec0-b2ee-15e19a223141" providerId="ADAL" clId="{6BF65FE4-74A7-9749-A675-EBA0086FF38E}" dt="2024-11-13T08:09:48.965" v="4851" actId="20577"/>
+        <pc:sldMkLst>
+          <pc:docMk/>
+          <pc:sldMk cId="1285753839" sldId="491"/>
+        </pc:sldMkLst>
+        <pc:spChg chg="mod">
+          <ac:chgData name="Martina Di Gennaro" userId="242c7127-975c-4ec0-b2ee-15e19a223141" providerId="ADAL" clId="{6BF65FE4-74A7-9749-A675-EBA0086FF38E}" dt="2024-11-13T08:09:48.965" v="4851" actId="20577"/>
+          <ac:spMkLst>
+            <pc:docMk/>
+            <pc:sldMk cId="1285753839" sldId="491"/>
+            <ac:spMk id="2" creationId="{4AA12AE1-2493-8626-C301-44FDB9B6E97E}"/>
+          </ac:spMkLst>
+        </pc:spChg>
+        <pc:spChg chg="add mod">
+          <ac:chgData name="Martina Di Gennaro" userId="242c7127-975c-4ec0-b2ee-15e19a223141" providerId="ADAL" clId="{6BF65FE4-74A7-9749-A675-EBA0086FF38E}" dt="2024-11-12T21:16:29.843" v="4517" actId="1076"/>
+          <ac:spMkLst>
+            <pc:docMk/>
+            <pc:sldMk cId="1285753839" sldId="491"/>
+            <ac:spMk id="3" creationId="{296D5651-733C-4A4D-DCA1-AC056F5049E0}"/>
+          </ac:spMkLst>
+        </pc:spChg>
+      </pc:sldChg>
+      <pc:sldChg chg="modSp new mod">
+        <pc:chgData name="Martina Di Gennaro" userId="242c7127-975c-4ec0-b2ee-15e19a223141" providerId="ADAL" clId="{6BF65FE4-74A7-9749-A675-EBA0086FF38E}" dt="2024-11-12T22:03:05.832" v="4815" actId="20577"/>
+        <pc:sldMkLst>
+          <pc:docMk/>
+          <pc:sldMk cId="1669332132" sldId="492"/>
+        </pc:sldMkLst>
+        <pc:spChg chg="mod">
+          <ac:chgData name="Martina Di Gennaro" userId="242c7127-975c-4ec0-b2ee-15e19a223141" providerId="ADAL" clId="{6BF65FE4-74A7-9749-A675-EBA0086FF38E}" dt="2024-11-12T22:03:05.832" v="4815" actId="20577"/>
+          <ac:spMkLst>
+            <pc:docMk/>
+            <pc:sldMk cId="1669332132" sldId="492"/>
+            <ac:spMk id="2" creationId="{7FF115A0-3002-9F93-3841-6B58E9FE6897}"/>
+          </ac:spMkLst>
+        </pc:spChg>
       </pc:sldChg>
       <pc:sldMasterChg chg="modSldLayout">
         <pc:chgData name="Martina Di Gennaro" userId="242c7127-975c-4ec0-b2ee-15e19a223141" providerId="ADAL" clId="{6BF65FE4-74A7-9749-A675-EBA0086FF38E}" dt="2024-10-17T07:10:24.389" v="1219" actId="27636"/>
@@ -10948,7 +11106,7 @@
           <a:p>
             <a:fld id="{8ACEEAC8-0C90-4631-9C3C-08030CBC435A}" type="datetimeFigureOut">
               <a:rPr lang="it-IT" smtClean="0"/>
-              <a:t>23/10/24</a:t>
+              <a:t>13/11/24</a:t>
             </a:fld>
             <a:endParaRPr lang="it-IT"/>
           </a:p>
@@ -11242,95 +11400,6 @@
             <p:ph type="sldImg"/>
           </p:nvPr>
         </p:nvSpPr>
-        <p:spPr>
-          <a:xfrm>
-            <a:off x="1371600" y="1143000"/>
-            <a:ext cx="4114800" cy="3086100"/>
-          </a:xfrm>
-        </p:spPr>
-      </p:sp>
-      <p:sp>
-        <p:nvSpPr>
-          <p:cNvPr id="3" name="Segnaposto note 2"/>
-          <p:cNvSpPr>
-            <a:spLocks noGrp="1"/>
-          </p:cNvSpPr>
-          <p:nvPr>
-            <p:ph type="body" idx="1"/>
-          </p:nvPr>
-        </p:nvSpPr>
-        <p:spPr/>
-        <p:txBody>
-          <a:bodyPr/>
-          <a:lstStyle/>
-          <a:p>
-            <a:endParaRPr lang="en-US" dirty="0"/>
-          </a:p>
-        </p:txBody>
-      </p:sp>
-      <p:sp>
-        <p:nvSpPr>
-          <p:cNvPr id="4" name="Segnaposto numero diapositiva 3"/>
-          <p:cNvSpPr>
-            <a:spLocks noGrp="1"/>
-          </p:cNvSpPr>
-          <p:nvPr>
-            <p:ph type="sldNum" sz="quarter" idx="5"/>
-          </p:nvPr>
-        </p:nvSpPr>
-        <p:spPr/>
-        <p:txBody>
-          <a:bodyPr/>
-          <a:lstStyle/>
-          <a:p>
-            <a:fld id="{49EA6F51-DFFF-4EC2-83B1-B46E0E772754}" type="slidenum">
-              <a:rPr lang="it-IT" smtClean="0"/>
-              <a:t>1</a:t>
-            </a:fld>
-            <a:endParaRPr lang="it-IT"/>
-          </a:p>
-        </p:txBody>
-      </p:sp>
-    </p:spTree>
-    <p:extLst>
-      <p:ext uri="{BB962C8B-B14F-4D97-AF65-F5344CB8AC3E}">
-        <p14:creationId xmlns:p14="http://schemas.microsoft.com/office/powerpoint/2010/main" val="892609554"/>
-      </p:ext>
-    </p:extLst>
-  </p:cSld>
-  <p:clrMapOvr>
-    <a:masterClrMapping/>
-  </p:clrMapOvr>
-</p:notes>
-</file>
-
-<file path=ppt/notesSlides/notesSlide2.xml><?xml version="1.0" encoding="utf-8"?>
-<p:notes xmlns:a="http://schemas.openxmlformats.org/drawingml/2006/main" xmlns:r="http://schemas.openxmlformats.org/officeDocument/2006/relationships" xmlns:p="http://schemas.openxmlformats.org/presentationml/2006/main">
-  <p:cSld>
-    <p:spTree>
-      <p:nvGrpSpPr>
-        <p:cNvPr id="1" name=""/>
-        <p:cNvGrpSpPr/>
-        <p:nvPr/>
-      </p:nvGrpSpPr>
-      <p:grpSpPr>
-        <a:xfrm>
-          <a:off x="0" y="0"/>
-          <a:ext cx="0" cy="0"/>
-          <a:chOff x="0" y="0"/>
-          <a:chExt cx="0" cy="0"/>
-        </a:xfrm>
-      </p:grpSpPr>
-      <p:sp>
-        <p:nvSpPr>
-          <p:cNvPr id="2" name="Segnaposto immagine diapositiva 1"/>
-          <p:cNvSpPr>
-            <a:spLocks noGrp="1" noRot="1" noChangeAspect="1"/>
-          </p:cNvSpPr>
-          <p:nvPr>
-            <p:ph type="sldImg"/>
-          </p:nvPr>
-        </p:nvSpPr>
         <p:spPr/>
       </p:sp>
       <p:sp>
@@ -11420,7 +11489,7 @@
           <a:p>
             <a:fld id="{49EA6F51-DFFF-4EC2-83B1-B46E0E772754}" type="slidenum">
               <a:rPr lang="it-IT" smtClean="0"/>
-              <a:t>6</a:t>
+              <a:t>7</a:t>
             </a:fld>
             <a:endParaRPr lang="it-IT"/>
           </a:p>
@@ -24098,7 +24167,7 @@
           <a:p>
             <a:fld id="{8B541785-5271-4928-BD17-1165349D9C8C}" type="datetime1">
               <a:rPr lang="it-IT" smtClean="0"/>
-              <a:t>23/10/24</a:t>
+              <a:t>13/11/24</a:t>
             </a:fld>
             <a:endParaRPr lang="it-IT"/>
           </a:p>
@@ -24478,387 +24547,401 @@
       </p:grpSpPr>
       <p:sp>
         <p:nvSpPr>
-          <p:cNvPr id="4" name="Titolo 1">
+          <p:cNvPr id="2" name="Titolo 1">
             <a:extLst>
               <a:ext uri="{FF2B5EF4-FFF2-40B4-BE49-F238E27FC236}">
-                <a16:creationId xmlns:a16="http://schemas.microsoft.com/office/drawing/2014/main" id="{A11478A6-80D1-508B-FDB8-25B59BF0B1E6}"/>
+                <a16:creationId xmlns:a16="http://schemas.microsoft.com/office/drawing/2014/main" id="{4AA12AE1-2493-8626-C301-44FDB9B6E97E}"/>
               </a:ext>
             </a:extLst>
           </p:cNvPr>
-          <p:cNvSpPr txBox="1">
-            <a:spLocks/>
+          <p:cNvSpPr>
+            <a:spLocks noGrp="1"/>
           </p:cNvSpPr>
-          <p:nvPr/>
+          <p:nvPr>
+            <p:ph type="title"/>
+          </p:nvPr>
         </p:nvSpPr>
-        <p:spPr>
-          <a:xfrm>
-            <a:off x="528031" y="4226154"/>
-            <a:ext cx="8087938" cy="1138821"/>
-          </a:xfrm>
-          <a:prstGeom prst="rect">
-            <a:avLst/>
-          </a:prstGeom>
-        </p:spPr>
+        <p:spPr/>
         <p:txBody>
           <a:bodyPr>
-            <a:normAutofit lnSpcReduction="10000"/>
+            <a:normAutofit fontScale="90000"/>
           </a:bodyPr>
-          <a:lstStyle>
-            <a:lvl1pPr marL="0" indent="0" algn="l" defTabSz="457200" rtl="0" eaLnBrk="1" latinLnBrk="0" hangingPunct="1">
-              <a:spcBef>
-                <a:spcPct val="0"/>
-              </a:spcBef>
-              <a:buNone/>
-              <a:defRPr sz="3600" b="1" kern="1200">
-                <a:solidFill>
-                  <a:schemeClr val="bg1"/>
-                </a:solidFill>
-                <a:latin typeface="Arial"/>
-                <a:ea typeface="+mj-ea"/>
-                <a:cs typeface="Arial"/>
-              </a:defRPr>
-            </a:lvl1pPr>
-          </a:lstStyle>
+          <a:lstStyle/>
           <a:p>
-            <a:pPr algn="just"/>
             <a:r>
-              <a:rPr lang="it-IT" sz="2400" spc="100" dirty="0" err="1">
-                <a:latin typeface="+mj-lt"/>
-              </a:rPr>
-              <a:t>Reduced</a:t>
-            </a:r>
-            <a:r>
-              <a:rPr lang="it-IT" sz="2400" spc="100" dirty="0">
-                <a:latin typeface="+mj-lt"/>
-              </a:rPr>
-              <a:t> order </a:t>
-            </a:r>
-            <a:r>
-              <a:rPr lang="it-IT" sz="2400" spc="100" dirty="0" err="1">
-                <a:latin typeface="+mj-lt"/>
-              </a:rPr>
-              <a:t>modelling</a:t>
-            </a:r>
-            <a:r>
-              <a:rPr lang="it-IT" sz="2400" spc="100" dirty="0">
-                <a:latin typeface="+mj-lt"/>
-              </a:rPr>
-              <a:t> of </a:t>
-            </a:r>
-            <a:r>
-              <a:rPr lang="it-IT" sz="2400" spc="100" dirty="0" err="1">
-                <a:latin typeface="+mj-lt"/>
-              </a:rPr>
-              <a:t>fission</a:t>
-            </a:r>
-            <a:r>
-              <a:rPr lang="it-IT" sz="2400" spc="100" dirty="0">
-                <a:latin typeface="+mj-lt"/>
-              </a:rPr>
-              <a:t> gas </a:t>
-            </a:r>
-            <a:r>
-              <a:rPr lang="it-IT" sz="2400" spc="100" dirty="0" err="1">
-                <a:latin typeface="+mj-lt"/>
-              </a:rPr>
-              <a:t>diffusion</a:t>
-            </a:r>
-            <a:r>
-              <a:rPr lang="it-IT" sz="2400" spc="100" dirty="0">
-                <a:latin typeface="+mj-lt"/>
-              </a:rPr>
-              <a:t> in </a:t>
-            </a:r>
-            <a:r>
-              <a:rPr lang="it-IT" sz="2400" spc="100" dirty="0" err="1">
-                <a:latin typeface="+mj-lt"/>
-              </a:rPr>
-              <a:t>columnar</a:t>
-            </a:r>
-            <a:r>
-              <a:rPr lang="it-IT" sz="2400" spc="100" dirty="0">
-                <a:latin typeface="+mj-lt"/>
-              </a:rPr>
-              <a:t> grains </a:t>
-            </a:r>
-            <a:r>
-              <a:rPr lang="it-IT" sz="2400" spc="100" dirty="0" err="1">
-                <a:latin typeface="+mj-lt"/>
-              </a:rPr>
-              <a:t>using</a:t>
-            </a:r>
-            <a:r>
-              <a:rPr lang="it-IT" sz="2400" spc="100" dirty="0">
-                <a:latin typeface="+mj-lt"/>
-              </a:rPr>
-              <a:t> SCIANTIX </a:t>
-            </a:r>
-            <a:r>
-              <a:rPr lang="it-IT" sz="2400" spc="100" dirty="0" err="1">
-                <a:latin typeface="+mj-lt"/>
-              </a:rPr>
-              <a:t>coupled</a:t>
-            </a:r>
-            <a:r>
-              <a:rPr lang="it-IT" sz="2400" spc="100" dirty="0">
-                <a:latin typeface="+mj-lt"/>
-              </a:rPr>
-              <a:t> with TRANSURANUS</a:t>
+              <a:rPr lang="en-GB" dirty="0"/>
+              <a:t>Motivations to adopt a new approach </a:t>
             </a:r>
           </a:p>
         </p:txBody>
       </p:sp>
       <p:sp>
         <p:nvSpPr>
-          <p:cNvPr id="5" name="Sottotitolo 2">
+          <p:cNvPr id="3" name="CasellaDiTesto 2">
             <a:extLst>
               <a:ext uri="{FF2B5EF4-FFF2-40B4-BE49-F238E27FC236}">
-                <a16:creationId xmlns:a16="http://schemas.microsoft.com/office/drawing/2014/main" id="{9CBE05D5-3354-7870-E073-19BF3F30E340}"/>
+                <a16:creationId xmlns:a16="http://schemas.microsoft.com/office/drawing/2014/main" id="{296D5651-733C-4A4D-DCA1-AC056F5049E0}"/>
               </a:ext>
             </a:extLst>
           </p:cNvPr>
-          <p:cNvSpPr txBox="1">
-            <a:spLocks/>
-          </p:cNvSpPr>
+          <p:cNvSpPr txBox="1"/>
           <p:nvPr/>
         </p:nvSpPr>
         <p:spPr>
           <a:xfrm>
-            <a:off x="528031" y="5364973"/>
-            <a:ext cx="8087938" cy="1336104"/>
+            <a:off x="272005" y="978828"/>
+            <a:ext cx="8504247" cy="1354217"/>
           </a:xfrm>
           <a:prstGeom prst="rect">
             <a:avLst/>
           </a:prstGeom>
+          <a:noFill/>
         </p:spPr>
         <p:txBody>
-          <a:bodyPr/>
-          <a:lstStyle>
-            <a:lvl1pPr marL="0" indent="0" algn="l" defTabSz="457200" rtl="0" eaLnBrk="1" latinLnBrk="0" hangingPunct="1">
-              <a:spcBef>
-                <a:spcPct val="20000"/>
-              </a:spcBef>
-              <a:buFont typeface="Wingdings" charset="2"/>
-              <a:buNone/>
-              <a:defRPr sz="2200" kern="1200">
+          <a:bodyPr wrap="square">
+            <a:spAutoFit/>
+          </a:bodyPr>
+          <a:lstStyle/>
+          <a:p>
+            <a:pPr algn="just">
+              <a:spcAft>
+                <a:spcPts val="600"/>
+              </a:spcAft>
+            </a:pPr>
+            <a:r>
+              <a:rPr lang="it-IT" dirty="0" err="1">
                 <a:solidFill>
-                  <a:schemeClr val="tx1">
-                    <a:tint val="75000"/>
-                  </a:schemeClr>
+                  <a:srgbClr val="1F1F1F"/>
                 </a:solidFill>
-                <a:latin typeface="Arial"/>
-                <a:ea typeface="+mn-ea"/>
-                <a:cs typeface="Arial"/>
-              </a:defRPr>
-            </a:lvl1pPr>
-            <a:lvl2pPr marL="457200" indent="0" algn="ctr" defTabSz="457200" rtl="0" eaLnBrk="1" latinLnBrk="0" hangingPunct="1">
-              <a:spcBef>
-                <a:spcPct val="20000"/>
-              </a:spcBef>
-              <a:buFont typeface="Arial"/>
-              <a:buNone/>
-              <a:defRPr sz="2200" kern="1200">
-                <a:solidFill>
-                  <a:schemeClr val="tx1">
-                    <a:tint val="75000"/>
-                  </a:schemeClr>
-                </a:solidFill>
-                <a:latin typeface="Arial"/>
-                <a:ea typeface="+mn-ea"/>
-                <a:cs typeface="Arial"/>
-              </a:defRPr>
-            </a:lvl2pPr>
-            <a:lvl3pPr marL="914400" indent="0" algn="ctr" defTabSz="457200" rtl="0" eaLnBrk="1" latinLnBrk="0" hangingPunct="1">
-              <a:spcBef>
-                <a:spcPct val="20000"/>
-              </a:spcBef>
-              <a:buFont typeface="Arial"/>
-              <a:buNone/>
-              <a:defRPr sz="2200" kern="1200">
-                <a:solidFill>
-                  <a:schemeClr val="tx1">
-                    <a:tint val="75000"/>
-                  </a:schemeClr>
-                </a:solidFill>
-                <a:latin typeface="Arial"/>
-                <a:ea typeface="+mn-ea"/>
-                <a:cs typeface="Arial"/>
-              </a:defRPr>
-            </a:lvl3pPr>
-            <a:lvl4pPr marL="1371600" indent="0" algn="ctr" defTabSz="457200" rtl="0" eaLnBrk="1" latinLnBrk="0" hangingPunct="1">
-              <a:spcBef>
-                <a:spcPct val="20000"/>
-              </a:spcBef>
-              <a:buFont typeface="Arial"/>
-              <a:buNone/>
-              <a:defRPr sz="2200" kern="1200">
-                <a:solidFill>
-                  <a:schemeClr val="tx1">
-                    <a:tint val="75000"/>
-                  </a:schemeClr>
-                </a:solidFill>
-                <a:latin typeface="Arial"/>
-                <a:ea typeface="+mn-ea"/>
-                <a:cs typeface="Arial"/>
-              </a:defRPr>
-            </a:lvl4pPr>
-            <a:lvl5pPr marL="1828800" indent="0" algn="ctr" defTabSz="457200" rtl="0" eaLnBrk="1" latinLnBrk="0" hangingPunct="1">
-              <a:spcBef>
-                <a:spcPct val="20000"/>
-              </a:spcBef>
-              <a:buFont typeface="Arial"/>
-              <a:buNone/>
-              <a:defRPr sz="2200" kern="1200">
-                <a:solidFill>
-                  <a:schemeClr val="tx1">
-                    <a:tint val="75000"/>
-                  </a:schemeClr>
-                </a:solidFill>
-                <a:latin typeface="Arial"/>
-                <a:ea typeface="+mn-ea"/>
-                <a:cs typeface="Arial"/>
-              </a:defRPr>
-            </a:lvl5pPr>
-            <a:lvl6pPr marL="2286000" indent="0" algn="ctr" defTabSz="457200" rtl="0" eaLnBrk="1" latinLnBrk="0" hangingPunct="1">
-              <a:spcBef>
-                <a:spcPct val="20000"/>
-              </a:spcBef>
-              <a:buFont typeface="Arial"/>
-              <a:buNone/>
-              <a:defRPr sz="2000" kern="1200">
-                <a:solidFill>
-                  <a:schemeClr val="tx1">
-                    <a:tint val="75000"/>
-                  </a:schemeClr>
-                </a:solidFill>
-                <a:latin typeface="+mn-lt"/>
-                <a:ea typeface="+mn-ea"/>
-                <a:cs typeface="+mn-cs"/>
-              </a:defRPr>
-            </a:lvl6pPr>
-            <a:lvl7pPr marL="2743200" indent="0" algn="ctr" defTabSz="457200" rtl="0" eaLnBrk="1" latinLnBrk="0" hangingPunct="1">
-              <a:spcBef>
-                <a:spcPct val="20000"/>
-              </a:spcBef>
-              <a:buFont typeface="Arial"/>
-              <a:buNone/>
-              <a:defRPr sz="2000" kern="1200">
-                <a:solidFill>
-                  <a:schemeClr val="tx1">
-                    <a:tint val="75000"/>
-                  </a:schemeClr>
-                </a:solidFill>
-                <a:latin typeface="+mn-lt"/>
-                <a:ea typeface="+mn-ea"/>
-                <a:cs typeface="+mn-cs"/>
-              </a:defRPr>
-            </a:lvl7pPr>
-            <a:lvl8pPr marL="3200400" indent="0" algn="ctr" defTabSz="457200" rtl="0" eaLnBrk="1" latinLnBrk="0" hangingPunct="1">
-              <a:spcBef>
-                <a:spcPct val="20000"/>
-              </a:spcBef>
-              <a:buFont typeface="Arial"/>
-              <a:buNone/>
-              <a:defRPr sz="2000" kern="1200">
-                <a:solidFill>
-                  <a:schemeClr val="tx1">
-                    <a:tint val="75000"/>
-                  </a:schemeClr>
-                </a:solidFill>
-                <a:latin typeface="+mn-lt"/>
-                <a:ea typeface="+mn-ea"/>
-                <a:cs typeface="+mn-cs"/>
-              </a:defRPr>
-            </a:lvl8pPr>
-            <a:lvl9pPr marL="3657600" indent="0" algn="ctr" defTabSz="457200" rtl="0" eaLnBrk="1" latinLnBrk="0" hangingPunct="1">
-              <a:spcBef>
-                <a:spcPct val="20000"/>
-              </a:spcBef>
-              <a:buFont typeface="Arial"/>
-              <a:buNone/>
-              <a:defRPr sz="2000" kern="1200">
-                <a:solidFill>
-                  <a:schemeClr val="tx1">
-                    <a:tint val="75000"/>
-                  </a:schemeClr>
-                </a:solidFill>
-                <a:latin typeface="+mn-lt"/>
-                <a:ea typeface="+mn-ea"/>
-                <a:cs typeface="+mn-cs"/>
-              </a:defRPr>
-            </a:lvl9pPr>
-          </a:lstStyle>
-          <a:p>
-            <a:r>
-              <a:rPr lang="it-IT" sz="1600" dirty="0">
-                <a:solidFill>
-                  <a:schemeClr val="bg1"/>
-                </a:solidFill>
-                <a:latin typeface="+mj-lt"/>
+                <a:effectLst/>
               </a:rPr>
-              <a:t>M. Di Gennaro, D. Pizzocri, </a:t>
+              <a:t>Main</a:t>
             </a:r>
             <a:r>
-              <a:rPr lang="it-IT" sz="1600" dirty="0" err="1">
+              <a:rPr lang="it-IT" dirty="0">
                 <a:solidFill>
-                  <a:schemeClr val="bg1"/>
+                  <a:srgbClr val="1F1F1F"/>
                 </a:solidFill>
-                <a:latin typeface="+mj-lt"/>
+                <a:effectLst/>
               </a:rPr>
-              <a:t>F</a:t>
+              <a:t> </a:t>
             </a:r>
             <a:r>
-              <a:rPr lang="it-IT" sz="1600" dirty="0">
+              <a:rPr lang="it-IT" dirty="0" err="1">
                 <a:solidFill>
-                  <a:schemeClr val="bg1"/>
+                  <a:srgbClr val="1F1F1F"/>
                 </a:solidFill>
-                <a:latin typeface="+mj-lt"/>
+                <a:effectLst/>
               </a:rPr>
-              <a:t>. A. B. Silva, G. Zullo, L. Luzzi</a:t>
+              <a:t>limitations</a:t>
+            </a:r>
+            <a:r>
+              <a:rPr lang="it-IT" dirty="0">
+                <a:solidFill>
+                  <a:srgbClr val="1F1F1F"/>
+                </a:solidFill>
+                <a:effectLst/>
+              </a:rPr>
+              <a:t> of the </a:t>
+            </a:r>
+            <a:r>
+              <a:rPr lang="it-IT" dirty="0" err="1">
+                <a:solidFill>
+                  <a:srgbClr val="1F1F1F"/>
+                </a:solidFill>
+                <a:effectLst/>
+              </a:rPr>
+              <a:t>old</a:t>
+            </a:r>
+            <a:r>
+              <a:rPr lang="it-IT" dirty="0">
+                <a:solidFill>
+                  <a:srgbClr val="1F1F1F"/>
+                </a:solidFill>
+                <a:effectLst/>
+              </a:rPr>
+              <a:t> model (</a:t>
+            </a:r>
+            <a:r>
+              <a:rPr lang="it-IT" dirty="0">
+                <a:solidFill>
+                  <a:srgbClr val="0086C3"/>
+                </a:solidFill>
+                <a:effectLst/>
+              </a:rPr>
+              <a:t>Pizzocri et al. 2023</a:t>
+            </a:r>
+            <a:r>
+              <a:rPr lang="it-IT" dirty="0">
+                <a:solidFill>
+                  <a:srgbClr val="1F1F1F"/>
+                </a:solidFill>
+                <a:effectLst/>
+              </a:rPr>
+              <a:t>)</a:t>
             </a:r>
           </a:p>
           <a:p>
-            <a:endParaRPr lang="it-IT" sz="1200" dirty="0">
-              <a:solidFill>
-                <a:schemeClr val="bg1"/>
-              </a:solidFill>
-              <a:latin typeface="+mj-lt"/>
-            </a:endParaRPr>
+            <a:pPr marL="285750" indent="-285750" algn="just">
+              <a:spcAft>
+                <a:spcPts val="600"/>
+              </a:spcAft>
+              <a:buFont typeface="Arial" panose="020B0604020202020204" pitchFamily="34" charset="0"/>
+              <a:buChar char="•"/>
+            </a:pPr>
+            <a:r>
+              <a:rPr lang="it-IT" dirty="0" err="1">
+                <a:solidFill>
+                  <a:srgbClr val="1F1F1F"/>
+                </a:solidFill>
+                <a:latin typeface="Aptos Light" panose="020B0004020202020204" pitchFamily="34" charset="0"/>
+              </a:rPr>
+              <a:t>Linearization</a:t>
+            </a:r>
+            <a:r>
+              <a:rPr lang="it-IT" dirty="0">
+                <a:solidFill>
+                  <a:srgbClr val="1F1F1F"/>
+                </a:solidFill>
+                <a:latin typeface="Aptos Light" panose="020B0004020202020204" pitchFamily="34" charset="0"/>
+              </a:rPr>
+              <a:t> of the </a:t>
+            </a:r>
+            <a:r>
+              <a:rPr lang="it-IT" dirty="0" err="1">
+                <a:solidFill>
+                  <a:srgbClr val="1F1F1F"/>
+                </a:solidFill>
+                <a:latin typeface="Aptos Light" panose="020B0004020202020204" pitchFamily="34" charset="0"/>
+              </a:rPr>
+              <a:t>diffusion</a:t>
+            </a:r>
+            <a:r>
+              <a:rPr lang="it-IT" dirty="0">
+                <a:solidFill>
+                  <a:srgbClr val="1F1F1F"/>
+                </a:solidFill>
+                <a:latin typeface="Aptos Light" panose="020B0004020202020204" pitchFamily="34" charset="0"/>
+              </a:rPr>
+              <a:t> </a:t>
+            </a:r>
+            <a:r>
+              <a:rPr lang="it-IT" dirty="0" err="1">
+                <a:solidFill>
+                  <a:srgbClr val="1F1F1F"/>
+                </a:solidFill>
+                <a:latin typeface="Aptos Light" panose="020B0004020202020204" pitchFamily="34" charset="0"/>
+              </a:rPr>
+              <a:t>coefficient</a:t>
+            </a:r>
+            <a:r>
+              <a:rPr lang="it-IT" dirty="0">
+                <a:solidFill>
+                  <a:srgbClr val="1F1F1F"/>
+                </a:solidFill>
+                <a:latin typeface="Aptos Light" panose="020B0004020202020204" pitchFamily="34" charset="0"/>
+              </a:rPr>
+              <a:t> </a:t>
+            </a:r>
+            <a:r>
+              <a:rPr lang="it-IT" dirty="0">
+                <a:solidFill>
+                  <a:srgbClr val="1F1F1F"/>
+                </a:solidFill>
+                <a:latin typeface="Calibri" panose="020F0502020204030204" pitchFamily="34" charset="0"/>
+                <a:cs typeface="Calibri" panose="020F0502020204030204" pitchFamily="34" charset="0"/>
+              </a:rPr>
+              <a:t>-&gt;</a:t>
+            </a:r>
+            <a:r>
+              <a:rPr lang="it-IT" dirty="0">
+                <a:solidFill>
+                  <a:srgbClr val="1F1F1F"/>
+                </a:solidFill>
+                <a:latin typeface="Aptos Light" panose="020B0004020202020204" pitchFamily="34" charset="0"/>
+              </a:rPr>
+              <a:t> </a:t>
+            </a:r>
+            <a:r>
+              <a:rPr lang="it-IT" dirty="0" err="1">
+                <a:solidFill>
+                  <a:srgbClr val="1F1F1F"/>
+                </a:solidFill>
+                <a:latin typeface="Aptos Light" panose="020B0004020202020204" pitchFamily="34" charset="0"/>
+              </a:rPr>
+              <a:t>difficulty</a:t>
+            </a:r>
+            <a:r>
+              <a:rPr lang="it-IT" dirty="0">
+                <a:solidFill>
+                  <a:srgbClr val="1F1F1F"/>
+                </a:solidFill>
+                <a:latin typeface="Aptos Light" panose="020B0004020202020204" pitchFamily="34" charset="0"/>
+              </a:rPr>
+              <a:t> in </a:t>
+            </a:r>
+            <a:r>
+              <a:rPr lang="it-IT" dirty="0" err="1">
+                <a:solidFill>
+                  <a:srgbClr val="1F1F1F"/>
+                </a:solidFill>
+                <a:latin typeface="Aptos Light" panose="020B0004020202020204" pitchFamily="34" charset="0"/>
+              </a:rPr>
+              <a:t>capturing</a:t>
+            </a:r>
+            <a:r>
+              <a:rPr lang="it-IT" dirty="0">
+                <a:solidFill>
+                  <a:srgbClr val="1F1F1F"/>
+                </a:solidFill>
+                <a:latin typeface="Aptos Light" panose="020B0004020202020204" pitchFamily="34" charset="0"/>
+              </a:rPr>
+              <a:t> </a:t>
+            </a:r>
+            <a:r>
+              <a:rPr lang="it-IT" dirty="0" err="1">
+                <a:solidFill>
+                  <a:srgbClr val="1F1F1F"/>
+                </a:solidFill>
+                <a:latin typeface="Aptos Light" panose="020B0004020202020204" pitchFamily="34" charset="0"/>
+              </a:rPr>
+              <a:t>exponential</a:t>
+            </a:r>
+            <a:r>
+              <a:rPr lang="it-IT" dirty="0">
+                <a:solidFill>
+                  <a:srgbClr val="1F1F1F"/>
+                </a:solidFill>
+                <a:latin typeface="Aptos Light" panose="020B0004020202020204" pitchFamily="34" charset="0"/>
+              </a:rPr>
+              <a:t> </a:t>
+            </a:r>
+            <a:r>
+              <a:rPr lang="it-IT" dirty="0" err="1">
+                <a:solidFill>
+                  <a:srgbClr val="1F1F1F"/>
+                </a:solidFill>
+                <a:latin typeface="Aptos Light" panose="020B0004020202020204" pitchFamily="34" charset="0"/>
+              </a:rPr>
+              <a:t>behaviour</a:t>
+            </a:r>
+            <a:r>
+              <a:rPr lang="it-IT" dirty="0">
+                <a:solidFill>
+                  <a:srgbClr val="1F1F1F"/>
+                </a:solidFill>
+                <a:latin typeface="Aptos Light" panose="020B0004020202020204" pitchFamily="34" charset="0"/>
+              </a:rPr>
+              <a:t> far from the </a:t>
+            </a:r>
+            <a:r>
+              <a:rPr lang="it-IT" dirty="0" err="1">
+                <a:solidFill>
+                  <a:srgbClr val="1F1F1F"/>
+                </a:solidFill>
+                <a:latin typeface="Aptos Light" panose="020B0004020202020204" pitchFamily="34" charset="0"/>
+              </a:rPr>
+              <a:t>linearization</a:t>
+            </a:r>
+            <a:r>
+              <a:rPr lang="it-IT" dirty="0">
+                <a:solidFill>
+                  <a:srgbClr val="1F1F1F"/>
+                </a:solidFill>
+                <a:latin typeface="Aptos Light" panose="020B0004020202020204" pitchFamily="34" charset="0"/>
+              </a:rPr>
+              <a:t> temperature. </a:t>
+            </a:r>
           </a:p>
           <a:p>
-            <a:endParaRPr lang="it-IT" sz="1400" dirty="0">
-              <a:solidFill>
-                <a:schemeClr val="bg1"/>
-              </a:solidFill>
-              <a:latin typeface="+mj-lt"/>
-            </a:endParaRPr>
-          </a:p>
-          <a:p>
-            <a:endParaRPr lang="it-IT" sz="1400" dirty="0">
-              <a:solidFill>
-                <a:schemeClr val="bg1"/>
-              </a:solidFill>
-              <a:latin typeface="+mj-lt"/>
-            </a:endParaRPr>
-          </a:p>
-          <a:p>
+            <a:pPr marL="285750" indent="-285750" algn="just">
+              <a:spcAft>
+                <a:spcPts val="600"/>
+              </a:spcAft>
+              <a:buFont typeface="Arial" panose="020B0604020202020204" pitchFamily="34" charset="0"/>
+              <a:buChar char="•"/>
+            </a:pPr>
             <a:r>
-              <a:rPr lang="it-IT" sz="1400" dirty="0">
+              <a:rPr lang="it-IT" dirty="0">
                 <a:solidFill>
-                  <a:schemeClr val="bg1"/>
+                  <a:srgbClr val="1F1F1F"/>
                 </a:solidFill>
-                <a:latin typeface="+mj-lt"/>
+                <a:latin typeface="Aptos Light" panose="020B0004020202020204" pitchFamily="34" charset="0"/>
               </a:rPr>
-              <a:t>				             							              </a:t>
+              <a:t>Train on a single set of </a:t>
             </a:r>
             <a:r>
-              <a:rPr lang="it-IT" sz="1400" i="1" dirty="0">
+              <a:rPr lang="it-IT" dirty="0" err="1">
                 <a:solidFill>
-                  <a:schemeClr val="bg1"/>
+                  <a:srgbClr val="1F1F1F"/>
                 </a:solidFill>
-                <a:latin typeface="+mj-lt"/>
+                <a:latin typeface="Aptos Light" panose="020B0004020202020204" pitchFamily="34" charset="0"/>
               </a:rPr>
-              <a:t>Progress meeting, 11 June 2024</a:t>
+              <a:t>parameters</a:t>
+            </a:r>
+            <a:r>
+              <a:rPr lang="it-IT" dirty="0">
+                <a:solidFill>
+                  <a:srgbClr val="1F1F1F"/>
+                </a:solidFill>
+                <a:latin typeface="Aptos Light" panose="020B0004020202020204" pitchFamily="34" charset="0"/>
+              </a:rPr>
+              <a:t> </a:t>
+            </a:r>
+            <a:r>
+              <a:rPr lang="it-IT" dirty="0">
+                <a:solidFill>
+                  <a:srgbClr val="1F1F1F"/>
+                </a:solidFill>
+                <a:latin typeface="Calibri" panose="020F0502020204030204" pitchFamily="34" charset="0"/>
+                <a:cs typeface="Calibri" panose="020F0502020204030204" pitchFamily="34" charset="0"/>
+              </a:rPr>
+              <a:t>-&gt;</a:t>
+            </a:r>
+            <a:r>
+              <a:rPr lang="it-IT" dirty="0">
+                <a:solidFill>
+                  <a:srgbClr val="1F1F1F"/>
+                </a:solidFill>
+                <a:latin typeface="Aptos Light" panose="020B0004020202020204" pitchFamily="34" charset="0"/>
+              </a:rPr>
+              <a:t> no </a:t>
+            </a:r>
+            <a:r>
+              <a:rPr lang="it-IT" dirty="0" err="1">
+                <a:solidFill>
+                  <a:srgbClr val="1F1F1F"/>
+                </a:solidFill>
+                <a:latin typeface="Aptos Light" panose="020B0004020202020204" pitchFamily="34" charset="0"/>
+              </a:rPr>
+              <a:t>possibility</a:t>
+            </a:r>
+            <a:r>
+              <a:rPr lang="it-IT" dirty="0">
+                <a:solidFill>
+                  <a:srgbClr val="1F1F1F"/>
+                </a:solidFill>
+                <a:latin typeface="Aptos Light" panose="020B0004020202020204" pitchFamily="34" charset="0"/>
+              </a:rPr>
+              <a:t> to </a:t>
+            </a:r>
+            <a:r>
+              <a:rPr lang="it-IT" dirty="0" err="1">
+                <a:solidFill>
+                  <a:srgbClr val="1F1F1F"/>
+                </a:solidFill>
+                <a:latin typeface="Aptos Light" panose="020B0004020202020204" pitchFamily="34" charset="0"/>
+              </a:rPr>
+              <a:t>generalized</a:t>
+            </a:r>
+            <a:r>
+              <a:rPr lang="it-IT" dirty="0">
+                <a:solidFill>
+                  <a:srgbClr val="1F1F1F"/>
+                </a:solidFill>
+                <a:latin typeface="Aptos Light" panose="020B0004020202020204" pitchFamily="34" charset="0"/>
+              </a:rPr>
+              <a:t> </a:t>
             </a:r>
           </a:p>
         </p:txBody>
@@ -24866,7 +24949,7 @@
     </p:spTree>
     <p:extLst>
       <p:ext uri="{BB962C8B-B14F-4D97-AF65-F5344CB8AC3E}">
-        <p14:creationId xmlns:p14="http://schemas.microsoft.com/office/powerpoint/2010/main" val="3362907711"/>
+        <p14:creationId xmlns:p14="http://schemas.microsoft.com/office/powerpoint/2010/main" val="1285753839"/>
       </p:ext>
     </p:extLst>
   </p:cSld>
@@ -24877,6 +24960,126 @@
 </file>
 
 <file path=ppt/slides/slide10.xml><?xml version="1.0" encoding="utf-8"?>
+<p:sld xmlns:a="http://schemas.openxmlformats.org/drawingml/2006/main" xmlns:r="http://schemas.openxmlformats.org/officeDocument/2006/relationships" xmlns:p="http://schemas.openxmlformats.org/presentationml/2006/main">
+  <p:cSld>
+    <p:spTree>
+      <p:nvGrpSpPr>
+        <p:cNvPr id="1" name=""/>
+        <p:cNvGrpSpPr/>
+        <p:nvPr/>
+      </p:nvGrpSpPr>
+      <p:grpSpPr>
+        <a:xfrm>
+          <a:off x="0" y="0"/>
+          <a:ext cx="0" cy="0"/>
+          <a:chOff x="0" y="0"/>
+          <a:chExt cx="0" cy="0"/>
+        </a:xfrm>
+      </p:grpSpPr>
+      <p:sp>
+        <p:nvSpPr>
+          <p:cNvPr id="2" name="Titolo 1">
+            <a:extLst>
+              <a:ext uri="{FF2B5EF4-FFF2-40B4-BE49-F238E27FC236}">
+                <a16:creationId xmlns:a16="http://schemas.microsoft.com/office/drawing/2014/main" id="{2E8AA45B-1AAB-B884-8901-76C25A4FE5FF}"/>
+              </a:ext>
+            </a:extLst>
+          </p:cNvPr>
+          <p:cNvSpPr>
+            <a:spLocks noGrp="1"/>
+          </p:cNvSpPr>
+          <p:nvPr>
+            <p:ph type="title"/>
+          </p:nvPr>
+        </p:nvSpPr>
+        <p:spPr/>
+        <p:txBody>
+          <a:bodyPr>
+            <a:normAutofit fontScale="90000"/>
+          </a:bodyPr>
+          <a:lstStyle/>
+          <a:p>
+            <a:r>
+              <a:rPr lang="en-GB" dirty="0"/>
+              <a:t>Computational times</a:t>
+            </a:r>
+          </a:p>
+        </p:txBody>
+      </p:sp>
+    </p:spTree>
+    <p:extLst>
+      <p:ext uri="{BB962C8B-B14F-4D97-AF65-F5344CB8AC3E}">
+        <p14:creationId xmlns:p14="http://schemas.microsoft.com/office/powerpoint/2010/main" val="443031710"/>
+      </p:ext>
+    </p:extLst>
+  </p:cSld>
+  <p:clrMapOvr>
+    <a:masterClrMapping/>
+  </p:clrMapOvr>
+</p:sld>
+</file>
+
+<file path=ppt/slides/slide11.xml><?xml version="1.0" encoding="utf-8"?>
+<p:sld xmlns:a="http://schemas.openxmlformats.org/drawingml/2006/main" xmlns:r="http://schemas.openxmlformats.org/officeDocument/2006/relationships" xmlns:p="http://schemas.openxmlformats.org/presentationml/2006/main">
+  <p:cSld>
+    <p:spTree>
+      <p:nvGrpSpPr>
+        <p:cNvPr id="1" name=""/>
+        <p:cNvGrpSpPr/>
+        <p:nvPr/>
+      </p:nvGrpSpPr>
+      <p:grpSpPr>
+        <a:xfrm>
+          <a:off x="0" y="0"/>
+          <a:ext cx="0" cy="0"/>
+          <a:chOff x="0" y="0"/>
+          <a:chExt cx="0" cy="0"/>
+        </a:xfrm>
+      </p:grpSpPr>
+      <p:sp>
+        <p:nvSpPr>
+          <p:cNvPr id="2" name="Titolo 1">
+            <a:extLst>
+              <a:ext uri="{FF2B5EF4-FFF2-40B4-BE49-F238E27FC236}">
+                <a16:creationId xmlns:a16="http://schemas.microsoft.com/office/drawing/2014/main" id="{7FF115A0-3002-9F93-3841-6B58E9FE6897}"/>
+              </a:ext>
+            </a:extLst>
+          </p:cNvPr>
+          <p:cNvSpPr>
+            <a:spLocks noGrp="1"/>
+          </p:cNvSpPr>
+          <p:nvPr>
+            <p:ph type="title"/>
+          </p:nvPr>
+        </p:nvSpPr>
+        <p:spPr/>
+        <p:txBody>
+          <a:bodyPr>
+            <a:normAutofit fontScale="90000"/>
+          </a:bodyPr>
+          <a:lstStyle/>
+          <a:p>
+            <a:r>
+              <a:rPr lang="en-GB" dirty="0"/>
+              <a:t>Diffusion coefficients</a:t>
+            </a:r>
+          </a:p>
+        </p:txBody>
+      </p:sp>
+    </p:spTree>
+    <p:extLst>
+      <p:ext uri="{BB962C8B-B14F-4D97-AF65-F5344CB8AC3E}">
+        <p14:creationId xmlns:p14="http://schemas.microsoft.com/office/powerpoint/2010/main" val="1669332132"/>
+      </p:ext>
+    </p:extLst>
+  </p:cSld>
+  <p:clrMapOvr>
+    <a:masterClrMapping/>
+  </p:clrMapOvr>
+</p:sld>
+</file>
+
+<file path=ppt/slides/slide12.xml><?xml version="1.0" encoding="utf-8"?>
 <p:sld xmlns:a="http://schemas.openxmlformats.org/drawingml/2006/main" xmlns:r="http://schemas.openxmlformats.org/officeDocument/2006/relationships" xmlns:p="http://schemas.openxmlformats.org/presentationml/2006/main">
   <p:cSld>
     <p:spTree>
@@ -24918,7 +25121,7 @@
           <a:p>
             <a:r>
               <a:rPr lang="en-GB" dirty="0"/>
-              <a:t>Future developments</a:t>
+              <a:t>Next steps</a:t>
             </a:r>
           </a:p>
         </p:txBody>
@@ -24936,7 +25139,7 @@
 </p:sld>
 </file>
 
-<file path=ppt/slides/slide11.xml><?xml version="1.0" encoding="utf-8"?>
+<file path=ppt/slides/slide13.xml><?xml version="1.0" encoding="utf-8"?>
 <p:sld xmlns:a="http://schemas.openxmlformats.org/drawingml/2006/main" xmlns:r="http://schemas.openxmlformats.org/officeDocument/2006/relationships" xmlns:p="http://schemas.openxmlformats.org/presentationml/2006/main">
   <p:cSld>
     <p:spTree>
@@ -25065,7 +25268,7 @@
 </p:sld>
 </file>
 
-<file path=ppt/slides/slide12.xml><?xml version="1.0" encoding="utf-8"?>
+<file path=ppt/slides/slide14.xml><?xml version="1.0" encoding="utf-8"?>
 <p:sld xmlns:a="http://schemas.openxmlformats.org/drawingml/2006/main" xmlns:r="http://schemas.openxmlformats.org/officeDocument/2006/relationships" xmlns:p="http://schemas.openxmlformats.org/presentationml/2006/main">
   <p:cSld>
     <p:spTree>
@@ -25981,7 +26184,7 @@
 </p:sld>
 </file>
 
-<file path=ppt/slides/slide13.xml><?xml version="1.0" encoding="utf-8"?>
+<file path=ppt/slides/slide15.xml><?xml version="1.0" encoding="utf-8"?>
 <p:sld xmlns:a="http://schemas.openxmlformats.org/drawingml/2006/main" xmlns:r="http://schemas.openxmlformats.org/officeDocument/2006/relationships" xmlns:p="http://schemas.openxmlformats.org/presentationml/2006/main">
   <p:cSld>
     <p:spTree>
@@ -26065,7 +26268,7 @@
 </p:sld>
 </file>
 
-<file path=ppt/slides/slide14.xml><?xml version="1.0" encoding="utf-8"?>
+<file path=ppt/slides/slide16.xml><?xml version="1.0" encoding="utf-8"?>
 <p:sld xmlns:a="http://schemas.openxmlformats.org/drawingml/2006/main" xmlns:r="http://schemas.openxmlformats.org/officeDocument/2006/relationships" xmlns:p="http://schemas.openxmlformats.org/presentationml/2006/main">
   <p:cSld>
     <p:spTree>
@@ -28490,7 +28693,7 @@
 </p:sld>
 </file>
 
-<file path=ppt/slides/slide15.xml><?xml version="1.0" encoding="utf-8"?>
+<file path=ppt/slides/slide17.xml><?xml version="1.0" encoding="utf-8"?>
 <p:sld xmlns:a="http://schemas.openxmlformats.org/drawingml/2006/main" xmlns:r="http://schemas.openxmlformats.org/officeDocument/2006/relationships" xmlns:p="http://schemas.openxmlformats.org/presentationml/2006/main">
   <p:cSld>
     <p:spTree>
@@ -29210,6 +29413,96 @@
           <p:cNvPr id="2" name="Titolo 1">
             <a:extLst>
               <a:ext uri="{FF2B5EF4-FFF2-40B4-BE49-F238E27FC236}">
+                <a16:creationId xmlns:a16="http://schemas.microsoft.com/office/drawing/2014/main" id="{CABB1549-7072-AA2E-DCAB-D191B8119454}"/>
+              </a:ext>
+            </a:extLst>
+          </p:cNvPr>
+          <p:cNvSpPr>
+            <a:spLocks noGrp="1"/>
+          </p:cNvSpPr>
+          <p:nvPr>
+            <p:ph type="title"/>
+          </p:nvPr>
+        </p:nvSpPr>
+        <p:spPr/>
+        <p:txBody>
+          <a:bodyPr>
+            <a:normAutofit fontScale="90000"/>
+          </a:bodyPr>
+          <a:lstStyle/>
+          <a:p>
+            <a:r>
+              <a:rPr lang="en-GB" dirty="0"/>
+              <a:t>Schematic representation</a:t>
+            </a:r>
+          </a:p>
+        </p:txBody>
+      </p:sp>
+      <p:pic>
+        <p:nvPicPr>
+          <p:cNvPr id="5" name="Immagine 4">
+            <a:extLst>
+              <a:ext uri="{FF2B5EF4-FFF2-40B4-BE49-F238E27FC236}">
+                <a16:creationId xmlns:a16="http://schemas.microsoft.com/office/drawing/2014/main" id="{ED2CF797-5B2E-043E-9487-16C3815F53FA}"/>
+              </a:ext>
+            </a:extLst>
+          </p:cNvPr>
+          <p:cNvPicPr>
+            <a:picLocks noChangeAspect="1"/>
+          </p:cNvPicPr>
+          <p:nvPr/>
+        </p:nvPicPr>
+        <p:blipFill>
+          <a:blip r:embed="rId2"/>
+          <a:stretch>
+            <a:fillRect/>
+          </a:stretch>
+        </p:blipFill>
+        <p:spPr>
+          <a:xfrm>
+            <a:off x="685800" y="1900356"/>
+            <a:ext cx="7772400" cy="3057287"/>
+          </a:xfrm>
+          <a:prstGeom prst="rect">
+            <a:avLst/>
+          </a:prstGeom>
+        </p:spPr>
+      </p:pic>
+    </p:spTree>
+    <p:extLst>
+      <p:ext uri="{BB962C8B-B14F-4D97-AF65-F5344CB8AC3E}">
+        <p14:creationId xmlns:p14="http://schemas.microsoft.com/office/powerpoint/2010/main" val="2847408134"/>
+      </p:ext>
+    </p:extLst>
+  </p:cSld>
+  <p:clrMapOvr>
+    <a:masterClrMapping/>
+  </p:clrMapOvr>
+</p:sld>
+</file>
+
+<file path=ppt/slides/slide3.xml><?xml version="1.0" encoding="utf-8"?>
+<p:sld xmlns:a="http://schemas.openxmlformats.org/drawingml/2006/main" xmlns:r="http://schemas.openxmlformats.org/officeDocument/2006/relationships" xmlns:p="http://schemas.openxmlformats.org/presentationml/2006/main">
+  <p:cSld>
+    <p:spTree>
+      <p:nvGrpSpPr>
+        <p:cNvPr id="1" name=""/>
+        <p:cNvGrpSpPr/>
+        <p:nvPr/>
+      </p:nvGrpSpPr>
+      <p:grpSpPr>
+        <a:xfrm>
+          <a:off x="0" y="0"/>
+          <a:ext cx="0" cy="0"/>
+          <a:chOff x="0" y="0"/>
+          <a:chExt cx="0" cy="0"/>
+        </a:xfrm>
+      </p:grpSpPr>
+      <p:sp>
+        <p:nvSpPr>
+          <p:cNvPr id="2" name="Titolo 1">
+            <a:extLst>
+              <a:ext uri="{FF2B5EF4-FFF2-40B4-BE49-F238E27FC236}">
                 <a16:creationId xmlns:a16="http://schemas.microsoft.com/office/drawing/2014/main" id="{F8AE9123-BD20-5F9F-0F38-A4E8123CDFCB}"/>
               </a:ext>
             </a:extLst>
@@ -29230,7 +29523,7 @@
           <a:p>
             <a:r>
               <a:rPr lang="en-GB" dirty="0"/>
-              <a:t>Governing equation</a:t>
+              <a:t>Governing equations</a:t>
             </a:r>
           </a:p>
         </p:txBody>
@@ -29252,7 +29545,7 @@
             <p:spPr>
               <a:xfrm>
                 <a:off x="272005" y="1155788"/>
-                <a:ext cx="2105448" cy="1248547"/>
+                <a:ext cx="2961901" cy="1248547"/>
               </a:xfrm>
               <a:prstGeom prst="rect">
                 <a:avLst/>
@@ -29292,6 +29585,37 @@
                               </m:ctrlPr>
                             </m:eqArrPr>
                             <m:e>
+                              <m:r>
+                                <a:rPr lang="it-IT" b="0" i="1" smtClean="0">
+                                  <a:latin typeface="Cambria Math" panose="02040503050406030204" pitchFamily="18" charset="0"/>
+                                </a:rPr>
+                                <m:t>𝜌</m:t>
+                              </m:r>
+                              <m:sSub>
+                                <m:sSubPr>
+                                  <m:ctrlPr>
+                                    <a:rPr lang="it-IT" b="0" i="1" smtClean="0">
+                                      <a:latin typeface="Cambria Math" panose="02040503050406030204" pitchFamily="18" charset="0"/>
+                                    </a:rPr>
+                                  </m:ctrlPr>
+                                </m:sSubPr>
+                                <m:e>
+                                  <m:r>
+                                    <a:rPr lang="it-IT" b="0" i="1" smtClean="0">
+                                      <a:latin typeface="Cambria Math" panose="02040503050406030204" pitchFamily="18" charset="0"/>
+                                    </a:rPr>
+                                    <m:t>𝑐</m:t>
+                                  </m:r>
+                                </m:e>
+                                <m:sub>
+                                  <m:r>
+                                    <a:rPr lang="it-IT" b="0" i="1" smtClean="0">
+                                      <a:latin typeface="Cambria Math" panose="02040503050406030204" pitchFamily="18" charset="0"/>
+                                    </a:rPr>
+                                    <m:t>𝑝</m:t>
+                                  </m:r>
+                                </m:sub>
+                              </m:sSub>
                               <m:f>
                                 <m:fPr>
                                   <m:ctrlPr>
@@ -29336,19 +29660,13 @@
                                 <m:t>=</m:t>
                               </m:r>
                               <m:r>
-                                <a:rPr lang="it-IT" b="0" i="1" smtClean="0">
-                                  <a:latin typeface="Cambria Math" panose="02040503050406030204" pitchFamily="18" charset="0"/>
-                                </a:rPr>
-                                <m:t>𝛼</m:t>
-                              </m:r>
-                              <m:r>
                                 <m:rPr>
                                   <m:sty m:val="p"/>
                                 </m:rPr>
                                 <a:rPr lang="it-IT" b="0" i="0" smtClean="0">
                                   <a:latin typeface="Cambria Math" panose="02040503050406030204" pitchFamily="18" charset="0"/>
                                 </a:rPr>
-                                <m:t>∇</m:t>
+                                <m:t>k∇</m:t>
                               </m:r>
                               <m:r>
                                 <a:rPr lang="it-IT" b="0" i="1" smtClean="0">
@@ -29360,19 +29678,56 @@
                                 <a:rPr lang="it-IT" b="0" i="1" smtClean="0">
                                   <a:latin typeface="Cambria Math" panose="02040503050406030204" pitchFamily="18" charset="0"/>
                                 </a:rPr>
-                                <m:t>+</m:t>
+                                <m:t>+ </m:t>
                               </m:r>
+                              <m:acc>
+                                <m:accPr>
+                                  <m:chr m:val="̇"/>
+                                  <m:ctrlPr>
+                                    <a:rPr lang="it-IT" b="0" i="1" smtClean="0">
+                                      <a:latin typeface="Cambria Math" panose="02040503050406030204" pitchFamily="18" charset="0"/>
+                                    </a:rPr>
+                                  </m:ctrlPr>
+                                </m:accPr>
+                                <m:e>
+                                  <m:r>
+                                    <a:rPr lang="it-IT" b="0" i="1" smtClean="0">
+                                      <a:latin typeface="Cambria Math" panose="02040503050406030204" pitchFamily="18" charset="0"/>
+                                    </a:rPr>
+                                    <m:t>𝐹</m:t>
+                                  </m:r>
+                                </m:e>
+                              </m:acc>
+                              <m:sSub>
+                                <m:sSubPr>
+                                  <m:ctrlPr>
+                                    <a:rPr lang="it-IT" b="0" i="1" smtClean="0">
+                                      <a:latin typeface="Cambria Math" panose="02040503050406030204" pitchFamily="18" charset="0"/>
+                                    </a:rPr>
+                                  </m:ctrlPr>
+                                </m:sSubPr>
+                                <m:e>
+                                  <m:r>
+                                    <a:rPr lang="it-IT" b="0" i="1" smtClean="0">
+                                      <a:latin typeface="Cambria Math" panose="02040503050406030204" pitchFamily="18" charset="0"/>
+                                    </a:rPr>
+                                    <m:t>𝐸</m:t>
+                                  </m:r>
+                                </m:e>
+                                <m:sub>
+                                  <m:r>
+                                    <a:rPr lang="it-IT" b="0" i="1" smtClean="0">
+                                      <a:latin typeface="Cambria Math" panose="02040503050406030204" pitchFamily="18" charset="0"/>
+                                    </a:rPr>
+                                    <m:t>𝑓𝑖𝑠𝑠</m:t>
+                                  </m:r>
+                                </m:sub>
+                              </m:sSub>
                               <m:r>
                                 <a:rPr lang="it-IT" b="0" i="1" smtClean="0">
                                   <a:latin typeface="Cambria Math" panose="02040503050406030204" pitchFamily="18" charset="0"/>
                                 </a:rPr>
-                                <m:t>𝑄</m:t>
-                              </m:r>
-                              <m:r>
-                                <a:rPr lang="it-IT" b="0" i="1" smtClean="0">
-                                  <a:latin typeface="Cambria Math" panose="02040503050406030204" pitchFamily="18" charset="0"/>
-                                </a:rPr>
-                                <m:t>        </m:t>
+                                <m:t>         </m:t>
                               </m:r>
                             </m:e>
                             <m:e>
@@ -29472,11 +29827,35 @@
                                 </a:rPr>
                                 <m:t>+</m:t>
                               </m:r>
+                              <m:acc>
+                                <m:accPr>
+                                  <m:chr m:val="̇"/>
+                                  <m:ctrlPr>
+                                    <a:rPr lang="it-IT" i="1">
+                                      <a:latin typeface="Cambria Math" panose="02040503050406030204" pitchFamily="18" charset="0"/>
+                                    </a:rPr>
+                                  </m:ctrlPr>
+                                </m:accPr>
+                                <m:e>
+                                  <m:r>
+                                    <a:rPr lang="it-IT" i="1">
+                                      <a:latin typeface="Cambria Math" panose="02040503050406030204" pitchFamily="18" charset="0"/>
+                                    </a:rPr>
+                                    <m:t>𝐹</m:t>
+                                  </m:r>
+                                </m:e>
+                              </m:acc>
                               <m:r>
                                 <a:rPr lang="it-IT" b="0" i="1" smtClean="0">
                                   <a:latin typeface="Cambria Math" panose="02040503050406030204" pitchFamily="18" charset="0"/>
                                 </a:rPr>
-                                <m:t>𝑆</m:t>
+                                <m:t>𝑦</m:t>
+                              </m:r>
+                              <m:r>
+                                <a:rPr lang="it-IT" b="0" i="1" smtClean="0">
+                                  <a:latin typeface="Cambria Math" panose="02040503050406030204" pitchFamily="18" charset="0"/>
+                                </a:rPr>
+                                <m:t>             </m:t>
                               </m:r>
                             </m:e>
                           </m:eqArr>
@@ -29508,7 +29887,7 @@
             <p:spPr>
               <a:xfrm>
                 <a:off x="272005" y="1155788"/>
-                <a:ext cx="2105448" cy="1248547"/>
+                <a:ext cx="2961901" cy="1248547"/>
               </a:xfrm>
               <a:prstGeom prst="rect">
                 <a:avLst/>
@@ -29516,7 +29895,7 @@
               <a:blipFill>
                 <a:blip r:embed="rId2"/>
                 <a:stretch>
-                  <a:fillRect r="-2395"/>
+                  <a:fillRect r="-2991"/>
                 </a:stretch>
               </a:blipFill>
             </p:spPr>
@@ -29551,8 +29930,8 @@
             </p:nvSpPr>
             <p:spPr>
               <a:xfrm>
-                <a:off x="2945270" y="1224268"/>
-                <a:ext cx="2465290" cy="555793"/>
+                <a:off x="520310" y="2658694"/>
+                <a:ext cx="2931765" cy="573170"/>
               </a:xfrm>
               <a:prstGeom prst="rect">
                 <a:avLst/>
@@ -29612,12 +29991,49 @@
                           </m:ctrlPr>
                         </m:fPr>
                         <m:num>
-                          <m:r>
-                            <a:rPr lang="it-IT" b="0" i="1" smtClean="0">
-                              <a:latin typeface="Cambria Math" panose="02040503050406030204" pitchFamily="18" charset="0"/>
-                            </a:rPr>
-                            <m:t>𝑞</m:t>
-                          </m:r>
+                          <m:acc>
+                            <m:accPr>
+                              <m:chr m:val="̇"/>
+                              <m:ctrlPr>
+                                <a:rPr lang="it-IT" i="1">
+                                  <a:latin typeface="Cambria Math" panose="02040503050406030204" pitchFamily="18" charset="0"/>
+                                </a:rPr>
+                              </m:ctrlPr>
+                            </m:accPr>
+                            <m:e>
+                              <m:r>
+                                <a:rPr lang="it-IT" i="1">
+                                  <a:latin typeface="Cambria Math" panose="02040503050406030204" pitchFamily="18" charset="0"/>
+                                </a:rPr>
+                                <m:t>𝐹</m:t>
+                              </m:r>
+                            </m:e>
+                          </m:acc>
+                          <m:sSub>
+                            <m:sSubPr>
+                              <m:ctrlPr>
+                                <a:rPr lang="it-IT" i="1">
+                                  <a:latin typeface="Cambria Math" panose="02040503050406030204" pitchFamily="18" charset="0"/>
+                                </a:rPr>
+                              </m:ctrlPr>
+                            </m:sSubPr>
+                            <m:e>
+                              <m:r>
+                                <a:rPr lang="it-IT" i="1">
+                                  <a:latin typeface="Cambria Math" panose="02040503050406030204" pitchFamily="18" charset="0"/>
+                                </a:rPr>
+                                <m:t>𝐸</m:t>
+                              </m:r>
+                            </m:e>
+                            <m:sub>
+                              <m:r>
+                                <a:rPr lang="it-IT" i="1">
+                                  <a:latin typeface="Cambria Math" panose="02040503050406030204" pitchFamily="18" charset="0"/>
+                                </a:rPr>
+                                <m:t>𝑓𝑖𝑠𝑠</m:t>
+                              </m:r>
+                            </m:sub>
+                          </m:sSub>
                           <m:sSup>
                             <m:sSupPr>
                               <m:ctrlPr>
@@ -29655,7 +30071,7 @@
                             <a:rPr lang="it-IT" b="0" i="1" smtClean="0">
                               <a:latin typeface="Cambria Math" panose="02040503050406030204" pitchFamily="18" charset="0"/>
                             </a:rPr>
-                            <m:t>𝛼</m:t>
+                            <m:t>𝑘</m:t>
                           </m:r>
                         </m:den>
                       </m:f>
@@ -29757,8 +30173,8 @@
             </p:nvSpPr>
             <p:spPr>
               <a:xfrm>
-                <a:off x="2945270" y="1224268"/>
-                <a:ext cx="2465290" cy="555793"/>
+                <a:off x="520310" y="2658694"/>
+                <a:ext cx="2931765" cy="573170"/>
               </a:xfrm>
               <a:prstGeom prst="rect">
                 <a:avLst/>
@@ -29766,331 +30182,7 @@
               <a:blipFill>
                 <a:blip r:embed="rId3"/>
                 <a:stretch>
-                  <a:fillRect l="-1531" b="-11111"/>
-                </a:stretch>
-              </a:blipFill>
-            </p:spPr>
-            <p:txBody>
-              <a:bodyPr/>
-              <a:lstStyle/>
-              <a:p>
-                <a:r>
-                  <a:rPr lang="en-GB">
-                    <a:noFill/>
-                  </a:rPr>
-                  <a:t> </a:t>
-                </a:r>
-              </a:p>
-            </p:txBody>
-          </p:sp>
-        </mc:Fallback>
-      </mc:AlternateContent>
-      <mc:AlternateContent xmlns:mc="http://schemas.openxmlformats.org/markup-compatibility/2006" xmlns:a14="http://schemas.microsoft.com/office/drawing/2010/main">
-        <mc:Choice Requires="a14">
-          <p:sp>
-            <p:nvSpPr>
-              <p:cNvPr id="5" name="CasellaDiTesto 4">
-                <a:extLst>
-                  <a:ext uri="{FF2B5EF4-FFF2-40B4-BE49-F238E27FC236}">
-                    <a16:creationId xmlns:a16="http://schemas.microsoft.com/office/drawing/2014/main" id="{B455FAF1-1F8F-305D-3174-B97808E59CFF}"/>
-                  </a:ext>
-                </a:extLst>
-              </p:cNvPr>
-              <p:cNvSpPr txBox="1"/>
-              <p:nvPr/>
-            </p:nvSpPr>
-            <p:spPr>
-              <a:xfrm>
-                <a:off x="272005" y="2663079"/>
-                <a:ext cx="2864486" cy="1629870"/>
-              </a:xfrm>
-              <a:prstGeom prst="rect">
-                <a:avLst/>
-              </a:prstGeom>
-              <a:noFill/>
-            </p:spPr>
-            <p:txBody>
-              <a:bodyPr wrap="square" lIns="0" tIns="0" rIns="0" bIns="0" rtlCol="0">
-                <a:spAutoFit/>
-              </a:bodyPr>
-              <a:lstStyle/>
-              <a:p>
-                <a:pPr/>
-                <a14:m>
-                  <m:oMathPara xmlns:m="http://schemas.openxmlformats.org/officeDocument/2006/math">
-                    <m:oMathParaPr>
-                      <m:jc m:val="centerGroup"/>
-                    </m:oMathParaPr>
-                    <m:oMath xmlns:m="http://schemas.openxmlformats.org/officeDocument/2006/math">
-                      <m:r>
-                        <a:rPr lang="it-IT" b="1" i="1" smtClean="0">
-                          <a:latin typeface="Cambria Math" panose="02040503050406030204" pitchFamily="18" charset="0"/>
-                        </a:rPr>
-                        <m:t>𝑫</m:t>
-                      </m:r>
-                      <m:r>
-                        <a:rPr lang="it-IT" b="0" i="1" smtClean="0">
-                          <a:latin typeface="Cambria Math" panose="02040503050406030204" pitchFamily="18" charset="0"/>
-                        </a:rPr>
-                        <m:t>=</m:t>
-                      </m:r>
-                      <m:d>
-                        <m:dPr>
-                          <m:begChr m:val="["/>
-                          <m:endChr m:val="]"/>
-                          <m:ctrlPr>
-                            <a:rPr lang="it-IT" b="0" i="1" smtClean="0">
-                              <a:latin typeface="Cambria Math" panose="02040503050406030204" pitchFamily="18" charset="0"/>
-                            </a:rPr>
-                          </m:ctrlPr>
-                        </m:dPr>
-                        <m:e>
-                          <m:m>
-                            <m:mPr>
-                              <m:mcs>
-                                <m:mc>
-                                  <m:mcPr>
-                                    <m:count m:val="3"/>
-                                    <m:mcJc m:val="center"/>
-                                  </m:mcPr>
-                                </m:mc>
-                              </m:mcs>
-                              <m:ctrlPr>
-                                <a:rPr lang="it-IT" b="0" i="1" smtClean="0">
-                                  <a:latin typeface="Cambria Math" panose="02040503050406030204" pitchFamily="18" charset="0"/>
-                                </a:rPr>
-                              </m:ctrlPr>
-                            </m:mPr>
-                            <m:mr>
-                              <m:e>
-                                <m:f>
-                                  <m:fPr>
-                                    <m:ctrlPr>
-                                      <a:rPr lang="it-IT" b="0" i="1" smtClean="0">
-                                        <a:latin typeface="Cambria Math" panose="02040503050406030204" pitchFamily="18" charset="0"/>
-                                      </a:rPr>
-                                    </m:ctrlPr>
-                                  </m:fPr>
-                                  <m:num>
-                                    <m:r>
-                                      <a:rPr lang="it-IT" b="0" i="1" smtClean="0">
-                                        <a:latin typeface="Cambria Math" panose="02040503050406030204" pitchFamily="18" charset="0"/>
-                                      </a:rPr>
-                                      <m:t>𝐷</m:t>
-                                    </m:r>
-                                  </m:num>
-                                  <m:den>
-                                    <m:sSup>
-                                      <m:sSupPr>
-                                        <m:ctrlPr>
-                                          <a:rPr lang="it-IT" b="0" i="1" smtClean="0">
-                                            <a:latin typeface="Cambria Math" panose="02040503050406030204" pitchFamily="18" charset="0"/>
-                                          </a:rPr>
-                                        </m:ctrlPr>
-                                      </m:sSupPr>
-                                      <m:e>
-                                        <m:r>
-                                          <a:rPr lang="it-IT" b="0" i="1" smtClean="0">
-                                            <a:latin typeface="Cambria Math" panose="02040503050406030204" pitchFamily="18" charset="0"/>
-                                          </a:rPr>
-                                          <m:t>𝑅</m:t>
-                                        </m:r>
-                                      </m:e>
-                                      <m:sup>
-                                        <m:r>
-                                          <a:rPr lang="it-IT" b="0" i="1" smtClean="0">
-                                            <a:latin typeface="Cambria Math" panose="02040503050406030204" pitchFamily="18" charset="0"/>
-                                          </a:rPr>
-                                          <m:t>2</m:t>
-                                        </m:r>
-                                      </m:sup>
-                                    </m:sSup>
-                                  </m:den>
-                                </m:f>
-                              </m:e>
-                              <m:e>
-                                <m:r>
-                                  <a:rPr lang="it-IT" b="0" i="1" smtClean="0">
-                                    <a:latin typeface="Cambria Math" panose="02040503050406030204" pitchFamily="18" charset="0"/>
-                                  </a:rPr>
-                                  <m:t>0</m:t>
-                                </m:r>
-                              </m:e>
-                              <m:e>
-                                <m:r>
-                                  <a:rPr lang="it-IT" b="0" i="1" smtClean="0">
-                                    <a:latin typeface="Cambria Math" panose="02040503050406030204" pitchFamily="18" charset="0"/>
-                                  </a:rPr>
-                                  <m:t>0</m:t>
-                                </m:r>
-                              </m:e>
-                            </m:mr>
-                            <m:mr>
-                              <m:e>
-                                <m:r>
-                                  <a:rPr lang="it-IT" b="0" i="1" smtClean="0">
-                                    <a:latin typeface="Cambria Math" panose="02040503050406030204" pitchFamily="18" charset="0"/>
-                                  </a:rPr>
-                                  <m:t>0</m:t>
-                                </m:r>
-                              </m:e>
-                              <m:e>
-                                <m:f>
-                                  <m:fPr>
-                                    <m:ctrlPr>
-                                      <a:rPr lang="it-IT" i="1">
-                                        <a:latin typeface="Cambria Math" panose="02040503050406030204" pitchFamily="18" charset="0"/>
-                                      </a:rPr>
-                                    </m:ctrlPr>
-                                  </m:fPr>
-                                  <m:num>
-                                    <m:r>
-                                      <a:rPr lang="it-IT" i="1">
-                                        <a:latin typeface="Cambria Math" panose="02040503050406030204" pitchFamily="18" charset="0"/>
-                                      </a:rPr>
-                                      <m:t>𝐷</m:t>
-                                    </m:r>
-                                  </m:num>
-                                  <m:den>
-                                    <m:sSup>
-                                      <m:sSupPr>
-                                        <m:ctrlPr>
-                                          <a:rPr lang="it-IT" i="1">
-                                            <a:latin typeface="Cambria Math" panose="02040503050406030204" pitchFamily="18" charset="0"/>
-                                          </a:rPr>
-                                        </m:ctrlPr>
-                                      </m:sSupPr>
-                                      <m:e>
-                                        <m:r>
-                                          <a:rPr lang="it-IT" i="1">
-                                            <a:latin typeface="Cambria Math" panose="02040503050406030204" pitchFamily="18" charset="0"/>
-                                          </a:rPr>
-                                          <m:t>𝑅</m:t>
-                                        </m:r>
-                                      </m:e>
-                                      <m:sup>
-                                        <m:r>
-                                          <a:rPr lang="it-IT" i="1">
-                                            <a:latin typeface="Cambria Math" panose="02040503050406030204" pitchFamily="18" charset="0"/>
-                                          </a:rPr>
-                                          <m:t>2</m:t>
-                                        </m:r>
-                                      </m:sup>
-                                    </m:sSup>
-                                  </m:den>
-                                </m:f>
-                              </m:e>
-                              <m:e>
-                                <m:r>
-                                  <a:rPr lang="it-IT" b="0" i="1" smtClean="0">
-                                    <a:latin typeface="Cambria Math" panose="02040503050406030204" pitchFamily="18" charset="0"/>
-                                  </a:rPr>
-                                  <m:t>0</m:t>
-                                </m:r>
-                              </m:e>
-                            </m:mr>
-                            <m:mr>
-                              <m:e>
-                                <m:r>
-                                  <a:rPr lang="it-IT" b="0" i="1" smtClean="0">
-                                    <a:latin typeface="Cambria Math" panose="02040503050406030204" pitchFamily="18" charset="0"/>
-                                  </a:rPr>
-                                  <m:t>0</m:t>
-                                </m:r>
-                              </m:e>
-                              <m:e>
-                                <m:r>
-                                  <a:rPr lang="it-IT" b="0" i="1" smtClean="0">
-                                    <a:latin typeface="Cambria Math" panose="02040503050406030204" pitchFamily="18" charset="0"/>
-                                  </a:rPr>
-                                  <m:t>0</m:t>
-                                </m:r>
-                              </m:e>
-                              <m:e>
-                                <m:f>
-                                  <m:fPr>
-                                    <m:ctrlPr>
-                                      <a:rPr lang="it-IT" i="1">
-                                        <a:latin typeface="Cambria Math" panose="02040503050406030204" pitchFamily="18" charset="0"/>
-                                      </a:rPr>
-                                    </m:ctrlPr>
-                                  </m:fPr>
-                                  <m:num>
-                                    <m:r>
-                                      <a:rPr lang="it-IT" i="1">
-                                        <a:latin typeface="Cambria Math" panose="02040503050406030204" pitchFamily="18" charset="0"/>
-                                      </a:rPr>
-                                      <m:t>𝐷</m:t>
-                                    </m:r>
-                                  </m:num>
-                                  <m:den>
-                                    <m:sSup>
-                                      <m:sSupPr>
-                                        <m:ctrlPr>
-                                          <a:rPr lang="it-IT" i="1">
-                                            <a:latin typeface="Cambria Math" panose="02040503050406030204" pitchFamily="18" charset="0"/>
-                                          </a:rPr>
-                                        </m:ctrlPr>
-                                      </m:sSupPr>
-                                      <m:e>
-                                        <m:r>
-                                          <a:rPr lang="it-IT" b="0" i="1" smtClean="0">
-                                            <a:latin typeface="Cambria Math" panose="02040503050406030204" pitchFamily="18" charset="0"/>
-                                          </a:rPr>
-                                          <m:t>𝐿</m:t>
-                                        </m:r>
-                                      </m:e>
-                                      <m:sup>
-                                        <m:r>
-                                          <a:rPr lang="it-IT" i="1">
-                                            <a:latin typeface="Cambria Math" panose="02040503050406030204" pitchFamily="18" charset="0"/>
-                                          </a:rPr>
-                                          <m:t>2</m:t>
-                                        </m:r>
-                                      </m:sup>
-                                    </m:sSup>
-                                  </m:den>
-                                </m:f>
-                              </m:e>
-                            </m:mr>
-                          </m:m>
-                        </m:e>
-                      </m:d>
-                    </m:oMath>
-                  </m:oMathPara>
-                </a14:m>
-                <a:endParaRPr lang="en-GB" dirty="0"/>
-              </a:p>
-            </p:txBody>
-          </p:sp>
-        </mc:Choice>
-        <mc:Fallback xmlns="">
-          <p:sp>
-            <p:nvSpPr>
-              <p:cNvPr id="5" name="CasellaDiTesto 4">
-                <a:extLst>
-                  <a:ext uri="{FF2B5EF4-FFF2-40B4-BE49-F238E27FC236}">
-                    <a16:creationId xmlns:a16="http://schemas.microsoft.com/office/drawing/2014/main" id="{B455FAF1-1F8F-305D-3174-B97808E59CFF}"/>
-                  </a:ext>
-                </a:extLst>
-              </p:cNvPr>
-              <p:cNvSpPr txBox="1">
-                <a:spLocks noRot="1" noChangeAspect="1" noMove="1" noResize="1" noEditPoints="1" noAdjustHandles="1" noChangeArrowheads="1" noChangeShapeType="1" noTextEdit="1"/>
-              </p:cNvSpPr>
-              <p:nvPr/>
-            </p:nvSpPr>
-            <p:spPr>
-              <a:xfrm>
-                <a:off x="272005" y="2663079"/>
-                <a:ext cx="2864486" cy="1629870"/>
-              </a:xfrm>
-              <a:prstGeom prst="rect">
-                <a:avLst/>
-              </a:prstGeom>
-              <a:blipFill>
-                <a:blip r:embed="rId4"/>
-                <a:stretch>
-                  <a:fillRect b="-4651"/>
+                  <a:fillRect l="-1293" t="-4348" b="-15217"/>
                 </a:stretch>
               </a:blipFill>
             </p:spPr>
@@ -30125,7 +30217,7 @@
             </p:nvSpPr>
             <p:spPr>
               <a:xfrm>
-                <a:off x="3555726" y="2475455"/>
+                <a:off x="3555726" y="4476849"/>
                 <a:ext cx="5588274" cy="1995098"/>
               </a:xfrm>
               <a:prstGeom prst="rect">
@@ -30828,14 +30920,14 @@
             </p:nvSpPr>
             <p:spPr>
               <a:xfrm>
-                <a:off x="3555726" y="2475455"/>
+                <a:off x="3555726" y="4476849"/>
                 <a:ext cx="5588274" cy="1995098"/>
               </a:xfrm>
               <a:prstGeom prst="rect">
                 <a:avLst/>
               </a:prstGeom>
               <a:blipFill>
-                <a:blip r:embed="rId5"/>
+                <a:blip r:embed="rId4"/>
                 <a:stretch>
                   <a:fillRect l="-680" t="-1266"/>
                 </a:stretch>
@@ -30856,419 +30948,6 @@
           </p:sp>
         </mc:Fallback>
       </mc:AlternateContent>
-      <p:cxnSp>
-        <p:nvCxnSpPr>
-          <p:cNvPr id="9" name="Connettore 2 8">
-            <a:extLst>
-              <a:ext uri="{FF2B5EF4-FFF2-40B4-BE49-F238E27FC236}">
-                <a16:creationId xmlns:a16="http://schemas.microsoft.com/office/drawing/2014/main" id="{03ACC35D-F223-E7EF-348A-118D1D2B2459}"/>
-              </a:ext>
-            </a:extLst>
-          </p:cNvPr>
-          <p:cNvCxnSpPr/>
-          <p:nvPr/>
-        </p:nvCxnSpPr>
-        <p:spPr>
-          <a:xfrm>
-            <a:off x="2188029" y="1535482"/>
-            <a:ext cx="620485" cy="0"/>
-          </a:xfrm>
-          <a:prstGeom prst="straightConnector1">
-            <a:avLst/>
-          </a:prstGeom>
-          <a:ln w="22225">
-            <a:solidFill>
-              <a:schemeClr val="tx1"/>
-            </a:solidFill>
-            <a:tailEnd type="triangle"/>
-          </a:ln>
-        </p:spPr>
-        <p:style>
-          <a:lnRef idx="1">
-            <a:schemeClr val="accent1"/>
-          </a:lnRef>
-          <a:fillRef idx="0">
-            <a:schemeClr val="accent1"/>
-          </a:fillRef>
-          <a:effectRef idx="0">
-            <a:schemeClr val="accent1"/>
-          </a:effectRef>
-          <a:fontRef idx="minor">
-            <a:schemeClr val="tx1"/>
-          </a:fontRef>
-        </p:style>
-      </p:cxnSp>
-      <p:sp>
-        <p:nvSpPr>
-          <p:cNvPr id="11" name="CasellaDiTesto 10">
-            <a:extLst>
-              <a:ext uri="{FF2B5EF4-FFF2-40B4-BE49-F238E27FC236}">
-                <a16:creationId xmlns:a16="http://schemas.microsoft.com/office/drawing/2014/main" id="{BA877C92-D7B1-36B0-9F15-C51DBD2C8CEF}"/>
-              </a:ext>
-            </a:extLst>
-          </p:cNvPr>
-          <p:cNvSpPr txBox="1"/>
-          <p:nvPr/>
-        </p:nvSpPr>
-        <p:spPr>
-          <a:xfrm>
-            <a:off x="272005" y="4825271"/>
-            <a:ext cx="7866155" cy="1354217"/>
-          </a:xfrm>
-          <a:prstGeom prst="rect">
-            <a:avLst/>
-          </a:prstGeom>
-          <a:noFill/>
-        </p:spPr>
-        <p:txBody>
-          <a:bodyPr wrap="square">
-            <a:spAutoFit/>
-          </a:bodyPr>
-          <a:lstStyle/>
-          <a:p>
-            <a:pPr algn="just">
-              <a:spcAft>
-                <a:spcPts val="600"/>
-              </a:spcAft>
-            </a:pPr>
-            <a:r>
-              <a:rPr lang="it-IT" dirty="0" err="1">
-                <a:solidFill>
-                  <a:srgbClr val="1F1F1F"/>
-                </a:solidFill>
-                <a:effectLst/>
-              </a:rPr>
-              <a:t>Main</a:t>
-            </a:r>
-            <a:r>
-              <a:rPr lang="it-IT" dirty="0">
-                <a:solidFill>
-                  <a:srgbClr val="1F1F1F"/>
-                </a:solidFill>
-                <a:effectLst/>
-              </a:rPr>
-              <a:t> </a:t>
-            </a:r>
-            <a:r>
-              <a:rPr lang="it-IT" dirty="0" err="1">
-                <a:solidFill>
-                  <a:srgbClr val="1F1F1F"/>
-                </a:solidFill>
-                <a:effectLst/>
-              </a:rPr>
-              <a:t>limitations</a:t>
-            </a:r>
-            <a:r>
-              <a:rPr lang="it-IT" dirty="0">
-                <a:solidFill>
-                  <a:srgbClr val="1F1F1F"/>
-                </a:solidFill>
-                <a:effectLst/>
-              </a:rPr>
-              <a:t> of the </a:t>
-            </a:r>
-            <a:r>
-              <a:rPr lang="it-IT" dirty="0" err="1">
-                <a:solidFill>
-                  <a:srgbClr val="1F1F1F"/>
-                </a:solidFill>
-                <a:effectLst/>
-              </a:rPr>
-              <a:t>old</a:t>
-            </a:r>
-            <a:r>
-              <a:rPr lang="it-IT" dirty="0">
-                <a:solidFill>
-                  <a:srgbClr val="1F1F1F"/>
-                </a:solidFill>
-                <a:effectLst/>
-              </a:rPr>
-              <a:t> model (</a:t>
-            </a:r>
-            <a:r>
-              <a:rPr lang="it-IT" dirty="0">
-                <a:solidFill>
-                  <a:srgbClr val="0086C3"/>
-                </a:solidFill>
-                <a:effectLst/>
-              </a:rPr>
-              <a:t>Pizzocri et al. 2023</a:t>
-            </a:r>
-            <a:r>
-              <a:rPr lang="it-IT" dirty="0">
-                <a:solidFill>
-                  <a:srgbClr val="1F1F1F"/>
-                </a:solidFill>
-                <a:effectLst/>
-              </a:rPr>
-              <a:t>)</a:t>
-            </a:r>
-          </a:p>
-          <a:p>
-            <a:pPr marL="285750" indent="-285750" algn="just">
-              <a:spcAft>
-                <a:spcPts val="600"/>
-              </a:spcAft>
-              <a:buFont typeface="Arial" panose="020B0604020202020204" pitchFamily="34" charset="0"/>
-              <a:buChar char="•"/>
-            </a:pPr>
-            <a:r>
-              <a:rPr lang="it-IT" dirty="0" err="1">
-                <a:solidFill>
-                  <a:srgbClr val="1F1F1F"/>
-                </a:solidFill>
-                <a:latin typeface="Aptos Light" panose="020B0004020202020204" pitchFamily="34" charset="0"/>
-              </a:rPr>
-              <a:t>Linearization</a:t>
-            </a:r>
-            <a:r>
-              <a:rPr lang="it-IT" dirty="0">
-                <a:solidFill>
-                  <a:srgbClr val="1F1F1F"/>
-                </a:solidFill>
-                <a:latin typeface="Aptos Light" panose="020B0004020202020204" pitchFamily="34" charset="0"/>
-              </a:rPr>
-              <a:t> of the </a:t>
-            </a:r>
-            <a:r>
-              <a:rPr lang="it-IT" dirty="0" err="1">
-                <a:solidFill>
-                  <a:srgbClr val="1F1F1F"/>
-                </a:solidFill>
-                <a:latin typeface="Aptos Light" panose="020B0004020202020204" pitchFamily="34" charset="0"/>
-              </a:rPr>
-              <a:t>diffusion</a:t>
-            </a:r>
-            <a:r>
-              <a:rPr lang="it-IT" dirty="0">
-                <a:solidFill>
-                  <a:srgbClr val="1F1F1F"/>
-                </a:solidFill>
-                <a:latin typeface="Aptos Light" panose="020B0004020202020204" pitchFamily="34" charset="0"/>
-              </a:rPr>
-              <a:t> </a:t>
-            </a:r>
-            <a:r>
-              <a:rPr lang="it-IT" dirty="0" err="1">
-                <a:solidFill>
-                  <a:srgbClr val="1F1F1F"/>
-                </a:solidFill>
-                <a:latin typeface="Aptos Light" panose="020B0004020202020204" pitchFamily="34" charset="0"/>
-              </a:rPr>
-              <a:t>coefficient</a:t>
-            </a:r>
-            <a:r>
-              <a:rPr lang="it-IT" dirty="0">
-                <a:solidFill>
-                  <a:srgbClr val="1F1F1F"/>
-                </a:solidFill>
-                <a:latin typeface="Aptos Light" panose="020B0004020202020204" pitchFamily="34" charset="0"/>
-              </a:rPr>
-              <a:t> </a:t>
-            </a:r>
-            <a:r>
-              <a:rPr lang="it-IT" dirty="0">
-                <a:solidFill>
-                  <a:srgbClr val="1F1F1F"/>
-                </a:solidFill>
-                <a:latin typeface="Calibri" panose="020F0502020204030204" pitchFamily="34" charset="0"/>
-                <a:cs typeface="Calibri" panose="020F0502020204030204" pitchFamily="34" charset="0"/>
-              </a:rPr>
-              <a:t>-&gt;</a:t>
-            </a:r>
-            <a:r>
-              <a:rPr lang="it-IT" dirty="0">
-                <a:solidFill>
-                  <a:srgbClr val="1F1F1F"/>
-                </a:solidFill>
-                <a:latin typeface="Aptos Light" panose="020B0004020202020204" pitchFamily="34" charset="0"/>
-              </a:rPr>
-              <a:t> </a:t>
-            </a:r>
-            <a:r>
-              <a:rPr lang="it-IT" dirty="0" err="1">
-                <a:solidFill>
-                  <a:srgbClr val="1F1F1F"/>
-                </a:solidFill>
-                <a:latin typeface="Aptos Light" panose="020B0004020202020204" pitchFamily="34" charset="0"/>
-              </a:rPr>
-              <a:t>difficulty</a:t>
-            </a:r>
-            <a:r>
-              <a:rPr lang="it-IT" dirty="0">
-                <a:solidFill>
-                  <a:srgbClr val="1F1F1F"/>
-                </a:solidFill>
-                <a:latin typeface="Aptos Light" panose="020B0004020202020204" pitchFamily="34" charset="0"/>
-              </a:rPr>
-              <a:t> in </a:t>
-            </a:r>
-            <a:r>
-              <a:rPr lang="it-IT" dirty="0" err="1">
-                <a:solidFill>
-                  <a:srgbClr val="1F1F1F"/>
-                </a:solidFill>
-                <a:latin typeface="Aptos Light" panose="020B0004020202020204" pitchFamily="34" charset="0"/>
-              </a:rPr>
-              <a:t>capturing</a:t>
-            </a:r>
-            <a:r>
-              <a:rPr lang="it-IT" dirty="0">
-                <a:solidFill>
-                  <a:srgbClr val="1F1F1F"/>
-                </a:solidFill>
-                <a:latin typeface="Aptos Light" panose="020B0004020202020204" pitchFamily="34" charset="0"/>
-              </a:rPr>
-              <a:t> </a:t>
-            </a:r>
-            <a:r>
-              <a:rPr lang="it-IT" dirty="0" err="1">
-                <a:solidFill>
-                  <a:srgbClr val="1F1F1F"/>
-                </a:solidFill>
-                <a:latin typeface="Aptos Light" panose="020B0004020202020204" pitchFamily="34" charset="0"/>
-              </a:rPr>
-              <a:t>exponential</a:t>
-            </a:r>
-            <a:r>
-              <a:rPr lang="it-IT" dirty="0">
-                <a:solidFill>
-                  <a:srgbClr val="1F1F1F"/>
-                </a:solidFill>
-                <a:latin typeface="Aptos Light" panose="020B0004020202020204" pitchFamily="34" charset="0"/>
-              </a:rPr>
-              <a:t> </a:t>
-            </a:r>
-            <a:r>
-              <a:rPr lang="it-IT" dirty="0" err="1">
-                <a:solidFill>
-                  <a:srgbClr val="1F1F1F"/>
-                </a:solidFill>
-                <a:latin typeface="Aptos Light" panose="020B0004020202020204" pitchFamily="34" charset="0"/>
-              </a:rPr>
-              <a:t>behaviour</a:t>
-            </a:r>
-            <a:r>
-              <a:rPr lang="it-IT" dirty="0">
-                <a:solidFill>
-                  <a:srgbClr val="1F1F1F"/>
-                </a:solidFill>
-                <a:latin typeface="Aptos Light" panose="020B0004020202020204" pitchFamily="34" charset="0"/>
-              </a:rPr>
-              <a:t> far from the </a:t>
-            </a:r>
-            <a:r>
-              <a:rPr lang="it-IT" dirty="0" err="1">
-                <a:solidFill>
-                  <a:srgbClr val="1F1F1F"/>
-                </a:solidFill>
-                <a:latin typeface="Aptos Light" panose="020B0004020202020204" pitchFamily="34" charset="0"/>
-              </a:rPr>
-              <a:t>linearization</a:t>
-            </a:r>
-            <a:r>
-              <a:rPr lang="it-IT" dirty="0">
-                <a:solidFill>
-                  <a:srgbClr val="1F1F1F"/>
-                </a:solidFill>
-                <a:latin typeface="Aptos Light" panose="020B0004020202020204" pitchFamily="34" charset="0"/>
-              </a:rPr>
-              <a:t> temperature. </a:t>
-            </a:r>
-          </a:p>
-          <a:p>
-            <a:pPr marL="285750" indent="-285750" algn="just">
-              <a:spcAft>
-                <a:spcPts val="600"/>
-              </a:spcAft>
-              <a:buFont typeface="Arial" panose="020B0604020202020204" pitchFamily="34" charset="0"/>
-              <a:buChar char="•"/>
-            </a:pPr>
-            <a:r>
-              <a:rPr lang="it-IT" dirty="0">
-                <a:solidFill>
-                  <a:srgbClr val="1F1F1F"/>
-                </a:solidFill>
-                <a:latin typeface="Aptos Light" panose="020B0004020202020204" pitchFamily="34" charset="0"/>
-              </a:rPr>
-              <a:t>Train on a single set of </a:t>
-            </a:r>
-            <a:r>
-              <a:rPr lang="it-IT" dirty="0" err="1">
-                <a:solidFill>
-                  <a:srgbClr val="1F1F1F"/>
-                </a:solidFill>
-                <a:latin typeface="Aptos Light" panose="020B0004020202020204" pitchFamily="34" charset="0"/>
-              </a:rPr>
-              <a:t>parameters</a:t>
-            </a:r>
-            <a:r>
-              <a:rPr lang="it-IT" dirty="0">
-                <a:solidFill>
-                  <a:srgbClr val="1F1F1F"/>
-                </a:solidFill>
-                <a:latin typeface="Aptos Light" panose="020B0004020202020204" pitchFamily="34" charset="0"/>
-              </a:rPr>
-              <a:t> </a:t>
-            </a:r>
-            <a:r>
-              <a:rPr lang="it-IT" dirty="0">
-                <a:solidFill>
-                  <a:srgbClr val="1F1F1F"/>
-                </a:solidFill>
-                <a:latin typeface="Calibri" panose="020F0502020204030204" pitchFamily="34" charset="0"/>
-                <a:cs typeface="Calibri" panose="020F0502020204030204" pitchFamily="34" charset="0"/>
-              </a:rPr>
-              <a:t>-&gt;</a:t>
-            </a:r>
-            <a:r>
-              <a:rPr lang="it-IT" dirty="0">
-                <a:solidFill>
-                  <a:srgbClr val="1F1F1F"/>
-                </a:solidFill>
-                <a:latin typeface="Aptos Light" panose="020B0004020202020204" pitchFamily="34" charset="0"/>
-              </a:rPr>
-              <a:t> no </a:t>
-            </a:r>
-            <a:r>
-              <a:rPr lang="it-IT" dirty="0" err="1">
-                <a:solidFill>
-                  <a:srgbClr val="1F1F1F"/>
-                </a:solidFill>
-                <a:latin typeface="Aptos Light" panose="020B0004020202020204" pitchFamily="34" charset="0"/>
-              </a:rPr>
-              <a:t>possibility</a:t>
-            </a:r>
-            <a:r>
-              <a:rPr lang="it-IT" dirty="0">
-                <a:solidFill>
-                  <a:srgbClr val="1F1F1F"/>
-                </a:solidFill>
-                <a:latin typeface="Aptos Light" panose="020B0004020202020204" pitchFamily="34" charset="0"/>
-              </a:rPr>
-              <a:t> to </a:t>
-            </a:r>
-            <a:r>
-              <a:rPr lang="it-IT" dirty="0" err="1">
-                <a:solidFill>
-                  <a:srgbClr val="1F1F1F"/>
-                </a:solidFill>
-                <a:latin typeface="Aptos Light" panose="020B0004020202020204" pitchFamily="34" charset="0"/>
-              </a:rPr>
-              <a:t>generalized</a:t>
-            </a:r>
-            <a:r>
-              <a:rPr lang="it-IT" dirty="0">
-                <a:solidFill>
-                  <a:srgbClr val="1F1F1F"/>
-                </a:solidFill>
-                <a:latin typeface="Aptos Light" panose="020B0004020202020204" pitchFamily="34" charset="0"/>
-              </a:rPr>
-              <a:t> </a:t>
-            </a:r>
-          </a:p>
-        </p:txBody>
-      </p:sp>
       <mc:AlternateContent xmlns:mc="http://schemas.openxmlformats.org/markup-compatibility/2006" xmlns:a14="http://schemas.microsoft.com/office/drawing/2010/main">
         <mc:Choice Requires="a14">
           <p:sp>
@@ -31308,11 +30987,11 @@
                 <a14:m>
                   <m:oMath xmlns:m="http://schemas.openxmlformats.org/officeDocument/2006/math">
                     <m:r>
-                      <a:rPr lang="en-GB" i="1" smtClean="0">
+                      <a:rPr lang="it-IT" b="0" i="1" smtClean="0">
                         <a:latin typeface="Cambria Math" panose="02040503050406030204" pitchFamily="18" charset="0"/>
                         <a:ea typeface="Cambria Math" panose="02040503050406030204" pitchFamily="18" charset="0"/>
                       </a:rPr>
-                      <m:t>𝒰</m:t>
+                      <m:t>𝒱</m:t>
                     </m:r>
                     <m:r>
                       <a:rPr lang="it-IT" b="0" i="1" smtClean="0">
@@ -31444,7 +31123,7 @@
             </p:nvSpPr>
             <p:spPr>
               <a:xfrm>
-                <a:off x="5718331" y="1502164"/>
+                <a:off x="2945271" y="1383602"/>
                 <a:ext cx="3153664" cy="276999"/>
               </a:xfrm>
               <a:prstGeom prst="rect">
@@ -31616,7 +31295,7 @@
             </p:nvSpPr>
             <p:spPr>
               <a:xfrm>
-                <a:off x="5718331" y="1502164"/>
+                <a:off x="2945271" y="1383602"/>
                 <a:ext cx="3153664" cy="276999"/>
               </a:xfrm>
               <a:prstGeom prst="rect">
@@ -31660,7 +31339,7 @@
             </p:nvSpPr>
             <p:spPr>
               <a:xfrm>
-                <a:off x="2945271" y="1933878"/>
+                <a:off x="2945271" y="1943133"/>
                 <a:ext cx="854570" cy="276999"/>
               </a:xfrm>
               <a:prstGeom prst="rect">
@@ -31737,7 +31416,7 @@
             </p:nvSpPr>
             <p:spPr>
               <a:xfrm>
-                <a:off x="2945271" y="1933878"/>
+                <a:off x="2945271" y="1943133"/>
                 <a:ext cx="854570" cy="276999"/>
               </a:xfrm>
               <a:prstGeom prst="rect">
@@ -31746,7 +31425,279 @@
               <a:blipFill>
                 <a:blip r:embed="rId8"/>
                 <a:stretch>
-                  <a:fillRect b="-13043"/>
+                  <a:fillRect b="-18182"/>
+                </a:stretch>
+              </a:blipFill>
+            </p:spPr>
+            <p:txBody>
+              <a:bodyPr/>
+              <a:lstStyle/>
+              <a:p>
+                <a:r>
+                  <a:rPr lang="en-GB">
+                    <a:noFill/>
+                  </a:rPr>
+                  <a:t> </a:t>
+                </a:r>
+              </a:p>
+            </p:txBody>
+          </p:sp>
+        </mc:Fallback>
+      </mc:AlternateContent>
+      <mc:AlternateContent xmlns:mc="http://schemas.openxmlformats.org/markup-compatibility/2006" xmlns:a14="http://schemas.microsoft.com/office/drawing/2010/main">
+        <mc:Choice Requires="a14">
+          <p:sp>
+            <p:nvSpPr>
+              <p:cNvPr id="6" name="CasellaDiTesto 5">
+                <a:extLst>
+                  <a:ext uri="{FF2B5EF4-FFF2-40B4-BE49-F238E27FC236}">
+                    <a16:creationId xmlns:a16="http://schemas.microsoft.com/office/drawing/2014/main" id="{133BF110-5C03-12E1-C840-892A8466F137}"/>
+                  </a:ext>
+                </a:extLst>
+              </p:cNvPr>
+              <p:cNvSpPr txBox="1"/>
+              <p:nvPr/>
+            </p:nvSpPr>
+            <p:spPr>
+              <a:xfrm>
+                <a:off x="520310" y="4453666"/>
+                <a:ext cx="2247923" cy="524439"/>
+              </a:xfrm>
+              <a:prstGeom prst="rect">
+                <a:avLst/>
+              </a:prstGeom>
+              <a:noFill/>
+            </p:spPr>
+            <p:txBody>
+              <a:bodyPr wrap="none" lIns="0" tIns="0" rIns="0" bIns="0" rtlCol="0">
+                <a:spAutoFit/>
+              </a:bodyPr>
+              <a:lstStyle/>
+              <a:p>
+                <a:pPr/>
+                <a14:m>
+                  <m:oMathPara xmlns:m="http://schemas.openxmlformats.org/officeDocument/2006/math">
+                    <m:oMathParaPr>
+                      <m:jc m:val="centerGroup"/>
+                    </m:oMathParaPr>
+                    <m:oMath xmlns:m="http://schemas.openxmlformats.org/officeDocument/2006/math">
+                      <m:r>
+                        <a:rPr lang="it-IT" b="1" i="1" smtClean="0">
+                          <a:latin typeface="Cambria Math" panose="02040503050406030204" pitchFamily="18" charset="0"/>
+                        </a:rPr>
+                        <m:t>𝑫</m:t>
+                      </m:r>
+                      <m:r>
+                        <a:rPr lang="it-IT" b="0" i="1" smtClean="0">
+                          <a:latin typeface="Cambria Math" panose="02040503050406030204" pitchFamily="18" charset="0"/>
+                        </a:rPr>
+                        <m:t>=</m:t>
+                      </m:r>
+                      <m:r>
+                        <m:rPr>
+                          <m:sty m:val="p"/>
+                        </m:rPr>
+                        <a:rPr lang="it-IT" b="0" i="0" smtClean="0">
+                          <a:latin typeface="Cambria Math" panose="02040503050406030204" pitchFamily="18" charset="0"/>
+                        </a:rPr>
+                        <m:t>diag</m:t>
+                      </m:r>
+                      <m:r>
+                        <a:rPr lang="it-IT" b="0" i="0" smtClean="0">
+                          <a:latin typeface="Cambria Math" panose="02040503050406030204" pitchFamily="18" charset="0"/>
+                        </a:rPr>
+                        <m:t> </m:t>
+                      </m:r>
+                      <m:d>
+                        <m:dPr>
+                          <m:ctrlPr>
+                            <a:rPr lang="it-IT" b="0" i="1" smtClean="0">
+                              <a:latin typeface="Cambria Math" panose="02040503050406030204" pitchFamily="18" charset="0"/>
+                            </a:rPr>
+                          </m:ctrlPr>
+                        </m:dPr>
+                        <m:e>
+                          <m:f>
+                            <m:fPr>
+                              <m:ctrlPr>
+                                <a:rPr lang="it-IT" i="1">
+                                  <a:latin typeface="Cambria Math" panose="02040503050406030204" pitchFamily="18" charset="0"/>
+                                </a:rPr>
+                              </m:ctrlPr>
+                            </m:fPr>
+                            <m:num>
+                              <m:r>
+                                <a:rPr lang="it-IT" i="1">
+                                  <a:latin typeface="Cambria Math" panose="02040503050406030204" pitchFamily="18" charset="0"/>
+                                </a:rPr>
+                                <m:t>𝐷</m:t>
+                              </m:r>
+                            </m:num>
+                            <m:den>
+                              <m:sSup>
+                                <m:sSupPr>
+                                  <m:ctrlPr>
+                                    <a:rPr lang="it-IT" i="1">
+                                      <a:latin typeface="Cambria Math" panose="02040503050406030204" pitchFamily="18" charset="0"/>
+                                    </a:rPr>
+                                  </m:ctrlPr>
+                                </m:sSupPr>
+                                <m:e>
+                                  <m:r>
+                                    <a:rPr lang="it-IT" i="1">
+                                      <a:latin typeface="Cambria Math" panose="02040503050406030204" pitchFamily="18" charset="0"/>
+                                    </a:rPr>
+                                    <m:t>𝑅</m:t>
+                                  </m:r>
+                                </m:e>
+                                <m:sup>
+                                  <m:r>
+                                    <a:rPr lang="it-IT" i="1">
+                                      <a:latin typeface="Cambria Math" panose="02040503050406030204" pitchFamily="18" charset="0"/>
+                                    </a:rPr>
+                                    <m:t>2</m:t>
+                                  </m:r>
+                                </m:sup>
+                              </m:sSup>
+                            </m:den>
+                          </m:f>
+                          <m:r>
+                            <a:rPr lang="it-IT" b="0" i="0" smtClean="0">
+                              <a:latin typeface="Cambria Math" panose="02040503050406030204" pitchFamily="18" charset="0"/>
+                            </a:rPr>
+                            <m:t>,</m:t>
+                          </m:r>
+                          <m:f>
+                            <m:fPr>
+                              <m:ctrlPr>
+                                <a:rPr lang="it-IT" i="1">
+                                  <a:latin typeface="Cambria Math" panose="02040503050406030204" pitchFamily="18" charset="0"/>
+                                </a:rPr>
+                              </m:ctrlPr>
+                            </m:fPr>
+                            <m:num>
+                              <m:r>
+                                <a:rPr lang="it-IT" i="1">
+                                  <a:latin typeface="Cambria Math" panose="02040503050406030204" pitchFamily="18" charset="0"/>
+                                </a:rPr>
+                                <m:t>𝐷</m:t>
+                              </m:r>
+                            </m:num>
+                            <m:den>
+                              <m:sSup>
+                                <m:sSupPr>
+                                  <m:ctrlPr>
+                                    <a:rPr lang="it-IT" i="1">
+                                      <a:latin typeface="Cambria Math" panose="02040503050406030204" pitchFamily="18" charset="0"/>
+                                    </a:rPr>
+                                  </m:ctrlPr>
+                                </m:sSupPr>
+                                <m:e>
+                                  <m:r>
+                                    <a:rPr lang="it-IT" i="1">
+                                      <a:latin typeface="Cambria Math" panose="02040503050406030204" pitchFamily="18" charset="0"/>
+                                    </a:rPr>
+                                    <m:t>𝑅</m:t>
+                                  </m:r>
+                                </m:e>
+                                <m:sup>
+                                  <m:r>
+                                    <a:rPr lang="it-IT" i="1">
+                                      <a:latin typeface="Cambria Math" panose="02040503050406030204" pitchFamily="18" charset="0"/>
+                                    </a:rPr>
+                                    <m:t>2</m:t>
+                                  </m:r>
+                                </m:sup>
+                              </m:sSup>
+                            </m:den>
+                          </m:f>
+                          <m:r>
+                            <a:rPr lang="it-IT" b="0" i="0" smtClean="0">
+                              <a:latin typeface="Cambria Math" panose="02040503050406030204" pitchFamily="18" charset="0"/>
+                            </a:rPr>
+                            <m:t>,</m:t>
+                          </m:r>
+                          <m:f>
+                            <m:fPr>
+                              <m:ctrlPr>
+                                <a:rPr lang="it-IT" i="1">
+                                  <a:latin typeface="Cambria Math" panose="02040503050406030204" pitchFamily="18" charset="0"/>
+                                </a:rPr>
+                              </m:ctrlPr>
+                            </m:fPr>
+                            <m:num>
+                              <m:r>
+                                <a:rPr lang="it-IT" i="1">
+                                  <a:latin typeface="Cambria Math" panose="02040503050406030204" pitchFamily="18" charset="0"/>
+                                </a:rPr>
+                                <m:t>𝐷</m:t>
+                              </m:r>
+                            </m:num>
+                            <m:den>
+                              <m:sSup>
+                                <m:sSupPr>
+                                  <m:ctrlPr>
+                                    <a:rPr lang="it-IT" i="1">
+                                      <a:latin typeface="Cambria Math" panose="02040503050406030204" pitchFamily="18" charset="0"/>
+                                    </a:rPr>
+                                  </m:ctrlPr>
+                                </m:sSupPr>
+                                <m:e>
+                                  <m:r>
+                                    <a:rPr lang="it-IT" b="0" i="1" smtClean="0">
+                                      <a:latin typeface="Cambria Math" panose="02040503050406030204" pitchFamily="18" charset="0"/>
+                                    </a:rPr>
+                                    <m:t>𝐿</m:t>
+                                  </m:r>
+                                </m:e>
+                                <m:sup>
+                                  <m:r>
+                                    <a:rPr lang="it-IT" i="1">
+                                      <a:latin typeface="Cambria Math" panose="02040503050406030204" pitchFamily="18" charset="0"/>
+                                    </a:rPr>
+                                    <m:t>2</m:t>
+                                  </m:r>
+                                </m:sup>
+                              </m:sSup>
+                            </m:den>
+                          </m:f>
+                        </m:e>
+                      </m:d>
+                    </m:oMath>
+                  </m:oMathPara>
+                </a14:m>
+                <a:endParaRPr lang="en-GB" dirty="0"/>
+              </a:p>
+            </p:txBody>
+          </p:sp>
+        </mc:Choice>
+        <mc:Fallback xmlns="">
+          <p:sp>
+            <p:nvSpPr>
+              <p:cNvPr id="6" name="CasellaDiTesto 5">
+                <a:extLst>
+                  <a:ext uri="{FF2B5EF4-FFF2-40B4-BE49-F238E27FC236}">
+                    <a16:creationId xmlns:a16="http://schemas.microsoft.com/office/drawing/2014/main" id="{133BF110-5C03-12E1-C840-892A8466F137}"/>
+                  </a:ext>
+                </a:extLst>
+              </p:cNvPr>
+              <p:cNvSpPr txBox="1">
+                <a:spLocks noRot="1" noChangeAspect="1" noMove="1" noResize="1" noEditPoints="1" noAdjustHandles="1" noChangeArrowheads="1" noChangeShapeType="1" noTextEdit="1"/>
+              </p:cNvSpPr>
+              <p:nvPr/>
+            </p:nvSpPr>
+            <p:spPr>
+              <a:xfrm>
+                <a:off x="520310" y="4453666"/>
+                <a:ext cx="2247923" cy="524439"/>
+              </a:xfrm>
+              <a:prstGeom prst="rect">
+                <a:avLst/>
+              </a:prstGeom>
+              <a:blipFill>
+                <a:blip r:embed="rId9"/>
+                <a:stretch>
+                  <a:fillRect l="-1685" t="-2326" b="-9302"/>
                 </a:stretch>
               </a:blipFill>
             </p:spPr>
@@ -31778,7 +31729,7 @@
 </p:sld>
 </file>
 
-<file path=ppt/slides/slide3.xml><?xml version="1.0" encoding="utf-8"?>
+<file path=ppt/slides/slide4.xml><?xml version="1.0" encoding="utf-8"?>
 <p:sld xmlns:a="http://schemas.openxmlformats.org/drawingml/2006/main" xmlns:r="http://schemas.openxmlformats.org/officeDocument/2006/relationships" xmlns:p="http://schemas.openxmlformats.org/presentationml/2006/main">
   <p:cSld>
     <p:spTree>
@@ -31820,7 +31771,7 @@
           <a:p>
             <a:r>
               <a:rPr lang="en-GB" dirty="0"/>
-              <a:t>Full order</a:t>
+              <a:t>Finite element modelling</a:t>
             </a:r>
           </a:p>
         </p:txBody>
@@ -31937,7 +31888,7 @@
             <p:spPr>
               <a:xfrm>
                 <a:off x="0" y="727470"/>
-                <a:ext cx="9144000" cy="1173013"/>
+                <a:ext cx="9144000" cy="369332"/>
               </a:xfrm>
               <a:prstGeom prst="rect">
                 <a:avLst/>
@@ -32076,236 +32027,8 @@
                 </a14:m>
                 <a:r>
                   <a:rPr lang="en-GB" dirty="0"/>
-                  <a:t> the degree of freedom. Find </a:t>
+                  <a:t> the degree of freedom. </a:t>
                 </a:r>
-                <a14:m>
-                  <m:oMath xmlns:m="http://schemas.openxmlformats.org/officeDocument/2006/math">
-                    <m:sSub>
-                      <m:sSubPr>
-                        <m:ctrlPr>
-                          <a:rPr lang="it-IT" b="0" i="1" smtClean="0">
-                            <a:latin typeface="Cambria Math" panose="02040503050406030204" pitchFamily="18" charset="0"/>
-                          </a:rPr>
-                        </m:ctrlPr>
-                      </m:sSubPr>
-                      <m:e>
-                        <m:r>
-                          <a:rPr lang="it-IT" b="0" i="1" smtClean="0">
-                            <a:latin typeface="Cambria Math" panose="02040503050406030204" pitchFamily="18" charset="0"/>
-                          </a:rPr>
-                          <m:t>𝑐</m:t>
-                        </m:r>
-                      </m:e>
-                      <m:sub>
-                        <m:r>
-                          <a:rPr lang="it-IT" b="0" i="1" smtClean="0">
-                            <a:latin typeface="Cambria Math" panose="02040503050406030204" pitchFamily="18" charset="0"/>
-                          </a:rPr>
-                          <m:t>h</m:t>
-                        </m:r>
-                      </m:sub>
-                    </m:sSub>
-                    <m:r>
-                      <a:rPr lang="it-IT" b="0" i="1" smtClean="0">
-                        <a:latin typeface="Cambria Math" panose="02040503050406030204" pitchFamily="18" charset="0"/>
-                      </a:rPr>
-                      <m:t>(</m:t>
-                    </m:r>
-                    <m:r>
-                      <a:rPr lang="it-IT" b="1" i="1" smtClean="0">
-                        <a:latin typeface="Cambria Math" panose="02040503050406030204" pitchFamily="18" charset="0"/>
-                      </a:rPr>
-                      <m:t>𝒙</m:t>
-                    </m:r>
-                    <m:r>
-                      <a:rPr lang="it-IT" b="0" i="1" smtClean="0">
-                        <a:latin typeface="Cambria Math" panose="02040503050406030204" pitchFamily="18" charset="0"/>
-                      </a:rPr>
-                      <m:t>,</m:t>
-                    </m:r>
-                    <m:r>
-                      <a:rPr lang="it-IT" b="0" i="1" smtClean="0">
-                        <a:latin typeface="Cambria Math" panose="02040503050406030204" pitchFamily="18" charset="0"/>
-                      </a:rPr>
-                      <m:t>𝑡</m:t>
-                    </m:r>
-                    <m:r>
-                      <a:rPr lang="it-IT" b="0" i="1" smtClean="0">
-                        <a:latin typeface="Cambria Math" panose="02040503050406030204" pitchFamily="18" charset="0"/>
-                      </a:rPr>
-                      <m:t>;</m:t>
-                    </m:r>
-                    <m:r>
-                      <a:rPr lang="it-IT" b="1" i="1" smtClean="0">
-                        <a:latin typeface="Cambria Math" panose="02040503050406030204" pitchFamily="18" charset="0"/>
-                      </a:rPr>
-                      <m:t>𝝁</m:t>
-                    </m:r>
-                    <m:r>
-                      <a:rPr lang="it-IT" b="0" i="1" smtClean="0">
-                        <a:latin typeface="Cambria Math" panose="02040503050406030204" pitchFamily="18" charset="0"/>
-                      </a:rPr>
-                      <m:t>)</m:t>
-                    </m:r>
-                  </m:oMath>
-                </a14:m>
-                <a:r>
-                  <a:rPr lang="en-GB" dirty="0"/>
-                  <a:t> such that:</a:t>
-                </a:r>
-              </a:p>
-              <a:p>
-                <a:pPr/>
-                <a14:m>
-                  <m:oMathPara xmlns:m="http://schemas.openxmlformats.org/officeDocument/2006/math">
-                    <m:oMathParaPr>
-                      <m:jc m:val="centerGroup"/>
-                    </m:oMathParaPr>
-                    <m:oMath xmlns:m="http://schemas.openxmlformats.org/officeDocument/2006/math">
-                      <m:f>
-                        <m:fPr>
-                          <m:ctrlPr>
-                            <a:rPr lang="en-GB" i="1">
-                              <a:latin typeface="Cambria Math" panose="02040503050406030204" pitchFamily="18" charset="0"/>
-                            </a:rPr>
-                          </m:ctrlPr>
-                        </m:fPr>
-                        <m:num>
-                          <m:r>
-                            <a:rPr lang="it-IT" i="1">
-                              <a:latin typeface="Cambria Math" panose="02040503050406030204" pitchFamily="18" charset="0"/>
-                            </a:rPr>
-                            <m:t>𝜕</m:t>
-                          </m:r>
-                          <m:sSub>
-                            <m:sSubPr>
-                              <m:ctrlPr>
-                                <a:rPr lang="it-IT" b="0" i="1" smtClean="0">
-                                  <a:latin typeface="Cambria Math" panose="02040503050406030204" pitchFamily="18" charset="0"/>
-                                </a:rPr>
-                              </m:ctrlPr>
-                            </m:sSubPr>
-                            <m:e>
-                              <m:r>
-                                <a:rPr lang="it-IT" i="1">
-                                  <a:latin typeface="Cambria Math" panose="02040503050406030204" pitchFamily="18" charset="0"/>
-                                </a:rPr>
-                                <m:t>𝑐</m:t>
-                              </m:r>
-                            </m:e>
-                            <m:sub>
-                              <m:r>
-                                <a:rPr lang="it-IT" b="0" i="1" smtClean="0">
-                                  <a:latin typeface="Cambria Math" panose="02040503050406030204" pitchFamily="18" charset="0"/>
-                                </a:rPr>
-                                <m:t>h</m:t>
-                              </m:r>
-                            </m:sub>
-                          </m:sSub>
-                        </m:num>
-                        <m:den>
-                          <m:r>
-                            <a:rPr lang="it-IT" i="1">
-                              <a:latin typeface="Cambria Math" panose="02040503050406030204" pitchFamily="18" charset="0"/>
-                            </a:rPr>
-                            <m:t>𝜕</m:t>
-                          </m:r>
-                          <m:r>
-                            <a:rPr lang="it-IT" i="1">
-                              <a:latin typeface="Cambria Math" panose="02040503050406030204" pitchFamily="18" charset="0"/>
-                            </a:rPr>
-                            <m:t>𝑡</m:t>
-                          </m:r>
-                        </m:den>
-                      </m:f>
-                      <m:r>
-                        <a:rPr lang="it-IT" i="1">
-                          <a:latin typeface="Cambria Math" panose="02040503050406030204" pitchFamily="18" charset="0"/>
-                        </a:rPr>
-                        <m:t>=</m:t>
-                      </m:r>
-                      <m:r>
-                        <m:rPr>
-                          <m:sty m:val="p"/>
-                        </m:rPr>
-                        <a:rPr lang="it-IT">
-                          <a:latin typeface="Cambria Math" panose="02040503050406030204" pitchFamily="18" charset="0"/>
-                        </a:rPr>
-                        <m:t>∇</m:t>
-                      </m:r>
-                      <m:r>
-                        <a:rPr lang="it-IT" i="1">
-                          <a:latin typeface="Cambria Math" panose="02040503050406030204" pitchFamily="18" charset="0"/>
-                        </a:rPr>
-                        <m:t>⋅</m:t>
-                      </m:r>
-                      <m:d>
-                        <m:dPr>
-                          <m:ctrlPr>
-                            <a:rPr lang="it-IT" i="1">
-                              <a:latin typeface="Cambria Math" panose="02040503050406030204" pitchFamily="18" charset="0"/>
-                            </a:rPr>
-                          </m:ctrlPr>
-                        </m:dPr>
-                        <m:e>
-                          <m:r>
-                            <a:rPr lang="it-IT" b="1" i="1">
-                              <a:latin typeface="Cambria Math" panose="02040503050406030204" pitchFamily="18" charset="0"/>
-                            </a:rPr>
-                            <m:t>𝑫</m:t>
-                          </m:r>
-                          <m:r>
-                            <m:rPr>
-                              <m:sty m:val="p"/>
-                            </m:rPr>
-                            <a:rPr lang="it-IT">
-                              <a:latin typeface="Cambria Math" panose="02040503050406030204" pitchFamily="18" charset="0"/>
-                            </a:rPr>
-                            <m:t>∇</m:t>
-                          </m:r>
-                          <m:sSub>
-                            <m:sSubPr>
-                              <m:ctrlPr>
-                                <a:rPr lang="it-IT" b="0" i="1" smtClean="0">
-                                  <a:latin typeface="Cambria Math" panose="02040503050406030204" pitchFamily="18" charset="0"/>
-                                </a:rPr>
-                              </m:ctrlPr>
-                            </m:sSubPr>
-                            <m:e>
-                              <m:r>
-                                <a:rPr lang="it-IT" i="1">
-                                  <a:latin typeface="Cambria Math" panose="02040503050406030204" pitchFamily="18" charset="0"/>
-                                </a:rPr>
-                                <m:t>𝑐</m:t>
-                              </m:r>
-                            </m:e>
-                            <m:sub>
-                              <m:r>
-                                <a:rPr lang="it-IT" b="0" i="1" smtClean="0">
-                                  <a:latin typeface="Cambria Math" panose="02040503050406030204" pitchFamily="18" charset="0"/>
-                                </a:rPr>
-                                <m:t>h</m:t>
-                              </m:r>
-                            </m:sub>
-                          </m:sSub>
-                        </m:e>
-                      </m:d>
-                      <m:r>
-                        <a:rPr lang="it-IT" i="1">
-                          <a:latin typeface="Cambria Math" panose="02040503050406030204" pitchFamily="18" charset="0"/>
-                        </a:rPr>
-                        <m:t>+</m:t>
-                      </m:r>
-                      <m:r>
-                        <a:rPr lang="it-IT" i="1">
-                          <a:latin typeface="Cambria Math" panose="02040503050406030204" pitchFamily="18" charset="0"/>
-                        </a:rPr>
-                        <m:t>𝑆</m:t>
-                      </m:r>
-                    </m:oMath>
-                  </m:oMathPara>
-                </a14:m>
-                <a:endParaRPr lang="en-GB" dirty="0"/>
               </a:p>
             </p:txBody>
           </p:sp>
@@ -32328,7 +32051,7 @@
             <p:spPr>
               <a:xfrm>
                 <a:off x="0" y="727470"/>
-                <a:ext cx="9144000" cy="1173013"/>
+                <a:ext cx="9144000" cy="369332"/>
               </a:xfrm>
               <a:prstGeom prst="rect">
                 <a:avLst/>
@@ -32336,7 +32059,7 @@
               <a:blipFill>
                 <a:blip r:embed="rId4"/>
                 <a:stretch>
-                  <a:fillRect l="-556" t="-2151" b="-2151"/>
+                  <a:fillRect l="-556" t="-6667" b="-26667"/>
                 </a:stretch>
               </a:blipFill>
             </p:spPr>
@@ -32435,7 +32158,7 @@
             </a:r>
             <a:r>
               <a:rPr lang="en-GB" dirty="0" err="1"/>
-              <a:t>farward</a:t>
+              <a:t>Farward</a:t>
             </a:r>
             <a:r>
               <a:rPr lang="en-GB" dirty="0"/>
@@ -32466,7 +32189,7 @@
 </p:sld>
 </file>
 
-<file path=ppt/slides/slide4.xml><?xml version="1.0" encoding="utf-8"?>
+<file path=ppt/slides/slide5.xml><?xml version="1.0" encoding="utf-8"?>
 <p:sld xmlns:a="http://schemas.openxmlformats.org/drawingml/2006/main" xmlns:r="http://schemas.openxmlformats.org/officeDocument/2006/relationships" xmlns:p="http://schemas.openxmlformats.org/presentationml/2006/main">
   <p:cSld>
     <p:spTree>
@@ -32513,8 +32236,8 @@
           </a:p>
         </p:txBody>
       </p:sp>
-      <mc:AlternateContent xmlns:mc="http://schemas.openxmlformats.org/markup-compatibility/2006">
-        <mc:Choice xmlns:a14="http://schemas.microsoft.com/office/drawing/2010/main" Requires="a14">
+      <mc:AlternateContent xmlns:mc="http://schemas.openxmlformats.org/markup-compatibility/2006" xmlns:a14="http://schemas.microsoft.com/office/drawing/2010/main">
+        <mc:Choice Requires="a14">
           <p:sp>
             <p:nvSpPr>
               <p:cNvPr id="3" name="CasellaDiTesto 2">
@@ -32837,7 +32560,7 @@
             </p:txBody>
           </p:sp>
         </mc:Choice>
-        <mc:Fallback>
+        <mc:Fallback xmlns="">
           <p:sp>
             <p:nvSpPr>
               <p:cNvPr id="3" name="CasellaDiTesto 2">
@@ -32899,7 +32622,7 @@
             <p:spPr>
               <a:xfrm>
                 <a:off x="1661681" y="1380935"/>
-                <a:ext cx="5520678" cy="778931"/>
+                <a:ext cx="6352124" cy="778931"/>
               </a:xfrm>
               <a:prstGeom prst="rect">
                 <a:avLst/>
@@ -33132,11 +32855,11 @@
                             </m:sSubPr>
                             <m:e>
                               <m:r>
-                                <a:rPr lang="it-IT" i="1" smtClean="0">
+                                <a:rPr lang="it-IT" b="0" i="1" smtClean="0">
                                   <a:latin typeface="Cambria Math" panose="02040503050406030204" pitchFamily="18" charset="0"/>
                                   <a:ea typeface="Cambria Math" panose="02040503050406030204" pitchFamily="18" charset="0"/>
                                 </a:rPr>
-                                <m:t>𝜙</m:t>
+                                <m:t>𝜓</m:t>
                               </m:r>
                             </m:e>
                             <m:sub>
@@ -33183,7 +32906,7 @@
                                   <a:latin typeface="Cambria Math" panose="02040503050406030204" pitchFamily="18" charset="0"/>
                                   <a:ea typeface="Cambria Math" panose="02040503050406030204" pitchFamily="18" charset="0"/>
                                 </a:rPr>
-                                <m:t>𝑎</m:t>
+                                <m:t>𝛼</m:t>
                               </m:r>
                             </m:e>
                             <m:sub>
@@ -33236,7 +32959,63 @@
                           <a:latin typeface="Cambria Math" panose="02040503050406030204" pitchFamily="18" charset="0"/>
                           <a:ea typeface="Cambria Math" panose="02040503050406030204" pitchFamily="18" charset="0"/>
                         </a:rPr>
-                        <m:t>,     </m:t>
+                        <m:t>,</m:t>
+                      </m:r>
+                      <m:r>
+                        <a:rPr lang="it-IT" b="1" i="1">
+                          <a:latin typeface="Cambria Math" panose="02040503050406030204" pitchFamily="18" charset="0"/>
+                        </a:rPr>
+                        <m:t>𝒙</m:t>
+                      </m:r>
+                      <m:r>
+                        <a:rPr lang="it-IT" b="1" i="1" smtClean="0">
+                          <a:latin typeface="Cambria Math" panose="02040503050406030204" pitchFamily="18" charset="0"/>
+                        </a:rPr>
+                        <m:t>∈</m:t>
+                      </m:r>
+                      <m:r>
+                        <m:rPr>
+                          <m:sty m:val="p"/>
+                        </m:rPr>
+                        <a:rPr lang="it-IT" b="0" i="0" smtClean="0">
+                          <a:latin typeface="Cambria Math" panose="02040503050406030204" pitchFamily="18" charset="0"/>
+                        </a:rPr>
+                        <m:t>Ω</m:t>
+                      </m:r>
+                      <m:r>
+                        <a:rPr lang="it-IT" b="0" i="0" smtClean="0">
+                          <a:latin typeface="Cambria Math" panose="02040503050406030204" pitchFamily="18" charset="0"/>
+                        </a:rPr>
+                        <m:t>, </m:t>
+                      </m:r>
+                      <m:r>
+                        <m:rPr>
+                          <m:sty m:val="p"/>
+                        </m:rPr>
+                        <a:rPr lang="it-IT" b="0" i="0" smtClean="0">
+                          <a:latin typeface="Cambria Math" panose="02040503050406030204" pitchFamily="18" charset="0"/>
+                        </a:rPr>
+                        <m:t>t</m:t>
+                      </m:r>
+                      <m:r>
+                        <a:rPr lang="it-IT" b="0" i="1" smtClean="0">
+                          <a:latin typeface="Cambria Math" panose="02040503050406030204" pitchFamily="18" charset="0"/>
+                        </a:rPr>
+                        <m:t>∈</m:t>
+                      </m:r>
+                      <m:r>
+                        <a:rPr lang="it-IT" b="0" i="1" smtClean="0">
+                          <a:latin typeface="Cambria Math" panose="02040503050406030204" pitchFamily="18" charset="0"/>
+                          <a:ea typeface="Cambria Math" panose="02040503050406030204" pitchFamily="18" charset="0"/>
+                        </a:rPr>
+                        <m:t>ℐ</m:t>
+                      </m:r>
+                      <m:r>
+                        <a:rPr lang="it-IT" b="1" i="1" smtClean="0">
+                          <a:latin typeface="Cambria Math" panose="02040503050406030204" pitchFamily="18" charset="0"/>
+                          <a:ea typeface="Cambria Math" panose="02040503050406030204" pitchFamily="18" charset="0"/>
+                        </a:rPr>
+                        <m:t>, </m:t>
                       </m:r>
                       <m:r>
                         <a:rPr lang="it-IT" b="1" i="1" smtClean="0">
@@ -33285,7 +33064,7 @@
             <p:spPr>
               <a:xfrm>
                 <a:off x="1661681" y="1380935"/>
-                <a:ext cx="5520678" cy="778931"/>
+                <a:ext cx="6352124" cy="778931"/>
               </a:xfrm>
               <a:prstGeom prst="rect">
                 <a:avLst/>
@@ -33293,7 +33072,7 @@
               <a:blipFill>
                 <a:blip r:embed="rId3"/>
                 <a:stretch>
-                  <a:fillRect l="-230" t="-111290" r="-230" b="-174194"/>
+                  <a:fillRect t="-111290" b="-174194"/>
                 </a:stretch>
               </a:blipFill>
             </p:spPr>
@@ -33329,7 +33108,7 @@
             <p:spPr>
               <a:xfrm>
                 <a:off x="272005" y="2418630"/>
-                <a:ext cx="5837945" cy="778931"/>
+                <a:ext cx="5918415" cy="778931"/>
               </a:xfrm>
               <a:prstGeom prst="rect">
                 <a:avLst/>
@@ -33728,7 +33507,7 @@
                                   <a:latin typeface="Cambria Math" panose="02040503050406030204" pitchFamily="18" charset="0"/>
                                   <a:ea typeface="Cambria Math" panose="02040503050406030204" pitchFamily="18" charset="0"/>
                                 </a:rPr>
-                                <m:t>𝒙</m:t>
+                                <m:t>𝒔</m:t>
                               </m:r>
                             </m:e>
                             <m:sub>
@@ -33818,7 +33597,7 @@
             <p:spPr>
               <a:xfrm>
                 <a:off x="272005" y="2418630"/>
-                <a:ext cx="5837945" cy="778931"/>
+                <a:ext cx="5918415" cy="778931"/>
               </a:xfrm>
               <a:prstGeom prst="rect">
                 <a:avLst/>
@@ -33826,7 +33605,7 @@
               <a:blipFill>
                 <a:blip r:embed="rId4"/>
                 <a:stretch>
-                  <a:fillRect l="-13913" t="-109524" b="-169841"/>
+                  <a:fillRect l="-12848" t="-109524" b="-169841"/>
                 </a:stretch>
               </a:blipFill>
             </p:spPr>
@@ -34083,7 +33862,7 @@
                                   <a:latin typeface="Cambria Math" panose="02040503050406030204" pitchFamily="18" charset="0"/>
                                   <a:ea typeface="Cambria Math" panose="02040503050406030204" pitchFamily="18" charset="0"/>
                                 </a:rPr>
-                                <m:t>𝜙</m:t>
+                                <m:t>𝜓</m:t>
                               </m:r>
                             </m:e>
                             <m:sub>
@@ -34096,25 +33875,6 @@
                               </m:r>
                             </m:sub>
                           </m:sSub>
-                          <m:d>
-                            <m:dPr>
-                              <m:ctrlPr>
-                                <a:rPr lang="it-IT" i="1">
-                                  <a:latin typeface="Cambria Math" panose="02040503050406030204" pitchFamily="18" charset="0"/>
-                                  <a:ea typeface="Cambria Math" panose="02040503050406030204" pitchFamily="18" charset="0"/>
-                                </a:rPr>
-                              </m:ctrlPr>
-                            </m:dPr>
-                            <m:e>
-                              <m:r>
-                                <a:rPr lang="it-IT" b="1" i="1">
-                                  <a:latin typeface="Cambria Math" panose="02040503050406030204" pitchFamily="18" charset="0"/>
-                                  <a:ea typeface="Cambria Math" panose="02040503050406030204" pitchFamily="18" charset="0"/>
-                                </a:rPr>
-                                <m:t>𝒙</m:t>
-                              </m:r>
-                            </m:e>
-                          </m:d>
                           <m:r>
                             <a:rPr lang="it-IT" i="1">
                               <a:latin typeface="Cambria Math" panose="02040503050406030204" pitchFamily="18" charset="0"/>
@@ -34137,7 +33897,7 @@
                                   <a:latin typeface="Cambria Math" panose="02040503050406030204" pitchFamily="18" charset="0"/>
                                   <a:ea typeface="Cambria Math" panose="02040503050406030204" pitchFamily="18" charset="0"/>
                                 </a:rPr>
-                                <m:t>𝜙</m:t>
+                                <m:t>𝜓</m:t>
                               </m:r>
                             </m:e>
                             <m:sub>
@@ -34150,32 +33910,6 @@
                               </m:r>
                             </m:sub>
                           </m:sSub>
-                          <m:d>
-                            <m:dPr>
-                              <m:ctrlPr>
-                                <a:rPr lang="it-IT" i="1">
-                                  <a:latin typeface="Cambria Math" panose="02040503050406030204" pitchFamily="18" charset="0"/>
-                                  <a:ea typeface="Cambria Math" panose="02040503050406030204" pitchFamily="18" charset="0"/>
-                                </a:rPr>
-                              </m:ctrlPr>
-                            </m:dPr>
-                            <m:e>
-                              <m:r>
-                                <a:rPr lang="it-IT" b="1" i="1">
-                                  <a:latin typeface="Cambria Math" panose="02040503050406030204" pitchFamily="18" charset="0"/>
-                                  <a:ea typeface="Cambria Math" panose="02040503050406030204" pitchFamily="18" charset="0"/>
-                                </a:rPr>
-                                <m:t>𝒙</m:t>
-                              </m:r>
-                            </m:e>
-                          </m:d>
-                          <m:r>
-                            <a:rPr lang="it-IT" i="1">
-                              <a:latin typeface="Cambria Math" panose="02040503050406030204" pitchFamily="18" charset="0"/>
-                              <a:ea typeface="Cambria Math" panose="02040503050406030204" pitchFamily="18" charset="0"/>
-                            </a:rPr>
-                            <m:t> </m:t>
-                          </m:r>
                           <m:r>
                             <a:rPr lang="it-IT" i="1">
                               <a:latin typeface="Cambria Math" panose="02040503050406030204" pitchFamily="18" charset="0"/>
@@ -34454,7 +34188,7 @@
                                       <a:latin typeface="Cambria Math" panose="02040503050406030204" pitchFamily="18" charset="0"/>
                                       <a:ea typeface="Cambria Math" panose="02040503050406030204" pitchFamily="18" charset="0"/>
                                     </a:rPr>
-                                    <m:t>𝜙</m:t>
+                                    <m:t>𝜓</m:t>
                                   </m:r>
                                 </m:e>
                                 <m:sub>
@@ -34467,25 +34201,6 @@
                                   </m:r>
                                 </m:sub>
                               </m:sSub>
-                              <m:d>
-                                <m:dPr>
-                                  <m:ctrlPr>
-                                    <a:rPr lang="it-IT" i="1">
-                                      <a:latin typeface="Cambria Math" panose="02040503050406030204" pitchFamily="18" charset="0"/>
-                                      <a:ea typeface="Cambria Math" panose="02040503050406030204" pitchFamily="18" charset="0"/>
-                                    </a:rPr>
-                                  </m:ctrlPr>
-                                </m:dPr>
-                                <m:e>
-                                  <m:r>
-                                    <a:rPr lang="it-IT" b="1" i="1">
-                                      <a:latin typeface="Cambria Math" panose="02040503050406030204" pitchFamily="18" charset="0"/>
-                                      <a:ea typeface="Cambria Math" panose="02040503050406030204" pitchFamily="18" charset="0"/>
-                                    </a:rPr>
-                                    <m:t>𝒙</m:t>
-                                  </m:r>
-                                </m:e>
-                              </m:d>
                             </m:e>
                           </m:d>
                           <m:r>
@@ -34510,7 +34225,7 @@
                                   <a:latin typeface="Cambria Math" panose="02040503050406030204" pitchFamily="18" charset="0"/>
                                   <a:ea typeface="Cambria Math" panose="02040503050406030204" pitchFamily="18" charset="0"/>
                                 </a:rPr>
-                                <m:t>𝜙</m:t>
+                                <m:t>𝜓</m:t>
                               </m:r>
                             </m:e>
                             <m:sub>
@@ -34523,25 +34238,6 @@
                               </m:r>
                             </m:sub>
                           </m:sSub>
-                          <m:d>
-                            <m:dPr>
-                              <m:ctrlPr>
-                                <a:rPr lang="it-IT" i="1">
-                                  <a:latin typeface="Cambria Math" panose="02040503050406030204" pitchFamily="18" charset="0"/>
-                                  <a:ea typeface="Cambria Math" panose="02040503050406030204" pitchFamily="18" charset="0"/>
-                                </a:rPr>
-                              </m:ctrlPr>
-                            </m:dPr>
-                            <m:e>
-                              <m:r>
-                                <a:rPr lang="it-IT" b="1" i="1">
-                                  <a:latin typeface="Cambria Math" panose="02040503050406030204" pitchFamily="18" charset="0"/>
-                                  <a:ea typeface="Cambria Math" panose="02040503050406030204" pitchFamily="18" charset="0"/>
-                                </a:rPr>
-                                <m:t>𝒙</m:t>
-                              </m:r>
-                            </m:e>
-                          </m:d>
                           <m:r>
                             <a:rPr lang="it-IT" i="1">
                               <a:latin typeface="Cambria Math" panose="02040503050406030204" pitchFamily="18" charset="0"/>
@@ -34597,7 +34293,7 @@
                               <a:latin typeface="Cambria Math" panose="02040503050406030204" pitchFamily="18" charset="0"/>
                               <a:ea typeface="Cambria Math" panose="02040503050406030204" pitchFamily="18" charset="0"/>
                             </a:rPr>
-                            <m:t>𝒙</m:t>
+                            <m:t>𝒔</m:t>
                           </m:r>
                         </m:e>
                         <m:sub>
@@ -34684,11 +34380,11 @@
                         </m:sSubPr>
                         <m:e>
                           <m:r>
-                            <a:rPr lang="it-IT" b="1" i="1">
+                            <a:rPr lang="it-IT" b="1" i="1" smtClean="0">
                               <a:latin typeface="Cambria Math" panose="02040503050406030204" pitchFamily="18" charset="0"/>
                               <a:ea typeface="Cambria Math" panose="02040503050406030204" pitchFamily="18" charset="0"/>
                             </a:rPr>
-                            <m:t>𝒙</m:t>
+                            <m:t>𝒔</m:t>
                           </m:r>
                         </m:e>
                         <m:sub>
@@ -34748,7 +34444,7 @@
                                   <a:latin typeface="Cambria Math" panose="02040503050406030204" pitchFamily="18" charset="0"/>
                                   <a:ea typeface="Cambria Math" panose="02040503050406030204" pitchFamily="18" charset="0"/>
                                 </a:rPr>
-                                <m:t>𝜙</m:t>
+                                <m:t>𝜓</m:t>
                               </m:r>
                             </m:e>
                             <m:sub>
@@ -35116,7 +34812,7 @@
 </p:sld>
 </file>
 
-<file path=ppt/slides/slide5.xml><?xml version="1.0" encoding="utf-8"?>
+<file path=ppt/slides/slide6.xml><?xml version="1.0" encoding="utf-8"?>
 <p:sld xmlns:a="http://schemas.openxmlformats.org/drawingml/2006/main" xmlns:r="http://schemas.openxmlformats.org/officeDocument/2006/relationships" xmlns:p="http://schemas.openxmlformats.org/presentationml/2006/main">
   <p:cSld>
     <p:spTree>
@@ -35388,681 +35084,6 @@
       </mc:AlternateContent>
       <mc:AlternateContent xmlns:mc="http://schemas.openxmlformats.org/markup-compatibility/2006" xmlns:a14="http://schemas.microsoft.com/office/drawing/2010/main">
         <mc:Choice Requires="a14">
-          <p:graphicFrame>
-            <p:nvGraphicFramePr>
-              <p:cNvPr id="5" name="Tabella 4">
-                <a:extLst>
-                  <a:ext uri="{FF2B5EF4-FFF2-40B4-BE49-F238E27FC236}">
-                    <a16:creationId xmlns:a16="http://schemas.microsoft.com/office/drawing/2014/main" id="{CACC1A64-8557-9EF2-0217-179DB525D725}"/>
-                  </a:ext>
-                </a:extLst>
-              </p:cNvPr>
-              <p:cNvGraphicFramePr>
-                <a:graphicFrameLocks noGrp="1"/>
-              </p:cNvGraphicFramePr>
-              <p:nvPr>
-                <p:extLst>
-                  <p:ext uri="{D42A27DB-BD31-4B8C-83A1-F6EECF244321}">
-                    <p14:modId xmlns:p14="http://schemas.microsoft.com/office/powerpoint/2010/main" val="1464141369"/>
-                  </p:ext>
-                </p:extLst>
-              </p:nvPr>
-            </p:nvGraphicFramePr>
-            <p:xfrm>
-              <a:off x="1475508" y="2470598"/>
-              <a:ext cx="5808755" cy="2159980"/>
-            </p:xfrm>
-            <a:graphic>
-              <a:graphicData uri="http://schemas.openxmlformats.org/drawingml/2006/table">
-                <a:tbl>
-                  <a:tblPr firstRow="1" bandRow="1">
-                    <a:tableStyleId>{BC89EF96-8CEA-46FF-86C4-4CE0E7609802}</a:tableStyleId>
-                  </a:tblPr>
-                  <a:tblGrid>
-                    <a:gridCol w="2516915">
-                      <a:extLst>
-                        <a:ext uri="{9D8B030D-6E8A-4147-A177-3AD203B41FA5}">
-                          <a16:colId xmlns:a16="http://schemas.microsoft.com/office/drawing/2014/main" val="1652216288"/>
-                        </a:ext>
-                      </a:extLst>
-                    </a:gridCol>
-                    <a:gridCol w="3291840">
-                      <a:extLst>
-                        <a:ext uri="{9D8B030D-6E8A-4147-A177-3AD203B41FA5}">
-                          <a16:colId xmlns:a16="http://schemas.microsoft.com/office/drawing/2014/main" val="2331148968"/>
-                        </a:ext>
-                      </a:extLst>
-                    </a:gridCol>
-                  </a:tblGrid>
-                  <a:tr h="448555">
-                    <a:tc>
-                      <a:txBody>
-                        <a:bodyPr/>
-                        <a:lstStyle/>
-                        <a:p>
-                          <a:pPr algn="ctr"/>
-                          <a:r>
-                            <a:rPr lang="en-GB" b="0" dirty="0">
-                              <a:latin typeface="+mn-lt"/>
-                            </a:rPr>
-                            <a:t>Parameter</a:t>
-                          </a:r>
-                        </a:p>
-                      </a:txBody>
-                      <a:tcPr/>
-                    </a:tc>
-                    <a:tc>
-                      <a:txBody>
-                        <a:bodyPr/>
-                        <a:lstStyle/>
-                        <a:p>
-                          <a:pPr algn="ctr"/>
-                          <a:r>
-                            <a:rPr lang="en-GB" b="0" dirty="0">
-                              <a:latin typeface="+mn-lt"/>
-                            </a:rPr>
-                            <a:t>Values</a:t>
-                          </a:r>
-                        </a:p>
-                      </a:txBody>
-                      <a:tcPr/>
-                    </a:tc>
-                    <a:extLst>
-                      <a:ext uri="{0D108BD9-81ED-4DB2-BD59-A6C34878D82A}">
-                        <a16:rowId xmlns:a16="http://schemas.microsoft.com/office/drawing/2014/main" val="1274286983"/>
-                      </a:ext>
-                    </a:extLst>
-                  </a:tr>
-                  <a:tr h="285550">
-                    <a:tc>
-                      <a:txBody>
-                        <a:bodyPr/>
-                        <a:lstStyle/>
-                        <a:p>
-                          <a:r>
-                            <a:rPr lang="en-GB" dirty="0"/>
-                            <a:t>Fission rate </a:t>
-                          </a:r>
-                        </a:p>
-                      </a:txBody>
-                      <a:tcPr/>
-                    </a:tc>
-                    <a:tc>
-                      <a:txBody>
-                        <a:bodyPr/>
-                        <a:lstStyle/>
-                        <a:p>
-                          <a:pPr/>
-                          <a14:m>
-                            <m:oMathPara xmlns:m="http://schemas.openxmlformats.org/officeDocument/2006/math">
-                              <m:oMathParaPr>
-                                <m:jc m:val="centerGroup"/>
-                              </m:oMathParaPr>
-                              <m:oMath xmlns:m="http://schemas.openxmlformats.org/officeDocument/2006/math">
-                                <m:d>
-                                  <m:dPr>
-                                    <m:begChr m:val="["/>
-                                    <m:endChr m:val="]"/>
-                                    <m:ctrlPr>
-                                      <a:rPr lang="it-IT" b="0" i="1" dirty="0" smtClean="0">
-                                        <a:latin typeface="Cambria Math" panose="02040503050406030204" pitchFamily="18" charset="0"/>
-                                      </a:rPr>
-                                    </m:ctrlPr>
-                                  </m:dPr>
-                                  <m:e>
-                                    <m:r>
-                                      <a:rPr lang="it-IT" b="0" i="1" dirty="0" smtClean="0">
-                                        <a:latin typeface="Cambria Math" panose="02040503050406030204" pitchFamily="18" charset="0"/>
-                                      </a:rPr>
-                                      <m:t>0;</m:t>
-                                    </m:r>
-                                    <m:r>
-                                      <a:rPr lang="en-GB" i="1" dirty="0" smtClean="0">
-                                        <a:latin typeface="Cambria Math" panose="02040503050406030204" pitchFamily="18" charset="0"/>
-                                      </a:rPr>
-                                      <m:t>3 </m:t>
-                                    </m:r>
-                                    <m:r>
-                                      <a:rPr lang="it-IT" b="0" i="1" dirty="0" smtClean="0">
-                                        <a:latin typeface="Cambria Math" panose="02040503050406030204" pitchFamily="18" charset="0"/>
-                                      </a:rPr>
-                                      <m:t>×</m:t>
-                                    </m:r>
-                                    <m:sSup>
-                                      <m:sSupPr>
-                                        <m:ctrlPr>
-                                          <a:rPr lang="it-IT" b="0" i="1" dirty="0" smtClean="0">
-                                            <a:latin typeface="Cambria Math" panose="02040503050406030204" pitchFamily="18" charset="0"/>
-                                          </a:rPr>
-                                        </m:ctrlPr>
-                                      </m:sSupPr>
-                                      <m:e>
-                                        <m:r>
-                                          <a:rPr lang="it-IT" b="0" i="1" dirty="0" smtClean="0">
-                                            <a:latin typeface="Cambria Math" panose="02040503050406030204" pitchFamily="18" charset="0"/>
-                                          </a:rPr>
-                                          <m:t>10</m:t>
-                                        </m:r>
-                                      </m:e>
-                                      <m:sup>
-                                        <m:r>
-                                          <a:rPr lang="it-IT" b="0" i="1" dirty="0" smtClean="0">
-                                            <a:latin typeface="Cambria Math" panose="02040503050406030204" pitchFamily="18" charset="0"/>
-                                          </a:rPr>
-                                          <m:t>19</m:t>
-                                        </m:r>
-                                      </m:sup>
-                                    </m:sSup>
-                                  </m:e>
-                                </m:d>
-                              </m:oMath>
-                            </m:oMathPara>
-                          </a14:m>
-                          <a:endParaRPr lang="en-GB" dirty="0"/>
-                        </a:p>
-                      </a:txBody>
-                      <a:tcPr/>
-                    </a:tc>
-                    <a:extLst>
-                      <a:ext uri="{0D108BD9-81ED-4DB2-BD59-A6C34878D82A}">
-                        <a16:rowId xmlns:a16="http://schemas.microsoft.com/office/drawing/2014/main" val="2681161296"/>
-                      </a:ext>
-                    </a:extLst>
-                  </a:tr>
-                  <a:tr h="448555">
-                    <a:tc>
-                      <a:txBody>
-                        <a:bodyPr/>
-                        <a:lstStyle/>
-                        <a:p>
-                          <a:r>
-                            <a:rPr lang="en-GB" dirty="0"/>
-                            <a:t>Cylinder length </a:t>
-                          </a:r>
-                        </a:p>
-                      </a:txBody>
-                      <a:tcPr/>
-                    </a:tc>
-                    <a:tc>
-                      <a:txBody>
-                        <a:bodyPr/>
-                        <a:lstStyle/>
-                        <a:p>
-                          <a:pPr/>
-                          <a14:m>
-                            <m:oMathPara xmlns:m="http://schemas.openxmlformats.org/officeDocument/2006/math">
-                              <m:oMathParaPr>
-                                <m:jc m:val="centerGroup"/>
-                              </m:oMathParaPr>
-                              <m:oMath xmlns:m="http://schemas.openxmlformats.org/officeDocument/2006/math">
-                                <m:d>
-                                  <m:dPr>
-                                    <m:begChr m:val="["/>
-                                    <m:endChr m:val="]"/>
-                                    <m:ctrlPr>
-                                      <a:rPr lang="it-IT" b="0" i="1" smtClean="0">
-                                        <a:latin typeface="Cambria Math" panose="02040503050406030204" pitchFamily="18" charset="0"/>
-                                      </a:rPr>
-                                    </m:ctrlPr>
-                                  </m:dPr>
-                                  <m:e>
-                                    <m:r>
-                                      <a:rPr lang="it-IT" b="0" i="1" smtClean="0">
-                                        <a:latin typeface="Cambria Math" panose="02040503050406030204" pitchFamily="18" charset="0"/>
-                                      </a:rPr>
-                                      <m:t>0.75×</m:t>
-                                    </m:r>
-                                    <m:sSup>
-                                      <m:sSupPr>
-                                        <m:ctrlPr>
-                                          <a:rPr lang="it-IT" b="0" i="1" smtClean="0">
-                                            <a:latin typeface="Cambria Math" panose="02040503050406030204" pitchFamily="18" charset="0"/>
-                                          </a:rPr>
-                                        </m:ctrlPr>
-                                      </m:sSupPr>
-                                      <m:e>
-                                        <m:r>
-                                          <a:rPr lang="it-IT" b="0" i="1" smtClean="0">
-                                            <a:latin typeface="Cambria Math" panose="02040503050406030204" pitchFamily="18" charset="0"/>
-                                          </a:rPr>
-                                          <m:t>10</m:t>
-                                        </m:r>
-                                      </m:e>
-                                      <m:sup>
-                                        <m:r>
-                                          <a:rPr lang="it-IT" b="0" i="1" smtClean="0">
-                                            <a:latin typeface="Cambria Math" panose="02040503050406030204" pitchFamily="18" charset="0"/>
-                                          </a:rPr>
-                                          <m:t>−3</m:t>
-                                        </m:r>
-                                      </m:sup>
-                                    </m:sSup>
-                                    <m:r>
-                                      <a:rPr lang="it-IT" b="0" i="1" smtClean="0">
-                                        <a:latin typeface="Cambria Math" panose="02040503050406030204" pitchFamily="18" charset="0"/>
-                                      </a:rPr>
-                                      <m:t>;2×</m:t>
-                                    </m:r>
-                                    <m:sSup>
-                                      <m:sSupPr>
-                                        <m:ctrlPr>
-                                          <a:rPr lang="it-IT" b="0" i="1" smtClean="0">
-                                            <a:latin typeface="Cambria Math" panose="02040503050406030204" pitchFamily="18" charset="0"/>
-                                          </a:rPr>
-                                        </m:ctrlPr>
-                                      </m:sSupPr>
-                                      <m:e>
-                                        <m:r>
-                                          <a:rPr lang="it-IT" b="0" i="1" smtClean="0">
-                                            <a:latin typeface="Cambria Math" panose="02040503050406030204" pitchFamily="18" charset="0"/>
-                                          </a:rPr>
-                                          <m:t>10</m:t>
-                                        </m:r>
-                                      </m:e>
-                                      <m:sup>
-                                        <m:r>
-                                          <a:rPr lang="it-IT" b="0" i="1" smtClean="0">
-                                            <a:latin typeface="Cambria Math" panose="02040503050406030204" pitchFamily="18" charset="0"/>
-                                          </a:rPr>
-                                          <m:t>−3</m:t>
-                                        </m:r>
-                                      </m:sup>
-                                    </m:sSup>
-                                  </m:e>
-                                </m:d>
-                              </m:oMath>
-                            </m:oMathPara>
-                          </a14:m>
-                          <a:endParaRPr lang="en-GB" dirty="0"/>
-                        </a:p>
-                      </a:txBody>
-                      <a:tcPr/>
-                    </a:tc>
-                    <a:extLst>
-                      <a:ext uri="{0D108BD9-81ED-4DB2-BD59-A6C34878D82A}">
-                        <a16:rowId xmlns:a16="http://schemas.microsoft.com/office/drawing/2014/main" val="3204310875"/>
-                      </a:ext>
-                    </a:extLst>
-                  </a:tr>
-                  <a:tr h="448555">
-                    <a:tc>
-                      <a:txBody>
-                        <a:bodyPr/>
-                        <a:lstStyle/>
-                        <a:p>
-                          <a:r>
-                            <a:rPr lang="en-GB" dirty="0"/>
-                            <a:t>Cylinder radius</a:t>
-                          </a:r>
-                        </a:p>
-                      </a:txBody>
-                      <a:tcPr/>
-                    </a:tc>
-                    <a:tc>
-                      <a:txBody>
-                        <a:bodyPr/>
-                        <a:lstStyle/>
-                        <a:p>
-                          <a:pPr/>
-                          <a14:m>
-                            <m:oMathPara xmlns:m="http://schemas.openxmlformats.org/officeDocument/2006/math">
-                              <m:oMathParaPr>
-                                <m:jc m:val="centerGroup"/>
-                              </m:oMathParaPr>
-                              <m:oMath xmlns:m="http://schemas.openxmlformats.org/officeDocument/2006/math">
-                                <m:d>
-                                  <m:dPr>
-                                    <m:begChr m:val="["/>
-                                    <m:endChr m:val="]"/>
-                                    <m:ctrlPr>
-                                      <a:rPr lang="it-IT" b="0" i="1" smtClean="0">
-                                        <a:latin typeface="Cambria Math" panose="02040503050406030204" pitchFamily="18" charset="0"/>
-                                      </a:rPr>
-                                    </m:ctrlPr>
-                                  </m:dPr>
-                                  <m:e>
-                                    <m:r>
-                                      <a:rPr lang="it-IT" b="0" i="1" smtClean="0">
-                                        <a:latin typeface="Cambria Math" panose="02040503050406030204" pitchFamily="18" charset="0"/>
-                                      </a:rPr>
-                                      <m:t>0.75×</m:t>
-                                    </m:r>
-                                    <m:sSup>
-                                      <m:sSupPr>
-                                        <m:ctrlPr>
-                                          <a:rPr lang="it-IT" b="0" i="1" smtClean="0">
-                                            <a:latin typeface="Cambria Math" panose="02040503050406030204" pitchFamily="18" charset="0"/>
-                                          </a:rPr>
-                                        </m:ctrlPr>
-                                      </m:sSupPr>
-                                      <m:e>
-                                        <m:r>
-                                          <a:rPr lang="it-IT" b="0" i="1" smtClean="0">
-                                            <a:latin typeface="Cambria Math" panose="02040503050406030204" pitchFamily="18" charset="0"/>
-                                          </a:rPr>
-                                          <m:t>10</m:t>
-                                        </m:r>
-                                      </m:e>
-                                      <m:sup>
-                                        <m:r>
-                                          <a:rPr lang="it-IT" b="0" i="1" smtClean="0">
-                                            <a:latin typeface="Cambria Math" panose="02040503050406030204" pitchFamily="18" charset="0"/>
-                                          </a:rPr>
-                                          <m:t>−5</m:t>
-                                        </m:r>
-                                      </m:sup>
-                                    </m:sSup>
-                                    <m:r>
-                                      <a:rPr lang="it-IT" b="0" i="1" smtClean="0">
-                                        <a:latin typeface="Cambria Math" panose="02040503050406030204" pitchFamily="18" charset="0"/>
-                                      </a:rPr>
-                                      <m:t>;1.25×</m:t>
-                                    </m:r>
-                                    <m:sSup>
-                                      <m:sSupPr>
-                                        <m:ctrlPr>
-                                          <a:rPr lang="it-IT" b="0" i="1" smtClean="0">
-                                            <a:latin typeface="Cambria Math" panose="02040503050406030204" pitchFamily="18" charset="0"/>
-                                          </a:rPr>
-                                        </m:ctrlPr>
-                                      </m:sSupPr>
-                                      <m:e>
-                                        <m:r>
-                                          <a:rPr lang="it-IT" b="0" i="1" smtClean="0">
-                                            <a:latin typeface="Cambria Math" panose="02040503050406030204" pitchFamily="18" charset="0"/>
-                                          </a:rPr>
-                                          <m:t>10</m:t>
-                                        </m:r>
-                                      </m:e>
-                                      <m:sup>
-                                        <m:r>
-                                          <a:rPr lang="it-IT" b="0" i="1" smtClean="0">
-                                            <a:latin typeface="Cambria Math" panose="02040503050406030204" pitchFamily="18" charset="0"/>
-                                          </a:rPr>
-                                          <m:t>−5</m:t>
-                                        </m:r>
-                                      </m:sup>
-                                    </m:sSup>
-                                  </m:e>
-                                </m:d>
-                              </m:oMath>
-                            </m:oMathPara>
-                          </a14:m>
-                          <a:endParaRPr lang="en-GB" dirty="0"/>
-                        </a:p>
-                      </a:txBody>
-                      <a:tcPr/>
-                    </a:tc>
-                    <a:extLst>
-                      <a:ext uri="{0D108BD9-81ED-4DB2-BD59-A6C34878D82A}">
-                        <a16:rowId xmlns:a16="http://schemas.microsoft.com/office/drawing/2014/main" val="2090709835"/>
-                      </a:ext>
-                    </a:extLst>
-                  </a:tr>
-                  <a:tr h="448555">
-                    <a:tc>
-                      <a:txBody>
-                        <a:bodyPr/>
-                        <a:lstStyle/>
-                        <a:p>
-                          <a:endParaRPr lang="en-GB" dirty="0"/>
-                        </a:p>
-                      </a:txBody>
-                      <a:tcPr/>
-                    </a:tc>
-                    <a:tc>
-                      <a:txBody>
-                        <a:bodyPr/>
-                        <a:lstStyle/>
-                        <a:p>
-                          <a:endParaRPr lang="en-GB" dirty="0"/>
-                        </a:p>
-                      </a:txBody>
-                      <a:tcPr/>
-                    </a:tc>
-                    <a:extLst>
-                      <a:ext uri="{0D108BD9-81ED-4DB2-BD59-A6C34878D82A}">
-                        <a16:rowId xmlns:a16="http://schemas.microsoft.com/office/drawing/2014/main" val="1506826709"/>
-                      </a:ext>
-                    </a:extLst>
-                  </a:tr>
-                </a:tbl>
-              </a:graphicData>
-            </a:graphic>
-          </p:graphicFrame>
-        </mc:Choice>
-        <mc:Fallback xmlns="">
-          <p:graphicFrame>
-            <p:nvGraphicFramePr>
-              <p:cNvPr id="5" name="Tabella 4">
-                <a:extLst>
-                  <a:ext uri="{FF2B5EF4-FFF2-40B4-BE49-F238E27FC236}">
-                    <a16:creationId xmlns:a16="http://schemas.microsoft.com/office/drawing/2014/main" id="{CACC1A64-8557-9EF2-0217-179DB525D725}"/>
-                  </a:ext>
-                </a:extLst>
-              </p:cNvPr>
-              <p:cNvGraphicFramePr>
-                <a:graphicFrameLocks noGrp="1"/>
-              </p:cNvGraphicFramePr>
-              <p:nvPr>
-                <p:extLst>
-                  <p:ext uri="{D42A27DB-BD31-4B8C-83A1-F6EECF244321}">
-                    <p14:modId xmlns:p14="http://schemas.microsoft.com/office/powerpoint/2010/main" val="1464141369"/>
-                  </p:ext>
-                </p:extLst>
-              </p:nvPr>
-            </p:nvGraphicFramePr>
-            <p:xfrm>
-              <a:off x="1475508" y="2470598"/>
-              <a:ext cx="5808755" cy="2159980"/>
-            </p:xfrm>
-            <a:graphic>
-              <a:graphicData uri="http://schemas.openxmlformats.org/drawingml/2006/table">
-                <a:tbl>
-                  <a:tblPr firstRow="1" bandRow="1">
-                    <a:tableStyleId>{BC89EF96-8CEA-46FF-86C4-4CE0E7609802}</a:tableStyleId>
-                  </a:tblPr>
-                  <a:tblGrid>
-                    <a:gridCol w="2516915">
-                      <a:extLst>
-                        <a:ext uri="{9D8B030D-6E8A-4147-A177-3AD203B41FA5}">
-                          <a16:colId xmlns:a16="http://schemas.microsoft.com/office/drawing/2014/main" val="1652216288"/>
-                        </a:ext>
-                      </a:extLst>
-                    </a:gridCol>
-                    <a:gridCol w="3291840">
-                      <a:extLst>
-                        <a:ext uri="{9D8B030D-6E8A-4147-A177-3AD203B41FA5}">
-                          <a16:colId xmlns:a16="http://schemas.microsoft.com/office/drawing/2014/main" val="2331148968"/>
-                        </a:ext>
-                      </a:extLst>
-                    </a:gridCol>
-                  </a:tblGrid>
-                  <a:tr h="448555">
-                    <a:tc>
-                      <a:txBody>
-                        <a:bodyPr/>
-                        <a:lstStyle/>
-                        <a:p>
-                          <a:pPr algn="ctr"/>
-                          <a:r>
-                            <a:rPr lang="en-GB" b="0" dirty="0">
-                              <a:latin typeface="+mn-lt"/>
-                            </a:rPr>
-                            <a:t>Parameter</a:t>
-                          </a:r>
-                        </a:p>
-                      </a:txBody>
-                      <a:tcPr/>
-                    </a:tc>
-                    <a:tc>
-                      <a:txBody>
-                        <a:bodyPr/>
-                        <a:lstStyle/>
-                        <a:p>
-                          <a:pPr algn="ctr"/>
-                          <a:r>
-                            <a:rPr lang="en-GB" b="0" dirty="0">
-                              <a:latin typeface="+mn-lt"/>
-                            </a:rPr>
-                            <a:t>Values</a:t>
-                          </a:r>
-                        </a:p>
-                      </a:txBody>
-                      <a:tcPr/>
-                    </a:tc>
-                    <a:extLst>
-                      <a:ext uri="{0D108BD9-81ED-4DB2-BD59-A6C34878D82A}">
-                        <a16:rowId xmlns:a16="http://schemas.microsoft.com/office/drawing/2014/main" val="1274286983"/>
-                      </a:ext>
-                    </a:extLst>
-                  </a:tr>
-                  <a:tr h="365760">
-                    <a:tc>
-                      <a:txBody>
-                        <a:bodyPr/>
-                        <a:lstStyle/>
-                        <a:p>
-                          <a:r>
-                            <a:rPr lang="en-GB" dirty="0"/>
-                            <a:t>Fission rate </a:t>
-                          </a:r>
-                        </a:p>
-                      </a:txBody>
-                      <a:tcPr/>
-                    </a:tc>
-                    <a:tc>
-                      <a:txBody>
-                        <a:bodyPr/>
-                        <a:lstStyle/>
-                        <a:p>
-                          <a:endParaRPr lang="it-IT"/>
-                        </a:p>
-                      </a:txBody>
-                      <a:tcPr>
-                        <a:blipFill>
-                          <a:blip r:embed="rId3"/>
-                          <a:stretch>
-                            <a:fillRect l="-76538" t="-135714" r="-769" b="-385714"/>
-                          </a:stretch>
-                        </a:blipFill>
-                      </a:tcPr>
-                    </a:tc>
-                    <a:extLst>
-                      <a:ext uri="{0D108BD9-81ED-4DB2-BD59-A6C34878D82A}">
-                        <a16:rowId xmlns:a16="http://schemas.microsoft.com/office/drawing/2014/main" val="2681161296"/>
-                      </a:ext>
-                    </a:extLst>
-                  </a:tr>
-                  <a:tr h="448555">
-                    <a:tc>
-                      <a:txBody>
-                        <a:bodyPr/>
-                        <a:lstStyle/>
-                        <a:p>
-                          <a:r>
-                            <a:rPr lang="en-GB" dirty="0"/>
-                            <a:t>Cylinder length </a:t>
-                          </a:r>
-                        </a:p>
-                      </a:txBody>
-                      <a:tcPr/>
-                    </a:tc>
-                    <a:tc>
-                      <a:txBody>
-                        <a:bodyPr/>
-                        <a:lstStyle/>
-                        <a:p>
-                          <a:endParaRPr lang="it-IT"/>
-                        </a:p>
-                      </a:txBody>
-                      <a:tcPr>
-                        <a:blipFill>
-                          <a:blip r:embed="rId3"/>
-                          <a:stretch>
-                            <a:fillRect l="-76538" t="-183333" r="-769" b="-200000"/>
-                          </a:stretch>
-                        </a:blipFill>
-                      </a:tcPr>
-                    </a:tc>
-                    <a:extLst>
-                      <a:ext uri="{0D108BD9-81ED-4DB2-BD59-A6C34878D82A}">
-                        <a16:rowId xmlns:a16="http://schemas.microsoft.com/office/drawing/2014/main" val="3204310875"/>
-                      </a:ext>
-                    </a:extLst>
-                  </a:tr>
-                  <a:tr h="448555">
-                    <a:tc>
-                      <a:txBody>
-                        <a:bodyPr/>
-                        <a:lstStyle/>
-                        <a:p>
-                          <a:r>
-                            <a:rPr lang="en-GB" dirty="0"/>
-                            <a:t>Cylinder radius</a:t>
-                          </a:r>
-                        </a:p>
-                      </a:txBody>
-                      <a:tcPr/>
-                    </a:tc>
-                    <a:tc>
-                      <a:txBody>
-                        <a:bodyPr/>
-                        <a:lstStyle/>
-                        <a:p>
-                          <a:endParaRPr lang="it-IT"/>
-                        </a:p>
-                      </a:txBody>
-                      <a:tcPr>
-                        <a:blipFill>
-                          <a:blip r:embed="rId3"/>
-                          <a:stretch>
-                            <a:fillRect l="-76538" t="-291429" r="-769" b="-105714"/>
-                          </a:stretch>
-                        </a:blipFill>
-                      </a:tcPr>
-                    </a:tc>
-                    <a:extLst>
-                      <a:ext uri="{0D108BD9-81ED-4DB2-BD59-A6C34878D82A}">
-                        <a16:rowId xmlns:a16="http://schemas.microsoft.com/office/drawing/2014/main" val="2090709835"/>
-                      </a:ext>
-                    </a:extLst>
-                  </a:tr>
-                  <a:tr h="448555">
-                    <a:tc>
-                      <a:txBody>
-                        <a:bodyPr/>
-                        <a:lstStyle/>
-                        <a:p>
-                          <a:endParaRPr lang="en-GB" dirty="0"/>
-                        </a:p>
-                      </a:txBody>
-                      <a:tcPr/>
-                    </a:tc>
-                    <a:tc>
-                      <a:txBody>
-                        <a:bodyPr/>
-                        <a:lstStyle/>
-                        <a:p>
-                          <a:endParaRPr lang="en-GB" dirty="0"/>
-                        </a:p>
-                      </a:txBody>
-                      <a:tcPr/>
-                    </a:tc>
-                    <a:extLst>
-                      <a:ext uri="{0D108BD9-81ED-4DB2-BD59-A6C34878D82A}">
-                        <a16:rowId xmlns:a16="http://schemas.microsoft.com/office/drawing/2014/main" val="1506826709"/>
-                      </a:ext>
-                    </a:extLst>
-                  </a:tr>
-                </a:tbl>
-              </a:graphicData>
-            </a:graphic>
-          </p:graphicFrame>
-        </mc:Fallback>
-      </mc:AlternateContent>
-      <mc:AlternateContent xmlns:mc="http://schemas.openxmlformats.org/markup-compatibility/2006" xmlns:a14="http://schemas.microsoft.com/office/drawing/2010/main">
-        <mc:Choice Requires="a14">
           <p:sp>
             <p:nvSpPr>
               <p:cNvPr id="6" name="CasellaDiTesto 5">
@@ -36077,7 +35098,7 @@
             </p:nvSpPr>
             <p:spPr>
               <a:xfrm>
-                <a:off x="149087" y="1512875"/>
+                <a:off x="149087" y="1515037"/>
                 <a:ext cx="6848863" cy="369332"/>
               </a:xfrm>
               <a:prstGeom prst="rect">
@@ -36131,14 +35152,14 @@
             </p:nvSpPr>
             <p:spPr>
               <a:xfrm>
-                <a:off x="149087" y="1512875"/>
+                <a:off x="149087" y="1515037"/>
                 <a:ext cx="6848863" cy="369332"/>
               </a:xfrm>
               <a:prstGeom prst="rect">
                 <a:avLst/>
               </a:prstGeom>
               <a:blipFill>
-                <a:blip r:embed="rId4"/>
+                <a:blip r:embed="rId3"/>
                 <a:stretch>
                   <a:fillRect l="-739" t="-6667" b="-23333"/>
                 </a:stretch>
@@ -36173,8 +35194,8 @@
         </p:nvSpPr>
         <p:spPr>
           <a:xfrm>
-            <a:off x="149087" y="5357191"/>
-            <a:ext cx="8553111" cy="369332"/>
+            <a:off x="149087" y="5617148"/>
+            <a:ext cx="8633172" cy="646331"/>
           </a:xfrm>
           <a:prstGeom prst="rect">
             <a:avLst/>
@@ -36182,18 +35203,92 @@
           <a:noFill/>
         </p:spPr>
         <p:txBody>
-          <a:bodyPr wrap="none" rtlCol="0">
+          <a:bodyPr wrap="square" rtlCol="0">
             <a:spAutoFit/>
           </a:bodyPr>
           <a:lstStyle/>
           <a:p>
             <a:r>
               <a:rPr lang="en-GB" dirty="0"/>
-              <a:t>Values determined based on the SUPERFACT-1 and SPHERE irradiation experiments.  </a:t>
+              <a:t>Values determined based on the SUPERFACT-1  (</a:t>
+            </a:r>
+            <a:r>
+              <a:rPr lang="en-GB" dirty="0">
+                <a:solidFill>
+                  <a:srgbClr val="0089CB"/>
+                </a:solidFill>
+              </a:rPr>
+              <a:t>Luzzi et al., 2021; Luzzi et al., 2023</a:t>
+            </a:r>
+            <a:r>
+              <a:rPr lang="en-GB" dirty="0"/>
+              <a:t>) and SPHERE (</a:t>
+            </a:r>
+            <a:r>
+              <a:rPr lang="en-GB" dirty="0" err="1">
+                <a:solidFill>
+                  <a:srgbClr val="0089CB"/>
+                </a:solidFill>
+              </a:rPr>
+              <a:t>Lainet</a:t>
+            </a:r>
+            <a:r>
+              <a:rPr lang="en-GB" dirty="0">
+                <a:solidFill>
+                  <a:srgbClr val="0089CB"/>
+                </a:solidFill>
+              </a:rPr>
+              <a:t> et al., 2024</a:t>
+            </a:r>
+            <a:r>
+              <a:rPr lang="en-GB" dirty="0"/>
+              <a:t>) JOYO (</a:t>
+            </a:r>
+            <a:r>
+              <a:rPr lang="en-GB" dirty="0">
+                <a:solidFill>
+                  <a:srgbClr val="0089CB"/>
+                </a:solidFill>
+              </a:rPr>
+              <a:t>Maeda et al., 2009</a:t>
+            </a:r>
+            <a:r>
+              <a:rPr lang="en-GB" dirty="0"/>
+              <a:t>) irradiation experiments.  </a:t>
             </a:r>
           </a:p>
         </p:txBody>
       </p:sp>
+      <p:pic>
+        <p:nvPicPr>
+          <p:cNvPr id="8" name="Immagine 7" descr="Immagine che contiene testo, schermata, Carattere, numero&#10;&#10;Descrizione generata automaticamente">
+            <a:extLst>
+              <a:ext uri="{FF2B5EF4-FFF2-40B4-BE49-F238E27FC236}">
+                <a16:creationId xmlns:a16="http://schemas.microsoft.com/office/drawing/2014/main" id="{C8ED3122-D549-A5CB-A2C6-E3D23C7020B4}"/>
+              </a:ext>
+            </a:extLst>
+          </p:cNvPr>
+          <p:cNvPicPr>
+            <a:picLocks noChangeAspect="1"/>
+          </p:cNvPicPr>
+          <p:nvPr/>
+        </p:nvPicPr>
+        <p:blipFill>
+          <a:blip r:embed="rId4"/>
+          <a:stretch>
+            <a:fillRect/>
+          </a:stretch>
+        </p:blipFill>
+        <p:spPr>
+          <a:xfrm>
+            <a:off x="1593850" y="2241550"/>
+            <a:ext cx="5956300" cy="2374900"/>
+          </a:xfrm>
+          <a:prstGeom prst="rect">
+            <a:avLst/>
+          </a:prstGeom>
+        </p:spPr>
+      </p:pic>
     </p:spTree>
     <p:extLst>
       <p:ext uri="{BB962C8B-B14F-4D97-AF65-F5344CB8AC3E}">
@@ -36207,7 +35302,7 @@
 </p:sld>
 </file>
 
-<file path=ppt/slides/slide6.xml><?xml version="1.0" encoding="utf-8"?>
+<file path=ppt/slides/slide7.xml><?xml version="1.0" encoding="utf-8"?>
 <p:sld xmlns:a="http://schemas.openxmlformats.org/drawingml/2006/main" xmlns:r="http://schemas.openxmlformats.org/officeDocument/2006/relationships" xmlns:p="http://schemas.openxmlformats.org/presentationml/2006/main">
   <p:cSld>
     <p:spTree>
@@ -36224,510 +35319,6 @@
           <a:chExt cx="0" cy="0"/>
         </a:xfrm>
       </p:grpSpPr>
-      <mc:AlternateContent xmlns:mc="http://schemas.openxmlformats.org/markup-compatibility/2006" xmlns:a14="http://schemas.microsoft.com/office/drawing/2010/main">
-        <mc:Choice Requires="a14">
-          <p:sp>
-            <p:nvSpPr>
-              <p:cNvPr id="22" name="CasellaDiTesto 21">
-                <a:extLst>
-                  <a:ext uri="{FF2B5EF4-FFF2-40B4-BE49-F238E27FC236}">
-                    <a16:creationId xmlns:a16="http://schemas.microsoft.com/office/drawing/2014/main" id="{0179F026-CC7B-7514-88A8-C5F51B262F68}"/>
-                  </a:ext>
-                </a:extLst>
-              </p:cNvPr>
-              <p:cNvSpPr txBox="1"/>
-              <p:nvPr/>
-            </p:nvSpPr>
-            <p:spPr>
-              <a:xfrm>
-                <a:off x="4196509" y="1106857"/>
-                <a:ext cx="4846112" cy="845103"/>
-              </a:xfrm>
-              <a:prstGeom prst="rect">
-                <a:avLst/>
-              </a:prstGeom>
-              <a:noFill/>
-            </p:spPr>
-            <p:txBody>
-              <a:bodyPr wrap="square">
-                <a:spAutoFit/>
-              </a:bodyPr>
-              <a:lstStyle/>
-              <a:p>
-                <a14:m>
-                  <m:oMath xmlns:m="http://schemas.openxmlformats.org/officeDocument/2006/math">
-                    <m:sSub>
-                      <m:sSubPr>
-                        <m:ctrlPr>
-                          <a:rPr lang="it-IT" b="0" i="1" smtClean="0">
-                            <a:solidFill>
-                              <a:schemeClr val="bg1">
-                                <a:lumMod val="65000"/>
-                              </a:schemeClr>
-                            </a:solidFill>
-                            <a:latin typeface="Cambria Math" panose="02040503050406030204" pitchFamily="18" charset="0"/>
-                          </a:rPr>
-                        </m:ctrlPr>
-                      </m:sSubPr>
-                      <m:e>
-                        <m:r>
-                          <a:rPr lang="it-IT" b="0" i="1" smtClean="0">
-                            <a:solidFill>
-                              <a:schemeClr val="bg1">
-                                <a:lumMod val="65000"/>
-                              </a:schemeClr>
-                            </a:solidFill>
-                            <a:latin typeface="Cambria Math" panose="02040503050406030204" pitchFamily="18" charset="0"/>
-                          </a:rPr>
-                          <m:t>𝐷</m:t>
-                        </m:r>
-                      </m:e>
-                      <m:sub>
-                        <m:r>
-                          <a:rPr lang="it-IT" b="0" i="1" smtClean="0">
-                            <a:solidFill>
-                              <a:schemeClr val="bg1">
-                                <a:lumMod val="65000"/>
-                              </a:schemeClr>
-                            </a:solidFill>
-                            <a:latin typeface="Cambria Math" panose="02040503050406030204" pitchFamily="18" charset="0"/>
-                          </a:rPr>
-                          <m:t>𝑡𝑢𝑟𝑛𝑏𝑢𝑙𝑙</m:t>
-                        </m:r>
-                      </m:sub>
-                    </m:sSub>
-                    <m:r>
-                      <a:rPr lang="it-IT" b="0" i="1" smtClean="0">
-                        <a:solidFill>
-                          <a:schemeClr val="bg1">
-                            <a:lumMod val="65000"/>
-                          </a:schemeClr>
-                        </a:solidFill>
-                        <a:latin typeface="Cambria Math" panose="02040503050406030204" pitchFamily="18" charset="0"/>
-                      </a:rPr>
-                      <m:t>=7.60×</m:t>
-                    </m:r>
-                    <m:sSup>
-                      <m:sSupPr>
-                        <m:ctrlPr>
-                          <a:rPr lang="it-IT" b="0" i="1" smtClean="0">
-                            <a:solidFill>
-                              <a:schemeClr val="bg1">
-                                <a:lumMod val="65000"/>
-                              </a:schemeClr>
-                            </a:solidFill>
-                            <a:latin typeface="Cambria Math" panose="02040503050406030204" pitchFamily="18" charset="0"/>
-                          </a:rPr>
-                        </m:ctrlPr>
-                      </m:sSupPr>
-                      <m:e>
-                        <m:r>
-                          <a:rPr lang="it-IT" b="0" i="1" smtClean="0">
-                            <a:solidFill>
-                              <a:schemeClr val="bg1">
-                                <a:lumMod val="65000"/>
-                              </a:schemeClr>
-                            </a:solidFill>
-                            <a:latin typeface="Cambria Math" panose="02040503050406030204" pitchFamily="18" charset="0"/>
-                          </a:rPr>
-                          <m:t>10</m:t>
-                        </m:r>
-                      </m:e>
-                      <m:sup>
-                        <m:r>
-                          <a:rPr lang="it-IT" b="0" i="1" smtClean="0">
-                            <a:solidFill>
-                              <a:schemeClr val="bg1">
-                                <a:lumMod val="65000"/>
-                              </a:schemeClr>
-                            </a:solidFill>
-                            <a:latin typeface="Cambria Math" panose="02040503050406030204" pitchFamily="18" charset="0"/>
-                          </a:rPr>
-                          <m:t>−10</m:t>
-                        </m:r>
-                      </m:sup>
-                    </m:sSup>
-                    <m:r>
-                      <a:rPr lang="it-IT" b="0" i="1" smtClean="0">
-                        <a:solidFill>
-                          <a:schemeClr val="bg1">
-                            <a:lumMod val="65000"/>
-                          </a:schemeClr>
-                        </a:solidFill>
-                        <a:latin typeface="Cambria Math" panose="02040503050406030204" pitchFamily="18" charset="0"/>
-                      </a:rPr>
-                      <m:t>∗</m:t>
-                    </m:r>
-                    <m:func>
-                      <m:funcPr>
-                        <m:ctrlPr>
-                          <a:rPr lang="it-IT" b="0" i="1" smtClean="0">
-                            <a:solidFill>
-                              <a:schemeClr val="bg1">
-                                <a:lumMod val="65000"/>
-                              </a:schemeClr>
-                            </a:solidFill>
-                            <a:latin typeface="Cambria Math" panose="02040503050406030204" pitchFamily="18" charset="0"/>
-                          </a:rPr>
-                        </m:ctrlPr>
-                      </m:funcPr>
-                      <m:fName>
-                        <m:r>
-                          <m:rPr>
-                            <m:sty m:val="p"/>
-                          </m:rPr>
-                          <a:rPr lang="it-IT" b="0" i="0" smtClean="0">
-                            <a:solidFill>
-                              <a:schemeClr val="bg1">
-                                <a:lumMod val="65000"/>
-                              </a:schemeClr>
-                            </a:solidFill>
-                            <a:latin typeface="Cambria Math" panose="02040503050406030204" pitchFamily="18" charset="0"/>
-                          </a:rPr>
-                          <m:t>exp</m:t>
-                        </m:r>
-                      </m:fName>
-                      <m:e>
-                        <m:d>
-                          <m:dPr>
-                            <m:ctrlPr>
-                              <a:rPr lang="it-IT" i="1">
-                                <a:solidFill>
-                                  <a:schemeClr val="bg1">
-                                    <a:lumMod val="65000"/>
-                                  </a:schemeClr>
-                                </a:solidFill>
-                                <a:latin typeface="Cambria Math" panose="02040503050406030204" pitchFamily="18" charset="0"/>
-                              </a:rPr>
-                            </m:ctrlPr>
-                          </m:dPr>
-                          <m:e>
-                            <m:r>
-                              <a:rPr lang="it-IT" i="1">
-                                <a:solidFill>
-                                  <a:schemeClr val="bg1">
-                                    <a:lumMod val="65000"/>
-                                  </a:schemeClr>
-                                </a:solidFill>
-                                <a:latin typeface="Cambria Math" panose="02040503050406030204" pitchFamily="18" charset="0"/>
-                              </a:rPr>
-                              <m:t>−</m:t>
-                            </m:r>
-                            <m:f>
-                              <m:fPr>
-                                <m:ctrlPr>
-                                  <a:rPr lang="it-IT" i="1">
-                                    <a:solidFill>
-                                      <a:schemeClr val="bg1">
-                                        <a:lumMod val="65000"/>
-                                      </a:schemeClr>
-                                    </a:solidFill>
-                                    <a:latin typeface="Cambria Math" panose="02040503050406030204" pitchFamily="18" charset="0"/>
-                                  </a:rPr>
-                                </m:ctrlPr>
-                              </m:fPr>
-                              <m:num>
-                                <m:r>
-                                  <a:rPr lang="it-IT" b="0" i="1" smtClean="0">
-                                    <a:solidFill>
-                                      <a:schemeClr val="bg1">
-                                        <a:lumMod val="65000"/>
-                                      </a:schemeClr>
-                                    </a:solidFill>
-                                    <a:latin typeface="Cambria Math" panose="02040503050406030204" pitchFamily="18" charset="0"/>
-                                  </a:rPr>
-                                  <m:t>4.86</m:t>
-                                </m:r>
-                                <m:r>
-                                  <a:rPr lang="it-IT" i="1">
-                                    <a:solidFill>
-                                      <a:schemeClr val="bg1">
-                                        <a:lumMod val="65000"/>
-                                      </a:schemeClr>
-                                    </a:solidFill>
-                                    <a:latin typeface="Cambria Math" panose="02040503050406030204" pitchFamily="18" charset="0"/>
-                                  </a:rPr>
-                                  <m:t>×</m:t>
-                                </m:r>
-                                <m:sSup>
-                                  <m:sSupPr>
-                                    <m:ctrlPr>
-                                      <a:rPr lang="it-IT" i="1">
-                                        <a:solidFill>
-                                          <a:schemeClr val="bg1">
-                                            <a:lumMod val="65000"/>
-                                          </a:schemeClr>
-                                        </a:solidFill>
-                                        <a:latin typeface="Cambria Math" panose="02040503050406030204" pitchFamily="18" charset="0"/>
-                                      </a:rPr>
-                                    </m:ctrlPr>
-                                  </m:sSupPr>
-                                  <m:e>
-                                    <m:r>
-                                      <a:rPr lang="it-IT" i="1">
-                                        <a:solidFill>
-                                          <a:schemeClr val="bg1">
-                                            <a:lumMod val="65000"/>
-                                          </a:schemeClr>
-                                        </a:solidFill>
-                                        <a:latin typeface="Cambria Math" panose="02040503050406030204" pitchFamily="18" charset="0"/>
-                                      </a:rPr>
-                                      <m:t>10</m:t>
-                                    </m:r>
-                                  </m:e>
-                                  <m:sup>
-                                    <m:r>
-                                      <a:rPr lang="it-IT" i="1">
-                                        <a:solidFill>
-                                          <a:schemeClr val="bg1">
-                                            <a:lumMod val="65000"/>
-                                          </a:schemeClr>
-                                        </a:solidFill>
-                                        <a:latin typeface="Cambria Math" panose="02040503050406030204" pitchFamily="18" charset="0"/>
-                                      </a:rPr>
-                                      <m:t>−1</m:t>
-                                    </m:r>
-                                    <m:r>
-                                      <a:rPr lang="it-IT" b="0" i="1" smtClean="0">
-                                        <a:solidFill>
-                                          <a:schemeClr val="bg1">
-                                            <a:lumMod val="65000"/>
-                                          </a:schemeClr>
-                                        </a:solidFill>
-                                        <a:latin typeface="Cambria Math" panose="02040503050406030204" pitchFamily="18" charset="0"/>
-                                      </a:rPr>
-                                      <m:t>9</m:t>
-                                    </m:r>
-                                  </m:sup>
-                                </m:sSup>
-                              </m:num>
-                              <m:den>
-                                <m:r>
-                                  <a:rPr lang="it-IT" i="1">
-                                    <a:solidFill>
-                                      <a:schemeClr val="bg1">
-                                        <a:lumMod val="65000"/>
-                                      </a:schemeClr>
-                                    </a:solidFill>
-                                    <a:latin typeface="Cambria Math" panose="02040503050406030204" pitchFamily="18" charset="0"/>
-                                  </a:rPr>
-                                  <m:t>𝑇</m:t>
-                                </m:r>
-                                <m:r>
-                                  <a:rPr lang="it-IT" b="0" i="1" smtClean="0">
-                                    <a:solidFill>
-                                      <a:schemeClr val="bg1">
-                                        <a:lumMod val="65000"/>
-                                      </a:schemeClr>
-                                    </a:solidFill>
-                                    <a:latin typeface="Cambria Math" panose="02040503050406030204" pitchFamily="18" charset="0"/>
-                                  </a:rPr>
-                                  <m:t> </m:t>
-                                </m:r>
-                                <m:sSub>
-                                  <m:sSubPr>
-                                    <m:ctrlPr>
-                                      <a:rPr lang="it-IT" b="0" i="1" smtClean="0">
-                                        <a:solidFill>
-                                          <a:schemeClr val="bg1">
-                                            <a:lumMod val="65000"/>
-                                          </a:schemeClr>
-                                        </a:solidFill>
-                                        <a:latin typeface="Cambria Math" panose="02040503050406030204" pitchFamily="18" charset="0"/>
-                                      </a:rPr>
-                                    </m:ctrlPr>
-                                  </m:sSubPr>
-                                  <m:e>
-                                    <m:r>
-                                      <a:rPr lang="it-IT" b="0" i="1" smtClean="0">
-                                        <a:solidFill>
-                                          <a:schemeClr val="bg1">
-                                            <a:lumMod val="65000"/>
-                                          </a:schemeClr>
-                                        </a:solidFill>
-                                        <a:latin typeface="Cambria Math" panose="02040503050406030204" pitchFamily="18" charset="0"/>
-                                      </a:rPr>
-                                      <m:t>𝑘</m:t>
-                                    </m:r>
-                                  </m:e>
-                                  <m:sub>
-                                    <m:r>
-                                      <a:rPr lang="it-IT" b="0" i="1" smtClean="0">
-                                        <a:solidFill>
-                                          <a:schemeClr val="bg1">
-                                            <a:lumMod val="65000"/>
-                                          </a:schemeClr>
-                                        </a:solidFill>
-                                        <a:latin typeface="Cambria Math" panose="02040503050406030204" pitchFamily="18" charset="0"/>
-                                      </a:rPr>
-                                      <m:t>𝑏</m:t>
-                                    </m:r>
-                                  </m:sub>
-                                </m:sSub>
-                              </m:den>
-                            </m:f>
-                          </m:e>
-                        </m:d>
-                        <m:r>
-                          <a:rPr lang="it-IT" b="0" i="1" smtClean="0">
-                            <a:solidFill>
-                              <a:schemeClr val="bg1">
-                                <a:lumMod val="65000"/>
-                              </a:schemeClr>
-                            </a:solidFill>
-                            <a:latin typeface="Cambria Math" panose="02040503050406030204" pitchFamily="18" charset="0"/>
-                          </a:rPr>
-                          <m:t>+ </m:t>
-                        </m:r>
-                      </m:e>
-                    </m:func>
-                  </m:oMath>
-                </a14:m>
-                <a:r>
-                  <a:rPr lang="it-IT" dirty="0">
-                    <a:solidFill>
-                      <a:schemeClr val="bg1">
-                        <a:lumMod val="65000"/>
-                      </a:schemeClr>
-                    </a:solidFill>
-                  </a:rPr>
-                  <a:t> … </a:t>
-                </a:r>
-                <a14:m>
-                  <m:oMath xmlns:m="http://schemas.openxmlformats.org/officeDocument/2006/math">
-                    <m:r>
-                      <a:rPr lang="it-IT" i="1">
-                        <a:solidFill>
-                          <a:schemeClr val="bg1">
-                            <a:lumMod val="65000"/>
-                          </a:schemeClr>
-                        </a:solidFill>
-                        <a:latin typeface="Cambria Math" panose="02040503050406030204" pitchFamily="18" charset="0"/>
-                      </a:rPr>
-                      <m:t>+8×</m:t>
-                    </m:r>
-                    <m:sSup>
-                      <m:sSupPr>
-                        <m:ctrlPr>
-                          <a:rPr lang="it-IT" i="1">
-                            <a:solidFill>
-                              <a:schemeClr val="bg1">
-                                <a:lumMod val="65000"/>
-                              </a:schemeClr>
-                            </a:solidFill>
-                            <a:latin typeface="Cambria Math" panose="02040503050406030204" pitchFamily="18" charset="0"/>
-                          </a:rPr>
-                        </m:ctrlPr>
-                      </m:sSupPr>
-                      <m:e>
-                        <m:r>
-                          <a:rPr lang="it-IT" i="1">
-                            <a:solidFill>
-                              <a:schemeClr val="bg1">
-                                <a:lumMod val="65000"/>
-                              </a:schemeClr>
-                            </a:solidFill>
-                            <a:latin typeface="Cambria Math" panose="02040503050406030204" pitchFamily="18" charset="0"/>
-                          </a:rPr>
-                          <m:t>10</m:t>
-                        </m:r>
-                      </m:e>
-                      <m:sup>
-                        <m:r>
-                          <a:rPr lang="it-IT" i="1">
-                            <a:solidFill>
-                              <a:schemeClr val="bg1">
-                                <a:lumMod val="65000"/>
-                              </a:schemeClr>
-                            </a:solidFill>
-                            <a:latin typeface="Cambria Math" panose="02040503050406030204" pitchFamily="18" charset="0"/>
-                          </a:rPr>
-                          <m:t>−40</m:t>
-                        </m:r>
-                      </m:sup>
-                    </m:sSup>
-                    <m:acc>
-                      <m:accPr>
-                        <m:chr m:val="̇"/>
-                        <m:ctrlPr>
-                          <a:rPr lang="it-IT" i="1">
-                            <a:solidFill>
-                              <a:schemeClr val="bg1">
-                                <a:lumMod val="65000"/>
-                              </a:schemeClr>
-                            </a:solidFill>
-                            <a:latin typeface="Cambria Math" panose="02040503050406030204" pitchFamily="18" charset="0"/>
-                          </a:rPr>
-                        </m:ctrlPr>
-                      </m:accPr>
-                      <m:e>
-                        <m:r>
-                          <a:rPr lang="it-IT" i="1">
-                            <a:solidFill>
-                              <a:schemeClr val="bg1">
-                                <a:lumMod val="65000"/>
-                              </a:schemeClr>
-                            </a:solidFill>
-                            <a:latin typeface="Cambria Math" panose="02040503050406030204" pitchFamily="18" charset="0"/>
-                          </a:rPr>
-                          <m:t>𝐹</m:t>
-                        </m:r>
-                      </m:e>
-                    </m:acc>
-                  </m:oMath>
-                </a14:m>
-                <a:endParaRPr lang="en-GB" dirty="0">
-                  <a:latin typeface="Aptos Light" panose="020B0004020202020204" pitchFamily="34" charset="0"/>
-                </a:endParaRPr>
-              </a:p>
-            </p:txBody>
-          </p:sp>
-        </mc:Choice>
-        <mc:Fallback xmlns="">
-          <p:sp>
-            <p:nvSpPr>
-              <p:cNvPr id="22" name="CasellaDiTesto 21">
-                <a:extLst>
-                  <a:ext uri="{FF2B5EF4-FFF2-40B4-BE49-F238E27FC236}">
-                    <a16:creationId xmlns:a16="http://schemas.microsoft.com/office/drawing/2014/main" id="{0179F026-CC7B-7514-88A8-C5F51B262F68}"/>
-                  </a:ext>
-                </a:extLst>
-              </p:cNvPr>
-              <p:cNvSpPr txBox="1">
-                <a:spLocks noRot="1" noChangeAspect="1" noMove="1" noResize="1" noEditPoints="1" noAdjustHandles="1" noChangeArrowheads="1" noChangeShapeType="1" noTextEdit="1"/>
-              </p:cNvSpPr>
-              <p:nvPr/>
-            </p:nvSpPr>
-            <p:spPr>
-              <a:xfrm>
-                <a:off x="4196509" y="1106857"/>
-                <a:ext cx="4846112" cy="845103"/>
-              </a:xfrm>
-              <a:prstGeom prst="rect">
-                <a:avLst/>
-              </a:prstGeom>
-              <a:blipFill>
-                <a:blip r:embed="rId3"/>
-                <a:stretch>
-                  <a:fillRect l="-1047" b="-10448"/>
-                </a:stretch>
-              </a:blipFill>
-            </p:spPr>
-            <p:txBody>
-              <a:bodyPr/>
-              <a:lstStyle/>
-              <a:p>
-                <a:r>
-                  <a:rPr lang="en-GB">
-                    <a:noFill/>
-                  </a:rPr>
-                  <a:t> </a:t>
-                </a:r>
-              </a:p>
-            </p:txBody>
-          </p:sp>
-        </mc:Fallback>
-      </mc:AlternateContent>
       <p:sp>
         <p:nvSpPr>
           <p:cNvPr id="2" name="Titolo 1">
@@ -36805,15 +35396,26 @@
                         <a:rPr lang="it-IT" b="0" i="1" smtClean="0">
                           <a:latin typeface="Cambria Math" panose="02040503050406030204" pitchFamily="18" charset="0"/>
                         </a:rPr>
-                        <m:t>= </m:t>
+                        <m:t>=</m:t>
                       </m:r>
-                      <m:r>
-                        <a:rPr lang="en-GB" i="1" smtClean="0">
-                          <a:latin typeface="Cambria Math" panose="02040503050406030204" pitchFamily="18" charset="0"/>
-                          <a:ea typeface="Cambria Math" panose="02040503050406030204" pitchFamily="18" charset="0"/>
-                        </a:rPr>
-                        <m:t>ℱ</m:t>
-                      </m:r>
+                      <m:acc>
+                        <m:accPr>
+                          <m:chr m:val="̃"/>
+                          <m:ctrlPr>
+                            <a:rPr lang="it-IT" b="0" i="1" smtClean="0">
+                              <a:latin typeface="Cambria Math" panose="02040503050406030204" pitchFamily="18" charset="0"/>
+                            </a:rPr>
+                          </m:ctrlPr>
+                        </m:accPr>
+                        <m:e>
+                          <m:r>
+                            <a:rPr lang="it-IT" b="1" i="1">
+                              <a:latin typeface="Cambria Math" panose="02040503050406030204" pitchFamily="18" charset="0"/>
+                            </a:rPr>
+                            <m:t>𝑫</m:t>
+                          </m:r>
+                        </m:e>
+                      </m:acc>
                       <m:d>
                         <m:dPr>
                           <m:ctrlPr>
@@ -37049,7 +35651,7 @@
                 <a:avLst/>
               </a:prstGeom>
               <a:blipFill>
-                <a:blip r:embed="rId4"/>
+                <a:blip r:embed="rId3"/>
                 <a:stretch>
                   <a:fillRect t="-112903" b="-174194"/>
                 </a:stretch>
@@ -37070,382 +35672,8 @@
           </p:sp>
         </mc:Fallback>
       </mc:AlternateContent>
-      <p:sp>
-        <p:nvSpPr>
-          <p:cNvPr id="6" name="Parentesi graffa chiusa 5">
-            <a:extLst>
-              <a:ext uri="{FF2B5EF4-FFF2-40B4-BE49-F238E27FC236}">
-                <a16:creationId xmlns:a16="http://schemas.microsoft.com/office/drawing/2014/main" id="{4994ED60-8C9A-10EB-CDFE-DB22FEB7D09C}"/>
-              </a:ext>
-            </a:extLst>
-          </p:cNvPr>
-          <p:cNvSpPr/>
-          <p:nvPr/>
-        </p:nvSpPr>
-        <p:spPr>
-          <a:xfrm rot="16200000">
-            <a:off x="5993885" y="582535"/>
-            <a:ext cx="113127" cy="1168069"/>
-          </a:xfrm>
-          <a:prstGeom prst="rightBrace">
-            <a:avLst/>
-          </a:prstGeom>
-          <a:ln w="19050">
-            <a:solidFill>
-              <a:schemeClr val="bg1">
-                <a:lumMod val="75000"/>
-              </a:schemeClr>
-            </a:solidFill>
-          </a:ln>
-        </p:spPr>
-        <p:style>
-          <a:lnRef idx="1">
-            <a:schemeClr val="accent1"/>
-          </a:lnRef>
-          <a:fillRef idx="0">
-            <a:schemeClr val="accent1"/>
-          </a:fillRef>
-          <a:effectRef idx="0">
-            <a:schemeClr val="accent1"/>
-          </a:effectRef>
-          <a:fontRef idx="minor">
-            <a:schemeClr val="tx1"/>
-          </a:fontRef>
-        </p:style>
-        <p:txBody>
-          <a:bodyPr rtlCol="0" anchor="ctr"/>
-          <a:lstStyle/>
-          <a:p>
-            <a:pPr algn="ctr"/>
-            <a:endParaRPr lang="en-GB" dirty="0"/>
-          </a:p>
-        </p:txBody>
-      </p:sp>
       <mc:AlternateContent xmlns:mc="http://schemas.openxmlformats.org/markup-compatibility/2006" xmlns:a14="http://schemas.microsoft.com/office/drawing/2010/main">
         <mc:Choice Requires="a14">
-          <p:sp>
-            <p:nvSpPr>
-              <p:cNvPr id="7" name="CasellaDiTesto 6">
-                <a:extLst>
-                  <a:ext uri="{FF2B5EF4-FFF2-40B4-BE49-F238E27FC236}">
-                    <a16:creationId xmlns:a16="http://schemas.microsoft.com/office/drawing/2014/main" id="{3280AD4C-1CFC-5944-07DB-97AD4486591E}"/>
-                  </a:ext>
-                </a:extLst>
-              </p:cNvPr>
-              <p:cNvSpPr txBox="1"/>
-              <p:nvPr/>
-            </p:nvSpPr>
-            <p:spPr>
-              <a:xfrm>
-                <a:off x="5838897" y="792275"/>
-                <a:ext cx="423101" cy="276999"/>
-              </a:xfrm>
-              <a:prstGeom prst="rect">
-                <a:avLst/>
-              </a:prstGeom>
-              <a:noFill/>
-            </p:spPr>
-            <p:txBody>
-              <a:bodyPr wrap="square" lIns="0" tIns="0" rIns="0" bIns="0" rtlCol="0">
-                <a:spAutoFit/>
-              </a:bodyPr>
-              <a:lstStyle/>
-              <a:p>
-                <a:pPr/>
-                <a14:m>
-                  <m:oMathPara xmlns:m="http://schemas.openxmlformats.org/officeDocument/2006/math">
-                    <m:oMathParaPr>
-                      <m:jc m:val="centerGroup"/>
-                    </m:oMathParaPr>
-                    <m:oMath xmlns:m="http://schemas.openxmlformats.org/officeDocument/2006/math">
-                      <m:sSub>
-                        <m:sSubPr>
-                          <m:ctrlPr>
-                            <a:rPr lang="it-IT" b="0" i="1" smtClean="0">
-                              <a:solidFill>
-                                <a:schemeClr val="bg1">
-                                  <a:lumMod val="65000"/>
-                                </a:schemeClr>
-                              </a:solidFill>
-                              <a:latin typeface="Cambria Math" panose="02040503050406030204" pitchFamily="18" charset="0"/>
-                            </a:rPr>
-                          </m:ctrlPr>
-                        </m:sSubPr>
-                        <m:e>
-                          <m:r>
-                            <a:rPr lang="it-IT" b="0" i="1" smtClean="0">
-                              <a:solidFill>
-                                <a:schemeClr val="bg1">
-                                  <a:lumMod val="65000"/>
-                                </a:schemeClr>
-                              </a:solidFill>
-                              <a:latin typeface="Cambria Math" panose="02040503050406030204" pitchFamily="18" charset="0"/>
-                            </a:rPr>
-                            <m:t>𝜇</m:t>
-                          </m:r>
-                        </m:e>
-                        <m:sub>
-                          <m:r>
-                            <a:rPr lang="it-IT" b="0" i="1" smtClean="0">
-                              <a:solidFill>
-                                <a:schemeClr val="bg1">
-                                  <a:lumMod val="65000"/>
-                                </a:schemeClr>
-                              </a:solidFill>
-                              <a:latin typeface="Cambria Math" panose="02040503050406030204" pitchFamily="18" charset="0"/>
-                            </a:rPr>
-                            <m:t>1</m:t>
-                          </m:r>
-                        </m:sub>
-                      </m:sSub>
-                    </m:oMath>
-                  </m:oMathPara>
-                </a14:m>
-                <a:endParaRPr lang="it-IT" b="0" dirty="0">
-                  <a:solidFill>
-                    <a:schemeClr val="bg1">
-                      <a:lumMod val="65000"/>
-                    </a:schemeClr>
-                  </a:solidFill>
-                </a:endParaRPr>
-              </a:p>
-            </p:txBody>
-          </p:sp>
-        </mc:Choice>
-        <mc:Fallback xmlns="">
-          <p:sp>
-            <p:nvSpPr>
-              <p:cNvPr id="7" name="CasellaDiTesto 6">
-                <a:extLst>
-                  <a:ext uri="{FF2B5EF4-FFF2-40B4-BE49-F238E27FC236}">
-                    <a16:creationId xmlns:a16="http://schemas.microsoft.com/office/drawing/2014/main" id="{3280AD4C-1CFC-5944-07DB-97AD4486591E}"/>
-                  </a:ext>
-                </a:extLst>
-              </p:cNvPr>
-              <p:cNvSpPr txBox="1">
-                <a:spLocks noRot="1" noChangeAspect="1" noMove="1" noResize="1" noEditPoints="1" noAdjustHandles="1" noChangeArrowheads="1" noChangeShapeType="1" noTextEdit="1"/>
-              </p:cNvSpPr>
-              <p:nvPr/>
-            </p:nvSpPr>
-            <p:spPr>
-              <a:xfrm>
-                <a:off x="5838897" y="792275"/>
-                <a:ext cx="423101" cy="276999"/>
-              </a:xfrm>
-              <a:prstGeom prst="rect">
-                <a:avLst/>
-              </a:prstGeom>
-              <a:blipFill>
-                <a:blip r:embed="rId5"/>
-                <a:stretch>
-                  <a:fillRect b="-27273"/>
-                </a:stretch>
-              </a:blipFill>
-            </p:spPr>
-            <p:txBody>
-              <a:bodyPr/>
-              <a:lstStyle/>
-              <a:p>
-                <a:r>
-                  <a:rPr lang="en-GB">
-                    <a:noFill/>
-                  </a:rPr>
-                  <a:t> </a:t>
-                </a:r>
-              </a:p>
-            </p:txBody>
-          </p:sp>
-        </mc:Fallback>
-      </mc:AlternateContent>
-      <p:sp>
-        <p:nvSpPr>
-          <p:cNvPr id="8" name="Parentesi graffa chiusa 7">
-            <a:extLst>
-              <a:ext uri="{FF2B5EF4-FFF2-40B4-BE49-F238E27FC236}">
-                <a16:creationId xmlns:a16="http://schemas.microsoft.com/office/drawing/2014/main" id="{76DDBE08-EC12-0B69-35FA-44C2903362B0}"/>
-              </a:ext>
-            </a:extLst>
-          </p:cNvPr>
-          <p:cNvSpPr/>
-          <p:nvPr/>
-        </p:nvSpPr>
-        <p:spPr>
-          <a:xfrm rot="16200000">
-            <a:off x="7914398" y="653931"/>
-            <a:ext cx="166212" cy="931552"/>
-          </a:xfrm>
-          <a:prstGeom prst="rightBrace">
-            <a:avLst/>
-          </a:prstGeom>
-          <a:ln w="19050">
-            <a:solidFill>
-              <a:schemeClr val="bg1">
-                <a:lumMod val="75000"/>
-              </a:schemeClr>
-            </a:solidFill>
-          </a:ln>
-        </p:spPr>
-        <p:style>
-          <a:lnRef idx="1">
-            <a:schemeClr val="accent1"/>
-          </a:lnRef>
-          <a:fillRef idx="0">
-            <a:schemeClr val="accent1"/>
-          </a:fillRef>
-          <a:effectRef idx="0">
-            <a:schemeClr val="accent1"/>
-          </a:effectRef>
-          <a:fontRef idx="minor">
-            <a:schemeClr val="tx1"/>
-          </a:fontRef>
-        </p:style>
-        <p:txBody>
-          <a:bodyPr rtlCol="0" anchor="ctr"/>
-          <a:lstStyle/>
-          <a:p>
-            <a:pPr algn="ctr"/>
-            <a:endParaRPr lang="en-GB" dirty="0"/>
-          </a:p>
-        </p:txBody>
-      </p:sp>
-      <mc:AlternateContent xmlns:mc="http://schemas.openxmlformats.org/markup-compatibility/2006" xmlns:a14="http://schemas.microsoft.com/office/drawing/2010/main">
-        <mc:Choice Requires="a14">
-          <p:sp>
-            <p:nvSpPr>
-              <p:cNvPr id="9" name="CasellaDiTesto 8">
-                <a:extLst>
-                  <a:ext uri="{FF2B5EF4-FFF2-40B4-BE49-F238E27FC236}">
-                    <a16:creationId xmlns:a16="http://schemas.microsoft.com/office/drawing/2014/main" id="{72E09A52-194A-F9A3-1698-AD6D12416DD7}"/>
-                  </a:ext>
-                </a:extLst>
-              </p:cNvPr>
-              <p:cNvSpPr txBox="1"/>
-              <p:nvPr/>
-            </p:nvSpPr>
-            <p:spPr>
-              <a:xfrm>
-                <a:off x="7837841" y="727349"/>
-                <a:ext cx="368710" cy="276999"/>
-              </a:xfrm>
-              <a:prstGeom prst="rect">
-                <a:avLst/>
-              </a:prstGeom>
-              <a:noFill/>
-            </p:spPr>
-            <p:txBody>
-              <a:bodyPr wrap="square" lIns="0" tIns="0" rIns="0" bIns="0" rtlCol="0">
-                <a:spAutoFit/>
-              </a:bodyPr>
-              <a:lstStyle/>
-              <a:p>
-                <a:pPr/>
-                <a14:m>
-                  <m:oMathPara xmlns:m="http://schemas.openxmlformats.org/officeDocument/2006/math">
-                    <m:oMathParaPr>
-                      <m:jc m:val="centerGroup"/>
-                    </m:oMathParaPr>
-                    <m:oMath xmlns:m="http://schemas.openxmlformats.org/officeDocument/2006/math">
-                      <m:sSub>
-                        <m:sSubPr>
-                          <m:ctrlPr>
-                            <a:rPr lang="it-IT" b="0" i="1" smtClean="0">
-                              <a:solidFill>
-                                <a:schemeClr val="bg1">
-                                  <a:lumMod val="65000"/>
-                                </a:schemeClr>
-                              </a:solidFill>
-                              <a:latin typeface="Cambria Math" panose="02040503050406030204" pitchFamily="18" charset="0"/>
-                            </a:rPr>
-                          </m:ctrlPr>
-                        </m:sSubPr>
-                        <m:e>
-                          <m:r>
-                            <a:rPr lang="it-IT" b="0" i="1" smtClean="0">
-                              <a:solidFill>
-                                <a:schemeClr val="bg1">
-                                  <a:lumMod val="65000"/>
-                                </a:schemeClr>
-                              </a:solidFill>
-                              <a:latin typeface="Cambria Math" panose="02040503050406030204" pitchFamily="18" charset="0"/>
-                            </a:rPr>
-                            <m:t>𝜇</m:t>
-                          </m:r>
-                        </m:e>
-                        <m:sub>
-                          <m:r>
-                            <a:rPr lang="it-IT" b="0" i="1" smtClean="0">
-                              <a:solidFill>
-                                <a:schemeClr val="bg1">
-                                  <a:lumMod val="65000"/>
-                                </a:schemeClr>
-                              </a:solidFill>
-                              <a:latin typeface="Cambria Math" panose="02040503050406030204" pitchFamily="18" charset="0"/>
-                            </a:rPr>
-                            <m:t>2</m:t>
-                          </m:r>
-                        </m:sub>
-                      </m:sSub>
-                    </m:oMath>
-                  </m:oMathPara>
-                </a14:m>
-                <a:endParaRPr lang="it-IT" b="0" dirty="0">
-                  <a:solidFill>
-                    <a:schemeClr val="bg1">
-                      <a:lumMod val="65000"/>
-                    </a:schemeClr>
-                  </a:solidFill>
-                </a:endParaRPr>
-              </a:p>
-            </p:txBody>
-          </p:sp>
-        </mc:Choice>
-        <mc:Fallback xmlns="">
-          <p:sp>
-            <p:nvSpPr>
-              <p:cNvPr id="9" name="CasellaDiTesto 8">
-                <a:extLst>
-                  <a:ext uri="{FF2B5EF4-FFF2-40B4-BE49-F238E27FC236}">
-                    <a16:creationId xmlns:a16="http://schemas.microsoft.com/office/drawing/2014/main" id="{72E09A52-194A-F9A3-1698-AD6D12416DD7}"/>
-                  </a:ext>
-                </a:extLst>
-              </p:cNvPr>
-              <p:cNvSpPr txBox="1">
-                <a:spLocks noRot="1" noChangeAspect="1" noMove="1" noResize="1" noEditPoints="1" noAdjustHandles="1" noChangeArrowheads="1" noChangeShapeType="1" noTextEdit="1"/>
-              </p:cNvSpPr>
-              <p:nvPr/>
-            </p:nvSpPr>
-            <p:spPr>
-              <a:xfrm>
-                <a:off x="7837841" y="727349"/>
-                <a:ext cx="368710" cy="276999"/>
-              </a:xfrm>
-              <a:prstGeom prst="rect">
-                <a:avLst/>
-              </a:prstGeom>
-              <a:blipFill>
-                <a:blip r:embed="rId6"/>
-                <a:stretch>
-                  <a:fillRect l="-3333" b="-21739"/>
-                </a:stretch>
-              </a:blipFill>
-            </p:spPr>
-            <p:txBody>
-              <a:bodyPr/>
-              <a:lstStyle/>
-              <a:p>
-                <a:r>
-                  <a:rPr lang="en-GB">
-                    <a:noFill/>
-                  </a:rPr>
-                  <a:t> </a:t>
-                </a:r>
-              </a:p>
-            </p:txBody>
-          </p:sp>
-        </mc:Fallback>
-      </mc:AlternateContent>
-      <mc:AlternateContent xmlns:mc="http://schemas.openxmlformats.org/markup-compatibility/2006">
-        <mc:Choice xmlns:a14="http://schemas.microsoft.com/office/drawing/2010/main" Requires="a14">
           <p:sp>
             <p:nvSpPr>
               <p:cNvPr id="10" name="CasellaDiTesto 9">
@@ -37461,7 +35689,7 @@
             <p:spPr>
               <a:xfrm>
                 <a:off x="878194" y="2739232"/>
-                <a:ext cx="3480312" cy="857542"/>
+                <a:ext cx="2474973" cy="857542"/>
               </a:xfrm>
               <a:prstGeom prst="rect">
                 <a:avLst/>
@@ -37565,25 +35793,6 @@
                               </m:r>
                             </m:sub>
                           </m:sSub>
-                          <m:d>
-                            <m:dPr>
-                              <m:ctrlPr>
-                                <a:rPr lang="it-IT" i="1">
-                                  <a:latin typeface="Cambria Math" panose="02040503050406030204" pitchFamily="18" charset="0"/>
-                                  <a:ea typeface="Cambria Math" panose="02040503050406030204" pitchFamily="18" charset="0"/>
-                                </a:rPr>
-                              </m:ctrlPr>
-                            </m:dPr>
-                            <m:e>
-                              <m:r>
-                                <a:rPr lang="it-IT" b="1" i="1">
-                                  <a:latin typeface="Cambria Math" panose="02040503050406030204" pitchFamily="18" charset="0"/>
-                                  <a:ea typeface="Cambria Math" panose="02040503050406030204" pitchFamily="18" charset="0"/>
-                                </a:rPr>
-                                <m:t>𝒙</m:t>
-                              </m:r>
-                            </m:e>
-                          </m:d>
                           <m:r>
                             <m:rPr>
                               <m:sty m:val="p"/>
@@ -37609,7 +35818,7 @@
                                   <a:latin typeface="Cambria Math" panose="02040503050406030204" pitchFamily="18" charset="0"/>
                                   <a:ea typeface="Cambria Math" panose="02040503050406030204" pitchFamily="18" charset="0"/>
                                 </a:rPr>
-                                <m:t>𝜙</m:t>
+                                <m:t>𝜓</m:t>
                               </m:r>
                             </m:e>
                             <m:sub>
@@ -37622,25 +35831,6 @@
                               </m:r>
                             </m:sub>
                           </m:sSub>
-                          <m:d>
-                            <m:dPr>
-                              <m:ctrlPr>
-                                <a:rPr lang="it-IT" i="1">
-                                  <a:latin typeface="Cambria Math" panose="02040503050406030204" pitchFamily="18" charset="0"/>
-                                  <a:ea typeface="Cambria Math" panose="02040503050406030204" pitchFamily="18" charset="0"/>
-                                </a:rPr>
-                              </m:ctrlPr>
-                            </m:dPr>
-                            <m:e>
-                              <m:r>
-                                <a:rPr lang="it-IT" b="1" i="1">
-                                  <a:latin typeface="Cambria Math" panose="02040503050406030204" pitchFamily="18" charset="0"/>
-                                  <a:ea typeface="Cambria Math" panose="02040503050406030204" pitchFamily="18" charset="0"/>
-                                </a:rPr>
-                                <m:t>𝒙</m:t>
-                              </m:r>
-                            </m:e>
-                          </m:d>
                           <m:r>
                             <a:rPr lang="it-IT" i="1">
                               <a:latin typeface="Cambria Math" panose="02040503050406030204" pitchFamily="18" charset="0"/>
@@ -37673,7 +35863,7 @@
                                   <a:latin typeface="Cambria Math" panose="02040503050406030204" pitchFamily="18" charset="0"/>
                                   <a:ea typeface="Cambria Math" panose="02040503050406030204" pitchFamily="18" charset="0"/>
                                 </a:rPr>
-                                <m:t>𝜙</m:t>
+                                <m:t>𝜓</m:t>
                               </m:r>
                             </m:e>
                             <m:sub>
@@ -37686,25 +35876,6 @@
                               </m:r>
                             </m:sub>
                           </m:sSub>
-                          <m:d>
-                            <m:dPr>
-                              <m:ctrlPr>
-                                <a:rPr lang="it-IT" i="1">
-                                  <a:latin typeface="Cambria Math" panose="02040503050406030204" pitchFamily="18" charset="0"/>
-                                  <a:ea typeface="Cambria Math" panose="02040503050406030204" pitchFamily="18" charset="0"/>
-                                </a:rPr>
-                              </m:ctrlPr>
-                            </m:dPr>
-                            <m:e>
-                              <m:r>
-                                <a:rPr lang="it-IT" b="1" i="1">
-                                  <a:latin typeface="Cambria Math" panose="02040503050406030204" pitchFamily="18" charset="0"/>
-                                  <a:ea typeface="Cambria Math" panose="02040503050406030204" pitchFamily="18" charset="0"/>
-                                </a:rPr>
-                                <m:t>𝒙</m:t>
-                              </m:r>
-                            </m:e>
-                          </m:d>
                           <m:r>
                             <a:rPr lang="it-IT" i="1">
                               <a:latin typeface="Cambria Math" panose="02040503050406030204" pitchFamily="18" charset="0"/>
@@ -37735,7 +35906,7 @@
             </p:txBody>
           </p:sp>
         </mc:Choice>
-        <mc:Fallback>
+        <mc:Fallback xmlns="">
           <p:sp>
             <p:nvSpPr>
               <p:cNvPr id="10" name="CasellaDiTesto 9">
@@ -37753,15 +35924,15 @@
             <p:spPr>
               <a:xfrm>
                 <a:off x="878194" y="2739232"/>
-                <a:ext cx="3480312" cy="857542"/>
+                <a:ext cx="2474973" cy="857542"/>
               </a:xfrm>
               <a:prstGeom prst="rect">
                 <a:avLst/>
               </a:prstGeom>
               <a:blipFill>
-                <a:blip r:embed="rId7"/>
+                <a:blip r:embed="rId4"/>
                 <a:stretch>
-                  <a:fillRect l="-5818" t="-114493" r="-364" b="-182609"/>
+                  <a:fillRect l="-9231" t="-114493" r="-2051" b="-182609"/>
                 </a:stretch>
               </a:blipFill>
             </p:spPr>
@@ -37823,36 +35994,6 @@
           </a:p>
         </p:txBody>
       </p:sp>
-      <p:pic>
-        <p:nvPicPr>
-          <p:cNvPr id="3" name="Immagine 2">
-            <a:extLst>
-              <a:ext uri="{FF2B5EF4-FFF2-40B4-BE49-F238E27FC236}">
-                <a16:creationId xmlns:a16="http://schemas.microsoft.com/office/drawing/2014/main" id="{A691B7FB-0DF2-2AF4-7F97-4482443AF55E}"/>
-              </a:ext>
-            </a:extLst>
-          </p:cNvPr>
-          <p:cNvPicPr>
-            <a:picLocks noChangeAspect="1"/>
-          </p:cNvPicPr>
-          <p:nvPr/>
-        </p:nvPicPr>
-        <p:blipFill>
-          <a:blip r:embed="rId8"/>
-          <a:stretch>
-            <a:fillRect/>
-          </a:stretch>
-        </p:blipFill>
-        <p:spPr>
-          <a:xfrm>
-            <a:off x="5322128" y="3662329"/>
-            <a:ext cx="3568700" cy="2895600"/>
-          </a:xfrm>
-          <a:prstGeom prst="rect">
-            <a:avLst/>
-          </a:prstGeom>
-        </p:spPr>
-      </p:pic>
       <p:sp>
         <p:nvSpPr>
           <p:cNvPr id="13" name="CasellaDiTesto 12">
@@ -37923,318 +36064,6 @@
           </a:p>
         </p:txBody>
       </p:sp>
-      <mc:AlternateContent xmlns:mc="http://schemas.openxmlformats.org/markup-compatibility/2006" xmlns:a14="http://schemas.microsoft.com/office/drawing/2010/main">
-        <mc:Choice Requires="a14">
-          <p:sp>
-            <p:nvSpPr>
-              <p:cNvPr id="20" name="CasellaDiTesto 19">
-                <a:extLst>
-                  <a:ext uri="{FF2B5EF4-FFF2-40B4-BE49-F238E27FC236}">
-                    <a16:creationId xmlns:a16="http://schemas.microsoft.com/office/drawing/2014/main" id="{6C8FA010-6D73-D025-9B2F-AB06497EC06A}"/>
-                  </a:ext>
-                </a:extLst>
-              </p:cNvPr>
-              <p:cNvSpPr txBox="1"/>
-              <p:nvPr/>
-            </p:nvSpPr>
-            <p:spPr>
-              <a:xfrm>
-                <a:off x="6773449" y="3338719"/>
-                <a:ext cx="996508" cy="369332"/>
-              </a:xfrm>
-              <a:prstGeom prst="rect">
-                <a:avLst/>
-              </a:prstGeom>
-              <a:noFill/>
-            </p:spPr>
-            <p:txBody>
-              <a:bodyPr wrap="square">
-                <a:spAutoFit/>
-              </a:bodyPr>
-              <a:lstStyle/>
-              <a:p>
-                <a:pPr/>
-                <a14:m>
-                  <m:oMathPara xmlns:m="http://schemas.openxmlformats.org/officeDocument/2006/math">
-                    <m:oMathParaPr>
-                      <m:jc m:val="centerGroup"/>
-                    </m:oMathParaPr>
-                    <m:oMath xmlns:m="http://schemas.openxmlformats.org/officeDocument/2006/math">
-                      <m:sSub>
-                        <m:sSubPr>
-                          <m:ctrlPr>
-                            <a:rPr lang="it-IT" i="1" smtClean="0">
-                              <a:latin typeface="Cambria Math" panose="02040503050406030204" pitchFamily="18" charset="0"/>
-                              <a:ea typeface="Cambria Math" panose="02040503050406030204" pitchFamily="18" charset="0"/>
-                            </a:rPr>
-                          </m:ctrlPr>
-                        </m:sSubPr>
-                        <m:e>
-                          <m:r>
-                            <a:rPr lang="it-IT" i="1">
-                              <a:latin typeface="Cambria Math" panose="02040503050406030204" pitchFamily="18" charset="0"/>
-                              <a:ea typeface="Cambria Math" panose="02040503050406030204" pitchFamily="18" charset="0"/>
-                            </a:rPr>
-                            <m:t>𝑁</m:t>
-                          </m:r>
-                        </m:e>
-                        <m:sub>
-                          <m:r>
-                            <a:rPr lang="it-IT" i="1">
-                              <a:latin typeface="Cambria Math" panose="02040503050406030204" pitchFamily="18" charset="0"/>
-                              <a:ea typeface="Cambria Math" panose="02040503050406030204" pitchFamily="18" charset="0"/>
-                            </a:rPr>
-                            <m:t>𝐷</m:t>
-                          </m:r>
-                        </m:sub>
-                      </m:sSub>
-                      <m:r>
-                        <a:rPr lang="it-IT" b="0" i="1" smtClean="0">
-                          <a:latin typeface="Cambria Math" panose="02040503050406030204" pitchFamily="18" charset="0"/>
-                          <a:ea typeface="Cambria Math" panose="02040503050406030204" pitchFamily="18" charset="0"/>
-                        </a:rPr>
-                        <m:t>=6</m:t>
-                      </m:r>
-                    </m:oMath>
-                  </m:oMathPara>
-                </a14:m>
-                <a:endParaRPr lang="en-GB" dirty="0"/>
-              </a:p>
-            </p:txBody>
-          </p:sp>
-        </mc:Choice>
-        <mc:Fallback xmlns="">
-          <p:sp>
-            <p:nvSpPr>
-              <p:cNvPr id="20" name="CasellaDiTesto 19">
-                <a:extLst>
-                  <a:ext uri="{FF2B5EF4-FFF2-40B4-BE49-F238E27FC236}">
-                    <a16:creationId xmlns:a16="http://schemas.microsoft.com/office/drawing/2014/main" id="{6C8FA010-6D73-D025-9B2F-AB06497EC06A}"/>
-                  </a:ext>
-                </a:extLst>
-              </p:cNvPr>
-              <p:cNvSpPr txBox="1">
-                <a:spLocks noRot="1" noChangeAspect="1" noMove="1" noResize="1" noEditPoints="1" noAdjustHandles="1" noChangeArrowheads="1" noChangeShapeType="1" noTextEdit="1"/>
-              </p:cNvSpPr>
-              <p:nvPr/>
-            </p:nvSpPr>
-            <p:spPr>
-              <a:xfrm>
-                <a:off x="6773449" y="3338719"/>
-                <a:ext cx="996508" cy="369332"/>
-              </a:xfrm>
-              <a:prstGeom prst="rect">
-                <a:avLst/>
-              </a:prstGeom>
-              <a:blipFill>
-                <a:blip r:embed="rId9"/>
-                <a:stretch>
-                  <a:fillRect/>
-                </a:stretch>
-              </a:blipFill>
-            </p:spPr>
-            <p:txBody>
-              <a:bodyPr/>
-              <a:lstStyle/>
-              <a:p>
-                <a:r>
-                  <a:rPr lang="en-GB">
-                    <a:noFill/>
-                  </a:rPr>
-                  <a:t> </a:t>
-                </a:r>
-              </a:p>
-            </p:txBody>
-          </p:sp>
-        </mc:Fallback>
-      </mc:AlternateContent>
-      <mc:AlternateContent xmlns:mc="http://schemas.openxmlformats.org/markup-compatibility/2006" xmlns:a14="http://schemas.microsoft.com/office/drawing/2010/main">
-        <mc:Choice Requires="a14">
-          <p:sp>
-            <p:nvSpPr>
-              <p:cNvPr id="23" name="CasellaDiTesto 22">
-                <a:extLst>
-                  <a:ext uri="{FF2B5EF4-FFF2-40B4-BE49-F238E27FC236}">
-                    <a16:creationId xmlns:a16="http://schemas.microsoft.com/office/drawing/2014/main" id="{48EA09C8-DAA0-1172-DC58-38315ECBDAAA}"/>
-                  </a:ext>
-                </a:extLst>
-              </p:cNvPr>
-              <p:cNvSpPr txBox="1"/>
-              <p:nvPr/>
-            </p:nvSpPr>
-            <p:spPr>
-              <a:xfrm>
-                <a:off x="4968301" y="1957625"/>
-                <a:ext cx="423101" cy="276999"/>
-              </a:xfrm>
-              <a:prstGeom prst="rect">
-                <a:avLst/>
-              </a:prstGeom>
-              <a:noFill/>
-            </p:spPr>
-            <p:txBody>
-              <a:bodyPr wrap="square" lIns="0" tIns="0" rIns="0" bIns="0" rtlCol="0">
-                <a:spAutoFit/>
-              </a:bodyPr>
-              <a:lstStyle/>
-              <a:p>
-                <a:pPr/>
-                <a14:m>
-                  <m:oMathPara xmlns:m="http://schemas.openxmlformats.org/officeDocument/2006/math">
-                    <m:oMathParaPr>
-                      <m:jc m:val="centerGroup"/>
-                    </m:oMathParaPr>
-                    <m:oMath xmlns:m="http://schemas.openxmlformats.org/officeDocument/2006/math">
-                      <m:sSub>
-                        <m:sSubPr>
-                          <m:ctrlPr>
-                            <a:rPr lang="it-IT" b="0" i="1" smtClean="0">
-                              <a:solidFill>
-                                <a:schemeClr val="bg1">
-                                  <a:lumMod val="65000"/>
-                                </a:schemeClr>
-                              </a:solidFill>
-                              <a:latin typeface="Cambria Math" panose="02040503050406030204" pitchFamily="18" charset="0"/>
-                            </a:rPr>
-                          </m:ctrlPr>
-                        </m:sSubPr>
-                        <m:e>
-                          <m:r>
-                            <a:rPr lang="it-IT" b="0" i="1" smtClean="0">
-                              <a:solidFill>
-                                <a:schemeClr val="bg1">
-                                  <a:lumMod val="65000"/>
-                                </a:schemeClr>
-                              </a:solidFill>
-                              <a:latin typeface="Cambria Math" panose="02040503050406030204" pitchFamily="18" charset="0"/>
-                            </a:rPr>
-                            <m:t>𝜇</m:t>
-                          </m:r>
-                        </m:e>
-                        <m:sub>
-                          <m:r>
-                            <a:rPr lang="it-IT" b="0" i="1" smtClean="0">
-                              <a:solidFill>
-                                <a:schemeClr val="bg1">
-                                  <a:lumMod val="65000"/>
-                                </a:schemeClr>
-                              </a:solidFill>
-                              <a:latin typeface="Cambria Math" panose="02040503050406030204" pitchFamily="18" charset="0"/>
-                            </a:rPr>
-                            <m:t>3</m:t>
-                          </m:r>
-                        </m:sub>
-                      </m:sSub>
-                    </m:oMath>
-                  </m:oMathPara>
-                </a14:m>
-                <a:endParaRPr lang="it-IT" b="0" dirty="0">
-                  <a:solidFill>
-                    <a:schemeClr val="bg1">
-                      <a:lumMod val="65000"/>
-                    </a:schemeClr>
-                  </a:solidFill>
-                </a:endParaRPr>
-              </a:p>
-            </p:txBody>
-          </p:sp>
-        </mc:Choice>
-        <mc:Fallback xmlns="">
-          <p:sp>
-            <p:nvSpPr>
-              <p:cNvPr id="23" name="CasellaDiTesto 22">
-                <a:extLst>
-                  <a:ext uri="{FF2B5EF4-FFF2-40B4-BE49-F238E27FC236}">
-                    <a16:creationId xmlns:a16="http://schemas.microsoft.com/office/drawing/2014/main" id="{48EA09C8-DAA0-1172-DC58-38315ECBDAAA}"/>
-                  </a:ext>
-                </a:extLst>
-              </p:cNvPr>
-              <p:cNvSpPr txBox="1">
-                <a:spLocks noRot="1" noChangeAspect="1" noMove="1" noResize="1" noEditPoints="1" noAdjustHandles="1" noChangeArrowheads="1" noChangeShapeType="1" noTextEdit="1"/>
-              </p:cNvSpPr>
-              <p:nvPr/>
-            </p:nvSpPr>
-            <p:spPr>
-              <a:xfrm>
-                <a:off x="4968301" y="1957625"/>
-                <a:ext cx="423101" cy="276999"/>
-              </a:xfrm>
-              <a:prstGeom prst="rect">
-                <a:avLst/>
-              </a:prstGeom>
-              <a:blipFill>
-                <a:blip r:embed="rId10"/>
-                <a:stretch>
-                  <a:fillRect b="-21739"/>
-                </a:stretch>
-              </a:blipFill>
-            </p:spPr>
-            <p:txBody>
-              <a:bodyPr/>
-              <a:lstStyle/>
-              <a:p>
-                <a:r>
-                  <a:rPr lang="en-GB">
-                    <a:noFill/>
-                  </a:rPr>
-                  <a:t> </a:t>
-                </a:r>
-              </a:p>
-            </p:txBody>
-          </p:sp>
-        </mc:Fallback>
-      </mc:AlternateContent>
-      <p:sp>
-        <p:nvSpPr>
-          <p:cNvPr id="24" name="Parentesi graffa chiusa 23">
-            <a:extLst>
-              <a:ext uri="{FF2B5EF4-FFF2-40B4-BE49-F238E27FC236}">
-                <a16:creationId xmlns:a16="http://schemas.microsoft.com/office/drawing/2014/main" id="{830E9C90-461A-9D7E-E1A6-4C4ED5933DA5}"/>
-              </a:ext>
-            </a:extLst>
-          </p:cNvPr>
-          <p:cNvSpPr/>
-          <p:nvPr/>
-        </p:nvSpPr>
-        <p:spPr>
-          <a:xfrm rot="5400000">
-            <a:off x="5065587" y="1520636"/>
-            <a:ext cx="133472" cy="850395"/>
-          </a:xfrm>
-          <a:prstGeom prst="rightBrace">
-            <a:avLst/>
-          </a:prstGeom>
-          <a:ln w="19050">
-            <a:solidFill>
-              <a:schemeClr val="bg1">
-                <a:lumMod val="65000"/>
-              </a:schemeClr>
-            </a:solidFill>
-          </a:ln>
-        </p:spPr>
-        <p:style>
-          <a:lnRef idx="1">
-            <a:schemeClr val="accent1"/>
-          </a:lnRef>
-          <a:fillRef idx="0">
-            <a:schemeClr val="accent1"/>
-          </a:fillRef>
-          <a:effectRef idx="0">
-            <a:schemeClr val="accent1"/>
-          </a:effectRef>
-          <a:fontRef idx="minor">
-            <a:schemeClr val="tx1"/>
-          </a:fontRef>
-        </p:style>
-        <p:txBody>
-          <a:bodyPr rtlCol="0" anchor="ctr"/>
-          <a:lstStyle/>
-          <a:p>
-            <a:pPr algn="ctr"/>
-            <a:endParaRPr lang="en-GB" dirty="0"/>
-          </a:p>
-        </p:txBody>
-      </p:sp>
       <p:sp>
         <p:nvSpPr>
           <p:cNvPr id="25" name="Rettangolo 24">
@@ -38293,333 +36122,6 @@
       </p:sp>
       <mc:AlternateContent xmlns:mc="http://schemas.openxmlformats.org/markup-compatibility/2006" xmlns:a14="http://schemas.microsoft.com/office/drawing/2010/main">
         <mc:Choice Requires="a14">
-          <p:sp>
-            <p:nvSpPr>
-              <p:cNvPr id="27" name="CasellaDiTesto 26">
-                <a:extLst>
-                  <a:ext uri="{FF2B5EF4-FFF2-40B4-BE49-F238E27FC236}">
-                    <a16:creationId xmlns:a16="http://schemas.microsoft.com/office/drawing/2014/main" id="{F7B92AA1-69E3-7BFA-3AB0-F734FC389A88}"/>
-                  </a:ext>
-                </a:extLst>
-              </p:cNvPr>
-              <p:cNvSpPr txBox="1"/>
-              <p:nvPr/>
-            </p:nvSpPr>
-            <p:spPr>
-              <a:xfrm>
-                <a:off x="91440" y="4789038"/>
-                <a:ext cx="2463944" cy="923330"/>
-              </a:xfrm>
-              <a:prstGeom prst="rect">
-                <a:avLst/>
-              </a:prstGeom>
-              <a:noFill/>
-            </p:spPr>
-            <p:txBody>
-              <a:bodyPr wrap="none" rtlCol="0">
-                <a:spAutoFit/>
-              </a:bodyPr>
-              <a:lstStyle/>
-              <a:p>
-                <a:r>
-                  <a:rPr lang="en-GB" dirty="0"/>
-                  <a:t>Algorithm: </a:t>
-                </a:r>
-              </a:p>
-              <a:p>
-                <a:pPr marL="285750" indent="-285750">
-                  <a:buFont typeface="Arial" panose="020B0604020202020204" pitchFamily="34" charset="0"/>
-                  <a:buChar char="•"/>
-                </a:pPr>
-                <a:r>
-                  <a:rPr lang="en-GB" dirty="0"/>
-                  <a:t>Input: </a:t>
-                </a:r>
-                <a14:m>
-                  <m:oMath xmlns:m="http://schemas.openxmlformats.org/officeDocument/2006/math">
-                    <m:sSub>
-                      <m:sSubPr>
-                        <m:ctrlPr>
-                          <a:rPr lang="it-IT" b="0" i="1" smtClean="0">
-                            <a:latin typeface="Cambria Math" panose="02040503050406030204" pitchFamily="18" charset="0"/>
-                            <a:ea typeface="Cambria Math" panose="02040503050406030204" pitchFamily="18" charset="0"/>
-                          </a:rPr>
-                        </m:ctrlPr>
-                      </m:sSubPr>
-                      <m:e>
-                        <m:r>
-                          <m:rPr>
-                            <m:sty m:val="p"/>
-                          </m:rPr>
-                          <a:rPr lang="el-GR" i="1" smtClean="0">
-                            <a:latin typeface="Cambria Math" panose="02040503050406030204" pitchFamily="18" charset="0"/>
-                            <a:ea typeface="Cambria Math" panose="02040503050406030204" pitchFamily="18" charset="0"/>
-                          </a:rPr>
-                          <m:t>Ξ</m:t>
-                        </m:r>
-                      </m:e>
-                      <m:sub>
-                        <m:r>
-                          <a:rPr lang="it-IT" b="0" i="1" smtClean="0">
-                            <a:latin typeface="Cambria Math" panose="02040503050406030204" pitchFamily="18" charset="0"/>
-                            <a:ea typeface="Cambria Math" panose="02040503050406030204" pitchFamily="18" charset="0"/>
-                          </a:rPr>
-                          <m:t>𝑡𝑟𝑎𝑖𝑛</m:t>
-                        </m:r>
-                      </m:sub>
-                    </m:sSub>
-                  </m:oMath>
-                </a14:m>
-                <a:endParaRPr lang="en-GB" dirty="0"/>
-              </a:p>
-              <a:p>
-                <a:pPr marL="285750" indent="-285750">
-                  <a:buFont typeface="Arial" panose="020B0604020202020204" pitchFamily="34" charset="0"/>
-                  <a:buChar char="•"/>
-                </a:pPr>
-                <a:r>
-                  <a:rPr lang="en-GB" dirty="0"/>
-                  <a:t>Output: </a:t>
-                </a:r>
-                <a14:m>
-                  <m:oMath xmlns:m="http://schemas.openxmlformats.org/officeDocument/2006/math">
-                    <m:sSub>
-                      <m:sSubPr>
-                        <m:ctrlPr>
-                          <a:rPr lang="it-IT" i="1" smtClean="0">
-                            <a:latin typeface="Cambria Math" panose="02040503050406030204" pitchFamily="18" charset="0"/>
-                            <a:ea typeface="Cambria Math" panose="02040503050406030204" pitchFamily="18" charset="0"/>
-                          </a:rPr>
-                        </m:ctrlPr>
-                      </m:sSubPr>
-                      <m:e>
-                        <m:r>
-                          <a:rPr lang="it-IT" i="1">
-                            <a:latin typeface="Cambria Math" panose="02040503050406030204" pitchFamily="18" charset="0"/>
-                            <a:ea typeface="Cambria Math" panose="02040503050406030204" pitchFamily="18" charset="0"/>
-                          </a:rPr>
-                          <m:t>𝜁</m:t>
-                        </m:r>
-                      </m:e>
-                      <m:sub>
-                        <m:r>
-                          <a:rPr lang="it-IT" b="0" i="1" smtClean="0">
-                            <a:latin typeface="Cambria Math" panose="02040503050406030204" pitchFamily="18" charset="0"/>
-                            <a:ea typeface="Cambria Math" panose="02040503050406030204" pitchFamily="18" charset="0"/>
-                          </a:rPr>
-                          <m:t>𝑙</m:t>
-                        </m:r>
-                      </m:sub>
-                    </m:sSub>
-                    <m:d>
-                      <m:dPr>
-                        <m:ctrlPr>
-                          <a:rPr lang="it-IT" i="1">
-                            <a:latin typeface="Cambria Math" panose="02040503050406030204" pitchFamily="18" charset="0"/>
-                            <a:ea typeface="Cambria Math" panose="02040503050406030204" pitchFamily="18" charset="0"/>
-                          </a:rPr>
-                        </m:ctrlPr>
-                      </m:dPr>
-                      <m:e>
-                        <m:r>
-                          <a:rPr lang="it-IT" b="1" i="1">
-                            <a:latin typeface="Cambria Math" panose="02040503050406030204" pitchFamily="18" charset="0"/>
-                            <a:ea typeface="Cambria Math" panose="02040503050406030204" pitchFamily="18" charset="0"/>
-                          </a:rPr>
-                          <m:t>𝒙</m:t>
-                        </m:r>
-                      </m:e>
-                    </m:d>
-                  </m:oMath>
-                </a14:m>
-                <a:r>
-                  <a:rPr lang="en-GB" dirty="0"/>
-                  <a:t> and </a:t>
-                </a:r>
-                <a14:m>
-                  <m:oMath xmlns:m="http://schemas.openxmlformats.org/officeDocument/2006/math">
-                    <m:sSub>
-                      <m:sSubPr>
-                        <m:ctrlPr>
-                          <a:rPr lang="it-IT" b="1" i="1">
-                            <a:latin typeface="Cambria Math" panose="02040503050406030204" pitchFamily="18" charset="0"/>
-                            <a:ea typeface="Cambria Math" panose="02040503050406030204" pitchFamily="18" charset="0"/>
-                          </a:rPr>
-                        </m:ctrlPr>
-                      </m:sSubPr>
-                      <m:e>
-                        <m:r>
-                          <a:rPr lang="it-IT" b="1" i="1">
-                            <a:latin typeface="Cambria Math" panose="02040503050406030204" pitchFamily="18" charset="0"/>
-                            <a:ea typeface="Cambria Math" panose="02040503050406030204" pitchFamily="18" charset="0"/>
-                          </a:rPr>
-                          <m:t>𝒙</m:t>
-                        </m:r>
-                      </m:e>
-                      <m:sub>
-                        <m:r>
-                          <a:rPr lang="it-IT" b="1" i="1">
-                            <a:latin typeface="Cambria Math" panose="02040503050406030204" pitchFamily="18" charset="0"/>
-                            <a:ea typeface="Cambria Math" panose="02040503050406030204" pitchFamily="18" charset="0"/>
-                          </a:rPr>
-                          <m:t>𝒍</m:t>
-                        </m:r>
-                      </m:sub>
-                    </m:sSub>
-                  </m:oMath>
-                </a14:m>
-                <a:endParaRPr lang="en-GB" dirty="0"/>
-              </a:p>
-            </p:txBody>
-          </p:sp>
-        </mc:Choice>
-        <mc:Fallback xmlns="">
-          <p:sp>
-            <p:nvSpPr>
-              <p:cNvPr id="27" name="CasellaDiTesto 26">
-                <a:extLst>
-                  <a:ext uri="{FF2B5EF4-FFF2-40B4-BE49-F238E27FC236}">
-                    <a16:creationId xmlns:a16="http://schemas.microsoft.com/office/drawing/2014/main" id="{F7B92AA1-69E3-7BFA-3AB0-F734FC389A88}"/>
-                  </a:ext>
-                </a:extLst>
-              </p:cNvPr>
-              <p:cNvSpPr txBox="1">
-                <a:spLocks noRot="1" noChangeAspect="1" noMove="1" noResize="1" noEditPoints="1" noAdjustHandles="1" noChangeArrowheads="1" noChangeShapeType="1" noTextEdit="1"/>
-              </p:cNvSpPr>
-              <p:nvPr/>
-            </p:nvSpPr>
-            <p:spPr>
-              <a:xfrm>
-                <a:off x="91440" y="4789038"/>
-                <a:ext cx="2463944" cy="923330"/>
-              </a:xfrm>
-              <a:prstGeom prst="rect">
-                <a:avLst/>
-              </a:prstGeom>
-              <a:blipFill>
-                <a:blip r:embed="rId11"/>
-                <a:stretch>
-                  <a:fillRect l="-2051" t="-4110" b="-9589"/>
-                </a:stretch>
-              </a:blipFill>
-            </p:spPr>
-            <p:txBody>
-              <a:bodyPr/>
-              <a:lstStyle/>
-              <a:p>
-                <a:r>
-                  <a:rPr lang="en-GB">
-                    <a:noFill/>
-                  </a:rPr>
-                  <a:t> </a:t>
-                </a:r>
-              </a:p>
-            </p:txBody>
-          </p:sp>
-        </mc:Fallback>
-      </mc:AlternateContent>
-      <p:sp>
-        <p:nvSpPr>
-          <p:cNvPr id="28" name="Rettangolo 27">
-            <a:extLst>
-              <a:ext uri="{FF2B5EF4-FFF2-40B4-BE49-F238E27FC236}">
-                <a16:creationId xmlns:a16="http://schemas.microsoft.com/office/drawing/2014/main" id="{E5FDE177-3B3B-FFA2-389D-4C135C6E8935}"/>
-              </a:ext>
-            </a:extLst>
-          </p:cNvPr>
-          <p:cNvSpPr/>
-          <p:nvPr/>
-        </p:nvSpPr>
-        <p:spPr>
-          <a:xfrm>
-            <a:off x="2199261" y="5391366"/>
-            <a:ext cx="295461" cy="301124"/>
-          </a:xfrm>
-          <a:prstGeom prst="rect">
-            <a:avLst/>
-          </a:prstGeom>
-          <a:solidFill>
-            <a:schemeClr val="accent4">
-              <a:lumMod val="60000"/>
-              <a:lumOff val="40000"/>
-              <a:alpha val="60000"/>
-            </a:schemeClr>
-          </a:solidFill>
-          <a:ln>
-            <a:noFill/>
-          </a:ln>
-        </p:spPr>
-        <p:style>
-          <a:lnRef idx="2">
-            <a:schemeClr val="accent1">
-              <a:shade val="15000"/>
-            </a:schemeClr>
-          </a:lnRef>
-          <a:fillRef idx="1">
-            <a:schemeClr val="accent1"/>
-          </a:fillRef>
-          <a:effectRef idx="0">
-            <a:schemeClr val="accent1"/>
-          </a:effectRef>
-          <a:fontRef idx="minor">
-            <a:schemeClr val="lt1"/>
-          </a:fontRef>
-        </p:style>
-        <p:txBody>
-          <a:bodyPr rtlCol="0" anchor="ctr"/>
-          <a:lstStyle/>
-          <a:p>
-            <a:pPr algn="ctr"/>
-            <a:endParaRPr lang="en-GB" dirty="0"/>
-          </a:p>
-        </p:txBody>
-      </p:sp>
-      <p:sp>
-        <p:nvSpPr>
-          <p:cNvPr id="29" name="CasellaDiTesto 28">
-            <a:extLst>
-              <a:ext uri="{FF2B5EF4-FFF2-40B4-BE49-F238E27FC236}">
-                <a16:creationId xmlns:a16="http://schemas.microsoft.com/office/drawing/2014/main" id="{0893C474-B4EA-9A19-E503-CDA3659896FA}"/>
-              </a:ext>
-            </a:extLst>
-          </p:cNvPr>
-          <p:cNvSpPr txBox="1"/>
-          <p:nvPr/>
-        </p:nvSpPr>
-        <p:spPr>
-          <a:xfrm>
-            <a:off x="2229078" y="5749654"/>
-            <a:ext cx="2984053" cy="584775"/>
-          </a:xfrm>
-          <a:prstGeom prst="rect">
-            <a:avLst/>
-          </a:prstGeom>
-          <a:noFill/>
-        </p:spPr>
-        <p:txBody>
-          <a:bodyPr wrap="square" rtlCol="0">
-            <a:spAutoFit/>
-          </a:bodyPr>
-          <a:lstStyle/>
-          <a:p>
-            <a:pPr algn="just"/>
-            <a:r>
-              <a:rPr lang="en-GB" sz="1600" dirty="0">
-                <a:solidFill>
-                  <a:schemeClr val="accent4">
-                    <a:lumMod val="60000"/>
-                    <a:lumOff val="40000"/>
-                  </a:schemeClr>
-                </a:solidFill>
-                <a:latin typeface="Aptos" panose="020B0004020202020204" pitchFamily="34" charset="0"/>
-              </a:rPr>
-              <a:t>Are the interpolation points used during the online phase.  </a:t>
-            </a:r>
-          </a:p>
-        </p:txBody>
-      </p:sp>
-      <mc:AlternateContent xmlns:mc="http://schemas.openxmlformats.org/markup-compatibility/2006">
-        <mc:Choice xmlns:a14="http://schemas.microsoft.com/office/drawing/2010/main" Requires="a14">
           <p:sp>
             <p:nvSpPr>
               <p:cNvPr id="11" name="CasellaDiTesto 10">
@@ -38831,7 +36333,7 @@
             </p:txBody>
           </p:sp>
         </mc:Choice>
-        <mc:Fallback>
+        <mc:Fallback xmlns="">
           <p:sp>
             <p:nvSpPr>
               <p:cNvPr id="11" name="CasellaDiTesto 10">
@@ -38876,6 +36378,187 @@
           </p:sp>
         </mc:Fallback>
       </mc:AlternateContent>
+      <p:pic>
+        <p:nvPicPr>
+          <p:cNvPr id="14" name="Immagine 13" descr="Immagine che contiene testo, ricevuta, schermata, Carattere&#10;&#10;Descrizione generata automaticamente">
+            <a:extLst>
+              <a:ext uri="{FF2B5EF4-FFF2-40B4-BE49-F238E27FC236}">
+                <a16:creationId xmlns:a16="http://schemas.microsoft.com/office/drawing/2014/main" id="{95D0A8C7-4469-CBEB-A261-952AE3F66C27}"/>
+              </a:ext>
+            </a:extLst>
+          </p:cNvPr>
+          <p:cNvPicPr>
+            <a:picLocks noChangeAspect="1"/>
+          </p:cNvPicPr>
+          <p:nvPr/>
+        </p:nvPicPr>
+        <p:blipFill>
+          <a:blip r:embed="rId13"/>
+          <a:stretch>
+            <a:fillRect/>
+          </a:stretch>
+        </p:blipFill>
+        <p:spPr>
+          <a:xfrm>
+            <a:off x="146443" y="4275861"/>
+            <a:ext cx="6219230" cy="2248052"/>
+          </a:xfrm>
+          <a:prstGeom prst="rect">
+            <a:avLst/>
+          </a:prstGeom>
+        </p:spPr>
+      </p:pic>
+      <p:pic>
+        <p:nvPicPr>
+          <p:cNvPr id="16" name="Immagine 15">
+            <a:extLst>
+              <a:ext uri="{FF2B5EF4-FFF2-40B4-BE49-F238E27FC236}">
+                <a16:creationId xmlns:a16="http://schemas.microsoft.com/office/drawing/2014/main" id="{463A47A9-C9E0-0031-6BC1-D68900149CAE}"/>
+              </a:ext>
+            </a:extLst>
+          </p:cNvPr>
+          <p:cNvPicPr>
+            <a:picLocks noChangeAspect="1"/>
+          </p:cNvPicPr>
+          <p:nvPr/>
+        </p:nvPicPr>
+        <p:blipFill>
+          <a:blip r:embed="rId14"/>
+          <a:stretch>
+            <a:fillRect/>
+          </a:stretch>
+        </p:blipFill>
+        <p:spPr>
+          <a:xfrm>
+            <a:off x="5279667" y="1378542"/>
+            <a:ext cx="3566608" cy="2897319"/>
+          </a:xfrm>
+          <a:prstGeom prst="rect">
+            <a:avLst/>
+          </a:prstGeom>
+        </p:spPr>
+      </p:pic>
+      <mc:AlternateContent xmlns:mc="http://schemas.openxmlformats.org/markup-compatibility/2006" xmlns:a14="http://schemas.microsoft.com/office/drawing/2010/main">
+        <mc:Choice Requires="a14">
+          <p:sp>
+            <p:nvSpPr>
+              <p:cNvPr id="18" name="CasellaDiTesto 17">
+                <a:extLst>
+                  <a:ext uri="{FF2B5EF4-FFF2-40B4-BE49-F238E27FC236}">
+                    <a16:creationId xmlns:a16="http://schemas.microsoft.com/office/drawing/2014/main" id="{E33FBA42-36F1-1917-6B13-B9FE4D823545}"/>
+                  </a:ext>
+                </a:extLst>
+              </p:cNvPr>
+              <p:cNvSpPr txBox="1"/>
+              <p:nvPr/>
+            </p:nvSpPr>
+            <p:spPr>
+              <a:xfrm>
+                <a:off x="7014595" y="1101543"/>
+                <a:ext cx="759119" cy="276999"/>
+              </a:xfrm>
+              <a:prstGeom prst="rect">
+                <a:avLst/>
+              </a:prstGeom>
+              <a:noFill/>
+            </p:spPr>
+            <p:txBody>
+              <a:bodyPr wrap="none" lIns="0" tIns="0" rIns="0" bIns="0" rtlCol="0">
+                <a:spAutoFit/>
+              </a:bodyPr>
+              <a:lstStyle/>
+              <a:p>
+                <a:pPr/>
+                <a14:m>
+                  <m:oMathPara xmlns:m="http://schemas.openxmlformats.org/officeDocument/2006/math">
+                    <m:oMathParaPr>
+                      <m:jc m:val="centerGroup"/>
+                    </m:oMathParaPr>
+                    <m:oMath xmlns:m="http://schemas.openxmlformats.org/officeDocument/2006/math">
+                      <m:sSub>
+                        <m:sSubPr>
+                          <m:ctrlPr>
+                            <a:rPr lang="it-IT" b="0" i="1" smtClean="0">
+                              <a:latin typeface="Cambria Math" panose="02040503050406030204" pitchFamily="18" charset="0"/>
+                            </a:rPr>
+                          </m:ctrlPr>
+                        </m:sSubPr>
+                        <m:e>
+                          <m:r>
+                            <a:rPr lang="it-IT" b="0" i="1" smtClean="0">
+                              <a:latin typeface="Cambria Math" panose="02040503050406030204" pitchFamily="18" charset="0"/>
+                            </a:rPr>
+                            <m:t>𝑁</m:t>
+                          </m:r>
+                        </m:e>
+                        <m:sub>
+                          <m:r>
+                            <a:rPr lang="it-IT" b="0" i="1" smtClean="0">
+                              <a:latin typeface="Cambria Math" panose="02040503050406030204" pitchFamily="18" charset="0"/>
+                            </a:rPr>
+                            <m:t>𝐷</m:t>
+                          </m:r>
+                        </m:sub>
+                      </m:sSub>
+                      <m:r>
+                        <a:rPr lang="it-IT" b="0" i="1" smtClean="0">
+                          <a:latin typeface="Cambria Math" panose="02040503050406030204" pitchFamily="18" charset="0"/>
+                        </a:rPr>
+                        <m:t>=7</m:t>
+                      </m:r>
+                    </m:oMath>
+                  </m:oMathPara>
+                </a14:m>
+                <a:endParaRPr lang="en-GB" dirty="0"/>
+              </a:p>
+            </p:txBody>
+          </p:sp>
+        </mc:Choice>
+        <mc:Fallback xmlns="">
+          <p:sp>
+            <p:nvSpPr>
+              <p:cNvPr id="18" name="CasellaDiTesto 17">
+                <a:extLst>
+                  <a:ext uri="{FF2B5EF4-FFF2-40B4-BE49-F238E27FC236}">
+                    <a16:creationId xmlns:a16="http://schemas.microsoft.com/office/drawing/2014/main" id="{E33FBA42-36F1-1917-6B13-B9FE4D823545}"/>
+                  </a:ext>
+                </a:extLst>
+              </p:cNvPr>
+              <p:cNvSpPr txBox="1">
+                <a:spLocks noRot="1" noChangeAspect="1" noMove="1" noResize="1" noEditPoints="1" noAdjustHandles="1" noChangeArrowheads="1" noChangeShapeType="1" noTextEdit="1"/>
+              </p:cNvSpPr>
+              <p:nvPr/>
+            </p:nvSpPr>
+            <p:spPr>
+              <a:xfrm>
+                <a:off x="7014595" y="1101543"/>
+                <a:ext cx="759119" cy="276999"/>
+              </a:xfrm>
+              <a:prstGeom prst="rect">
+                <a:avLst/>
+              </a:prstGeom>
+              <a:blipFill>
+                <a:blip r:embed="rId15"/>
+                <a:stretch>
+                  <a:fillRect l="-6667" r="-8333" b="-13043"/>
+                </a:stretch>
+              </a:blipFill>
+            </p:spPr>
+            <p:txBody>
+              <a:bodyPr/>
+              <a:lstStyle/>
+              <a:p>
+                <a:r>
+                  <a:rPr lang="en-GB">
+                    <a:noFill/>
+                  </a:rPr>
+                  <a:t> </a:t>
+                </a:r>
+              </a:p>
+            </p:txBody>
+          </p:sp>
+        </mc:Fallback>
+      </mc:AlternateContent>
     </p:spTree>
     <p:extLst>
       <p:ext uri="{BB962C8B-B14F-4D97-AF65-F5344CB8AC3E}">
@@ -38889,7 +36572,7 @@
 </p:sld>
 </file>
 
-<file path=ppt/slides/slide7.xml><?xml version="1.0" encoding="utf-8"?>
+<file path=ppt/slides/slide8.xml><?xml version="1.0" encoding="utf-8"?>
 <p:sld xmlns:a="http://schemas.openxmlformats.org/drawingml/2006/main" xmlns:r="http://schemas.openxmlformats.org/officeDocument/2006/relationships" xmlns:p="http://schemas.openxmlformats.org/presentationml/2006/main">
   <p:cSld>
     <p:spTree>
@@ -38936,223 +36619,84 @@
           </a:p>
         </p:txBody>
       </p:sp>
-      <mc:AlternateContent xmlns:mc="http://schemas.openxmlformats.org/markup-compatibility/2006" xmlns:a14="http://schemas.microsoft.com/office/drawing/2010/main">
-        <mc:Choice Requires="a14">
-          <p:sp>
-            <p:nvSpPr>
-              <p:cNvPr id="3" name="CasellaDiTesto 2">
-                <a:extLst>
-                  <a:ext uri="{FF2B5EF4-FFF2-40B4-BE49-F238E27FC236}">
-                    <a16:creationId xmlns:a16="http://schemas.microsoft.com/office/drawing/2014/main" id="{EA6FF419-A497-52BC-5B94-A8D51ED7A251}"/>
-                  </a:ext>
-                </a:extLst>
-              </p:cNvPr>
-              <p:cNvSpPr txBox="1"/>
-              <p:nvPr/>
-            </p:nvSpPr>
-            <p:spPr>
-              <a:xfrm>
-                <a:off x="0" y="3669457"/>
-                <a:ext cx="4600683" cy="1200329"/>
-              </a:xfrm>
-              <a:prstGeom prst="rect">
-                <a:avLst/>
-              </a:prstGeom>
-              <a:noFill/>
-            </p:spPr>
-            <p:txBody>
-              <a:bodyPr wrap="none" rtlCol="0">
-                <a:spAutoFit/>
-              </a:bodyPr>
-              <a:lstStyle/>
-              <a:p>
-                <a:r>
-                  <a:rPr lang="en-GB" dirty="0"/>
-                  <a:t>Algorithm: </a:t>
-                </a:r>
-              </a:p>
-              <a:p>
-                <a:pPr marL="285750" indent="-285750">
-                  <a:buFont typeface="Arial" panose="020B0604020202020204" pitchFamily="34" charset="0"/>
-                  <a:buChar char="•"/>
-                </a:pPr>
-                <a:r>
-                  <a:rPr lang="en-GB" dirty="0"/>
-                  <a:t>Input: </a:t>
-                </a:r>
-                <a14:m>
-                  <m:oMath xmlns:m="http://schemas.openxmlformats.org/officeDocument/2006/math">
-                    <m:sSub>
-                      <m:sSubPr>
-                        <m:ctrlPr>
-                          <a:rPr lang="it-IT" b="0" i="1" smtClean="0">
-                            <a:latin typeface="Cambria Math" panose="02040503050406030204" pitchFamily="18" charset="0"/>
-                            <a:ea typeface="Cambria Math" panose="02040503050406030204" pitchFamily="18" charset="0"/>
-                          </a:rPr>
-                        </m:ctrlPr>
-                      </m:sSubPr>
-                      <m:e>
-                        <m:r>
-                          <m:rPr>
-                            <m:sty m:val="p"/>
-                          </m:rPr>
-                          <a:rPr lang="el-GR" i="1" smtClean="0">
-                            <a:latin typeface="Cambria Math" panose="02040503050406030204" pitchFamily="18" charset="0"/>
-                            <a:ea typeface="Cambria Math" panose="02040503050406030204" pitchFamily="18" charset="0"/>
-                          </a:rPr>
-                          <m:t>Ξ</m:t>
-                        </m:r>
-                      </m:e>
-                      <m:sub>
-                        <m:r>
-                          <a:rPr lang="it-IT" b="0" i="1" smtClean="0">
-                            <a:latin typeface="Cambria Math" panose="02040503050406030204" pitchFamily="18" charset="0"/>
-                            <a:ea typeface="Cambria Math" panose="02040503050406030204" pitchFamily="18" charset="0"/>
-                          </a:rPr>
-                          <m:t>𝑡𝑟𝑎𝑖𝑛</m:t>
-                        </m:r>
-                      </m:sub>
-                    </m:sSub>
-                  </m:oMath>
-                </a14:m>
-                <a:endParaRPr lang="en-GB" dirty="0"/>
-              </a:p>
-              <a:p>
-                <a:pPr marL="285750" indent="-285750">
-                  <a:buFont typeface="Arial" panose="020B0604020202020204" pitchFamily="34" charset="0"/>
-                  <a:buChar char="•"/>
-                </a:pPr>
-                <a:r>
-                  <a:rPr lang="en-GB" dirty="0"/>
-                  <a:t>Output: </a:t>
-                </a:r>
-                <a14:m>
-                  <m:oMath xmlns:m="http://schemas.openxmlformats.org/officeDocument/2006/math">
-                    <m:sSub>
-                      <m:sSubPr>
-                        <m:ctrlPr>
-                          <a:rPr lang="it-IT" b="0" i="1" smtClean="0">
-                            <a:latin typeface="Cambria Math" panose="02040503050406030204" pitchFamily="18" charset="0"/>
-                            <a:ea typeface="Cambria Math" panose="02040503050406030204" pitchFamily="18" charset="0"/>
-                          </a:rPr>
-                        </m:ctrlPr>
-                      </m:sSubPr>
-                      <m:e>
-                        <m:r>
-                          <a:rPr lang="it-IT" i="1">
-                            <a:latin typeface="Cambria Math" panose="02040503050406030204" pitchFamily="18" charset="0"/>
-                            <a:ea typeface="Cambria Math" panose="02040503050406030204" pitchFamily="18" charset="0"/>
-                          </a:rPr>
-                          <m:t>𝜙</m:t>
-                        </m:r>
-                      </m:e>
-                      <m:sub>
-                        <m:r>
-                          <a:rPr lang="it-IT" b="0" i="1" smtClean="0">
-                            <a:latin typeface="Cambria Math" panose="02040503050406030204" pitchFamily="18" charset="0"/>
-                            <a:ea typeface="Cambria Math" panose="02040503050406030204" pitchFamily="18" charset="0"/>
-                          </a:rPr>
-                          <m:t>𝑖</m:t>
-                        </m:r>
-                      </m:sub>
-                    </m:sSub>
-                    <m:d>
-                      <m:dPr>
-                        <m:ctrlPr>
-                          <a:rPr lang="it-IT" b="0" i="1" smtClean="0">
-                            <a:latin typeface="Cambria Math" panose="02040503050406030204" pitchFamily="18" charset="0"/>
-                            <a:ea typeface="Cambria Math" panose="02040503050406030204" pitchFamily="18" charset="0"/>
-                          </a:rPr>
-                        </m:ctrlPr>
-                      </m:dPr>
-                      <m:e>
-                        <m:r>
-                          <a:rPr lang="it-IT" b="1" i="1" smtClean="0">
-                            <a:latin typeface="Cambria Math" panose="02040503050406030204" pitchFamily="18" charset="0"/>
-                            <a:ea typeface="Cambria Math" panose="02040503050406030204" pitchFamily="18" charset="0"/>
-                          </a:rPr>
-                          <m:t>𝒙</m:t>
-                        </m:r>
-                      </m:e>
-                    </m:d>
-                  </m:oMath>
-                </a14:m>
-                <a:endParaRPr lang="en-GB" dirty="0"/>
-              </a:p>
-              <a:p>
-                <a:pPr marL="285750" indent="-285750">
-                  <a:buFont typeface="Arial" panose="020B0604020202020204" pitchFamily="34" charset="0"/>
-                  <a:buChar char="•"/>
-                </a:pPr>
-                <a:r>
-                  <a:rPr lang="en-GB" dirty="0"/>
-                  <a:t>Error bound estimator by </a:t>
-                </a:r>
-                <a:r>
-                  <a:rPr lang="en-GB" dirty="0" err="1">
-                    <a:solidFill>
-                      <a:srgbClr val="0089CB"/>
-                    </a:solidFill>
-                  </a:rPr>
-                  <a:t>Grepl</a:t>
-                </a:r>
-                <a:r>
-                  <a:rPr lang="en-GB" dirty="0">
-                    <a:solidFill>
-                      <a:srgbClr val="0089CB"/>
-                    </a:solidFill>
-                  </a:rPr>
-                  <a:t> et al. 2005</a:t>
-                </a:r>
-              </a:p>
-            </p:txBody>
-          </p:sp>
-        </mc:Choice>
-        <mc:Fallback xmlns="">
-          <p:sp>
-            <p:nvSpPr>
-              <p:cNvPr id="3" name="CasellaDiTesto 2">
-                <a:extLst>
-                  <a:ext uri="{FF2B5EF4-FFF2-40B4-BE49-F238E27FC236}">
-                    <a16:creationId xmlns:a16="http://schemas.microsoft.com/office/drawing/2014/main" id="{EA6FF419-A497-52BC-5B94-A8D51ED7A251}"/>
-                  </a:ext>
-                </a:extLst>
-              </p:cNvPr>
-              <p:cNvSpPr txBox="1">
-                <a:spLocks noRot="1" noChangeAspect="1" noMove="1" noResize="1" noEditPoints="1" noAdjustHandles="1" noChangeArrowheads="1" noChangeShapeType="1" noTextEdit="1"/>
-              </p:cNvSpPr>
-              <p:nvPr/>
-            </p:nvSpPr>
-            <p:spPr>
-              <a:xfrm>
-                <a:off x="0" y="3669457"/>
-                <a:ext cx="4600683" cy="1200329"/>
-              </a:xfrm>
-              <a:prstGeom prst="rect">
-                <a:avLst/>
-              </a:prstGeom>
-              <a:blipFill>
-                <a:blip r:embed="rId2"/>
-                <a:stretch>
-                  <a:fillRect l="-1102" t="-2083" b="-6250"/>
-                </a:stretch>
-              </a:blipFill>
-            </p:spPr>
-            <p:txBody>
-              <a:bodyPr/>
-              <a:lstStyle/>
-              <a:p>
-                <a:r>
-                  <a:rPr lang="en-GB">
-                    <a:noFill/>
-                  </a:rPr>
-                  <a:t> </a:t>
-                </a:r>
-              </a:p>
-            </p:txBody>
-          </p:sp>
-        </mc:Fallback>
-      </mc:AlternateContent>
+      <p:sp>
+        <p:nvSpPr>
+          <p:cNvPr id="5" name="CasellaDiTesto 4">
+            <a:extLst>
+              <a:ext uri="{FF2B5EF4-FFF2-40B4-BE49-F238E27FC236}">
+                <a16:creationId xmlns:a16="http://schemas.microsoft.com/office/drawing/2014/main" id="{C7CADFF0-5FC9-2C27-8F1D-D90F653A8FD1}"/>
+              </a:ext>
+            </a:extLst>
+          </p:cNvPr>
+          <p:cNvSpPr txBox="1"/>
+          <p:nvPr/>
+        </p:nvSpPr>
+        <p:spPr>
+          <a:xfrm>
+            <a:off x="0" y="6206085"/>
+            <a:ext cx="4687556" cy="369332"/>
+          </a:xfrm>
+          <a:prstGeom prst="rect">
+            <a:avLst/>
+          </a:prstGeom>
+          <a:noFill/>
+        </p:spPr>
+        <p:txBody>
+          <a:bodyPr wrap="square">
+            <a:spAutoFit/>
+          </a:bodyPr>
+          <a:lstStyle/>
+          <a:p>
+            <a:r>
+              <a:rPr lang="en-GB" dirty="0" err="1">
+                <a:solidFill>
+                  <a:srgbClr val="0089CB"/>
+                </a:solidFill>
+              </a:rPr>
+              <a:t>Grepl</a:t>
+            </a:r>
+            <a:r>
+              <a:rPr lang="en-GB" dirty="0">
+                <a:solidFill>
+                  <a:srgbClr val="0089CB"/>
+                </a:solidFill>
+              </a:rPr>
+              <a:t> et al. 2005</a:t>
+            </a:r>
+            <a:endParaRPr lang="en-GB" dirty="0"/>
+          </a:p>
+        </p:txBody>
+      </p:sp>
+      <p:pic>
+        <p:nvPicPr>
+          <p:cNvPr id="7" name="Immagine 6" descr="Immagine che contiene testo, Carattere, ricevuta, schermata&#10;&#10;Descrizione generata automaticamente">
+            <a:extLst>
+              <a:ext uri="{FF2B5EF4-FFF2-40B4-BE49-F238E27FC236}">
+                <a16:creationId xmlns:a16="http://schemas.microsoft.com/office/drawing/2014/main" id="{092757FC-2A9C-7E99-44A3-3172A6B076D7}"/>
+              </a:ext>
+            </a:extLst>
+          </p:cNvPr>
+          <p:cNvPicPr>
+            <a:picLocks noChangeAspect="1"/>
+          </p:cNvPicPr>
+          <p:nvPr/>
+        </p:nvPicPr>
+        <p:blipFill>
+          <a:blip r:embed="rId2"/>
+          <a:stretch>
+            <a:fillRect/>
+          </a:stretch>
+        </p:blipFill>
+        <p:spPr>
+          <a:xfrm>
+            <a:off x="272005" y="3318468"/>
+            <a:ext cx="6769100" cy="2730500"/>
+          </a:xfrm>
+          <a:prstGeom prst="rect">
+            <a:avLst/>
+          </a:prstGeom>
+        </p:spPr>
+      </p:pic>
     </p:spTree>
     <p:extLst>
       <p:ext uri="{BB962C8B-B14F-4D97-AF65-F5344CB8AC3E}">
@@ -39166,7 +36710,7 @@
 </p:sld>
 </file>
 
-<file path=ppt/slides/slide8.xml><?xml version="1.0" encoding="utf-8"?>
+<file path=ppt/slides/slide9.xml><?xml version="1.0" encoding="utf-8"?>
 <p:sld xmlns:a="http://schemas.openxmlformats.org/drawingml/2006/main" xmlns:r="http://schemas.openxmlformats.org/officeDocument/2006/relationships" xmlns:p="http://schemas.openxmlformats.org/presentationml/2006/main">
   <p:cSld>
     <p:spTree>
@@ -39208,13 +36752,13 @@
           <a:p>
             <a:r>
               <a:rPr lang="en-GB" dirty="0"/>
-              <a:t>Online stage</a:t>
+              <a:t>Online stage in SCIANTIX</a:t>
             </a:r>
           </a:p>
         </p:txBody>
       </p:sp>
-      <mc:AlternateContent xmlns:mc="http://schemas.openxmlformats.org/markup-compatibility/2006">
-        <mc:Choice xmlns:a14="http://schemas.microsoft.com/office/drawing/2010/main" Requires="a14">
+      <mc:AlternateContent xmlns:mc="http://schemas.openxmlformats.org/markup-compatibility/2006" xmlns:a14="http://schemas.microsoft.com/office/drawing/2010/main">
+        <mc:Choice Requires="a14">
           <p:sp>
             <p:nvSpPr>
               <p:cNvPr id="3" name="CasellaDiTesto 2">
@@ -39229,7 +36773,7 @@
             </p:nvSpPr>
             <p:spPr>
               <a:xfrm>
-                <a:off x="314600" y="1912179"/>
+                <a:off x="104179" y="875031"/>
                 <a:ext cx="5698282" cy="778931"/>
               </a:xfrm>
               <a:prstGeom prst="rect">
@@ -39392,10 +36936,11 @@
                                     </m:sSubPr>
                                     <m:e>
                                       <m:r>
-                                        <a:rPr lang="it-IT" i="1">
+                                        <a:rPr lang="it-IT" i="1" smtClean="0">
                                           <a:latin typeface="Cambria Math" panose="02040503050406030204" pitchFamily="18" charset="0"/>
+                                          <a:ea typeface="Cambria Math" panose="02040503050406030204" pitchFamily="18" charset="0"/>
                                         </a:rPr>
-                                        <m:t>𝑎</m:t>
+                                        <m:t>𝛼</m:t>
                                       </m:r>
                                     </m:e>
                                     <m:sub>
@@ -39445,10 +36990,10 @@
                                 </m:sSubPr>
                                 <m:e>
                                   <m:r>
-                                    <a:rPr lang="it-IT" i="1">
+                                    <a:rPr lang="it-IT" b="1" i="1">
                                       <a:latin typeface="Cambria Math" panose="02040503050406030204" pitchFamily="18" charset="0"/>
                                     </a:rPr>
-                                    <m:t>𝑀</m:t>
+                                    <m:t>𝑴</m:t>
                                   </m:r>
                                 </m:e>
                                 <m:sub>
@@ -39535,11 +37080,11 @@
                         </m:sSubPr>
                         <m:e>
                           <m:r>
-                            <a:rPr lang="it-IT" i="1">
+                            <a:rPr lang="it-IT" b="1" i="1">
                               <a:latin typeface="Cambria Math" panose="02040503050406030204" pitchFamily="18" charset="0"/>
                               <a:ea typeface="Cambria Math" panose="02040503050406030204" pitchFamily="18" charset="0"/>
                             </a:rPr>
-                            <m:t>𝐾</m:t>
+                            <m:t>𝑲</m:t>
                           </m:r>
                         </m:e>
                         <m:sub>
@@ -39577,11 +37122,11 @@
                         </m:sSubPr>
                         <m:e>
                           <m:r>
-                            <a:rPr lang="it-IT" i="1">
+                            <a:rPr lang="it-IT" b="1" i="1" smtClean="0">
                               <a:latin typeface="Cambria Math" panose="02040503050406030204" pitchFamily="18" charset="0"/>
                               <a:ea typeface="Cambria Math" panose="02040503050406030204" pitchFamily="18" charset="0"/>
                             </a:rPr>
-                            <m:t>𝑥</m:t>
+                            <m:t>𝒔</m:t>
                           </m:r>
                         </m:e>
                         <m:sub>
@@ -39658,7 +37203,7 @@
             </p:txBody>
           </p:sp>
         </mc:Choice>
-        <mc:Fallback>
+        <mc:Fallback xmlns="">
           <p:sp>
             <p:nvSpPr>
               <p:cNvPr id="3" name="CasellaDiTesto 2">
@@ -39675,7 +37220,7 @@
             </p:nvSpPr>
             <p:spPr>
               <a:xfrm>
-                <a:off x="314600" y="1912179"/>
+                <a:off x="104179" y="875031"/>
                 <a:ext cx="5698282" cy="778931"/>
               </a:xfrm>
               <a:prstGeom prst="rect">
@@ -39684,426 +37229,7 @@
               <a:blipFill>
                 <a:blip r:embed="rId2"/>
                 <a:stretch>
-                  <a:fillRect l="-13556" t="-111290" r="-667" b="-174194"/>
-                </a:stretch>
-              </a:blipFill>
-            </p:spPr>
-            <p:txBody>
-              <a:bodyPr/>
-              <a:lstStyle/>
-              <a:p>
-                <a:r>
-                  <a:rPr lang="en-GB">
-                    <a:noFill/>
-                  </a:rPr>
-                  <a:t> </a:t>
-                </a:r>
-              </a:p>
-            </p:txBody>
-          </p:sp>
-        </mc:Fallback>
-      </mc:AlternateContent>
-      <mc:AlternateContent xmlns:mc="http://schemas.openxmlformats.org/markup-compatibility/2006" xmlns:a14="http://schemas.microsoft.com/office/drawing/2010/main">
-        <mc:Choice Requires="a14">
-          <p:sp>
-            <p:nvSpPr>
-              <p:cNvPr id="4" name="CasellaDiTesto 3">
-                <a:extLst>
-                  <a:ext uri="{FF2B5EF4-FFF2-40B4-BE49-F238E27FC236}">
-                    <a16:creationId xmlns:a16="http://schemas.microsoft.com/office/drawing/2014/main" id="{DFACF928-42D6-FCA9-EAB6-97EF1A705EB6}"/>
-                  </a:ext>
-                </a:extLst>
-              </p:cNvPr>
-              <p:cNvSpPr txBox="1"/>
-              <p:nvPr/>
-            </p:nvSpPr>
-            <p:spPr>
-              <a:xfrm>
-                <a:off x="314600" y="885618"/>
-                <a:ext cx="4876938" cy="778868"/>
-              </a:xfrm>
-              <a:prstGeom prst="rect">
-                <a:avLst/>
-              </a:prstGeom>
-              <a:noFill/>
-            </p:spPr>
-            <p:txBody>
-              <a:bodyPr wrap="square" lIns="0" tIns="0" rIns="0" bIns="0" rtlCol="0">
-                <a:spAutoFit/>
-              </a:bodyPr>
-              <a:lstStyle/>
-              <a:p>
-                <a:pPr/>
-                <a14:m>
-                  <m:oMathPara xmlns:m="http://schemas.openxmlformats.org/officeDocument/2006/math">
-                    <m:oMathParaPr>
-                      <m:jc m:val="centerGroup"/>
-                    </m:oMathParaPr>
-                    <m:oMath xmlns:m="http://schemas.openxmlformats.org/officeDocument/2006/math">
-                      <m:r>
-                        <a:rPr lang="it-IT" b="0" i="1" smtClean="0">
-                          <a:latin typeface="Cambria Math" panose="02040503050406030204" pitchFamily="18" charset="0"/>
-                          <a:ea typeface="Cambria Math" panose="02040503050406030204" pitchFamily="18" charset="0"/>
-                        </a:rPr>
-                        <m:t> </m:t>
-                      </m:r>
-                      <m:nary>
-                        <m:naryPr>
-                          <m:chr m:val="∑"/>
-                          <m:ctrlPr>
-                            <a:rPr lang="it-IT" b="0" i="1" smtClean="0">
-                              <a:latin typeface="Cambria Math" panose="02040503050406030204" pitchFamily="18" charset="0"/>
-                              <a:ea typeface="Cambria Math" panose="02040503050406030204" pitchFamily="18" charset="0"/>
-                            </a:rPr>
-                          </m:ctrlPr>
-                        </m:naryPr>
-                        <m:sub>
-                          <m:r>
-                            <m:rPr>
-                              <m:brk m:alnAt="23"/>
-                            </m:rPr>
-                            <a:rPr lang="it-IT" b="0" i="1" smtClean="0">
-                              <a:latin typeface="Cambria Math" panose="02040503050406030204" pitchFamily="18" charset="0"/>
-                              <a:ea typeface="Cambria Math" panose="02040503050406030204" pitchFamily="18" charset="0"/>
-                            </a:rPr>
-                            <m:t>𝑘</m:t>
-                          </m:r>
-                          <m:r>
-                            <a:rPr lang="it-IT" b="0" i="1" smtClean="0">
-                              <a:latin typeface="Cambria Math" panose="02040503050406030204" pitchFamily="18" charset="0"/>
-                              <a:ea typeface="Cambria Math" panose="02040503050406030204" pitchFamily="18" charset="0"/>
-                            </a:rPr>
-                            <m:t>=1</m:t>
-                          </m:r>
-                        </m:sub>
-                        <m:sup>
-                          <m:sSub>
-                            <m:sSubPr>
-                              <m:ctrlPr>
-                                <a:rPr lang="it-IT" b="0" i="1" smtClean="0">
-                                  <a:latin typeface="Cambria Math" panose="02040503050406030204" pitchFamily="18" charset="0"/>
-                                  <a:ea typeface="Cambria Math" panose="02040503050406030204" pitchFamily="18" charset="0"/>
-                                </a:rPr>
-                              </m:ctrlPr>
-                            </m:sSubPr>
-                            <m:e>
-                              <m:r>
-                                <a:rPr lang="it-IT" b="0" i="1" smtClean="0">
-                                  <a:latin typeface="Cambria Math" panose="02040503050406030204" pitchFamily="18" charset="0"/>
-                                  <a:ea typeface="Cambria Math" panose="02040503050406030204" pitchFamily="18" charset="0"/>
-                                </a:rPr>
-                                <m:t>𝑁</m:t>
-                              </m:r>
-                            </m:e>
-                            <m:sub>
-                              <m:r>
-                                <a:rPr lang="it-IT" b="0" i="1" smtClean="0">
-                                  <a:latin typeface="Cambria Math" panose="02040503050406030204" pitchFamily="18" charset="0"/>
-                                  <a:ea typeface="Cambria Math" panose="02040503050406030204" pitchFamily="18" charset="0"/>
-                                </a:rPr>
-                                <m:t>𝐷</m:t>
-                              </m:r>
-                            </m:sub>
-                          </m:sSub>
-                        </m:sup>
-                        <m:e>
-                          <m:r>
-                            <a:rPr lang="en-GB" i="1">
-                              <a:latin typeface="Cambria Math" panose="02040503050406030204" pitchFamily="18" charset="0"/>
-                              <a:ea typeface="Cambria Math" panose="02040503050406030204" pitchFamily="18" charset="0"/>
-                            </a:rPr>
-                            <m:t>ℱ</m:t>
-                          </m:r>
-                          <m:d>
-                            <m:dPr>
-                              <m:ctrlPr>
-                                <a:rPr lang="it-IT" i="1">
-                                  <a:latin typeface="Cambria Math" panose="02040503050406030204" pitchFamily="18" charset="0"/>
-                                  <a:ea typeface="Cambria Math" panose="02040503050406030204" pitchFamily="18" charset="0"/>
-                                </a:rPr>
-                              </m:ctrlPr>
-                            </m:dPr>
-                            <m:e>
-                              <m:r>
-                                <a:rPr lang="it-IT" b="1" i="1">
-                                  <a:latin typeface="Cambria Math" panose="02040503050406030204" pitchFamily="18" charset="0"/>
-                                  <a:ea typeface="Cambria Math" panose="02040503050406030204" pitchFamily="18" charset="0"/>
-                                </a:rPr>
-                                <m:t>𝝁</m:t>
-                              </m:r>
-                              <m:r>
-                                <a:rPr lang="it-IT" i="1">
-                                  <a:latin typeface="Cambria Math" panose="02040503050406030204" pitchFamily="18" charset="0"/>
-                                  <a:ea typeface="Cambria Math" panose="02040503050406030204" pitchFamily="18" charset="0"/>
-                                </a:rPr>
-                                <m:t>, </m:t>
-                              </m:r>
-                              <m:sSub>
-                                <m:sSubPr>
-                                  <m:ctrlPr>
-                                    <a:rPr lang="it-IT" b="0" i="1" smtClean="0">
-                                      <a:latin typeface="Cambria Math" panose="02040503050406030204" pitchFamily="18" charset="0"/>
-                                      <a:ea typeface="Cambria Math" panose="02040503050406030204" pitchFamily="18" charset="0"/>
-                                    </a:rPr>
-                                  </m:ctrlPr>
-                                </m:sSubPr>
-                                <m:e>
-                                  <m:r>
-                                    <a:rPr lang="it-IT" b="1" i="1">
-                                      <a:latin typeface="Cambria Math" panose="02040503050406030204" pitchFamily="18" charset="0"/>
-                                      <a:ea typeface="Cambria Math" panose="02040503050406030204" pitchFamily="18" charset="0"/>
-                                    </a:rPr>
-                                    <m:t>𝒙</m:t>
-                                  </m:r>
-                                </m:e>
-                                <m:sub>
-                                  <m:r>
-                                    <a:rPr lang="it-IT" b="0" i="1" smtClean="0">
-                                      <a:latin typeface="Cambria Math" panose="02040503050406030204" pitchFamily="18" charset="0"/>
-                                      <a:ea typeface="Cambria Math" panose="02040503050406030204" pitchFamily="18" charset="0"/>
-                                    </a:rPr>
-                                    <m:t>𝑙</m:t>
-                                  </m:r>
-                                </m:sub>
-                              </m:sSub>
-                            </m:e>
-                          </m:d>
-                          <m:r>
-                            <a:rPr lang="it-IT" b="0" i="1" smtClean="0">
-                              <a:latin typeface="Cambria Math" panose="02040503050406030204" pitchFamily="18" charset="0"/>
-                              <a:ea typeface="Cambria Math" panose="02040503050406030204" pitchFamily="18" charset="0"/>
-                            </a:rPr>
-                            <m:t>⋅</m:t>
-                          </m:r>
-                          <m:sSub>
-                            <m:sSubPr>
-                              <m:ctrlPr>
-                                <a:rPr lang="it-IT" b="0" i="1" smtClean="0">
-                                  <a:latin typeface="Cambria Math" panose="02040503050406030204" pitchFamily="18" charset="0"/>
-                                  <a:ea typeface="Cambria Math" panose="02040503050406030204" pitchFamily="18" charset="0"/>
-                                </a:rPr>
-                              </m:ctrlPr>
-                            </m:sSubPr>
-                            <m:e>
-                              <m:r>
-                                <a:rPr lang="it-IT" i="1">
-                                  <a:latin typeface="Cambria Math" panose="02040503050406030204" pitchFamily="18" charset="0"/>
-                                  <a:ea typeface="Cambria Math" panose="02040503050406030204" pitchFamily="18" charset="0"/>
-                                </a:rPr>
-                                <m:t>𝜁</m:t>
-                              </m:r>
-                            </m:e>
-                            <m:sub>
-                              <m:r>
-                                <a:rPr lang="it-IT" b="0" i="1" smtClean="0">
-                                  <a:latin typeface="Cambria Math" panose="02040503050406030204" pitchFamily="18" charset="0"/>
-                                  <a:ea typeface="Cambria Math" panose="02040503050406030204" pitchFamily="18" charset="0"/>
-                                </a:rPr>
-                                <m:t>𝑙</m:t>
-                              </m:r>
-                            </m:sub>
-                          </m:sSub>
-                          <m:sSup>
-                            <m:sSupPr>
-                              <m:ctrlPr>
-                                <a:rPr lang="it-IT" b="0" i="1" smtClean="0">
-                                  <a:latin typeface="Cambria Math" panose="02040503050406030204" pitchFamily="18" charset="0"/>
-                                  <a:ea typeface="Cambria Math" panose="02040503050406030204" pitchFamily="18" charset="0"/>
-                                </a:rPr>
-                              </m:ctrlPr>
-                            </m:sSupPr>
-                            <m:e>
-                              <m:d>
-                                <m:dPr>
-                                  <m:ctrlPr>
-                                    <a:rPr lang="it-IT" b="0" i="1" smtClean="0">
-                                      <a:latin typeface="Cambria Math" panose="02040503050406030204" pitchFamily="18" charset="0"/>
-                                      <a:ea typeface="Cambria Math" panose="02040503050406030204" pitchFamily="18" charset="0"/>
-                                    </a:rPr>
-                                  </m:ctrlPr>
-                                </m:dPr>
-                                <m:e>
-                                  <m:sSub>
-                                    <m:sSubPr>
-                                      <m:ctrlPr>
-                                        <a:rPr lang="it-IT" b="1" i="1" smtClean="0">
-                                          <a:latin typeface="Cambria Math" panose="02040503050406030204" pitchFamily="18" charset="0"/>
-                                          <a:ea typeface="Cambria Math" panose="02040503050406030204" pitchFamily="18" charset="0"/>
-                                        </a:rPr>
-                                      </m:ctrlPr>
-                                    </m:sSubPr>
-                                    <m:e>
-                                      <m:r>
-                                        <a:rPr lang="it-IT" b="1" i="1" smtClean="0">
-                                          <a:latin typeface="Cambria Math" panose="02040503050406030204" pitchFamily="18" charset="0"/>
-                                          <a:ea typeface="Cambria Math" panose="02040503050406030204" pitchFamily="18" charset="0"/>
-                                        </a:rPr>
-                                        <m:t>𝒙</m:t>
-                                      </m:r>
-                                    </m:e>
-                                    <m:sub>
-                                      <m:r>
-                                        <a:rPr lang="it-IT" b="1" i="1" smtClean="0">
-                                          <a:latin typeface="Cambria Math" panose="02040503050406030204" pitchFamily="18" charset="0"/>
-                                          <a:ea typeface="Cambria Math" panose="02040503050406030204" pitchFamily="18" charset="0"/>
-                                        </a:rPr>
-                                        <m:t>𝒍</m:t>
-                                      </m:r>
-                                    </m:sub>
-                                  </m:sSub>
-                                </m:e>
-                              </m:d>
-                            </m:e>
-                            <m:sup>
-                              <m:r>
-                                <a:rPr lang="it-IT" b="0" i="1" smtClean="0">
-                                  <a:latin typeface="Cambria Math" panose="02040503050406030204" pitchFamily="18" charset="0"/>
-                                  <a:ea typeface="Cambria Math" panose="02040503050406030204" pitchFamily="18" charset="0"/>
-                                </a:rPr>
-                                <m:t>−1</m:t>
-                              </m:r>
-                            </m:sup>
-                          </m:sSup>
-                        </m:e>
-                      </m:nary>
-                      <m:r>
-                        <a:rPr lang="it-IT" b="0" i="0" smtClean="0">
-                          <a:latin typeface="Cambria Math" panose="02040503050406030204" pitchFamily="18" charset="0"/>
-                          <a:ea typeface="Cambria Math" panose="02040503050406030204" pitchFamily="18" charset="0"/>
-                        </a:rPr>
-                        <m:t>=</m:t>
-                      </m:r>
-                      <m:sSub>
-                        <m:sSubPr>
-                          <m:ctrlPr>
-                            <a:rPr lang="it-IT" i="1">
-                              <a:latin typeface="Cambria Math" panose="02040503050406030204" pitchFamily="18" charset="0"/>
-                              <a:ea typeface="Cambria Math" panose="02040503050406030204" pitchFamily="18" charset="0"/>
-                            </a:rPr>
-                          </m:ctrlPr>
-                        </m:sSubPr>
-                        <m:e>
-                          <m:r>
-                            <a:rPr lang="it-IT" i="1">
-                              <a:latin typeface="Cambria Math" panose="02040503050406030204" pitchFamily="18" charset="0"/>
-                              <a:ea typeface="Cambria Math" panose="02040503050406030204" pitchFamily="18" charset="0"/>
-                            </a:rPr>
-                            <m:t>𝑔</m:t>
-                          </m:r>
-                        </m:e>
-                        <m:sub>
-                          <m:r>
-                            <a:rPr lang="it-IT" i="1">
-                              <a:latin typeface="Cambria Math" panose="02040503050406030204" pitchFamily="18" charset="0"/>
-                              <a:ea typeface="Cambria Math" panose="02040503050406030204" pitchFamily="18" charset="0"/>
-                            </a:rPr>
-                            <m:t>𝑘</m:t>
-                          </m:r>
-                        </m:sub>
-                      </m:sSub>
-                      <m:d>
-                        <m:dPr>
-                          <m:ctrlPr>
-                            <a:rPr lang="it-IT" i="1">
-                              <a:latin typeface="Cambria Math" panose="02040503050406030204" pitchFamily="18" charset="0"/>
-                              <a:ea typeface="Cambria Math" panose="02040503050406030204" pitchFamily="18" charset="0"/>
-                            </a:rPr>
-                          </m:ctrlPr>
-                        </m:dPr>
-                        <m:e>
-                          <m:r>
-                            <a:rPr lang="it-IT" b="1" i="1">
-                              <a:latin typeface="Cambria Math" panose="02040503050406030204" pitchFamily="18" charset="0"/>
-                              <a:ea typeface="Cambria Math" panose="02040503050406030204" pitchFamily="18" charset="0"/>
-                            </a:rPr>
-                            <m:t>𝝁</m:t>
-                          </m:r>
-                        </m:e>
-                      </m:d>
-                      <m:r>
-                        <a:rPr lang="it-IT" b="0" i="1" smtClean="0">
-                          <a:latin typeface="Cambria Math" panose="02040503050406030204" pitchFamily="18" charset="0"/>
-                          <a:ea typeface="Cambria Math" panose="02040503050406030204" pitchFamily="18" charset="0"/>
-                        </a:rPr>
-                        <m:t>,    </m:t>
-                      </m:r>
-                      <m:r>
-                        <a:rPr lang="it-IT" b="0" i="1" smtClean="0">
-                          <a:latin typeface="Cambria Math" panose="02040503050406030204" pitchFamily="18" charset="0"/>
-                          <a:ea typeface="Cambria Math" panose="02040503050406030204" pitchFamily="18" charset="0"/>
-                        </a:rPr>
-                        <m:t>𝑙</m:t>
-                      </m:r>
-                      <m:r>
-                        <a:rPr lang="it-IT" b="0" i="1" smtClean="0">
-                          <a:latin typeface="Cambria Math" panose="02040503050406030204" pitchFamily="18" charset="0"/>
-                          <a:ea typeface="Cambria Math" panose="02040503050406030204" pitchFamily="18" charset="0"/>
-                        </a:rPr>
-                        <m:t>=1, …, </m:t>
-                      </m:r>
-                      <m:sSub>
-                        <m:sSubPr>
-                          <m:ctrlPr>
-                            <a:rPr lang="it-IT" b="0" i="1" smtClean="0">
-                              <a:latin typeface="Cambria Math" panose="02040503050406030204" pitchFamily="18" charset="0"/>
-                              <a:ea typeface="Cambria Math" panose="02040503050406030204" pitchFamily="18" charset="0"/>
-                            </a:rPr>
-                          </m:ctrlPr>
-                        </m:sSubPr>
-                        <m:e>
-                          <m:r>
-                            <a:rPr lang="it-IT" b="0" i="1" smtClean="0">
-                              <a:latin typeface="Cambria Math" panose="02040503050406030204" pitchFamily="18" charset="0"/>
-                              <a:ea typeface="Cambria Math" panose="02040503050406030204" pitchFamily="18" charset="0"/>
-                            </a:rPr>
-                            <m:t>𝑁</m:t>
-                          </m:r>
-                        </m:e>
-                        <m:sub>
-                          <m:r>
-                            <a:rPr lang="it-IT" b="0" i="1" smtClean="0">
-                              <a:latin typeface="Cambria Math" panose="02040503050406030204" pitchFamily="18" charset="0"/>
-                              <a:ea typeface="Cambria Math" panose="02040503050406030204" pitchFamily="18" charset="0"/>
-                            </a:rPr>
-                            <m:t>𝐷</m:t>
-                          </m:r>
-                        </m:sub>
-                      </m:sSub>
-                    </m:oMath>
-                  </m:oMathPara>
-                </a14:m>
-                <a:endParaRPr lang="en-GB" dirty="0"/>
-              </a:p>
-            </p:txBody>
-          </p:sp>
-        </mc:Choice>
-        <mc:Fallback xmlns="">
-          <p:sp>
-            <p:nvSpPr>
-              <p:cNvPr id="4" name="CasellaDiTesto 3">
-                <a:extLst>
-                  <a:ext uri="{FF2B5EF4-FFF2-40B4-BE49-F238E27FC236}">
-                    <a16:creationId xmlns:a16="http://schemas.microsoft.com/office/drawing/2014/main" id="{DFACF928-42D6-FCA9-EAB6-97EF1A705EB6}"/>
-                  </a:ext>
-                </a:extLst>
-              </p:cNvPr>
-              <p:cNvSpPr txBox="1">
-                <a:spLocks noRot="1" noChangeAspect="1" noMove="1" noResize="1" noEditPoints="1" noAdjustHandles="1" noChangeArrowheads="1" noChangeShapeType="1" noTextEdit="1"/>
-              </p:cNvSpPr>
-              <p:nvPr/>
-            </p:nvSpPr>
-            <p:spPr>
-              <a:xfrm>
-                <a:off x="314600" y="885618"/>
-                <a:ext cx="4876938" cy="778868"/>
-              </a:xfrm>
-              <a:prstGeom prst="rect">
-                <a:avLst/>
-              </a:prstGeom>
-              <a:blipFill>
-                <a:blip r:embed="rId3"/>
-                <a:stretch>
-                  <a:fillRect l="-15844" t="-109524" r="-260" b="-171429"/>
+                  <a:fillRect l="-14477" t="-112903" r="-1336" b="-174194"/>
                 </a:stretch>
               </a:blipFill>
             </p:spPr>
@@ -40136,7 +37262,7 @@
         </p:nvSpPr>
         <p:spPr>
           <a:xfrm>
-            <a:off x="104179" y="2938585"/>
+            <a:off x="104179" y="1749806"/>
             <a:ext cx="1562159" cy="369332"/>
           </a:xfrm>
           <a:prstGeom prst="rect">
@@ -40181,8 +37307,8 @@
             </p:nvSpPr>
             <p:spPr>
               <a:xfrm>
-                <a:off x="304090" y="3448469"/>
-                <a:ext cx="7055030" cy="871264"/>
+                <a:off x="-87796" y="2091505"/>
+                <a:ext cx="7443189" cy="871264"/>
               </a:xfrm>
               <a:prstGeom prst="rect">
                 <a:avLst/>
@@ -40340,8 +37466,9 @@
                                       <m:r>
                                         <a:rPr lang="it-IT" i="1">
                                           <a:latin typeface="Cambria Math" panose="02040503050406030204" pitchFamily="18" charset="0"/>
+                                          <a:ea typeface="Cambria Math" panose="02040503050406030204" pitchFamily="18" charset="0"/>
                                         </a:rPr>
-                                        <m:t>𝑎</m:t>
+                                        <m:t>𝛼</m:t>
                                       </m:r>
                                     </m:e>
                                     <m:sub>
@@ -40385,8 +37512,9 @@
                                       <m:r>
                                         <a:rPr lang="it-IT" i="1">
                                           <a:latin typeface="Cambria Math" panose="02040503050406030204" pitchFamily="18" charset="0"/>
+                                          <a:ea typeface="Cambria Math" panose="02040503050406030204" pitchFamily="18" charset="0"/>
                                         </a:rPr>
-                                        <m:t>𝑎</m:t>
+                                        <m:t>𝛼</m:t>
                                       </m:r>
                                     </m:e>
                                     <m:sub>
@@ -40441,10 +37569,10 @@
                                 </m:sSubPr>
                                 <m:e>
                                   <m:r>
-                                    <a:rPr lang="it-IT" i="1">
+                                    <a:rPr lang="it-IT" b="1" i="1">
                                       <a:latin typeface="Cambria Math" panose="02040503050406030204" pitchFamily="18" charset="0"/>
                                     </a:rPr>
-                                    <m:t>𝑀</m:t>
+                                    <m:t>𝑴</m:t>
                                   </m:r>
                                 </m:e>
                                 <m:sub>
@@ -40591,8 +37719,9 @@
                               <m:r>
                                 <a:rPr lang="it-IT" i="1">
                                   <a:latin typeface="Cambria Math" panose="02040503050406030204" pitchFamily="18" charset="0"/>
+                                  <a:ea typeface="Cambria Math" panose="02040503050406030204" pitchFamily="18" charset="0"/>
                                 </a:rPr>
-                                <m:t>𝑎</m:t>
+                                <m:t>𝛼</m:t>
                               </m:r>
                             </m:e>
                             <m:sub>
@@ -40629,11 +37758,11 @@
                             </m:sSubPr>
                             <m:e>
                               <m:r>
-                                <a:rPr lang="it-IT" i="1">
+                                <a:rPr lang="it-IT" b="1" i="1">
                                   <a:latin typeface="Cambria Math" panose="02040503050406030204" pitchFamily="18" charset="0"/>
                                   <a:ea typeface="Cambria Math" panose="02040503050406030204" pitchFamily="18" charset="0"/>
                                 </a:rPr>
-                                <m:t>𝐾</m:t>
+                                <m:t>𝑲</m:t>
                               </m:r>
                             </m:e>
                             <m:sub>
@@ -40671,11 +37800,11 @@
                             </m:sSubPr>
                             <m:e>
                               <m:r>
-                                <a:rPr lang="it-IT" i="1">
+                                <a:rPr lang="it-IT" b="1" i="1">
                                   <a:latin typeface="Cambria Math" panose="02040503050406030204" pitchFamily="18" charset="0"/>
                                   <a:ea typeface="Cambria Math" panose="02040503050406030204" pitchFamily="18" charset="0"/>
                                 </a:rPr>
-                                <m:t>𝑥</m:t>
+                                <m:t>𝒙</m:t>
                               </m:r>
                             </m:e>
                             <m:sub>
@@ -40764,16 +37893,16 @@
             </p:nvSpPr>
             <p:spPr>
               <a:xfrm>
-                <a:off x="304090" y="3448469"/>
-                <a:ext cx="7055030" cy="871264"/>
+                <a:off x="-87796" y="2091505"/>
+                <a:ext cx="7443189" cy="871264"/>
               </a:xfrm>
               <a:prstGeom prst="rect">
                 <a:avLst/>
               </a:prstGeom>
               <a:blipFill>
-                <a:blip r:embed="rId4"/>
+                <a:blip r:embed="rId3"/>
                 <a:stretch>
-                  <a:fillRect l="-10432" t="-94286" b="-148571"/>
+                  <a:fillRect l="-8007" t="-94286" b="-148571"/>
                 </a:stretch>
               </a:blipFill>
             </p:spPr>
@@ -40796,197 +37925,6 @@
     <p:extLst>
       <p:ext uri="{BB962C8B-B14F-4D97-AF65-F5344CB8AC3E}">
         <p14:creationId xmlns:p14="http://schemas.microsoft.com/office/powerpoint/2010/main" val="1615681"/>
-      </p:ext>
-    </p:extLst>
-  </p:cSld>
-  <p:clrMapOvr>
-    <a:masterClrMapping/>
-  </p:clrMapOvr>
-</p:sld>
-</file>
-
-<file path=ppt/slides/slide9.xml><?xml version="1.0" encoding="utf-8"?>
-<p:sld xmlns:a="http://schemas.openxmlformats.org/drawingml/2006/main" xmlns:r="http://schemas.openxmlformats.org/officeDocument/2006/relationships" xmlns:p="http://schemas.openxmlformats.org/presentationml/2006/main">
-  <p:cSld>
-    <p:spTree>
-      <p:nvGrpSpPr>
-        <p:cNvPr id="1" name=""/>
-        <p:cNvGrpSpPr/>
-        <p:nvPr/>
-      </p:nvGrpSpPr>
-      <p:grpSpPr>
-        <a:xfrm>
-          <a:off x="0" y="0"/>
-          <a:ext cx="0" cy="0"/>
-          <a:chOff x="0" y="0"/>
-          <a:chExt cx="0" cy="0"/>
-        </a:xfrm>
-      </p:grpSpPr>
-      <p:sp>
-        <p:nvSpPr>
-          <p:cNvPr id="2" name="Titolo 1">
-            <a:extLst>
-              <a:ext uri="{FF2B5EF4-FFF2-40B4-BE49-F238E27FC236}">
-                <a16:creationId xmlns:a16="http://schemas.microsoft.com/office/drawing/2014/main" id="{2E8AA45B-1AAB-B884-8901-76C25A4FE5FF}"/>
-              </a:ext>
-            </a:extLst>
-          </p:cNvPr>
-          <p:cNvSpPr>
-            <a:spLocks noGrp="1"/>
-          </p:cNvSpPr>
-          <p:nvPr>
-            <p:ph type="title"/>
-          </p:nvPr>
-        </p:nvSpPr>
-        <p:spPr/>
-        <p:txBody>
-          <a:bodyPr>
-            <a:normAutofit fontScale="90000"/>
-          </a:bodyPr>
-          <a:lstStyle/>
-          <a:p>
-            <a:r>
-              <a:rPr lang="en-GB" dirty="0"/>
-              <a:t>Computational times</a:t>
-            </a:r>
-          </a:p>
-        </p:txBody>
-      </p:sp>
-      <p:graphicFrame>
-        <p:nvGraphicFramePr>
-          <p:cNvPr id="3" name="Tabella 2">
-            <a:extLst>
-              <a:ext uri="{FF2B5EF4-FFF2-40B4-BE49-F238E27FC236}">
-                <a16:creationId xmlns:a16="http://schemas.microsoft.com/office/drawing/2014/main" id="{23FF76A9-BF7F-0B5E-EF56-4EDA284D8522}"/>
-              </a:ext>
-            </a:extLst>
-          </p:cNvPr>
-          <p:cNvGraphicFramePr>
-            <a:graphicFrameLocks noGrp="1"/>
-          </p:cNvGraphicFramePr>
-          <p:nvPr>
-            <p:extLst>
-              <p:ext uri="{D42A27DB-BD31-4B8C-83A1-F6EECF244321}">
-                <p14:modId xmlns:p14="http://schemas.microsoft.com/office/powerpoint/2010/main" val="4269723737"/>
-              </p:ext>
-            </p:extLst>
-          </p:nvPr>
-        </p:nvGraphicFramePr>
-        <p:xfrm>
-          <a:off x="1215887" y="2251765"/>
-          <a:ext cx="6096000" cy="736600"/>
-        </p:xfrm>
-        <a:graphic>
-          <a:graphicData uri="http://schemas.openxmlformats.org/drawingml/2006/table">
-            <a:tbl>
-              <a:tblPr firstRow="1" bandRow="1">
-                <a:tableStyleId>{69CF1AB2-1976-4502-BF36-3FF5EA218861}</a:tableStyleId>
-              </a:tblPr>
-              <a:tblGrid>
-                <a:gridCol w="2032000">
-                  <a:extLst>
-                    <a:ext uri="{9D8B030D-6E8A-4147-A177-3AD203B41FA5}">
-                      <a16:colId xmlns:a16="http://schemas.microsoft.com/office/drawing/2014/main" val="1012897706"/>
-                    </a:ext>
-                  </a:extLst>
-                </a:gridCol>
-                <a:gridCol w="2032000">
-                  <a:extLst>
-                    <a:ext uri="{9D8B030D-6E8A-4147-A177-3AD203B41FA5}">
-                      <a16:colId xmlns:a16="http://schemas.microsoft.com/office/drawing/2014/main" val="3437663424"/>
-                    </a:ext>
-                  </a:extLst>
-                </a:gridCol>
-                <a:gridCol w="2032000">
-                  <a:extLst>
-                    <a:ext uri="{9D8B030D-6E8A-4147-A177-3AD203B41FA5}">
-                      <a16:colId xmlns:a16="http://schemas.microsoft.com/office/drawing/2014/main" val="1442659212"/>
-                    </a:ext>
-                  </a:extLst>
-                </a:gridCol>
-              </a:tblGrid>
-              <a:tr h="370840">
-                <a:tc>
-                  <a:txBody>
-                    <a:bodyPr/>
-                    <a:lstStyle/>
-                    <a:p>
-                      <a:endParaRPr lang="en-GB" dirty="0"/>
-                    </a:p>
-                  </a:txBody>
-                  <a:tcPr/>
-                </a:tc>
-                <a:tc>
-                  <a:txBody>
-                    <a:bodyPr/>
-                    <a:lstStyle/>
-                    <a:p>
-                      <a:endParaRPr lang="en-GB"/>
-                    </a:p>
-                  </a:txBody>
-                  <a:tcPr/>
-                </a:tc>
-                <a:tc>
-                  <a:txBody>
-                    <a:bodyPr/>
-                    <a:lstStyle/>
-                    <a:p>
-                      <a:endParaRPr lang="en-GB"/>
-                    </a:p>
-                  </a:txBody>
-                  <a:tcPr/>
-                </a:tc>
-                <a:extLst>
-                  <a:ext uri="{0D108BD9-81ED-4DB2-BD59-A6C34878D82A}">
-                    <a16:rowId xmlns:a16="http://schemas.microsoft.com/office/drawing/2014/main" val="3052532727"/>
-                  </a:ext>
-                </a:extLst>
-              </a:tr>
-              <a:tr h="329317">
-                <a:tc>
-                  <a:txBody>
-                    <a:bodyPr/>
-                    <a:lstStyle/>
-                    <a:p>
-                      <a:endParaRPr lang="en-GB"/>
-                    </a:p>
-                  </a:txBody>
-                  <a:tcPr/>
-                </a:tc>
-                <a:tc>
-                  <a:txBody>
-                    <a:bodyPr/>
-                    <a:lstStyle/>
-                    <a:p>
-                      <a:endParaRPr lang="en-GB"/>
-                    </a:p>
-                  </a:txBody>
-                  <a:tcPr/>
-                </a:tc>
-                <a:tc>
-                  <a:txBody>
-                    <a:bodyPr/>
-                    <a:lstStyle/>
-                    <a:p>
-                      <a:endParaRPr lang="en-GB" dirty="0"/>
-                    </a:p>
-                  </a:txBody>
-                  <a:tcPr/>
-                </a:tc>
-                <a:extLst>
-                  <a:ext uri="{0D108BD9-81ED-4DB2-BD59-A6C34878D82A}">
-                    <a16:rowId xmlns:a16="http://schemas.microsoft.com/office/drawing/2014/main" val="4180058149"/>
-                  </a:ext>
-                </a:extLst>
-              </a:tr>
-            </a:tbl>
-          </a:graphicData>
-        </a:graphic>
-      </p:graphicFrame>
-    </p:spTree>
-    <p:extLst>
-      <p:ext uri="{BB962C8B-B14F-4D97-AF65-F5344CB8AC3E}">
-        <p14:creationId xmlns:p14="http://schemas.microsoft.com/office/powerpoint/2010/main" val="443031710"/>
       </p:ext>
     </p:extLst>
   </p:cSld>

--- a/ROM updates 18 October 2024.pptx
+++ b/ROM updates 18 October 2024.pptx
@@ -5,7 +5,7 @@
     <p:sldMasterId id="2147483651" r:id="rId1"/>
   </p:sldMasterIdLst>
   <p:notesMasterIdLst>
-    <p:notesMasterId r:id="rId19"/>
+    <p:notesMasterId r:id="rId20"/>
   </p:notesMasterIdLst>
   <p:sldIdLst>
     <p:sldId id="491" r:id="rId2"/>
@@ -17,14 +17,15 @@
     <p:sldId id="481" r:id="rId8"/>
     <p:sldId id="487" r:id="rId9"/>
     <p:sldId id="483" r:id="rId10"/>
-    <p:sldId id="479" r:id="rId11"/>
-    <p:sldId id="492" r:id="rId12"/>
-    <p:sldId id="488" r:id="rId13"/>
-    <p:sldId id="419" r:id="rId14"/>
-    <p:sldId id="478" r:id="rId15"/>
-    <p:sldId id="417" r:id="rId16"/>
-    <p:sldId id="472" r:id="rId17"/>
-    <p:sldId id="489" r:id="rId18"/>
+    <p:sldId id="494" r:id="rId11"/>
+    <p:sldId id="479" r:id="rId12"/>
+    <p:sldId id="492" r:id="rId13"/>
+    <p:sldId id="488" r:id="rId14"/>
+    <p:sldId id="419" r:id="rId15"/>
+    <p:sldId id="478" r:id="rId16"/>
+    <p:sldId id="417" r:id="rId17"/>
+    <p:sldId id="472" r:id="rId18"/>
+    <p:sldId id="489" r:id="rId19"/>
   </p:sldIdLst>
   <p:sldSz cx="9144000" cy="6858000" type="screen4x3"/>
   <p:notesSz cx="6858000" cy="9144000"/>
@@ -148,7 +149,7 @@
 <file path=ppt/revisionInfo.xml><?xml version="1.0" encoding="utf-8"?>
 <p1510:revInfo xmlns:a="http://schemas.openxmlformats.org/drawingml/2006/main" xmlns:r="http://schemas.openxmlformats.org/officeDocument/2006/relationships" xmlns:p1510="http://schemas.microsoft.com/office/powerpoint/2015/10/main">
   <p1510:revLst>
-    <p1510:client id="{6BF65FE4-74A7-9749-A675-EBA0086FF38E}" v="2324" dt="2024-11-12T21:38:21.067"/>
+    <p1510:client id="{6BF65FE4-74A7-9749-A675-EBA0086FF38E}" v="2740" dt="2024-11-14T09:02:44.949"/>
   </p1510:revLst>
 </p1510:revInfo>
 </file>
@@ -7481,7 +7482,7 @@
   <pc:docChgLst>
     <pc:chgData name="Martina Di Gennaro" userId="242c7127-975c-4ec0-b2ee-15e19a223141" providerId="ADAL" clId="{6BF65FE4-74A7-9749-A675-EBA0086FF38E}"/>
     <pc:docChg chg="undo redo custSel addSld delSld modSld sldOrd modMainMaster">
-      <pc:chgData name="Martina Di Gennaro" userId="242c7127-975c-4ec0-b2ee-15e19a223141" providerId="ADAL" clId="{6BF65FE4-74A7-9749-A675-EBA0086FF38E}" dt="2024-11-13T08:11:18.317" v="4852" actId="1076"/>
+      <pc:chgData name="Martina Di Gennaro" userId="242c7127-975c-4ec0-b2ee-15e19a223141" providerId="ADAL" clId="{6BF65FE4-74A7-9749-A675-EBA0086FF38E}" dt="2024-11-14T09:03:45.934" v="7435" actId="1076"/>
       <pc:docMkLst>
         <pc:docMk/>
       </pc:docMkLst>
@@ -7621,7 +7622,7 @@
         </pc:sldMkLst>
       </pc:sldChg>
       <pc:sldChg chg="addSp delSp modSp new mod">
-        <pc:chgData name="Martina Di Gennaro" userId="242c7127-975c-4ec0-b2ee-15e19a223141" providerId="ADAL" clId="{6BF65FE4-74A7-9749-A675-EBA0086FF38E}" dt="2024-11-12T21:35:53.546" v="4705" actId="478"/>
+        <pc:chgData name="Martina Di Gennaro" userId="242c7127-975c-4ec0-b2ee-15e19a223141" providerId="ADAL" clId="{6BF65FE4-74A7-9749-A675-EBA0086FF38E}" dt="2024-11-13T14:35:41.560" v="6737" actId="1076"/>
         <pc:sldMkLst>
           <pc:docMk/>
           <pc:sldMk cId="443031710" sldId="479"/>
@@ -7634,12 +7635,76 @@
             <ac:spMk id="2" creationId="{2E8AA45B-1AAB-B884-8901-76C25A4FE5FF}"/>
           </ac:spMkLst>
         </pc:spChg>
+        <pc:spChg chg="add del mod">
+          <ac:chgData name="Martina Di Gennaro" userId="242c7127-975c-4ec0-b2ee-15e19a223141" providerId="ADAL" clId="{6BF65FE4-74A7-9749-A675-EBA0086FF38E}" dt="2024-11-13T14:29:22.834" v="6625"/>
+          <ac:spMkLst>
+            <pc:docMk/>
+            <pc:sldMk cId="443031710" sldId="479"/>
+            <ac:spMk id="4" creationId="{3B9CEA37-72E5-15B0-C4F1-D17CA6E39016}"/>
+          </ac:spMkLst>
+        </pc:spChg>
+        <pc:spChg chg="add del mod">
+          <ac:chgData name="Martina Di Gennaro" userId="242c7127-975c-4ec0-b2ee-15e19a223141" providerId="ADAL" clId="{6BF65FE4-74A7-9749-A675-EBA0086FF38E}" dt="2024-11-13T14:27:40.398" v="6544" actId="478"/>
+          <ac:spMkLst>
+            <pc:docMk/>
+            <pc:sldMk cId="443031710" sldId="479"/>
+            <ac:spMk id="5" creationId="{B30DC98B-483A-6C8D-40FF-198EAC8E519C}"/>
+          </ac:spMkLst>
+        </pc:spChg>
+        <pc:spChg chg="add mod">
+          <ac:chgData name="Martina Di Gennaro" userId="242c7127-975c-4ec0-b2ee-15e19a223141" providerId="ADAL" clId="{6BF65FE4-74A7-9749-A675-EBA0086FF38E}" dt="2024-11-13T14:35:41.560" v="6737" actId="1076"/>
+          <ac:spMkLst>
+            <pc:docMk/>
+            <pc:sldMk cId="443031710" sldId="479"/>
+            <ac:spMk id="6" creationId="{963DF4F6-686F-57D1-F03E-17EE0FF43141}"/>
+          </ac:spMkLst>
+        </pc:spChg>
+        <pc:spChg chg="add mod">
+          <ac:chgData name="Martina Di Gennaro" userId="242c7127-975c-4ec0-b2ee-15e19a223141" providerId="ADAL" clId="{6BF65FE4-74A7-9749-A675-EBA0086FF38E}" dt="2024-11-13T14:29:25.802" v="6627" actId="14100"/>
+          <ac:spMkLst>
+            <pc:docMk/>
+            <pc:sldMk cId="443031710" sldId="479"/>
+            <ac:spMk id="7" creationId="{3A569382-EA79-D1C1-D9E3-BE7D15FA403D}"/>
+          </ac:spMkLst>
+        </pc:spChg>
+        <pc:spChg chg="add mod">
+          <ac:chgData name="Martina Di Gennaro" userId="242c7127-975c-4ec0-b2ee-15e19a223141" providerId="ADAL" clId="{6BF65FE4-74A7-9749-A675-EBA0086FF38E}" dt="2024-11-13T14:32:32.473" v="6689" actId="207"/>
+          <ac:spMkLst>
+            <pc:docMk/>
+            <pc:sldMk cId="443031710" sldId="479"/>
+            <ac:spMk id="8" creationId="{FD9FE2B6-F4F6-024C-D7FD-B201EE89D0A6}"/>
+          </ac:spMkLst>
+        </pc:spChg>
+        <pc:spChg chg="add mod">
+          <ac:chgData name="Martina Di Gennaro" userId="242c7127-975c-4ec0-b2ee-15e19a223141" providerId="ADAL" clId="{6BF65FE4-74A7-9749-A675-EBA0086FF38E}" dt="2024-11-13T14:32:34.438" v="6690" actId="207"/>
+          <ac:spMkLst>
+            <pc:docMk/>
+            <pc:sldMk cId="443031710" sldId="479"/>
+            <ac:spMk id="10" creationId="{0E67B500-37D0-D61B-66AA-AF067778173E}"/>
+          </ac:spMkLst>
+        </pc:spChg>
+        <pc:spChg chg="add mod">
+          <ac:chgData name="Martina Di Gennaro" userId="242c7127-975c-4ec0-b2ee-15e19a223141" providerId="ADAL" clId="{6BF65FE4-74A7-9749-A675-EBA0086FF38E}" dt="2024-11-13T14:35:04.908" v="6696" actId="207"/>
+          <ac:spMkLst>
+            <pc:docMk/>
+            <pc:sldMk cId="443031710" sldId="479"/>
+            <ac:spMk id="11" creationId="{837D29B1-6F81-8E2F-33CC-7E144BE256B5}"/>
+          </ac:spMkLst>
+        </pc:spChg>
         <pc:graphicFrameChg chg="add del mod modGraphic">
           <ac:chgData name="Martina Di Gennaro" userId="242c7127-975c-4ec0-b2ee-15e19a223141" providerId="ADAL" clId="{6BF65FE4-74A7-9749-A675-EBA0086FF38E}" dt="2024-11-12T21:35:53.546" v="4705" actId="478"/>
           <ac:graphicFrameMkLst>
             <pc:docMk/>
             <pc:sldMk cId="443031710" sldId="479"/>
             <ac:graphicFrameMk id="3" creationId="{23FF76A9-BF7F-0B5E-EF56-4EDA284D8522}"/>
+          </ac:graphicFrameMkLst>
+        </pc:graphicFrameChg>
+        <pc:graphicFrameChg chg="add del mod modGraphic">
+          <ac:chgData name="Martina Di Gennaro" userId="242c7127-975c-4ec0-b2ee-15e19a223141" providerId="ADAL" clId="{6BF65FE4-74A7-9749-A675-EBA0086FF38E}" dt="2024-11-13T14:24:34.316" v="6427" actId="478"/>
+          <ac:graphicFrameMkLst>
+            <pc:docMk/>
+            <pc:sldMk cId="443031710" sldId="479"/>
+            <ac:graphicFrameMk id="3" creationId="{69344396-A120-71CE-CCCA-16A226A2F3D2}"/>
           </ac:graphicFrameMkLst>
         </pc:graphicFrameChg>
       </pc:sldChg>
@@ -7651,7 +7716,7 @@
         </pc:sldMkLst>
       </pc:sldChg>
       <pc:sldChg chg="addSp delSp modSp new mod">
-        <pc:chgData name="Martina Di Gennaro" userId="242c7127-975c-4ec0-b2ee-15e19a223141" providerId="ADAL" clId="{6BF65FE4-74A7-9749-A675-EBA0086FF38E}" dt="2024-11-12T21:17:19.112" v="4524" actId="20577"/>
+        <pc:chgData name="Martina Di Gennaro" userId="242c7127-975c-4ec0-b2ee-15e19a223141" providerId="ADAL" clId="{6BF65FE4-74A7-9749-A675-EBA0086FF38E}" dt="2024-11-13T13:50:33.781" v="6079" actId="1035"/>
         <pc:sldMkLst>
           <pc:docMk/>
           <pc:sldMk cId="753390928" sldId="480"/>
@@ -7665,7 +7730,7 @@
           </ac:spMkLst>
         </pc:spChg>
         <pc:spChg chg="add mod">
-          <ac:chgData name="Martina Di Gennaro" userId="242c7127-975c-4ec0-b2ee-15e19a223141" providerId="ADAL" clId="{6BF65FE4-74A7-9749-A675-EBA0086FF38E}" dt="2024-11-12T20:48:55.922" v="4402" actId="20577"/>
+          <ac:chgData name="Martina Di Gennaro" userId="242c7127-975c-4ec0-b2ee-15e19a223141" providerId="ADAL" clId="{6BF65FE4-74A7-9749-A675-EBA0086FF38E}" dt="2024-11-13T13:50:33.781" v="6079" actId="1035"/>
           <ac:spMkLst>
             <pc:docMk/>
             <pc:sldMk cId="753390928" sldId="480"/>
@@ -7673,13 +7738,21 @@
           </ac:spMkLst>
         </pc:spChg>
         <pc:spChg chg="add mod">
-          <ac:chgData name="Martina Di Gennaro" userId="242c7127-975c-4ec0-b2ee-15e19a223141" providerId="ADAL" clId="{6BF65FE4-74A7-9749-A675-EBA0086FF38E}" dt="2024-11-12T21:17:19.112" v="4524" actId="20577"/>
+          <ac:chgData name="Martina Di Gennaro" userId="242c7127-975c-4ec0-b2ee-15e19a223141" providerId="ADAL" clId="{6BF65FE4-74A7-9749-A675-EBA0086FF38E}" dt="2024-11-13T13:50:33.781" v="6079" actId="1035"/>
           <ac:spMkLst>
             <pc:docMk/>
             <pc:sldMk cId="753390928" sldId="480"/>
             <ac:spMk id="4" creationId="{8C1C3ACA-C396-718D-7B07-1467A48685AC}"/>
           </ac:spMkLst>
         </pc:spChg>
+        <pc:spChg chg="add mod">
+          <ac:chgData name="Martina Di Gennaro" userId="242c7127-975c-4ec0-b2ee-15e19a223141" providerId="ADAL" clId="{6BF65FE4-74A7-9749-A675-EBA0086FF38E}" dt="2024-11-13T13:50:33.781" v="6079" actId="1035"/>
+          <ac:spMkLst>
+            <pc:docMk/>
+            <pc:sldMk cId="753390928" sldId="480"/>
+            <ac:spMk id="5" creationId="{832B4DA9-BD21-A1EE-B5CF-58E01A4A07C8}"/>
+          </ac:spMkLst>
+        </pc:spChg>
         <pc:spChg chg="add del mod">
           <ac:chgData name="Martina Di Gennaro" userId="242c7127-975c-4ec0-b2ee-15e19a223141" providerId="ADAL" clId="{6BF65FE4-74A7-9749-A675-EBA0086FF38E}" dt="2024-11-12T20:50:33.125" v="4452" actId="478"/>
           <ac:spMkLst>
@@ -7689,7 +7762,7 @@
           </ac:spMkLst>
         </pc:spChg>
         <pc:spChg chg="add mod">
-          <ac:chgData name="Martina Di Gennaro" userId="242c7127-975c-4ec0-b2ee-15e19a223141" providerId="ADAL" clId="{6BF65FE4-74A7-9749-A675-EBA0086FF38E}" dt="2024-11-12T21:16:59.986" v="4521" actId="1076"/>
+          <ac:chgData name="Martina Di Gennaro" userId="242c7127-975c-4ec0-b2ee-15e19a223141" providerId="ADAL" clId="{6BF65FE4-74A7-9749-A675-EBA0086FF38E}" dt="2024-11-13T13:50:33.781" v="6079" actId="1035"/>
           <ac:spMkLst>
             <pc:docMk/>
             <pc:sldMk cId="753390928" sldId="480"/>
@@ -7705,13 +7778,21 @@
           </ac:spMkLst>
         </pc:spChg>
         <pc:spChg chg="add mod">
-          <ac:chgData name="Martina Di Gennaro" userId="242c7127-975c-4ec0-b2ee-15e19a223141" providerId="ADAL" clId="{6BF65FE4-74A7-9749-A675-EBA0086FF38E}" dt="2024-11-12T20:55:52.605" v="4465" actId="1076"/>
+          <ac:chgData name="Martina Di Gennaro" userId="242c7127-975c-4ec0-b2ee-15e19a223141" providerId="ADAL" clId="{6BF65FE4-74A7-9749-A675-EBA0086FF38E}" dt="2024-11-13T13:50:33.781" v="6079" actId="1035"/>
           <ac:spMkLst>
             <pc:docMk/>
             <pc:sldMk cId="753390928" sldId="480"/>
             <ac:spMk id="7" creationId="{22FB81B2-64DF-93BB-4547-27D60837E32F}"/>
           </ac:spMkLst>
         </pc:spChg>
+        <pc:spChg chg="add mod">
+          <ac:chgData name="Martina Di Gennaro" userId="242c7127-975c-4ec0-b2ee-15e19a223141" providerId="ADAL" clId="{6BF65FE4-74A7-9749-A675-EBA0086FF38E}" dt="2024-11-13T13:50:33.781" v="6079" actId="1035"/>
+          <ac:spMkLst>
+            <pc:docMk/>
+            <pc:sldMk cId="753390928" sldId="480"/>
+            <ac:spMk id="9" creationId="{03EA0B83-0103-4EB3-7A1B-7190BE2DB499}"/>
+          </ac:spMkLst>
+        </pc:spChg>
         <pc:spChg chg="add del mod">
           <ac:chgData name="Martina Di Gennaro" userId="242c7127-975c-4ec0-b2ee-15e19a223141" providerId="ADAL" clId="{6BF65FE4-74A7-9749-A675-EBA0086FF38E}" dt="2024-11-12T20:53:40.840" v="4459" actId="21"/>
           <ac:spMkLst>
@@ -7720,8 +7801,8 @@
             <ac:spMk id="11" creationId="{BA877C92-D7B1-36B0-9F15-C51DBD2C8CEF}"/>
           </ac:spMkLst>
         </pc:spChg>
-        <pc:spChg chg="add mod">
-          <ac:chgData name="Martina Di Gennaro" userId="242c7127-975c-4ec0-b2ee-15e19a223141" providerId="ADAL" clId="{6BF65FE4-74A7-9749-A675-EBA0086FF38E}" dt="2024-10-29T10:22:05.647" v="4335" actId="16959"/>
+        <pc:spChg chg="add del mod">
+          <ac:chgData name="Martina Di Gennaro" userId="242c7127-975c-4ec0-b2ee-15e19a223141" providerId="ADAL" clId="{6BF65FE4-74A7-9749-A675-EBA0086FF38E}" dt="2024-11-13T13:50:28.532" v="6067" actId="478"/>
           <ac:spMkLst>
             <pc:docMk/>
             <pc:sldMk cId="753390928" sldId="480"/>
@@ -7729,7 +7810,7 @@
           </ac:spMkLst>
         </pc:spChg>
         <pc:spChg chg="add mod">
-          <ac:chgData name="Martina Di Gennaro" userId="242c7127-975c-4ec0-b2ee-15e19a223141" providerId="ADAL" clId="{6BF65FE4-74A7-9749-A675-EBA0086FF38E}" dt="2024-11-12T20:49:11.979" v="4405" actId="1076"/>
+          <ac:chgData name="Martina Di Gennaro" userId="242c7127-975c-4ec0-b2ee-15e19a223141" providerId="ADAL" clId="{6BF65FE4-74A7-9749-A675-EBA0086FF38E}" dt="2024-11-13T13:50:33.781" v="6079" actId="1035"/>
           <ac:spMkLst>
             <pc:docMk/>
             <pc:sldMk cId="753390928" sldId="480"/>
@@ -7737,7 +7818,7 @@
           </ac:spMkLst>
         </pc:spChg>
         <pc:spChg chg="add mod">
-          <ac:chgData name="Martina Di Gennaro" userId="242c7127-975c-4ec0-b2ee-15e19a223141" providerId="ADAL" clId="{6BF65FE4-74A7-9749-A675-EBA0086FF38E}" dt="2024-11-12T20:49:15.455" v="4406" actId="1076"/>
+          <ac:chgData name="Martina Di Gennaro" userId="242c7127-975c-4ec0-b2ee-15e19a223141" providerId="ADAL" clId="{6BF65FE4-74A7-9749-A675-EBA0086FF38E}" dt="2024-11-13T13:50:33.781" v="6079" actId="1035"/>
           <ac:spMkLst>
             <pc:docMk/>
             <pc:sldMk cId="753390928" sldId="480"/>
@@ -7761,7 +7842,7 @@
         </pc:sldMkLst>
       </pc:sldChg>
       <pc:sldChg chg="addSp delSp modSp new mod modTransition modNotesTx">
-        <pc:chgData name="Martina Di Gennaro" userId="242c7127-975c-4ec0-b2ee-15e19a223141" providerId="ADAL" clId="{6BF65FE4-74A7-9749-A675-EBA0086FF38E}" dt="2024-11-12T21:30:03.882" v="4668" actId="1076"/>
+        <pc:chgData name="Martina Di Gennaro" userId="242c7127-975c-4ec0-b2ee-15e19a223141" providerId="ADAL" clId="{6BF65FE4-74A7-9749-A675-EBA0086FF38E}" dt="2024-11-13T13:45:47.148" v="5968" actId="20577"/>
         <pc:sldMkLst>
           <pc:docMk/>
           <pc:sldMk cId="1428733162" sldId="481"/>
@@ -7783,7 +7864,7 @@
           </ac:spMkLst>
         </pc:spChg>
         <pc:spChg chg="add mod">
-          <ac:chgData name="Martina Di Gennaro" userId="242c7127-975c-4ec0-b2ee-15e19a223141" providerId="ADAL" clId="{6BF65FE4-74A7-9749-A675-EBA0086FF38E}" dt="2024-11-12T21:24:03.688" v="4630" actId="21"/>
+          <ac:chgData name="Martina Di Gennaro" userId="242c7127-975c-4ec0-b2ee-15e19a223141" providerId="ADAL" clId="{6BF65FE4-74A7-9749-A675-EBA0086FF38E}" dt="2024-11-13T13:37:17.570" v="5806" actId="1035"/>
           <ac:spMkLst>
             <pc:docMk/>
             <pc:sldMk cId="1428733162" sldId="481"/>
@@ -7855,7 +7936,7 @@
           </ac:spMkLst>
         </pc:spChg>
         <pc:spChg chg="add mod">
-          <ac:chgData name="Martina Di Gennaro" userId="242c7127-975c-4ec0-b2ee-15e19a223141" providerId="ADAL" clId="{6BF65FE4-74A7-9749-A675-EBA0086FF38E}" dt="2024-10-22T07:15:11.468" v="4276" actId="1076"/>
+          <ac:chgData name="Martina Di Gennaro" userId="242c7127-975c-4ec0-b2ee-15e19a223141" providerId="ADAL" clId="{6BF65FE4-74A7-9749-A675-EBA0086FF38E}" dt="2024-11-13T13:37:17.570" v="5806" actId="1035"/>
           <ac:spMkLst>
             <pc:docMk/>
             <pc:sldMk cId="1428733162" sldId="481"/>
@@ -7863,7 +7944,7 @@
           </ac:spMkLst>
         </pc:spChg>
         <pc:spChg chg="add mod">
-          <ac:chgData name="Martina Di Gennaro" userId="242c7127-975c-4ec0-b2ee-15e19a223141" providerId="ADAL" clId="{6BF65FE4-74A7-9749-A675-EBA0086FF38E}" dt="2024-10-17T09:55:15.435" v="1894" actId="20577"/>
+          <ac:chgData name="Martina Di Gennaro" userId="242c7127-975c-4ec0-b2ee-15e19a223141" providerId="ADAL" clId="{6BF65FE4-74A7-9749-A675-EBA0086FF38E}" dt="2024-11-13T13:45:47.148" v="5968" actId="20577"/>
           <ac:spMkLst>
             <pc:docMk/>
             <pc:sldMk cId="1428733162" sldId="481"/>
@@ -7943,7 +8024,7 @@
           </ac:spMkLst>
         </pc:spChg>
         <pc:spChg chg="add del mod">
-          <ac:chgData name="Martina Di Gennaro" userId="242c7127-975c-4ec0-b2ee-15e19a223141" providerId="ADAL" clId="{6BF65FE4-74A7-9749-A675-EBA0086FF38E}" dt="2024-11-12T21:24:02.572" v="4628" actId="478"/>
+          <ac:chgData name="Martina Di Gennaro" userId="242c7127-975c-4ec0-b2ee-15e19a223141" providerId="ADAL" clId="{6BF65FE4-74A7-9749-A675-EBA0086FF38E}" dt="2024-11-13T13:37:17.570" v="5806" actId="1035"/>
           <ac:spMkLst>
             <pc:docMk/>
             <pc:sldMk cId="1428733162" sldId="481"/>
@@ -8023,13 +8104,13 @@
         </pc:spChg>
       </pc:sldChg>
       <pc:sldChg chg="addSp delSp modSp new mod">
-        <pc:chgData name="Martina Di Gennaro" userId="242c7127-975c-4ec0-b2ee-15e19a223141" providerId="ADAL" clId="{6BF65FE4-74A7-9749-A675-EBA0086FF38E}" dt="2024-11-12T21:50:20.028" v="4738" actId="478"/>
+        <pc:chgData name="Martina Di Gennaro" userId="242c7127-975c-4ec0-b2ee-15e19a223141" providerId="ADAL" clId="{6BF65FE4-74A7-9749-A675-EBA0086FF38E}" dt="2024-11-13T14:00:34.748" v="6147" actId="1076"/>
         <pc:sldMkLst>
           <pc:docMk/>
           <pc:sldMk cId="1615681" sldId="483"/>
         </pc:sldMkLst>
         <pc:spChg chg="mod">
-          <ac:chgData name="Martina Di Gennaro" userId="242c7127-975c-4ec0-b2ee-15e19a223141" providerId="ADAL" clId="{6BF65FE4-74A7-9749-A675-EBA0086FF38E}" dt="2024-11-12T21:34:02.466" v="4699" actId="20577"/>
+          <ac:chgData name="Martina Di Gennaro" userId="242c7127-975c-4ec0-b2ee-15e19a223141" providerId="ADAL" clId="{6BF65FE4-74A7-9749-A675-EBA0086FF38E}" dt="2024-11-13T10:19:07.721" v="5030" actId="20577"/>
           <ac:spMkLst>
             <pc:docMk/>
             <pc:sldMk cId="1615681" sldId="483"/>
@@ -8037,7 +8118,7 @@
           </ac:spMkLst>
         </pc:spChg>
         <pc:spChg chg="add mod">
-          <ac:chgData name="Martina Di Gennaro" userId="242c7127-975c-4ec0-b2ee-15e19a223141" providerId="ADAL" clId="{6BF65FE4-74A7-9749-A675-EBA0086FF38E}" dt="2024-11-12T21:37:17.608" v="4715" actId="1076"/>
+          <ac:chgData name="Martina Di Gennaro" userId="242c7127-975c-4ec0-b2ee-15e19a223141" providerId="ADAL" clId="{6BF65FE4-74A7-9749-A675-EBA0086FF38E}" dt="2024-11-13T14:00:34.748" v="6147" actId="1076"/>
           <ac:spMkLst>
             <pc:docMk/>
             <pc:sldMk cId="1615681" sldId="483"/>
@@ -8053,7 +8134,7 @@
           </ac:spMkLst>
         </pc:spChg>
         <pc:spChg chg="add mod">
-          <ac:chgData name="Martina Di Gennaro" userId="242c7127-975c-4ec0-b2ee-15e19a223141" providerId="ADAL" clId="{6BF65FE4-74A7-9749-A675-EBA0086FF38E}" dt="2024-11-12T21:38:05.248" v="4732" actId="1076"/>
+          <ac:chgData name="Martina Di Gennaro" userId="242c7127-975c-4ec0-b2ee-15e19a223141" providerId="ADAL" clId="{6BF65FE4-74A7-9749-A675-EBA0086FF38E}" dt="2024-11-13T14:00:31.005" v="6146" actId="1076"/>
           <ac:spMkLst>
             <pc:docMk/>
             <pc:sldMk cId="1615681" sldId="483"/>
@@ -8069,7 +8150,7 @@
           </ac:spMkLst>
         </pc:spChg>
         <pc:spChg chg="add mod">
-          <ac:chgData name="Martina Di Gennaro" userId="242c7127-975c-4ec0-b2ee-15e19a223141" providerId="ADAL" clId="{6BF65FE4-74A7-9749-A675-EBA0086FF38E}" dt="2024-11-12T21:38:09.265" v="4733" actId="1076"/>
+          <ac:chgData name="Martina Di Gennaro" userId="242c7127-975c-4ec0-b2ee-15e19a223141" providerId="ADAL" clId="{6BF65FE4-74A7-9749-A675-EBA0086FF38E}" dt="2024-11-13T14:00:27.669" v="6145" actId="1076"/>
           <ac:spMkLst>
             <pc:docMk/>
             <pc:sldMk cId="1615681" sldId="483"/>
@@ -8084,6 +8165,46 @@
             <ac:spMk id="8" creationId="{9249066E-CA88-B0B8-B308-C8C03E568800}"/>
           </ac:spMkLst>
         </pc:spChg>
+        <pc:spChg chg="add del mod">
+          <ac:chgData name="Martina Di Gennaro" userId="242c7127-975c-4ec0-b2ee-15e19a223141" providerId="ADAL" clId="{6BF65FE4-74A7-9749-A675-EBA0086FF38E}" dt="2024-11-13T13:39:56.706" v="5853" actId="21"/>
+          <ac:spMkLst>
+            <pc:docMk/>
+            <pc:sldMk cId="1615681" sldId="483"/>
+            <ac:spMk id="8" creationId="{A20A2F07-1DCA-F7DA-BCC9-CDEBB44DCD1B}"/>
+          </ac:spMkLst>
+        </pc:spChg>
+        <pc:spChg chg="add del mod">
+          <ac:chgData name="Martina Di Gennaro" userId="242c7127-975c-4ec0-b2ee-15e19a223141" providerId="ADAL" clId="{6BF65FE4-74A7-9749-A675-EBA0086FF38E}" dt="2024-11-13T13:40:57.971" v="5869" actId="21"/>
+          <ac:spMkLst>
+            <pc:docMk/>
+            <pc:sldMk cId="1615681" sldId="483"/>
+            <ac:spMk id="10" creationId="{8B7BC0BF-C4C2-AF9E-5443-B294776267AC}"/>
+          </ac:spMkLst>
+        </pc:spChg>
+        <pc:spChg chg="add del mod">
+          <ac:chgData name="Martina Di Gennaro" userId="242c7127-975c-4ec0-b2ee-15e19a223141" providerId="ADAL" clId="{6BF65FE4-74A7-9749-A675-EBA0086FF38E}" dt="2024-11-13T13:40:57.971" v="5869" actId="21"/>
+          <ac:spMkLst>
+            <pc:docMk/>
+            <pc:sldMk cId="1615681" sldId="483"/>
+            <ac:spMk id="11" creationId="{44C553EF-DCDF-1570-346C-4600B02F345D}"/>
+          </ac:spMkLst>
+        </pc:spChg>
+        <pc:spChg chg="add mod">
+          <ac:chgData name="Martina Di Gennaro" userId="242c7127-975c-4ec0-b2ee-15e19a223141" providerId="ADAL" clId="{6BF65FE4-74A7-9749-A675-EBA0086FF38E}" dt="2024-11-13T14:00:25.406" v="6144" actId="1036"/>
+          <ac:spMkLst>
+            <pc:docMk/>
+            <pc:sldMk cId="1615681" sldId="483"/>
+            <ac:spMk id="15" creationId="{CB399F43-022D-4CBC-CCAB-EACC10FA1AF5}"/>
+          </ac:spMkLst>
+        </pc:spChg>
+        <pc:picChg chg="add del mod">
+          <ac:chgData name="Martina Di Gennaro" userId="242c7127-975c-4ec0-b2ee-15e19a223141" providerId="ADAL" clId="{6BF65FE4-74A7-9749-A675-EBA0086FF38E}" dt="2024-11-13T10:31:00.364" v="5035" actId="478"/>
+          <ac:picMkLst>
+            <pc:docMk/>
+            <pc:sldMk cId="1615681" sldId="483"/>
+            <ac:picMk id="4" creationId="{8084633B-70E5-9E4C-9B3F-F37577805586}"/>
+          </ac:picMkLst>
+        </pc:picChg>
         <pc:picChg chg="add del mod">
           <ac:chgData name="Martina Di Gennaro" userId="242c7127-975c-4ec0-b2ee-15e19a223141" providerId="ADAL" clId="{6BF65FE4-74A7-9749-A675-EBA0086FF38E}" dt="2024-11-12T21:50:20.028" v="4738" actId="478"/>
           <ac:picMkLst>
@@ -8092,9 +8213,33 @@
             <ac:picMk id="9" creationId="{641ED455-D6CD-A705-7AA5-741F238D1A14}"/>
           </ac:picMkLst>
         </pc:picChg>
+        <pc:picChg chg="add del mod">
+          <ac:chgData name="Martina Di Gennaro" userId="242c7127-975c-4ec0-b2ee-15e19a223141" providerId="ADAL" clId="{6BF65FE4-74A7-9749-A675-EBA0086FF38E}" dt="2024-11-13T11:14:31.338" v="5123" actId="478"/>
+          <ac:picMkLst>
+            <pc:docMk/>
+            <pc:sldMk cId="1615681" sldId="483"/>
+            <ac:picMk id="9" creationId="{CCC42114-8B2C-910F-78B2-6D561F9D478A}"/>
+          </ac:picMkLst>
+        </pc:picChg>
+        <pc:picChg chg="add del mod">
+          <ac:chgData name="Martina Di Gennaro" userId="242c7127-975c-4ec0-b2ee-15e19a223141" providerId="ADAL" clId="{6BF65FE4-74A7-9749-A675-EBA0086FF38E}" dt="2024-11-13T13:39:56.706" v="5853" actId="21"/>
+          <ac:picMkLst>
+            <pc:docMk/>
+            <pc:sldMk cId="1615681" sldId="483"/>
+            <ac:picMk id="12" creationId="{1BBB1F33-254F-7434-31FA-F15E29CEF1A4}"/>
+          </ac:picMkLst>
+        </pc:picChg>
+        <pc:picChg chg="add mod">
+          <ac:chgData name="Martina Di Gennaro" userId="242c7127-975c-4ec0-b2ee-15e19a223141" providerId="ADAL" clId="{6BF65FE4-74A7-9749-A675-EBA0086FF38E}" dt="2024-11-13T14:00:25.406" v="6144" actId="1036"/>
+          <ac:picMkLst>
+            <pc:docMk/>
+            <pc:sldMk cId="1615681" sldId="483"/>
+            <ac:picMk id="14" creationId="{49A48BEE-5F72-F203-E8C9-C01281F8BA47}"/>
+          </ac:picMkLst>
+        </pc:picChg>
       </pc:sldChg>
       <pc:sldChg chg="addSp delSp modSp new mod">
-        <pc:chgData name="Martina Di Gennaro" userId="242c7127-975c-4ec0-b2ee-15e19a223141" providerId="ADAL" clId="{6BF65FE4-74A7-9749-A675-EBA0086FF38E}" dt="2024-11-12T21:21:52.085" v="4600" actId="20577"/>
+        <pc:chgData name="Martina Di Gennaro" userId="242c7127-975c-4ec0-b2ee-15e19a223141" providerId="ADAL" clId="{6BF65FE4-74A7-9749-A675-EBA0086FF38E}" dt="2024-11-13T13:45:20.361" v="5959"/>
         <pc:sldMkLst>
           <pc:docMk/>
           <pc:sldMk cId="166359275" sldId="484"/>
@@ -8108,7 +8253,7 @@
           </ac:spMkLst>
         </pc:spChg>
         <pc:spChg chg="add mod">
-          <ac:chgData name="Martina Di Gennaro" userId="242c7127-975c-4ec0-b2ee-15e19a223141" providerId="ADAL" clId="{6BF65FE4-74A7-9749-A675-EBA0086FF38E}" dt="2024-10-23T13:45:18.988" v="4327"/>
+          <ac:chgData name="Martina Di Gennaro" userId="242c7127-975c-4ec0-b2ee-15e19a223141" providerId="ADAL" clId="{6BF65FE4-74A7-9749-A675-EBA0086FF38E}" dt="2024-11-13T13:45:20.361" v="5959"/>
           <ac:spMkLst>
             <pc:docMk/>
             <pc:sldMk cId="166359275" sldId="484"/>
@@ -8181,21 +8326,21 @@
         </pc:spChg>
       </pc:sldChg>
       <pc:sldChg chg="addSp delSp modSp new mod">
-        <pc:chgData name="Martina Di Gennaro" userId="242c7127-975c-4ec0-b2ee-15e19a223141" providerId="ADAL" clId="{6BF65FE4-74A7-9749-A675-EBA0086FF38E}" dt="2024-11-12T21:18:49.855" v="4539" actId="20577"/>
+        <pc:chgData name="Martina Di Gennaro" userId="242c7127-975c-4ec0-b2ee-15e19a223141" providerId="ADAL" clId="{6BF65FE4-74A7-9749-A675-EBA0086FF38E}" dt="2024-11-14T09:03:45.934" v="7435" actId="1076"/>
         <pc:sldMkLst>
           <pc:docMk/>
           <pc:sldMk cId="467907165" sldId="485"/>
         </pc:sldMkLst>
         <pc:spChg chg="mod">
-          <ac:chgData name="Martina Di Gennaro" userId="242c7127-975c-4ec0-b2ee-15e19a223141" providerId="ADAL" clId="{6BF65FE4-74A7-9749-A675-EBA0086FF38E}" dt="2024-11-12T21:00:18.721" v="4496" actId="20577"/>
+          <ac:chgData name="Martina Di Gennaro" userId="242c7127-975c-4ec0-b2ee-15e19a223141" providerId="ADAL" clId="{6BF65FE4-74A7-9749-A675-EBA0086FF38E}" dt="2024-11-13T13:26:41.037" v="5511" actId="20577"/>
           <ac:spMkLst>
             <pc:docMk/>
             <pc:sldMk cId="467907165" sldId="485"/>
             <ac:spMk id="2" creationId="{9F42186E-DEB3-D39E-A76F-16AEDA6F1EB0}"/>
           </ac:spMkLst>
         </pc:spChg>
-        <pc:spChg chg="add mod">
-          <ac:chgData name="Martina Di Gennaro" userId="242c7127-975c-4ec0-b2ee-15e19a223141" providerId="ADAL" clId="{6BF65FE4-74A7-9749-A675-EBA0086FF38E}" dt="2024-10-17T09:45:35.091" v="1604" actId="1076"/>
+        <pc:spChg chg="add del mod">
+          <ac:chgData name="Martina Di Gennaro" userId="242c7127-975c-4ec0-b2ee-15e19a223141" providerId="ADAL" clId="{6BF65FE4-74A7-9749-A675-EBA0086FF38E}" dt="2024-11-13T08:49:08.639" v="4892" actId="21"/>
           <ac:spMkLst>
             <pc:docMk/>
             <pc:sldMk cId="467907165" sldId="485"/>
@@ -8203,15 +8348,15 @@
           </ac:spMkLst>
         </pc:spChg>
         <pc:spChg chg="add mod">
-          <ac:chgData name="Martina Di Gennaro" userId="242c7127-975c-4ec0-b2ee-15e19a223141" providerId="ADAL" clId="{6BF65FE4-74A7-9749-A675-EBA0086FF38E}" dt="2024-11-12T21:18:09.798" v="4536" actId="20577"/>
+          <ac:chgData name="Martina Di Gennaro" userId="242c7127-975c-4ec0-b2ee-15e19a223141" providerId="ADAL" clId="{6BF65FE4-74A7-9749-A675-EBA0086FF38E}" dt="2024-11-13T13:50:50.281" v="6083" actId="20577"/>
           <ac:spMkLst>
             <pc:docMk/>
             <pc:sldMk cId="467907165" sldId="485"/>
             <ac:spMk id="6" creationId="{8977C0AB-5271-0B2E-CF2A-D4E3178F627A}"/>
           </ac:spMkLst>
         </pc:spChg>
-        <pc:spChg chg="add mod">
-          <ac:chgData name="Martina Di Gennaro" userId="242c7127-975c-4ec0-b2ee-15e19a223141" providerId="ADAL" clId="{6BF65FE4-74A7-9749-A675-EBA0086FF38E}" dt="2024-11-12T21:18:49.855" v="4539" actId="20577"/>
+        <pc:spChg chg="add del mod">
+          <ac:chgData name="Martina Di Gennaro" userId="242c7127-975c-4ec0-b2ee-15e19a223141" providerId="ADAL" clId="{6BF65FE4-74A7-9749-A675-EBA0086FF38E}" dt="2024-11-13T13:25:55.708" v="5472" actId="478"/>
           <ac:spMkLst>
             <pc:docMk/>
             <pc:sldMk cId="467907165" sldId="485"/>
@@ -8226,20 +8371,84 @@
             <ac:spMk id="8" creationId="{28293606-1648-AF0C-22D0-B8FABFEB92A8}"/>
           </ac:spMkLst>
         </pc:spChg>
-        <pc:picChg chg="add mod">
-          <ac:chgData name="Martina Di Gennaro" userId="242c7127-975c-4ec0-b2ee-15e19a223141" providerId="ADAL" clId="{6BF65FE4-74A7-9749-A675-EBA0086FF38E}" dt="2024-10-17T09:47:51.472" v="1618" actId="1076"/>
+        <pc:spChg chg="add del mod">
+          <ac:chgData name="Martina Di Gennaro" userId="242c7127-975c-4ec0-b2ee-15e19a223141" providerId="ADAL" clId="{6BF65FE4-74A7-9749-A675-EBA0086FF38E}" dt="2024-11-13T08:49:08.639" v="4892" actId="21"/>
+          <ac:spMkLst>
+            <pc:docMk/>
+            <pc:sldMk cId="467907165" sldId="485"/>
+            <ac:spMk id="8" creationId="{C8EA6A20-0C82-7AB2-3AD1-9E9E2A9E4B74}"/>
+          </ac:spMkLst>
+        </pc:spChg>
+        <pc:spChg chg="add mod">
+          <ac:chgData name="Martina Di Gennaro" userId="242c7127-975c-4ec0-b2ee-15e19a223141" providerId="ADAL" clId="{6BF65FE4-74A7-9749-A675-EBA0086FF38E}" dt="2024-11-13T13:51:12.749" v="6090" actId="1076"/>
+          <ac:spMkLst>
+            <pc:docMk/>
+            <pc:sldMk cId="467907165" sldId="485"/>
+            <ac:spMk id="10" creationId="{71836411-E736-EE71-1D4A-E6E5ADFE6BEF}"/>
+          </ac:spMkLst>
+        </pc:spChg>
+        <pc:spChg chg="add mod">
+          <ac:chgData name="Martina Di Gennaro" userId="242c7127-975c-4ec0-b2ee-15e19a223141" providerId="ADAL" clId="{6BF65FE4-74A7-9749-A675-EBA0086FF38E}" dt="2024-11-13T13:51:04.049" v="6085"/>
+          <ac:spMkLst>
+            <pc:docMk/>
+            <pc:sldMk cId="467907165" sldId="485"/>
+            <ac:spMk id="12" creationId="{411EE077-D56A-333C-FC87-70B3AC15870E}"/>
+          </ac:spMkLst>
+        </pc:spChg>
+        <pc:spChg chg="add mod">
+          <ac:chgData name="Martina Di Gennaro" userId="242c7127-975c-4ec0-b2ee-15e19a223141" providerId="ADAL" clId="{6BF65FE4-74A7-9749-A675-EBA0086FF38E}" dt="2024-11-13T13:51:04.049" v="6085"/>
+          <ac:spMkLst>
+            <pc:docMk/>
+            <pc:sldMk cId="467907165" sldId="485"/>
+            <ac:spMk id="13" creationId="{C9B3B0DA-E8B6-BFDE-511A-D0CEBBD40712}"/>
+          </ac:spMkLst>
+        </pc:spChg>
+        <pc:picChg chg="add del mod">
+          <ac:chgData name="Martina Di Gennaro" userId="242c7127-975c-4ec0-b2ee-15e19a223141" providerId="ADAL" clId="{6BF65FE4-74A7-9749-A675-EBA0086FF38E}" dt="2024-11-13T08:49:08.639" v="4892" actId="21"/>
           <ac:picMkLst>
             <pc:docMk/>
             <pc:sldMk cId="467907165" sldId="485"/>
             <ac:picMk id="3" creationId="{2047A272-C89D-DF11-FB95-F07E27E6543B}"/>
           </ac:picMkLst>
         </pc:picChg>
-        <pc:picChg chg="add mod">
-          <ac:chgData name="Martina Di Gennaro" userId="242c7127-975c-4ec0-b2ee-15e19a223141" providerId="ADAL" clId="{6BF65FE4-74A7-9749-A675-EBA0086FF38E}" dt="2024-10-17T09:45:08.662" v="1569" actId="1076"/>
+        <pc:picChg chg="add del mod">
+          <ac:chgData name="Martina Di Gennaro" userId="242c7127-975c-4ec0-b2ee-15e19a223141" providerId="ADAL" clId="{6BF65FE4-74A7-9749-A675-EBA0086FF38E}" dt="2024-11-13T08:49:08.639" v="4892" actId="21"/>
           <ac:picMkLst>
             <pc:docMk/>
             <pc:sldMk cId="467907165" sldId="485"/>
             <ac:picMk id="4" creationId="{1A4C9A23-787F-7294-F311-AAF71D7E2B93}"/>
+          </ac:picMkLst>
+        </pc:picChg>
+        <pc:picChg chg="add mod modCrop">
+          <ac:chgData name="Martina Di Gennaro" userId="242c7127-975c-4ec0-b2ee-15e19a223141" providerId="ADAL" clId="{6BF65FE4-74A7-9749-A675-EBA0086FF38E}" dt="2024-11-14T09:03:21.158" v="7434" actId="1076"/>
+          <ac:picMkLst>
+            <pc:docMk/>
+            <pc:sldMk cId="467907165" sldId="485"/>
+            <ac:picMk id="4" creationId="{E4FCE0C8-3E33-8995-90BB-6439C26B8E07}"/>
+          </ac:picMkLst>
+        </pc:picChg>
+        <pc:picChg chg="add mod">
+          <ac:chgData name="Martina Di Gennaro" userId="242c7127-975c-4ec0-b2ee-15e19a223141" providerId="ADAL" clId="{6BF65FE4-74A7-9749-A675-EBA0086FF38E}" dt="2024-11-14T09:03:45.934" v="7435" actId="1076"/>
+          <ac:picMkLst>
+            <pc:docMk/>
+            <pc:sldMk cId="467907165" sldId="485"/>
+            <ac:picMk id="9" creationId="{A4C5D00E-EFB4-C1DC-0221-081A804DEB02}"/>
+          </ac:picMkLst>
+        </pc:picChg>
+        <pc:picChg chg="add mod">
+          <ac:chgData name="Martina Di Gennaro" userId="242c7127-975c-4ec0-b2ee-15e19a223141" providerId="ADAL" clId="{6BF65FE4-74A7-9749-A675-EBA0086FF38E}" dt="2024-11-13T13:51:04.049" v="6085"/>
+          <ac:picMkLst>
+            <pc:docMk/>
+            <pc:sldMk cId="467907165" sldId="485"/>
+            <ac:picMk id="11" creationId="{751B8930-5E79-680F-DE37-1E5ECE6E25FA}"/>
+          </ac:picMkLst>
+        </pc:picChg>
+        <pc:picChg chg="add mod">
+          <ac:chgData name="Martina Di Gennaro" userId="242c7127-975c-4ec0-b2ee-15e19a223141" providerId="ADAL" clId="{6BF65FE4-74A7-9749-A675-EBA0086FF38E}" dt="2024-11-13T13:51:04.049" v="6085"/>
+          <ac:picMkLst>
+            <pc:docMk/>
+            <pc:sldMk cId="467907165" sldId="485"/>
+            <ac:picMk id="14" creationId="{46AF74E4-E43A-4A4F-8CE8-69CB1E007BCB}"/>
           </ac:picMkLst>
         </pc:picChg>
       </pc:sldChg>
@@ -8251,7 +8460,7 @@
         </pc:sldMkLst>
       </pc:sldChg>
       <pc:sldChg chg="addSp delSp modSp new mod">
-        <pc:chgData name="Martina Di Gennaro" userId="242c7127-975c-4ec0-b2ee-15e19a223141" providerId="ADAL" clId="{6BF65FE4-74A7-9749-A675-EBA0086FF38E}" dt="2024-11-12T21:52:04.787" v="4755" actId="1076"/>
+        <pc:chgData name="Martina Di Gennaro" userId="242c7127-975c-4ec0-b2ee-15e19a223141" providerId="ADAL" clId="{6BF65FE4-74A7-9749-A675-EBA0086FF38E}" dt="2024-11-13T13:34:28.508" v="5737" actId="20577"/>
         <pc:sldMkLst>
           <pc:docMk/>
           <pc:sldMk cId="1896682400" sldId="486"/>
@@ -8265,7 +8474,7 @@
           </ac:spMkLst>
         </pc:spChg>
         <pc:spChg chg="add mod">
-          <ac:chgData name="Martina Di Gennaro" userId="242c7127-975c-4ec0-b2ee-15e19a223141" providerId="ADAL" clId="{6BF65FE4-74A7-9749-A675-EBA0086FF38E}" dt="2024-10-22T12:24:54.325" v="4326" actId="1076"/>
+          <ac:chgData name="Martina Di Gennaro" userId="242c7127-975c-4ec0-b2ee-15e19a223141" providerId="ADAL" clId="{6BF65FE4-74A7-9749-A675-EBA0086FF38E}" dt="2024-11-13T13:34:28.508" v="5737" actId="20577"/>
           <ac:spMkLst>
             <pc:docMk/>
             <pc:sldMk cId="1896682400" sldId="486"/>
@@ -8280,8 +8489,8 @@
             <ac:spMk id="4" creationId="{9ADFD748-E8FD-549D-248C-48573C07B55E}"/>
           </ac:spMkLst>
         </pc:spChg>
-        <pc:spChg chg="add mod">
-          <ac:chgData name="Martina Di Gennaro" userId="242c7127-975c-4ec0-b2ee-15e19a223141" providerId="ADAL" clId="{6BF65FE4-74A7-9749-A675-EBA0086FF38E}" dt="2024-11-12T21:22:02.833" v="4601" actId="1076"/>
+        <pc:spChg chg="add del mod">
+          <ac:chgData name="Martina Di Gennaro" userId="242c7127-975c-4ec0-b2ee-15e19a223141" providerId="ADAL" clId="{6BF65FE4-74A7-9749-A675-EBA0086FF38E}" dt="2024-11-13T13:34:25.722" v="5736" actId="478"/>
           <ac:spMkLst>
             <pc:docMk/>
             <pc:sldMk cId="1896682400" sldId="486"/>
@@ -8313,7 +8522,15 @@
           </ac:graphicFrameMkLst>
         </pc:graphicFrameChg>
         <pc:picChg chg="add mod">
-          <ac:chgData name="Martina Di Gennaro" userId="242c7127-975c-4ec0-b2ee-15e19a223141" providerId="ADAL" clId="{6BF65FE4-74A7-9749-A675-EBA0086FF38E}" dt="2024-11-12T21:22:51.963" v="4606" actId="1076"/>
+          <ac:chgData name="Martina Di Gennaro" userId="242c7127-975c-4ec0-b2ee-15e19a223141" providerId="ADAL" clId="{6BF65FE4-74A7-9749-A675-EBA0086FF38E}" dt="2024-11-13T11:24:28.072" v="5155" actId="27614"/>
+          <ac:picMkLst>
+            <pc:docMk/>
+            <pc:sldMk cId="1896682400" sldId="486"/>
+            <ac:picMk id="7" creationId="{6B3AD281-31C8-CC0E-4490-D83405A9241B}"/>
+          </ac:picMkLst>
+        </pc:picChg>
+        <pc:picChg chg="add del mod">
+          <ac:chgData name="Martina Di Gennaro" userId="242c7127-975c-4ec0-b2ee-15e19a223141" providerId="ADAL" clId="{6BF65FE4-74A7-9749-A675-EBA0086FF38E}" dt="2024-11-13T11:24:20.281" v="5151" actId="478"/>
           <ac:picMkLst>
             <pc:docMk/>
             <pc:sldMk cId="1896682400" sldId="486"/>
@@ -8322,7 +8539,7 @@
         </pc:picChg>
       </pc:sldChg>
       <pc:sldChg chg="addSp delSp modSp new mod">
-        <pc:chgData name="Martina Di Gennaro" userId="242c7127-975c-4ec0-b2ee-15e19a223141" providerId="ADAL" clId="{6BF65FE4-74A7-9749-A675-EBA0086FF38E}" dt="2024-11-12T21:33:51.278" v="4677" actId="1076"/>
+        <pc:chgData name="Martina Di Gennaro" userId="242c7127-975c-4ec0-b2ee-15e19a223141" providerId="ADAL" clId="{6BF65FE4-74A7-9749-A675-EBA0086FF38E}" dt="2024-11-13T13:59:55.071" v="6105" actId="1076"/>
         <pc:sldMkLst>
           <pc:docMk/>
           <pc:sldMk cId="1824288819" sldId="487"/>
@@ -8344,15 +8561,31 @@
           </ac:spMkLst>
         </pc:spChg>
         <pc:spChg chg="add mod">
-          <ac:chgData name="Martina Di Gennaro" userId="242c7127-975c-4ec0-b2ee-15e19a223141" providerId="ADAL" clId="{6BF65FE4-74A7-9749-A675-EBA0086FF38E}" dt="2024-11-12T21:30:18.078" v="4671" actId="1076"/>
+          <ac:chgData name="Martina Di Gennaro" userId="242c7127-975c-4ec0-b2ee-15e19a223141" providerId="ADAL" clId="{6BF65FE4-74A7-9749-A675-EBA0086FF38E}" dt="2024-11-13T13:59:55.071" v="6105" actId="1076"/>
+          <ac:spMkLst>
+            <pc:docMk/>
+            <pc:sldMk cId="1824288819" sldId="487"/>
+            <ac:spMk id="4" creationId="{E3BC256F-86F8-AF67-2F6B-039F0DAED83C}"/>
+          </ac:spMkLst>
+        </pc:spChg>
+        <pc:spChg chg="add del mod">
+          <ac:chgData name="Martina Di Gennaro" userId="242c7127-975c-4ec0-b2ee-15e19a223141" providerId="ADAL" clId="{6BF65FE4-74A7-9749-A675-EBA0086FF38E}" dt="2024-11-13T13:59:47.929" v="6102" actId="478"/>
           <ac:spMkLst>
             <pc:docMk/>
             <pc:sldMk cId="1824288819" sldId="487"/>
             <ac:spMk id="5" creationId="{C7CADFF0-5FC9-2C27-8F1D-D90F653A8FD1}"/>
           </ac:spMkLst>
         </pc:spChg>
+        <pc:spChg chg="add mod">
+          <ac:chgData name="Martina Di Gennaro" userId="242c7127-975c-4ec0-b2ee-15e19a223141" providerId="ADAL" clId="{6BF65FE4-74A7-9749-A675-EBA0086FF38E}" dt="2024-11-13T13:38:43.220" v="5825" actId="1076"/>
+          <ac:spMkLst>
+            <pc:docMk/>
+            <pc:sldMk cId="1824288819" sldId="487"/>
+            <ac:spMk id="8" creationId="{920339FC-65EC-2529-45AE-5058FA990E9D}"/>
+          </ac:spMkLst>
+        </pc:spChg>
         <pc:picChg chg="add mod">
-          <ac:chgData name="Martina Di Gennaro" userId="242c7127-975c-4ec0-b2ee-15e19a223141" providerId="ADAL" clId="{6BF65FE4-74A7-9749-A675-EBA0086FF38E}" dt="2024-11-12T21:33:51.278" v="4677" actId="1076"/>
+          <ac:chgData name="Martina Di Gennaro" userId="242c7127-975c-4ec0-b2ee-15e19a223141" providerId="ADAL" clId="{6BF65FE4-74A7-9749-A675-EBA0086FF38E}" dt="2024-11-13T13:59:51.227" v="6104" actId="1076"/>
           <ac:picMkLst>
             <pc:docMk/>
             <pc:sldMk cId="1824288819" sldId="487"/>
@@ -8360,8 +8593,8 @@
           </ac:picMkLst>
         </pc:picChg>
       </pc:sldChg>
-      <pc:sldChg chg="modSp new mod">
-        <pc:chgData name="Martina Di Gennaro" userId="242c7127-975c-4ec0-b2ee-15e19a223141" providerId="ADAL" clId="{6BF65FE4-74A7-9749-A675-EBA0086FF38E}" dt="2024-11-12T22:01:23.795" v="4768" actId="20577"/>
+      <pc:sldChg chg="addSp modSp new mod">
+        <pc:chgData name="Martina Di Gennaro" userId="242c7127-975c-4ec0-b2ee-15e19a223141" providerId="ADAL" clId="{6BF65FE4-74A7-9749-A675-EBA0086FF38E}" dt="2024-11-13T15:18:43.299" v="7161" actId="20577"/>
         <pc:sldMkLst>
           <pc:docMk/>
           <pc:sldMk cId="2529889896" sldId="488"/>
@@ -8374,6 +8607,22 @@
             <ac:spMk id="2" creationId="{487D8895-634C-2BE6-B8E4-785AD399BA14}"/>
           </ac:spMkLst>
         </pc:spChg>
+        <pc:spChg chg="add mod">
+          <ac:chgData name="Martina Di Gennaro" userId="242c7127-975c-4ec0-b2ee-15e19a223141" providerId="ADAL" clId="{6BF65FE4-74A7-9749-A675-EBA0086FF38E}" dt="2024-11-13T15:18:43.299" v="7161" actId="20577"/>
+          <ac:spMkLst>
+            <pc:docMk/>
+            <pc:sldMk cId="2529889896" sldId="488"/>
+            <ac:spMk id="4" creationId="{923076F0-EB31-AD07-FFE2-0DECDD8474E6}"/>
+          </ac:spMkLst>
+        </pc:spChg>
+        <pc:picChg chg="add mod">
+          <ac:chgData name="Martina Di Gennaro" userId="242c7127-975c-4ec0-b2ee-15e19a223141" providerId="ADAL" clId="{6BF65FE4-74A7-9749-A675-EBA0086FF38E}" dt="2024-11-13T15:18:02.947" v="7119" actId="1076"/>
+          <ac:picMkLst>
+            <pc:docMk/>
+            <pc:sldMk cId="2529889896" sldId="488"/>
+            <ac:picMk id="6" creationId="{AD2E7031-AF2D-124D-5CC3-7B5B11CB5F8F}"/>
+          </ac:picMkLst>
+        </pc:picChg>
       </pc:sldChg>
       <pc:sldChg chg="addSp modSp new mod">
         <pc:chgData name="Martina Di Gennaro" userId="242c7127-975c-4ec0-b2ee-15e19a223141" providerId="ADAL" clId="{6BF65FE4-74A7-9749-A675-EBA0086FF38E}" dt="2024-10-22T12:24:33.358" v="4323" actId="20577"/>
@@ -8437,7 +8686,7 @@
         </pc:picChg>
       </pc:sldChg>
       <pc:sldChg chg="addSp modSp new mod ord">
-        <pc:chgData name="Martina Di Gennaro" userId="242c7127-975c-4ec0-b2ee-15e19a223141" providerId="ADAL" clId="{6BF65FE4-74A7-9749-A675-EBA0086FF38E}" dt="2024-11-13T08:09:48.965" v="4851" actId="20577"/>
+        <pc:chgData name="Martina Di Gennaro" userId="242c7127-975c-4ec0-b2ee-15e19a223141" providerId="ADAL" clId="{6BF65FE4-74A7-9749-A675-EBA0086FF38E}" dt="2024-11-13T20:16:16.901" v="7415" actId="20577"/>
         <pc:sldMkLst>
           <pc:docMk/>
           <pc:sldMk cId="1285753839" sldId="491"/>
@@ -8451,16 +8700,32 @@
           </ac:spMkLst>
         </pc:spChg>
         <pc:spChg chg="add mod">
-          <ac:chgData name="Martina Di Gennaro" userId="242c7127-975c-4ec0-b2ee-15e19a223141" providerId="ADAL" clId="{6BF65FE4-74A7-9749-A675-EBA0086FF38E}" dt="2024-11-12T21:16:29.843" v="4517" actId="1076"/>
+          <ac:chgData name="Martina Di Gennaro" userId="242c7127-975c-4ec0-b2ee-15e19a223141" providerId="ADAL" clId="{6BF65FE4-74A7-9749-A675-EBA0086FF38E}" dt="2024-11-13T20:13:24.940" v="7170" actId="20577"/>
           <ac:spMkLst>
             <pc:docMk/>
             <pc:sldMk cId="1285753839" sldId="491"/>
             <ac:spMk id="3" creationId="{296D5651-733C-4A4D-DCA1-AC056F5049E0}"/>
           </ac:spMkLst>
         </pc:spChg>
+        <pc:spChg chg="add mod">
+          <ac:chgData name="Martina Di Gennaro" userId="242c7127-975c-4ec0-b2ee-15e19a223141" providerId="ADAL" clId="{6BF65FE4-74A7-9749-A675-EBA0086FF38E}" dt="2024-11-13T20:16:16.901" v="7415" actId="20577"/>
+          <ac:spMkLst>
+            <pc:docMk/>
+            <pc:sldMk cId="1285753839" sldId="491"/>
+            <ac:spMk id="5" creationId="{01F3A39B-9A1D-08C9-8760-9F6588137CE1}"/>
+          </ac:spMkLst>
+        </pc:spChg>
+        <pc:picChg chg="add mod">
+          <ac:chgData name="Martina Di Gennaro" userId="242c7127-975c-4ec0-b2ee-15e19a223141" providerId="ADAL" clId="{6BF65FE4-74A7-9749-A675-EBA0086FF38E}" dt="2024-11-13T14:58:04.495" v="6800" actId="1076"/>
+          <ac:picMkLst>
+            <pc:docMk/>
+            <pc:sldMk cId="1285753839" sldId="491"/>
+            <ac:picMk id="4" creationId="{891A6672-62EC-2D8C-98F5-960273D7AB58}"/>
+          </ac:picMkLst>
+        </pc:picChg>
       </pc:sldChg>
-      <pc:sldChg chg="modSp new mod">
-        <pc:chgData name="Martina Di Gennaro" userId="242c7127-975c-4ec0-b2ee-15e19a223141" providerId="ADAL" clId="{6BF65FE4-74A7-9749-A675-EBA0086FF38E}" dt="2024-11-12T22:03:05.832" v="4815" actId="20577"/>
+      <pc:sldChg chg="addSp modSp new mod">
+        <pc:chgData name="Martina Di Gennaro" userId="242c7127-975c-4ec0-b2ee-15e19a223141" providerId="ADAL" clId="{6BF65FE4-74A7-9749-A675-EBA0086FF38E}" dt="2024-11-13T14:49:43.018" v="6741" actId="1076"/>
         <pc:sldMkLst>
           <pc:docMk/>
           <pc:sldMk cId="1669332132" sldId="492"/>
@@ -8473,6 +8738,204 @@
             <ac:spMk id="2" creationId="{7FF115A0-3002-9F93-3841-6B58E9FE6897}"/>
           </ac:spMkLst>
         </pc:spChg>
+        <pc:picChg chg="add mod">
+          <ac:chgData name="Martina Di Gennaro" userId="242c7127-975c-4ec0-b2ee-15e19a223141" providerId="ADAL" clId="{6BF65FE4-74A7-9749-A675-EBA0086FF38E}" dt="2024-11-13T14:49:43.018" v="6741" actId="1076"/>
+          <ac:picMkLst>
+            <pc:docMk/>
+            <pc:sldMk cId="1669332132" sldId="492"/>
+            <ac:picMk id="3" creationId="{614EFE0A-5BF0-3C01-D4BB-30D26425ED25}"/>
+          </ac:picMkLst>
+        </pc:picChg>
+      </pc:sldChg>
+      <pc:sldChg chg="addSp delSp modSp new del mod">
+        <pc:chgData name="Martina Di Gennaro" userId="242c7127-975c-4ec0-b2ee-15e19a223141" providerId="ADAL" clId="{6BF65FE4-74A7-9749-A675-EBA0086FF38E}" dt="2024-11-13T13:51:28.833" v="6097" actId="2696"/>
+        <pc:sldMkLst>
+          <pc:docMk/>
+          <pc:sldMk cId="3037027841" sldId="493"/>
+        </pc:sldMkLst>
+        <pc:spChg chg="mod">
+          <ac:chgData name="Martina Di Gennaro" userId="242c7127-975c-4ec0-b2ee-15e19a223141" providerId="ADAL" clId="{6BF65FE4-74A7-9749-A675-EBA0086FF38E}" dt="2024-11-13T13:16:52.822" v="5260"/>
+          <ac:spMkLst>
+            <pc:docMk/>
+            <pc:sldMk cId="3037027841" sldId="493"/>
+            <ac:spMk id="2" creationId="{0D98A954-EAFF-2183-8917-BCBFDE5DAF45}"/>
+          </ac:spMkLst>
+        </pc:spChg>
+        <pc:spChg chg="add del mod">
+          <ac:chgData name="Martina Di Gennaro" userId="242c7127-975c-4ec0-b2ee-15e19a223141" providerId="ADAL" clId="{6BF65FE4-74A7-9749-A675-EBA0086FF38E}" dt="2024-11-13T13:51:02.828" v="6084" actId="21"/>
+          <ac:spMkLst>
+            <pc:docMk/>
+            <pc:sldMk cId="3037027841" sldId="493"/>
+            <ac:spMk id="4" creationId="{40DB8818-4AD6-8149-5192-232AD76E4785}"/>
+          </ac:spMkLst>
+        </pc:spChg>
+        <pc:spChg chg="add del mod">
+          <ac:chgData name="Martina Di Gennaro" userId="242c7127-975c-4ec0-b2ee-15e19a223141" providerId="ADAL" clId="{6BF65FE4-74A7-9749-A675-EBA0086FF38E}" dt="2024-11-13T13:51:02.828" v="6084" actId="21"/>
+          <ac:spMkLst>
+            <pc:docMk/>
+            <pc:sldMk cId="3037027841" sldId="493"/>
+            <ac:spMk id="7" creationId="{EA0D2F81-4494-338F-7CC9-4A9DE569C18D}"/>
+          </ac:spMkLst>
+        </pc:spChg>
+        <pc:spChg chg="add del mod">
+          <ac:chgData name="Martina Di Gennaro" userId="242c7127-975c-4ec0-b2ee-15e19a223141" providerId="ADAL" clId="{6BF65FE4-74A7-9749-A675-EBA0086FF38E}" dt="2024-11-13T13:51:02.828" v="6084" actId="21"/>
+          <ac:spMkLst>
+            <pc:docMk/>
+            <pc:sldMk cId="3037027841" sldId="493"/>
+            <ac:spMk id="8" creationId="{07B978B6-7583-97BE-2A2C-8F866B8CA182}"/>
+          </ac:spMkLst>
+        </pc:spChg>
+        <pc:picChg chg="add del mod">
+          <ac:chgData name="Martina Di Gennaro" userId="242c7127-975c-4ec0-b2ee-15e19a223141" providerId="ADAL" clId="{6BF65FE4-74A7-9749-A675-EBA0086FF38E}" dt="2024-11-13T13:51:02.828" v="6084" actId="21"/>
+          <ac:picMkLst>
+            <pc:docMk/>
+            <pc:sldMk cId="3037027841" sldId="493"/>
+            <ac:picMk id="5" creationId="{91086606-F8D0-E0B5-FA7D-D074F0E1D632}"/>
+          </ac:picMkLst>
+        </pc:picChg>
+        <pc:picChg chg="add del mod">
+          <ac:chgData name="Martina Di Gennaro" userId="242c7127-975c-4ec0-b2ee-15e19a223141" providerId="ADAL" clId="{6BF65FE4-74A7-9749-A675-EBA0086FF38E}" dt="2024-11-13T08:51:28.341" v="4913" actId="478"/>
+          <ac:picMkLst>
+            <pc:docMk/>
+            <pc:sldMk cId="3037027841" sldId="493"/>
+            <ac:picMk id="6" creationId="{097A2403-EC5A-AD35-83BC-25528024F7D1}"/>
+          </ac:picMkLst>
+        </pc:picChg>
+        <pc:picChg chg="add del mod">
+          <ac:chgData name="Martina Di Gennaro" userId="242c7127-975c-4ec0-b2ee-15e19a223141" providerId="ADAL" clId="{6BF65FE4-74A7-9749-A675-EBA0086FF38E}" dt="2024-11-13T08:51:52.111" v="4916" actId="478"/>
+          <ac:picMkLst>
+            <pc:docMk/>
+            <pc:sldMk cId="3037027841" sldId="493"/>
+            <ac:picMk id="9" creationId="{54D26EFC-0A63-9AC1-B52B-952B06AA4651}"/>
+          </ac:picMkLst>
+        </pc:picChg>
+        <pc:picChg chg="add del mod">
+          <ac:chgData name="Martina Di Gennaro" userId="242c7127-975c-4ec0-b2ee-15e19a223141" providerId="ADAL" clId="{6BF65FE4-74A7-9749-A675-EBA0086FF38E}" dt="2024-11-13T08:52:00.690" v="4920" actId="478"/>
+          <ac:picMkLst>
+            <pc:docMk/>
+            <pc:sldMk cId="3037027841" sldId="493"/>
+            <ac:picMk id="10" creationId="{D5FC2C25-0739-CCEE-9DDE-2C6FD6D55BDD}"/>
+          </ac:picMkLst>
+        </pc:picChg>
+        <pc:picChg chg="add del mod">
+          <ac:chgData name="Martina Di Gennaro" userId="242c7127-975c-4ec0-b2ee-15e19a223141" providerId="ADAL" clId="{6BF65FE4-74A7-9749-A675-EBA0086FF38E}" dt="2024-11-13T13:51:02.828" v="6084" actId="21"/>
+          <ac:picMkLst>
+            <pc:docMk/>
+            <pc:sldMk cId="3037027841" sldId="493"/>
+            <ac:picMk id="11" creationId="{4772E8A1-771C-54C1-CCBC-32FC404FFEB7}"/>
+          </ac:picMkLst>
+        </pc:picChg>
+      </pc:sldChg>
+      <pc:sldChg chg="addSp delSp modSp add mod">
+        <pc:chgData name="Martina Di Gennaro" userId="242c7127-975c-4ec0-b2ee-15e19a223141" providerId="ADAL" clId="{6BF65FE4-74A7-9749-A675-EBA0086FF38E}" dt="2024-11-13T14:03:52.320" v="6238" actId="1037"/>
+        <pc:sldMkLst>
+          <pc:docMk/>
+          <pc:sldMk cId="3445632210" sldId="494"/>
+        </pc:sldMkLst>
+        <pc:spChg chg="mod">
+          <ac:chgData name="Martina Di Gennaro" userId="242c7127-975c-4ec0-b2ee-15e19a223141" providerId="ADAL" clId="{6BF65FE4-74A7-9749-A675-EBA0086FF38E}" dt="2024-11-13T13:39:50.798" v="5852" actId="20577"/>
+          <ac:spMkLst>
+            <pc:docMk/>
+            <pc:sldMk cId="3445632210" sldId="494"/>
+            <ac:spMk id="2" creationId="{BF0B4C3B-3231-9410-BDF5-0418D727577D}"/>
+          </ac:spMkLst>
+        </pc:spChg>
+        <pc:spChg chg="del">
+          <ac:chgData name="Martina Di Gennaro" userId="242c7127-975c-4ec0-b2ee-15e19a223141" providerId="ADAL" clId="{6BF65FE4-74A7-9749-A675-EBA0086FF38E}" dt="2024-11-13T13:39:39.178" v="5831" actId="478"/>
+          <ac:spMkLst>
+            <pc:docMk/>
+            <pc:sldMk cId="3445632210" sldId="494"/>
+            <ac:spMk id="3" creationId="{1B4630DC-9E46-6B8D-1BCE-663566769692}"/>
+          </ac:spMkLst>
+        </pc:spChg>
+        <pc:spChg chg="del">
+          <ac:chgData name="Martina Di Gennaro" userId="242c7127-975c-4ec0-b2ee-15e19a223141" providerId="ADAL" clId="{6BF65FE4-74A7-9749-A675-EBA0086FF38E}" dt="2024-11-13T13:39:38.186" v="5830" actId="478"/>
+          <ac:spMkLst>
+            <pc:docMk/>
+            <pc:sldMk cId="3445632210" sldId="494"/>
+            <ac:spMk id="5" creationId="{F9D3CEC8-5822-D748-59E0-BEDE0FA0247D}"/>
+          </ac:spMkLst>
+        </pc:spChg>
+        <pc:spChg chg="del">
+          <ac:chgData name="Martina Di Gennaro" userId="242c7127-975c-4ec0-b2ee-15e19a223141" providerId="ADAL" clId="{6BF65FE4-74A7-9749-A675-EBA0086FF38E}" dt="2024-11-13T13:39:36.919" v="5829" actId="478"/>
+          <ac:spMkLst>
+            <pc:docMk/>
+            <pc:sldMk cId="3445632210" sldId="494"/>
+            <ac:spMk id="7" creationId="{BFD48A94-9611-B582-5195-6C73DEDC1848}"/>
+          </ac:spMkLst>
+        </pc:spChg>
+        <pc:spChg chg="mod">
+          <ac:chgData name="Martina Di Gennaro" userId="242c7127-975c-4ec0-b2ee-15e19a223141" providerId="ADAL" clId="{6BF65FE4-74A7-9749-A675-EBA0086FF38E}" dt="2024-11-13T13:41:19.549" v="5879" actId="1076"/>
+          <ac:spMkLst>
+            <pc:docMk/>
+            <pc:sldMk cId="3445632210" sldId="494"/>
+            <ac:spMk id="8" creationId="{6BB9ABD8-D188-5287-352E-ECEF353B7A5B}"/>
+          </ac:spMkLst>
+        </pc:spChg>
+        <pc:spChg chg="add mod">
+          <ac:chgData name="Martina Di Gennaro" userId="242c7127-975c-4ec0-b2ee-15e19a223141" providerId="ADAL" clId="{6BF65FE4-74A7-9749-A675-EBA0086FF38E}" dt="2024-11-13T13:41:23.146" v="5887" actId="1035"/>
+          <ac:spMkLst>
+            <pc:docMk/>
+            <pc:sldMk cId="3445632210" sldId="494"/>
+            <ac:spMk id="9" creationId="{C582E59B-AE15-F52E-5144-7767ABC72C58}"/>
+          </ac:spMkLst>
+        </pc:spChg>
+        <pc:spChg chg="add mod">
+          <ac:chgData name="Martina Di Gennaro" userId="242c7127-975c-4ec0-b2ee-15e19a223141" providerId="ADAL" clId="{6BF65FE4-74A7-9749-A675-EBA0086FF38E}" dt="2024-11-13T13:41:23.146" v="5887" actId="1035"/>
+          <ac:spMkLst>
+            <pc:docMk/>
+            <pc:sldMk cId="3445632210" sldId="494"/>
+            <ac:spMk id="10" creationId="{2C028165-8D8D-B323-A40F-BAEDF0CA42CD}"/>
+          </ac:spMkLst>
+        </pc:spChg>
+        <pc:spChg chg="add mod">
+          <ac:chgData name="Martina Di Gennaro" userId="242c7127-975c-4ec0-b2ee-15e19a223141" providerId="ADAL" clId="{6BF65FE4-74A7-9749-A675-EBA0086FF38E}" dt="2024-11-13T13:40:00.877" v="5855" actId="1076"/>
+          <ac:spMkLst>
+            <pc:docMk/>
+            <pc:sldMk cId="3445632210" sldId="494"/>
+            <ac:spMk id="12" creationId="{A74A429F-BF38-470E-9E04-61602DAB37EB}"/>
+          </ac:spMkLst>
+        </pc:spChg>
+        <pc:spChg chg="add mod">
+          <ac:chgData name="Martina Di Gennaro" userId="242c7127-975c-4ec0-b2ee-15e19a223141" providerId="ADAL" clId="{6BF65FE4-74A7-9749-A675-EBA0086FF38E}" dt="2024-11-13T13:41:16.366" v="5878" actId="1035"/>
+          <ac:spMkLst>
+            <pc:docMk/>
+            <pc:sldMk cId="3445632210" sldId="494"/>
+            <ac:spMk id="13" creationId="{F6B2C720-A5AB-91C0-3279-1EFA9C1896ED}"/>
+          </ac:spMkLst>
+        </pc:spChg>
+        <pc:spChg chg="add mod">
+          <ac:chgData name="Martina Di Gennaro" userId="242c7127-975c-4ec0-b2ee-15e19a223141" providerId="ADAL" clId="{6BF65FE4-74A7-9749-A675-EBA0086FF38E}" dt="2024-11-13T14:03:52.320" v="6238" actId="1037"/>
+          <ac:spMkLst>
+            <pc:docMk/>
+            <pc:sldMk cId="3445632210" sldId="494"/>
+            <ac:spMk id="14" creationId="{AA9B0178-3CFE-3EA0-4AA1-DA3793CA0147}"/>
+          </ac:spMkLst>
+        </pc:spChg>
+        <pc:picChg chg="del">
+          <ac:chgData name="Martina Di Gennaro" userId="242c7127-975c-4ec0-b2ee-15e19a223141" providerId="ADAL" clId="{6BF65FE4-74A7-9749-A675-EBA0086FF38E}" dt="2024-11-13T09:05:11.018" v="5010" actId="478"/>
+          <ac:picMkLst>
+            <pc:docMk/>
+            <pc:sldMk cId="3445632210" sldId="494"/>
+            <ac:picMk id="4" creationId="{BE479CA7-45AE-C056-4D2D-386E032DF97B}"/>
+          </ac:picMkLst>
+        </pc:picChg>
+        <pc:picChg chg="add mod">
+          <ac:chgData name="Martina Di Gennaro" userId="242c7127-975c-4ec0-b2ee-15e19a223141" providerId="ADAL" clId="{6BF65FE4-74A7-9749-A675-EBA0086FF38E}" dt="2024-11-13T13:41:23.146" v="5887" actId="1035"/>
+          <ac:picMkLst>
+            <pc:docMk/>
+            <pc:sldMk cId="3445632210" sldId="494"/>
+            <ac:picMk id="6" creationId="{9598382C-9638-C251-0D36-D5B26A3ACDB9}"/>
+          </ac:picMkLst>
+        </pc:picChg>
+        <pc:picChg chg="add mod">
+          <ac:chgData name="Martina Di Gennaro" userId="242c7127-975c-4ec0-b2ee-15e19a223141" providerId="ADAL" clId="{6BF65FE4-74A7-9749-A675-EBA0086FF38E}" dt="2024-11-13T13:41:13.153" v="5872" actId="1076"/>
+          <ac:picMkLst>
+            <pc:docMk/>
+            <pc:sldMk cId="3445632210" sldId="494"/>
+            <ac:picMk id="11" creationId="{8D91E8DD-AF06-A30A-86EC-035721A1336D}"/>
+          </ac:picMkLst>
+        </pc:picChg>
       </pc:sldChg>
       <pc:sldMasterChg chg="modSldLayout">
         <pc:chgData name="Martina Di Gennaro" userId="242c7127-975c-4ec0-b2ee-15e19a223141" providerId="ADAL" clId="{6BF65FE4-74A7-9749-A675-EBA0086FF38E}" dt="2024-10-17T07:10:24.389" v="1219" actId="27636"/>
@@ -11106,7 +11569,7 @@
           <a:p>
             <a:fld id="{8ACEEAC8-0C90-4631-9C3C-08030CBC435A}" type="datetimeFigureOut">
               <a:rPr lang="it-IT" smtClean="0"/>
-              <a:t>13/11/24</a:t>
+              <a:t>14/11/24</a:t>
             </a:fld>
             <a:endParaRPr lang="it-IT"/>
           </a:p>
@@ -24167,7 +24630,7 @@
           <a:p>
             <a:fld id="{8B541785-5271-4928-BD17-1165349D9C8C}" type="datetime1">
               <a:rPr lang="it-IT" smtClean="0"/>
-              <a:t>13/11/24</a:t>
+              <a:t>14/11/24</a:t>
             </a:fld>
             <a:endParaRPr lang="it-IT"/>
           </a:p>
@@ -24589,8 +25052,8 @@
         </p:nvSpPr>
         <p:spPr>
           <a:xfrm>
-            <a:off x="272005" y="978828"/>
-            <a:ext cx="8504247" cy="1354217"/>
+            <a:off x="134681" y="780046"/>
+            <a:ext cx="8504247" cy="1938992"/>
           </a:xfrm>
           <a:prstGeom prst="rect">
             <a:avLst/>
@@ -24605,7 +25068,7 @@
           <a:p>
             <a:pPr algn="just">
               <a:spcAft>
-                <a:spcPts val="600"/>
+                <a:spcPts val="1200"/>
               </a:spcAft>
             </a:pPr>
             <a:r>
@@ -24682,12 +25145,12 @@
             </a:r>
           </a:p>
           <a:p>
-            <a:pPr marL="285750" indent="-285750" algn="just">
+            <a:pPr marL="342900" indent="-342900" algn="just">
               <a:spcAft>
-                <a:spcPts val="600"/>
+                <a:spcPts val="1200"/>
               </a:spcAft>
-              <a:buFont typeface="Arial" panose="020B0604020202020204" pitchFamily="34" charset="0"/>
-              <a:buChar char="•"/>
+              <a:buFont typeface="+mj-lt"/>
+              <a:buAutoNum type="arabicPeriod"/>
             </a:pPr>
             <a:r>
               <a:rPr lang="it-IT" dirty="0" err="1">
@@ -24854,12 +25317,12 @@
             </a:r>
           </a:p>
           <a:p>
-            <a:pPr marL="285750" indent="-285750" algn="just">
+            <a:pPr marL="342900" indent="-342900" algn="just">
               <a:spcAft>
-                <a:spcPts val="600"/>
+                <a:spcPts val="1200"/>
               </a:spcAft>
-              <a:buFont typeface="Arial" panose="020B0604020202020204" pitchFamily="34" charset="0"/>
-              <a:buChar char="•"/>
+              <a:buFont typeface="+mj-lt"/>
+              <a:buAutoNum type="arabicPeriod"/>
             </a:pPr>
             <a:r>
               <a:rPr lang="it-IT" dirty="0">
@@ -24934,6 +25397,39 @@
               </a:rPr>
               <a:t>generalized</a:t>
             </a:r>
+            <a:endParaRPr lang="it-IT" dirty="0">
+              <a:solidFill>
+                <a:srgbClr val="1F1F1F"/>
+              </a:solidFill>
+              <a:latin typeface="Aptos Light" panose="020B0004020202020204" pitchFamily="34" charset="0"/>
+            </a:endParaRPr>
+          </a:p>
+          <a:p>
+            <a:pPr marL="342900" indent="-342900" algn="just">
+              <a:spcAft>
+                <a:spcPts val="1200"/>
+              </a:spcAft>
+              <a:buFont typeface="+mj-lt"/>
+              <a:buAutoNum type="arabicPeriod"/>
+            </a:pPr>
+            <a:r>
+              <a:rPr lang="it-IT" dirty="0">
+                <a:solidFill>
+                  <a:srgbClr val="1F1F1F"/>
+                </a:solidFill>
+                <a:latin typeface="Aptos Light" panose="020B0004020202020204" pitchFamily="34" charset="0"/>
+              </a:rPr>
+              <a:t>Offline </a:t>
+            </a:r>
+            <a:r>
+              <a:rPr lang="it-IT" dirty="0" err="1">
+                <a:solidFill>
+                  <a:srgbClr val="1F1F1F"/>
+                </a:solidFill>
+                <a:latin typeface="Aptos Light" panose="020B0004020202020204" pitchFamily="34" charset="0"/>
+              </a:rPr>
+              <a:t>phase</a:t>
+            </a:r>
             <a:r>
               <a:rPr lang="it-IT" dirty="0">
                 <a:solidFill>
@@ -24943,6 +25439,461 @@
               </a:rPr>
               <a:t> </a:t>
             </a:r>
+            <a:r>
+              <a:rPr lang="it-IT" dirty="0" err="1">
+                <a:solidFill>
+                  <a:srgbClr val="1F1F1F"/>
+                </a:solidFill>
+                <a:latin typeface="Aptos Light" panose="020B0004020202020204" pitchFamily="34" charset="0"/>
+              </a:rPr>
+              <a:t>performed</a:t>
+            </a:r>
+            <a:r>
+              <a:rPr lang="it-IT" dirty="0">
+                <a:solidFill>
+                  <a:srgbClr val="1F1F1F"/>
+                </a:solidFill>
+                <a:latin typeface="Aptos Light" panose="020B0004020202020204" pitchFamily="34" charset="0"/>
+              </a:rPr>
+              <a:t> in </a:t>
+            </a:r>
+            <a:r>
+              <a:rPr lang="it-IT" dirty="0" err="1">
+                <a:solidFill>
+                  <a:srgbClr val="1F1F1F"/>
+                </a:solidFill>
+                <a:latin typeface="Aptos Light" panose="020B0004020202020204" pitchFamily="34" charset="0"/>
+              </a:rPr>
+              <a:t>OpenFOAM</a:t>
+            </a:r>
+            <a:r>
+              <a:rPr lang="it-IT" dirty="0">
+                <a:solidFill>
+                  <a:srgbClr val="1F1F1F"/>
+                </a:solidFill>
+                <a:latin typeface="Aptos Light" panose="020B0004020202020204" pitchFamily="34" charset="0"/>
+              </a:rPr>
+              <a:t> </a:t>
+            </a:r>
+            <a:r>
+              <a:rPr lang="it-IT" dirty="0">
+                <a:solidFill>
+                  <a:srgbClr val="1F1F1F"/>
+                </a:solidFill>
+                <a:latin typeface="Calibri" panose="020F0502020204030204" pitchFamily="34" charset="0"/>
+                <a:cs typeface="Calibri" panose="020F0502020204030204" pitchFamily="34" charset="0"/>
+              </a:rPr>
+              <a:t>-&gt;</a:t>
+            </a:r>
+            <a:r>
+              <a:rPr lang="it-IT" dirty="0">
+                <a:solidFill>
+                  <a:srgbClr val="1F1F1F"/>
+                </a:solidFill>
+                <a:latin typeface="Aptos Light" panose="020B0004020202020204" pitchFamily="34" charset="0"/>
+              </a:rPr>
+              <a:t> code sharing </a:t>
+            </a:r>
+            <a:r>
+              <a:rPr lang="it-IT" dirty="0" err="1">
+                <a:solidFill>
+                  <a:srgbClr val="1F1F1F"/>
+                </a:solidFill>
+                <a:latin typeface="Aptos Light" panose="020B0004020202020204" pitchFamily="34" charset="0"/>
+              </a:rPr>
+              <a:t>requires</a:t>
+            </a:r>
+            <a:r>
+              <a:rPr lang="it-IT" dirty="0">
+                <a:solidFill>
+                  <a:srgbClr val="1F1F1F"/>
+                </a:solidFill>
+                <a:latin typeface="Aptos Light" panose="020B0004020202020204" pitchFamily="34" charset="0"/>
+              </a:rPr>
+              <a:t> tool knowledge. </a:t>
+            </a:r>
+          </a:p>
+        </p:txBody>
+      </p:sp>
+      <p:pic>
+        <p:nvPicPr>
+          <p:cNvPr id="4" name="Immagine 3" descr="Immagine che contiene linea, simbolo, design&#10;&#10;Descrizione generata automaticamente">
+            <a:extLst>
+              <a:ext uri="{FF2B5EF4-FFF2-40B4-BE49-F238E27FC236}">
+                <a16:creationId xmlns:a16="http://schemas.microsoft.com/office/drawing/2014/main" id="{891A6672-62EC-2D8C-98F5-960273D7AB58}"/>
+              </a:ext>
+            </a:extLst>
+          </p:cNvPr>
+          <p:cNvPicPr>
+            <a:picLocks noChangeAspect="1"/>
+          </p:cNvPicPr>
+          <p:nvPr/>
+        </p:nvPicPr>
+        <p:blipFill>
+          <a:blip r:embed="rId2"/>
+          <a:stretch>
+            <a:fillRect/>
+          </a:stretch>
+        </p:blipFill>
+        <p:spPr>
+          <a:xfrm>
+            <a:off x="4130525" y="3210336"/>
+            <a:ext cx="512557" cy="512557"/>
+          </a:xfrm>
+          <a:prstGeom prst="rect">
+            <a:avLst/>
+          </a:prstGeom>
+        </p:spPr>
+      </p:pic>
+      <p:sp>
+        <p:nvSpPr>
+          <p:cNvPr id="5" name="CasellaDiTesto 4">
+            <a:extLst>
+              <a:ext uri="{FF2B5EF4-FFF2-40B4-BE49-F238E27FC236}">
+                <a16:creationId xmlns:a16="http://schemas.microsoft.com/office/drawing/2014/main" id="{01F3A39B-9A1D-08C9-8760-9F6588137CE1}"/>
+              </a:ext>
+            </a:extLst>
+          </p:cNvPr>
+          <p:cNvSpPr txBox="1"/>
+          <p:nvPr/>
+        </p:nvSpPr>
+        <p:spPr>
+          <a:xfrm>
+            <a:off x="134681" y="4055165"/>
+            <a:ext cx="8870171" cy="1938992"/>
+          </a:xfrm>
+          <a:prstGeom prst="rect">
+            <a:avLst/>
+          </a:prstGeom>
+          <a:noFill/>
+        </p:spPr>
+        <p:txBody>
+          <a:bodyPr wrap="square" rtlCol="0">
+            <a:spAutoFit/>
+          </a:bodyPr>
+          <a:lstStyle/>
+          <a:p>
+            <a:pPr>
+              <a:spcAft>
+                <a:spcPts val="1200"/>
+              </a:spcAft>
+            </a:pPr>
+            <a:r>
+              <a:rPr lang="it-IT" dirty="0" err="1">
+                <a:solidFill>
+                  <a:srgbClr val="0E0E0E"/>
+                </a:solidFill>
+                <a:effectLst/>
+                <a:latin typeface="Aptos" panose="020B0004020202020204" pitchFamily="34" charset="0"/>
+              </a:rPr>
+              <a:t>Improvements</a:t>
+            </a:r>
+            <a:r>
+              <a:rPr lang="it-IT" dirty="0">
+                <a:solidFill>
+                  <a:srgbClr val="0E0E0E"/>
+                </a:solidFill>
+                <a:effectLst/>
+                <a:latin typeface="Aptos" panose="020B0004020202020204" pitchFamily="34" charset="0"/>
+              </a:rPr>
+              <a:t> in the new </a:t>
+            </a:r>
+            <a:r>
+              <a:rPr lang="it-IT" dirty="0" err="1">
+                <a:solidFill>
+                  <a:srgbClr val="0E0E0E"/>
+                </a:solidFill>
+                <a:effectLst/>
+                <a:latin typeface="Aptos" panose="020B0004020202020204" pitchFamily="34" charset="0"/>
+              </a:rPr>
+              <a:t>approach</a:t>
+            </a:r>
+            <a:r>
+              <a:rPr lang="it-IT" dirty="0">
+                <a:solidFill>
+                  <a:srgbClr val="0E0E0E"/>
+                </a:solidFill>
+                <a:effectLst/>
+                <a:latin typeface="Aptos" panose="020B0004020202020204" pitchFamily="34" charset="0"/>
+              </a:rPr>
+              <a:t>:</a:t>
+            </a:r>
+          </a:p>
+          <a:p>
+            <a:pPr marL="342900" indent="-342900">
+              <a:spcAft>
+                <a:spcPts val="1200"/>
+              </a:spcAft>
+              <a:buFont typeface="+mj-lt"/>
+              <a:buAutoNum type="arabicPeriod"/>
+            </a:pPr>
+            <a:r>
+              <a:rPr lang="it-IT" dirty="0">
+                <a:solidFill>
+                  <a:srgbClr val="1F1F1F"/>
+                </a:solidFill>
+                <a:latin typeface="Aptos Light" panose="020B0004020202020204" pitchFamily="34" charset="0"/>
+              </a:rPr>
+              <a:t>Use of a </a:t>
+            </a:r>
+            <a:r>
+              <a:rPr lang="it-IT" dirty="0" err="1">
+                <a:solidFill>
+                  <a:srgbClr val="1F1F1F"/>
+                </a:solidFill>
+                <a:latin typeface="Aptos Light" panose="020B0004020202020204" pitchFamily="34" charset="0"/>
+              </a:rPr>
+              <a:t>well-established</a:t>
+            </a:r>
+            <a:r>
+              <a:rPr lang="it-IT" dirty="0">
+                <a:solidFill>
+                  <a:srgbClr val="1F1F1F"/>
+                </a:solidFill>
+                <a:latin typeface="Aptos Light" panose="020B0004020202020204" pitchFamily="34" charset="0"/>
+              </a:rPr>
+              <a:t> </a:t>
+            </a:r>
+            <a:r>
+              <a:rPr lang="it-IT" dirty="0" err="1">
+                <a:solidFill>
+                  <a:srgbClr val="1F1F1F"/>
+                </a:solidFill>
+                <a:latin typeface="Aptos Light" panose="020B0004020202020204" pitchFamily="34" charset="0"/>
+              </a:rPr>
+              <a:t>method</a:t>
+            </a:r>
+            <a:r>
+              <a:rPr lang="it-IT" dirty="0">
+                <a:solidFill>
+                  <a:srgbClr val="1F1F1F"/>
+                </a:solidFill>
+                <a:latin typeface="Aptos Light" panose="020B0004020202020204" pitchFamily="34" charset="0"/>
+              </a:rPr>
+              <a:t> from the literature </a:t>
+            </a:r>
+            <a:r>
+              <a:rPr lang="it-IT" dirty="0" err="1">
+                <a:solidFill>
+                  <a:srgbClr val="1F1F1F"/>
+                </a:solidFill>
+                <a:latin typeface="Aptos Light" panose="020B0004020202020204" pitchFamily="34" charset="0"/>
+              </a:rPr>
+              <a:t>instead</a:t>
+            </a:r>
+            <a:r>
+              <a:rPr lang="it-IT" dirty="0">
+                <a:solidFill>
+                  <a:srgbClr val="1F1F1F"/>
+                </a:solidFill>
+                <a:latin typeface="Aptos Light" panose="020B0004020202020204" pitchFamily="34" charset="0"/>
+              </a:rPr>
+              <a:t> of </a:t>
+            </a:r>
+            <a:r>
+              <a:rPr lang="it-IT" dirty="0" err="1">
+                <a:solidFill>
+                  <a:srgbClr val="1F1F1F"/>
+                </a:solidFill>
+                <a:latin typeface="Aptos Light" panose="020B0004020202020204" pitchFamily="34" charset="0"/>
+              </a:rPr>
+              <a:t>linearization</a:t>
+            </a:r>
+            <a:r>
+              <a:rPr lang="it-IT" dirty="0">
+                <a:solidFill>
+                  <a:srgbClr val="1F1F1F"/>
+                </a:solidFill>
+                <a:latin typeface="Aptos Light" panose="020B0004020202020204" pitchFamily="34" charset="0"/>
+              </a:rPr>
+              <a:t> for the </a:t>
+            </a:r>
+            <a:r>
+              <a:rPr lang="it-IT" dirty="0" err="1">
+                <a:solidFill>
+                  <a:srgbClr val="1F1F1F"/>
+                </a:solidFill>
+                <a:latin typeface="Aptos Light" panose="020B0004020202020204" pitchFamily="34" charset="0"/>
+              </a:rPr>
+              <a:t>diffusion</a:t>
+            </a:r>
+            <a:r>
+              <a:rPr lang="it-IT" dirty="0">
+                <a:solidFill>
+                  <a:srgbClr val="1F1F1F"/>
+                </a:solidFill>
+                <a:latin typeface="Aptos Light" panose="020B0004020202020204" pitchFamily="34" charset="0"/>
+              </a:rPr>
+              <a:t> </a:t>
+            </a:r>
+            <a:r>
+              <a:rPr lang="it-IT" dirty="0" err="1">
+                <a:solidFill>
+                  <a:srgbClr val="1F1F1F"/>
+                </a:solidFill>
+                <a:latin typeface="Aptos Light" panose="020B0004020202020204" pitchFamily="34" charset="0"/>
+              </a:rPr>
+              <a:t>coefficient</a:t>
+            </a:r>
+            <a:r>
+              <a:rPr lang="it-IT" dirty="0">
+                <a:solidFill>
+                  <a:srgbClr val="1F1F1F"/>
+                </a:solidFill>
+                <a:latin typeface="Aptos Light" panose="020B0004020202020204" pitchFamily="34" charset="0"/>
+              </a:rPr>
+              <a:t>.</a:t>
+            </a:r>
+          </a:p>
+          <a:p>
+            <a:pPr marL="342900" indent="-342900">
+              <a:spcAft>
+                <a:spcPts val="1200"/>
+              </a:spcAft>
+              <a:buFont typeface="+mj-lt"/>
+              <a:buAutoNum type="arabicPeriod"/>
+            </a:pPr>
+            <a:r>
+              <a:rPr lang="it-IT" dirty="0" err="1">
+                <a:solidFill>
+                  <a:srgbClr val="1F1F1F"/>
+                </a:solidFill>
+                <a:latin typeface="Aptos Light" panose="020B0004020202020204" pitchFamily="34" charset="0"/>
+              </a:rPr>
+              <a:t>Incorporation</a:t>
+            </a:r>
+            <a:r>
+              <a:rPr lang="it-IT" dirty="0">
+                <a:solidFill>
+                  <a:srgbClr val="1F1F1F"/>
+                </a:solidFill>
+                <a:latin typeface="Aptos Light" panose="020B0004020202020204" pitchFamily="34" charset="0"/>
+              </a:rPr>
+              <a:t> of multiple </a:t>
+            </a:r>
+            <a:r>
+              <a:rPr lang="it-IT" dirty="0" err="1">
+                <a:solidFill>
+                  <a:srgbClr val="1F1F1F"/>
+                </a:solidFill>
+                <a:latin typeface="Aptos Light" panose="020B0004020202020204" pitchFamily="34" charset="0"/>
+              </a:rPr>
+              <a:t>parameter</a:t>
+            </a:r>
+            <a:r>
+              <a:rPr lang="it-IT" dirty="0">
+                <a:solidFill>
+                  <a:srgbClr val="1F1F1F"/>
+                </a:solidFill>
+                <a:latin typeface="Aptos Light" panose="020B0004020202020204" pitchFamily="34" charset="0"/>
+              </a:rPr>
+              <a:t> sets for </a:t>
+            </a:r>
+            <a:r>
+              <a:rPr lang="it-IT" dirty="0" err="1">
+                <a:solidFill>
+                  <a:srgbClr val="1F1F1F"/>
+                </a:solidFill>
+                <a:latin typeface="Aptos Light" panose="020B0004020202020204" pitchFamily="34" charset="0"/>
+              </a:rPr>
+              <a:t>better</a:t>
+            </a:r>
+            <a:r>
+              <a:rPr lang="it-IT" dirty="0">
+                <a:solidFill>
+                  <a:srgbClr val="1F1F1F"/>
+                </a:solidFill>
+                <a:latin typeface="Aptos Light" panose="020B0004020202020204" pitchFamily="34" charset="0"/>
+              </a:rPr>
+              <a:t> </a:t>
+            </a:r>
+            <a:r>
+              <a:rPr lang="it-IT" dirty="0" err="1">
+                <a:solidFill>
+                  <a:srgbClr val="1F1F1F"/>
+                </a:solidFill>
+                <a:latin typeface="Aptos Light" panose="020B0004020202020204" pitchFamily="34" charset="0"/>
+              </a:rPr>
+              <a:t>generalization</a:t>
+            </a:r>
+            <a:r>
+              <a:rPr lang="it-IT" dirty="0">
+                <a:solidFill>
+                  <a:srgbClr val="1F1F1F"/>
+                </a:solidFill>
+                <a:latin typeface="Aptos Light" panose="020B0004020202020204" pitchFamily="34" charset="0"/>
+              </a:rPr>
+              <a:t>. </a:t>
+            </a:r>
+          </a:p>
+          <a:p>
+            <a:pPr marL="342900" indent="-342900">
+              <a:spcAft>
+                <a:spcPts val="1200"/>
+              </a:spcAft>
+              <a:buFont typeface="+mj-lt"/>
+              <a:buAutoNum type="arabicPeriod"/>
+            </a:pPr>
+            <a:r>
+              <a:rPr lang="it-IT" dirty="0" err="1">
+                <a:solidFill>
+                  <a:srgbClr val="1F1F1F"/>
+                </a:solidFill>
+                <a:latin typeface="Aptos Light" panose="020B0004020202020204" pitchFamily="34" charset="0"/>
+              </a:rPr>
+              <a:t>Perform</a:t>
+            </a:r>
+            <a:r>
+              <a:rPr lang="it-IT" dirty="0">
+                <a:solidFill>
+                  <a:srgbClr val="1F1F1F"/>
+                </a:solidFill>
+                <a:latin typeface="Aptos Light" panose="020B0004020202020204" pitchFamily="34" charset="0"/>
+              </a:rPr>
+              <a:t> offline </a:t>
+            </a:r>
+            <a:r>
+              <a:rPr lang="it-IT" dirty="0" err="1">
+                <a:solidFill>
+                  <a:srgbClr val="1F1F1F"/>
+                </a:solidFill>
+                <a:latin typeface="Aptos Light" panose="020B0004020202020204" pitchFamily="34" charset="0"/>
+              </a:rPr>
+              <a:t>phase</a:t>
+            </a:r>
+            <a:r>
+              <a:rPr lang="it-IT" dirty="0">
+                <a:solidFill>
+                  <a:srgbClr val="1F1F1F"/>
+                </a:solidFill>
+                <a:latin typeface="Aptos Light" panose="020B0004020202020204" pitchFamily="34" charset="0"/>
+              </a:rPr>
+              <a:t> in </a:t>
+            </a:r>
+            <a:r>
+              <a:rPr lang="it-IT" dirty="0" err="1">
+                <a:solidFill>
+                  <a:srgbClr val="1F1F1F"/>
+                </a:solidFill>
+                <a:latin typeface="Aptos Light" panose="020B0004020202020204" pitchFamily="34" charset="0"/>
+              </a:rPr>
+              <a:t>FreeFEM</a:t>
+            </a:r>
+            <a:r>
+              <a:rPr lang="it-IT" dirty="0">
+                <a:solidFill>
+                  <a:srgbClr val="1F1F1F"/>
+                </a:solidFill>
+                <a:latin typeface="Aptos Light" panose="020B0004020202020204" pitchFamily="34" charset="0"/>
+              </a:rPr>
+              <a:t>++ and Python. </a:t>
+            </a:r>
+            <a:endParaRPr lang="it-IT" dirty="0">
+              <a:solidFill>
+                <a:srgbClr val="0E0E0E"/>
+              </a:solidFill>
+              <a:latin typeface="Aptos" panose="020B0004020202020204" pitchFamily="34" charset="0"/>
+            </a:endParaRPr>
           </a:p>
         </p:txBody>
       </p:sp>
@@ -24960,6 +25911,734 @@
 </file>
 
 <file path=ppt/slides/slide10.xml><?xml version="1.0" encoding="utf-8"?>
+<p:sld xmlns:a="http://schemas.openxmlformats.org/drawingml/2006/main" xmlns:r="http://schemas.openxmlformats.org/officeDocument/2006/relationships" xmlns:p="http://schemas.openxmlformats.org/presentationml/2006/main">
+  <p:cSld>
+    <p:spTree>
+      <p:nvGrpSpPr>
+        <p:cNvPr id="1" name="">
+          <a:extLst>
+            <a:ext uri="{FF2B5EF4-FFF2-40B4-BE49-F238E27FC236}">
+              <a16:creationId xmlns:a16="http://schemas.microsoft.com/office/drawing/2014/main" id="{AF73E267-4DF4-1AAB-B608-70BCF2312549}"/>
+            </a:ext>
+          </a:extLst>
+        </p:cNvPr>
+        <p:cNvGrpSpPr/>
+        <p:nvPr/>
+      </p:nvGrpSpPr>
+      <p:grpSpPr>
+        <a:xfrm>
+          <a:off x="0" y="0"/>
+          <a:ext cx="0" cy="0"/>
+          <a:chOff x="0" y="0"/>
+          <a:chExt cx="0" cy="0"/>
+        </a:xfrm>
+      </p:grpSpPr>
+      <p:sp>
+        <p:nvSpPr>
+          <p:cNvPr id="2" name="Titolo 1">
+            <a:extLst>
+              <a:ext uri="{FF2B5EF4-FFF2-40B4-BE49-F238E27FC236}">
+                <a16:creationId xmlns:a16="http://schemas.microsoft.com/office/drawing/2014/main" id="{BF0B4C3B-3231-9410-BDF5-0418D727577D}"/>
+              </a:ext>
+            </a:extLst>
+          </p:cNvPr>
+          <p:cNvSpPr>
+            <a:spLocks noGrp="1"/>
+          </p:cNvSpPr>
+          <p:nvPr>
+            <p:ph type="title"/>
+          </p:nvPr>
+        </p:nvSpPr>
+        <p:spPr/>
+        <p:txBody>
+          <a:bodyPr>
+            <a:normAutofit fontScale="90000"/>
+          </a:bodyPr>
+          <a:lstStyle/>
+          <a:p>
+            <a:r>
+              <a:rPr lang="en-GB" dirty="0"/>
+              <a:t>Online stage in SCIANTIX 2.1: comparison with FOM</a:t>
+            </a:r>
+          </a:p>
+        </p:txBody>
+      </p:sp>
+      <p:sp>
+        <p:nvSpPr>
+          <p:cNvPr id="8" name="CasellaDiTesto 7">
+            <a:extLst>
+              <a:ext uri="{FF2B5EF4-FFF2-40B4-BE49-F238E27FC236}">
+                <a16:creationId xmlns:a16="http://schemas.microsoft.com/office/drawing/2014/main" id="{6BB9ABD8-D188-5287-352E-ECEF353B7A5B}"/>
+              </a:ext>
+            </a:extLst>
+          </p:cNvPr>
+          <p:cNvSpPr txBox="1"/>
+          <p:nvPr/>
+        </p:nvSpPr>
+        <p:spPr>
+          <a:xfrm>
+            <a:off x="116689" y="3754711"/>
+            <a:ext cx="6600634" cy="369332"/>
+          </a:xfrm>
+          <a:prstGeom prst="rect">
+            <a:avLst/>
+          </a:prstGeom>
+          <a:noFill/>
+        </p:spPr>
+        <p:txBody>
+          <a:bodyPr wrap="square">
+            <a:spAutoFit/>
+          </a:bodyPr>
+          <a:lstStyle/>
+          <a:p>
+            <a:pPr marL="285750" indent="-285750">
+              <a:buFont typeface="Wingdings" pitchFamily="2" charset="2"/>
+              <a:buChar char="ü"/>
+            </a:pPr>
+            <a:r>
+              <a:rPr lang="en-GB" dirty="0"/>
+              <a:t>Check done with worst reconstructed parameters case: </a:t>
+            </a:r>
+          </a:p>
+        </p:txBody>
+      </p:sp>
+      <p:pic>
+        <p:nvPicPr>
+          <p:cNvPr id="6" name="Immagine 5">
+            <a:extLst>
+              <a:ext uri="{FF2B5EF4-FFF2-40B4-BE49-F238E27FC236}">
+                <a16:creationId xmlns:a16="http://schemas.microsoft.com/office/drawing/2014/main" id="{9598382C-9638-C251-0D36-D5B26A3ACDB9}"/>
+              </a:ext>
+            </a:extLst>
+          </p:cNvPr>
+          <p:cNvPicPr>
+            <a:picLocks noChangeAspect="1"/>
+          </p:cNvPicPr>
+          <p:nvPr/>
+        </p:nvPicPr>
+        <p:blipFill>
+          <a:blip r:embed="rId2"/>
+          <a:stretch>
+            <a:fillRect/>
+          </a:stretch>
+        </p:blipFill>
+        <p:spPr>
+          <a:xfrm>
+            <a:off x="116689" y="4060920"/>
+            <a:ext cx="8202363" cy="2657749"/>
+          </a:xfrm>
+          <a:prstGeom prst="rect">
+            <a:avLst/>
+          </a:prstGeom>
+        </p:spPr>
+      </p:pic>
+      <mc:AlternateContent xmlns:mc="http://schemas.openxmlformats.org/markup-compatibility/2006" xmlns:a14="http://schemas.microsoft.com/office/drawing/2010/main">
+        <mc:Choice Requires="a14">
+          <p:sp>
+            <p:nvSpPr>
+              <p:cNvPr id="9" name="CasellaDiTesto 8">
+                <a:extLst>
+                  <a:ext uri="{FF2B5EF4-FFF2-40B4-BE49-F238E27FC236}">
+                    <a16:creationId xmlns:a16="http://schemas.microsoft.com/office/drawing/2014/main" id="{C582E59B-AE15-F52E-5144-7767ABC72C58}"/>
+                  </a:ext>
+                </a:extLst>
+              </p:cNvPr>
+              <p:cNvSpPr txBox="1"/>
+              <p:nvPr/>
+            </p:nvSpPr>
+            <p:spPr>
+              <a:xfrm>
+                <a:off x="3029750" y="6242018"/>
+                <a:ext cx="3084499" cy="369332"/>
+              </a:xfrm>
+              <a:prstGeom prst="rect">
+                <a:avLst/>
+              </a:prstGeom>
+              <a:noFill/>
+            </p:spPr>
+            <p:txBody>
+              <a:bodyPr wrap="none" rtlCol="0">
+                <a:spAutoFit/>
+              </a:bodyPr>
+              <a:lstStyle/>
+              <a:p>
+                <a:r>
+                  <a:rPr lang="en-GB" dirty="0"/>
+                  <a:t>Maximum error = </a:t>
+                </a:r>
+                <a14:m>
+                  <m:oMath xmlns:m="http://schemas.openxmlformats.org/officeDocument/2006/math">
+                    <m:sSup>
+                      <m:sSupPr>
+                        <m:ctrlPr>
+                          <a:rPr lang="en-GB" i="1" smtClean="0">
+                            <a:latin typeface="Cambria Math" panose="02040503050406030204" pitchFamily="18" charset="0"/>
+                          </a:rPr>
+                        </m:ctrlPr>
+                      </m:sSupPr>
+                      <m:e>
+                        <m:r>
+                          <m:rPr>
+                            <m:nor/>
+                          </m:rPr>
+                          <a:rPr lang="it-IT" b="0" i="0" dirty="0" smtClean="0"/>
+                          <m:t>4.6</m:t>
+                        </m:r>
+                        <m:r>
+                          <m:rPr>
+                            <m:nor/>
+                          </m:rPr>
+                          <a:rPr lang="en-GB" dirty="0"/>
+                          <m:t>x</m:t>
+                        </m:r>
+                        <m:r>
+                          <m:rPr>
+                            <m:nor/>
+                          </m:rPr>
+                          <a:rPr lang="en-GB" dirty="0"/>
+                          <m:t>10</m:t>
+                        </m:r>
+                      </m:e>
+                      <m:sup>
+                        <m:r>
+                          <a:rPr lang="it-IT" b="0" i="1" smtClean="0">
+                            <a:latin typeface="Cambria Math" panose="02040503050406030204" pitchFamily="18" charset="0"/>
+                          </a:rPr>
+                          <m:t>−3</m:t>
+                        </m:r>
+                      </m:sup>
+                    </m:sSup>
+                  </m:oMath>
+                </a14:m>
+                <a:r>
+                  <a:rPr lang="en-GB" dirty="0"/>
+                  <a:t> % </a:t>
+                </a:r>
+              </a:p>
+            </p:txBody>
+          </p:sp>
+        </mc:Choice>
+        <mc:Fallback xmlns="">
+          <p:sp>
+            <p:nvSpPr>
+              <p:cNvPr id="9" name="CasellaDiTesto 8">
+                <a:extLst>
+                  <a:ext uri="{FF2B5EF4-FFF2-40B4-BE49-F238E27FC236}">
+                    <a16:creationId xmlns:a16="http://schemas.microsoft.com/office/drawing/2014/main" id="{C582E59B-AE15-F52E-5144-7767ABC72C58}"/>
+                  </a:ext>
+                </a:extLst>
+              </p:cNvPr>
+              <p:cNvSpPr txBox="1">
+                <a:spLocks noRot="1" noChangeAspect="1" noMove="1" noResize="1" noEditPoints="1" noAdjustHandles="1" noChangeArrowheads="1" noChangeShapeType="1" noTextEdit="1"/>
+              </p:cNvSpPr>
+              <p:nvPr/>
+            </p:nvSpPr>
+            <p:spPr>
+              <a:xfrm>
+                <a:off x="3029750" y="6242018"/>
+                <a:ext cx="3084499" cy="369332"/>
+              </a:xfrm>
+              <a:prstGeom prst="rect">
+                <a:avLst/>
+              </a:prstGeom>
+              <a:blipFill>
+                <a:blip r:embed="rId3"/>
+                <a:stretch>
+                  <a:fillRect l="-1639" t="-6667" r="-820" b="-26667"/>
+                </a:stretch>
+              </a:blipFill>
+            </p:spPr>
+            <p:txBody>
+              <a:bodyPr/>
+              <a:lstStyle/>
+              <a:p>
+                <a:r>
+                  <a:rPr lang="en-GB">
+                    <a:noFill/>
+                  </a:rPr>
+                  <a:t> </a:t>
+                </a:r>
+              </a:p>
+            </p:txBody>
+          </p:sp>
+        </mc:Fallback>
+      </mc:AlternateContent>
+      <mc:AlternateContent xmlns:mc="http://schemas.openxmlformats.org/markup-compatibility/2006" xmlns:a14="http://schemas.microsoft.com/office/drawing/2010/main">
+        <mc:Choice Requires="a14">
+          <p:sp>
+            <p:nvSpPr>
+              <p:cNvPr id="10" name="CasellaDiTesto 9">
+                <a:extLst>
+                  <a:ext uri="{FF2B5EF4-FFF2-40B4-BE49-F238E27FC236}">
+                    <a16:creationId xmlns:a16="http://schemas.microsoft.com/office/drawing/2014/main" id="{2C028165-8D8D-B323-A40F-BAEDF0CA42CD}"/>
+                  </a:ext>
+                </a:extLst>
+              </p:cNvPr>
+              <p:cNvSpPr txBox="1"/>
+              <p:nvPr/>
+            </p:nvSpPr>
+            <p:spPr>
+              <a:xfrm>
+                <a:off x="6114249" y="6242018"/>
+                <a:ext cx="3084499" cy="369332"/>
+              </a:xfrm>
+              <a:prstGeom prst="rect">
+                <a:avLst/>
+              </a:prstGeom>
+              <a:noFill/>
+            </p:spPr>
+            <p:txBody>
+              <a:bodyPr wrap="none" rtlCol="0">
+                <a:spAutoFit/>
+              </a:bodyPr>
+              <a:lstStyle/>
+              <a:p>
+                <a:r>
+                  <a:rPr lang="en-GB" dirty="0"/>
+                  <a:t>Maximum error = </a:t>
+                </a:r>
+                <a14:m>
+                  <m:oMath xmlns:m="http://schemas.openxmlformats.org/officeDocument/2006/math">
+                    <m:sSup>
+                      <m:sSupPr>
+                        <m:ctrlPr>
+                          <a:rPr lang="en-GB" i="1">
+                            <a:latin typeface="Cambria Math" panose="02040503050406030204" pitchFamily="18" charset="0"/>
+                          </a:rPr>
+                        </m:ctrlPr>
+                      </m:sSupPr>
+                      <m:e>
+                        <m:r>
+                          <m:rPr>
+                            <m:nor/>
+                          </m:rPr>
+                          <a:rPr lang="it-IT" b="0" i="0" dirty="0" smtClean="0"/>
+                          <m:t>4.6</m:t>
+                        </m:r>
+                        <m:r>
+                          <m:rPr>
+                            <m:nor/>
+                          </m:rPr>
+                          <a:rPr lang="en-GB" dirty="0"/>
+                          <m:t>x</m:t>
+                        </m:r>
+                        <m:r>
+                          <m:rPr>
+                            <m:nor/>
+                          </m:rPr>
+                          <a:rPr lang="en-GB" dirty="0"/>
+                          <m:t>10</m:t>
+                        </m:r>
+                      </m:e>
+                      <m:sup>
+                        <m:r>
+                          <a:rPr lang="it-IT" i="1">
+                            <a:latin typeface="Cambria Math" panose="02040503050406030204" pitchFamily="18" charset="0"/>
+                          </a:rPr>
+                          <m:t>−3</m:t>
+                        </m:r>
+                      </m:sup>
+                    </m:sSup>
+                  </m:oMath>
+                </a14:m>
+                <a:r>
+                  <a:rPr lang="en-GB" dirty="0"/>
+                  <a:t> % </a:t>
+                </a:r>
+              </a:p>
+            </p:txBody>
+          </p:sp>
+        </mc:Choice>
+        <mc:Fallback xmlns="">
+          <p:sp>
+            <p:nvSpPr>
+              <p:cNvPr id="10" name="CasellaDiTesto 9">
+                <a:extLst>
+                  <a:ext uri="{FF2B5EF4-FFF2-40B4-BE49-F238E27FC236}">
+                    <a16:creationId xmlns:a16="http://schemas.microsoft.com/office/drawing/2014/main" id="{2C028165-8D8D-B323-A40F-BAEDF0CA42CD}"/>
+                  </a:ext>
+                </a:extLst>
+              </p:cNvPr>
+              <p:cNvSpPr txBox="1">
+                <a:spLocks noRot="1" noChangeAspect="1" noMove="1" noResize="1" noEditPoints="1" noAdjustHandles="1" noChangeArrowheads="1" noChangeShapeType="1" noTextEdit="1"/>
+              </p:cNvSpPr>
+              <p:nvPr/>
+            </p:nvSpPr>
+            <p:spPr>
+              <a:xfrm>
+                <a:off x="6114249" y="6242018"/>
+                <a:ext cx="3084499" cy="369332"/>
+              </a:xfrm>
+              <a:prstGeom prst="rect">
+                <a:avLst/>
+              </a:prstGeom>
+              <a:blipFill>
+                <a:blip r:embed="rId4"/>
+                <a:stretch>
+                  <a:fillRect l="-1639" t="-6667" r="-820" b="-26667"/>
+                </a:stretch>
+              </a:blipFill>
+            </p:spPr>
+            <p:txBody>
+              <a:bodyPr/>
+              <a:lstStyle/>
+              <a:p>
+                <a:r>
+                  <a:rPr lang="en-GB">
+                    <a:noFill/>
+                  </a:rPr>
+                  <a:t> </a:t>
+                </a:r>
+              </a:p>
+            </p:txBody>
+          </p:sp>
+        </mc:Fallback>
+      </mc:AlternateContent>
+      <p:pic>
+        <p:nvPicPr>
+          <p:cNvPr id="11" name="Immagine 10">
+            <a:extLst>
+              <a:ext uri="{FF2B5EF4-FFF2-40B4-BE49-F238E27FC236}">
+                <a16:creationId xmlns:a16="http://schemas.microsoft.com/office/drawing/2014/main" id="{8D91E8DD-AF06-A30A-86EC-035721A1336D}"/>
+              </a:ext>
+            </a:extLst>
+          </p:cNvPr>
+          <p:cNvPicPr>
+            <a:picLocks noChangeAspect="1"/>
+          </p:cNvPicPr>
+          <p:nvPr/>
+        </p:nvPicPr>
+        <p:blipFill>
+          <a:blip r:embed="rId5"/>
+          <a:stretch>
+            <a:fillRect/>
+          </a:stretch>
+        </p:blipFill>
+        <p:spPr>
+          <a:xfrm>
+            <a:off x="116689" y="981927"/>
+            <a:ext cx="8501605" cy="2754710"/>
+          </a:xfrm>
+          <a:prstGeom prst="rect">
+            <a:avLst/>
+          </a:prstGeom>
+        </p:spPr>
+      </p:pic>
+      <p:sp>
+        <p:nvSpPr>
+          <p:cNvPr id="12" name="CasellaDiTesto 11">
+            <a:extLst>
+              <a:ext uri="{FF2B5EF4-FFF2-40B4-BE49-F238E27FC236}">
+                <a16:creationId xmlns:a16="http://schemas.microsoft.com/office/drawing/2014/main" id="{A74A429F-BF38-470E-9E04-61602DAB37EB}"/>
+              </a:ext>
+            </a:extLst>
+          </p:cNvPr>
+          <p:cNvSpPr txBox="1"/>
+          <p:nvPr/>
+        </p:nvSpPr>
+        <p:spPr>
+          <a:xfrm>
+            <a:off x="116690" y="701247"/>
+            <a:ext cx="3910188" cy="369332"/>
+          </a:xfrm>
+          <a:prstGeom prst="rect">
+            <a:avLst/>
+          </a:prstGeom>
+          <a:noFill/>
+        </p:spPr>
+        <p:txBody>
+          <a:bodyPr wrap="square">
+            <a:spAutoFit/>
+          </a:bodyPr>
+          <a:lstStyle/>
+          <a:p>
+            <a:pPr marL="285750" indent="-285750">
+              <a:buFont typeface="Wingdings" pitchFamily="2" charset="2"/>
+              <a:buChar char="ü"/>
+            </a:pPr>
+            <a:r>
+              <a:rPr lang="en-GB" dirty="0"/>
+              <a:t>Check done with reference case: </a:t>
+            </a:r>
+          </a:p>
+        </p:txBody>
+      </p:sp>
+      <mc:AlternateContent xmlns:mc="http://schemas.openxmlformats.org/markup-compatibility/2006" xmlns:a14="http://schemas.microsoft.com/office/drawing/2010/main">
+        <mc:Choice Requires="a14">
+          <p:sp>
+            <p:nvSpPr>
+              <p:cNvPr id="13" name="CasellaDiTesto 12">
+                <a:extLst>
+                  <a:ext uri="{FF2B5EF4-FFF2-40B4-BE49-F238E27FC236}">
+                    <a16:creationId xmlns:a16="http://schemas.microsoft.com/office/drawing/2014/main" id="{F6B2C720-A5AB-91C0-3279-1EFA9C1896ED}"/>
+                  </a:ext>
+                </a:extLst>
+              </p:cNvPr>
+              <p:cNvSpPr txBox="1"/>
+              <p:nvPr/>
+            </p:nvSpPr>
+            <p:spPr>
+              <a:xfrm>
+                <a:off x="3150705" y="3259937"/>
+                <a:ext cx="3084499" cy="369332"/>
+              </a:xfrm>
+              <a:prstGeom prst="rect">
+                <a:avLst/>
+              </a:prstGeom>
+              <a:noFill/>
+            </p:spPr>
+            <p:txBody>
+              <a:bodyPr wrap="none" rtlCol="0">
+                <a:spAutoFit/>
+              </a:bodyPr>
+              <a:lstStyle/>
+              <a:p>
+                <a:r>
+                  <a:rPr lang="en-GB" dirty="0"/>
+                  <a:t>Maximum error = </a:t>
+                </a:r>
+                <a14:m>
+                  <m:oMath xmlns:m="http://schemas.openxmlformats.org/officeDocument/2006/math">
+                    <m:sSup>
+                      <m:sSupPr>
+                        <m:ctrlPr>
+                          <a:rPr lang="en-GB" i="1" smtClean="0">
+                            <a:latin typeface="Cambria Math" panose="02040503050406030204" pitchFamily="18" charset="0"/>
+                          </a:rPr>
+                        </m:ctrlPr>
+                      </m:sSupPr>
+                      <m:e>
+                        <m:r>
+                          <m:rPr>
+                            <m:nor/>
+                          </m:rPr>
+                          <a:rPr lang="en-GB" dirty="0"/>
+                          <m:t>1.8</m:t>
+                        </m:r>
+                        <m:r>
+                          <m:rPr>
+                            <m:nor/>
+                          </m:rPr>
+                          <a:rPr lang="en-GB" dirty="0"/>
+                          <m:t>x</m:t>
+                        </m:r>
+                        <m:r>
+                          <m:rPr>
+                            <m:nor/>
+                          </m:rPr>
+                          <a:rPr lang="en-GB" dirty="0"/>
+                          <m:t>10</m:t>
+                        </m:r>
+                      </m:e>
+                      <m:sup>
+                        <m:r>
+                          <a:rPr lang="it-IT" b="0" i="1" smtClean="0">
+                            <a:latin typeface="Cambria Math" panose="02040503050406030204" pitchFamily="18" charset="0"/>
+                          </a:rPr>
+                          <m:t>−3</m:t>
+                        </m:r>
+                      </m:sup>
+                    </m:sSup>
+                  </m:oMath>
+                </a14:m>
+                <a:r>
+                  <a:rPr lang="en-GB" dirty="0"/>
+                  <a:t> % </a:t>
+                </a:r>
+              </a:p>
+            </p:txBody>
+          </p:sp>
+        </mc:Choice>
+        <mc:Fallback xmlns="">
+          <p:sp>
+            <p:nvSpPr>
+              <p:cNvPr id="13" name="CasellaDiTesto 12">
+                <a:extLst>
+                  <a:ext uri="{FF2B5EF4-FFF2-40B4-BE49-F238E27FC236}">
+                    <a16:creationId xmlns:a16="http://schemas.microsoft.com/office/drawing/2014/main" id="{F6B2C720-A5AB-91C0-3279-1EFA9C1896ED}"/>
+                  </a:ext>
+                </a:extLst>
+              </p:cNvPr>
+              <p:cNvSpPr txBox="1">
+                <a:spLocks noRot="1" noChangeAspect="1" noMove="1" noResize="1" noEditPoints="1" noAdjustHandles="1" noChangeArrowheads="1" noChangeShapeType="1" noTextEdit="1"/>
+              </p:cNvSpPr>
+              <p:nvPr/>
+            </p:nvSpPr>
+            <p:spPr>
+              <a:xfrm>
+                <a:off x="3150705" y="3259937"/>
+                <a:ext cx="3084499" cy="369332"/>
+              </a:xfrm>
+              <a:prstGeom prst="rect">
+                <a:avLst/>
+              </a:prstGeom>
+              <a:blipFill>
+                <a:blip r:embed="rId6"/>
+                <a:stretch>
+                  <a:fillRect l="-2049" t="-6667" r="-410" b="-26667"/>
+                </a:stretch>
+              </a:blipFill>
+            </p:spPr>
+            <p:txBody>
+              <a:bodyPr/>
+              <a:lstStyle/>
+              <a:p>
+                <a:r>
+                  <a:rPr lang="en-GB">
+                    <a:noFill/>
+                  </a:rPr>
+                  <a:t> </a:t>
+                </a:r>
+              </a:p>
+            </p:txBody>
+          </p:sp>
+        </mc:Fallback>
+      </mc:AlternateContent>
+      <mc:AlternateContent xmlns:mc="http://schemas.openxmlformats.org/markup-compatibility/2006" xmlns:a14="http://schemas.microsoft.com/office/drawing/2010/main">
+        <mc:Choice Requires="a14">
+          <p:sp>
+            <p:nvSpPr>
+              <p:cNvPr id="14" name="CasellaDiTesto 13">
+                <a:extLst>
+                  <a:ext uri="{FF2B5EF4-FFF2-40B4-BE49-F238E27FC236}">
+                    <a16:creationId xmlns:a16="http://schemas.microsoft.com/office/drawing/2014/main" id="{AA9B0178-3CFE-3EA0-4AA1-DA3793CA0147}"/>
+                  </a:ext>
+                </a:extLst>
+              </p:cNvPr>
+              <p:cNvSpPr txBox="1"/>
+              <p:nvPr/>
+            </p:nvSpPr>
+            <p:spPr>
+              <a:xfrm>
+                <a:off x="6142386" y="3259937"/>
+                <a:ext cx="3084499" cy="369332"/>
+              </a:xfrm>
+              <a:prstGeom prst="rect">
+                <a:avLst/>
+              </a:prstGeom>
+              <a:noFill/>
+            </p:spPr>
+            <p:txBody>
+              <a:bodyPr wrap="none" rtlCol="0">
+                <a:spAutoFit/>
+              </a:bodyPr>
+              <a:lstStyle/>
+              <a:p>
+                <a:r>
+                  <a:rPr lang="en-GB" dirty="0"/>
+                  <a:t>Maximum error = </a:t>
+                </a:r>
+                <a14:m>
+                  <m:oMath xmlns:m="http://schemas.openxmlformats.org/officeDocument/2006/math">
+                    <m:sSup>
+                      <m:sSupPr>
+                        <m:ctrlPr>
+                          <a:rPr lang="en-GB" i="1">
+                            <a:latin typeface="Cambria Math" panose="02040503050406030204" pitchFamily="18" charset="0"/>
+                          </a:rPr>
+                        </m:ctrlPr>
+                      </m:sSupPr>
+                      <m:e>
+                        <m:r>
+                          <m:rPr>
+                            <m:nor/>
+                          </m:rPr>
+                          <a:rPr lang="en-GB" dirty="0"/>
+                          <m:t>1.8</m:t>
+                        </m:r>
+                        <m:r>
+                          <m:rPr>
+                            <m:nor/>
+                          </m:rPr>
+                          <a:rPr lang="en-GB" dirty="0"/>
+                          <m:t>x</m:t>
+                        </m:r>
+                        <m:r>
+                          <m:rPr>
+                            <m:nor/>
+                          </m:rPr>
+                          <a:rPr lang="en-GB" dirty="0"/>
+                          <m:t>10</m:t>
+                        </m:r>
+                      </m:e>
+                      <m:sup>
+                        <m:r>
+                          <a:rPr lang="it-IT" i="1">
+                            <a:latin typeface="Cambria Math" panose="02040503050406030204" pitchFamily="18" charset="0"/>
+                          </a:rPr>
+                          <m:t>−3</m:t>
+                        </m:r>
+                      </m:sup>
+                    </m:sSup>
+                  </m:oMath>
+                </a14:m>
+                <a:r>
+                  <a:rPr lang="en-GB" dirty="0"/>
+                  <a:t> % </a:t>
+                </a:r>
+              </a:p>
+            </p:txBody>
+          </p:sp>
+        </mc:Choice>
+        <mc:Fallback xmlns="">
+          <p:sp>
+            <p:nvSpPr>
+              <p:cNvPr id="14" name="CasellaDiTesto 13">
+                <a:extLst>
+                  <a:ext uri="{FF2B5EF4-FFF2-40B4-BE49-F238E27FC236}">
+                    <a16:creationId xmlns:a16="http://schemas.microsoft.com/office/drawing/2014/main" id="{AA9B0178-3CFE-3EA0-4AA1-DA3793CA0147}"/>
+                  </a:ext>
+                </a:extLst>
+              </p:cNvPr>
+              <p:cNvSpPr txBox="1">
+                <a:spLocks noRot="1" noChangeAspect="1" noMove="1" noResize="1" noEditPoints="1" noAdjustHandles="1" noChangeArrowheads="1" noChangeShapeType="1" noTextEdit="1"/>
+              </p:cNvSpPr>
+              <p:nvPr/>
+            </p:nvSpPr>
+            <p:spPr>
+              <a:xfrm>
+                <a:off x="6142386" y="3259937"/>
+                <a:ext cx="3084499" cy="369332"/>
+              </a:xfrm>
+              <a:prstGeom prst="rect">
+                <a:avLst/>
+              </a:prstGeom>
+              <a:blipFill>
+                <a:blip r:embed="rId7"/>
+                <a:stretch>
+                  <a:fillRect l="-1639" t="-6667" r="-820" b="-26667"/>
+                </a:stretch>
+              </a:blipFill>
+            </p:spPr>
+            <p:txBody>
+              <a:bodyPr/>
+              <a:lstStyle/>
+              <a:p>
+                <a:r>
+                  <a:rPr lang="en-GB">
+                    <a:noFill/>
+                  </a:rPr>
+                  <a:t> </a:t>
+                </a:r>
+              </a:p>
+            </p:txBody>
+          </p:sp>
+        </mc:Fallback>
+      </mc:AlternateContent>
+    </p:spTree>
+    <p:extLst>
+      <p:ext uri="{BB962C8B-B14F-4D97-AF65-F5344CB8AC3E}">
+        <p14:creationId xmlns:p14="http://schemas.microsoft.com/office/powerpoint/2010/main" val="3445632210"/>
+      </p:ext>
+    </p:extLst>
+  </p:cSld>
+  <p:clrMapOvr>
+    <a:masterClrMapping/>
+  </p:clrMapOvr>
+</p:sld>
+</file>
+
+<file path=ppt/slides/slide11.xml><?xml version="1.0" encoding="utf-8"?>
 <p:sld xmlns:a="http://schemas.openxmlformats.org/drawingml/2006/main" xmlns:r="http://schemas.openxmlformats.org/officeDocument/2006/relationships" xmlns:p="http://schemas.openxmlformats.org/presentationml/2006/main">
   <p:cSld>
     <p:spTree>
@@ -25006,6 +26685,364 @@
           </a:p>
         </p:txBody>
       </p:sp>
+      <mc:AlternateContent xmlns:mc="http://schemas.openxmlformats.org/markup-compatibility/2006" xmlns:a14="http://schemas.microsoft.com/office/drawing/2010/main">
+        <mc:Choice Requires="a14">
+          <p:sp>
+            <p:nvSpPr>
+              <p:cNvPr id="6" name="CasellaDiTesto 5">
+                <a:extLst>
+                  <a:ext uri="{FF2B5EF4-FFF2-40B4-BE49-F238E27FC236}">
+                    <a16:creationId xmlns:a16="http://schemas.microsoft.com/office/drawing/2014/main" id="{963DF4F6-686F-57D1-F03E-17EE0FF43141}"/>
+                  </a:ext>
+                </a:extLst>
+              </p:cNvPr>
+              <p:cNvSpPr txBox="1"/>
+              <p:nvPr/>
+            </p:nvSpPr>
+            <p:spPr>
+              <a:xfrm>
+                <a:off x="2979569" y="1765240"/>
+                <a:ext cx="5984792" cy="646331"/>
+              </a:xfrm>
+              <a:prstGeom prst="rect">
+                <a:avLst/>
+              </a:prstGeom>
+              <a:noFill/>
+            </p:spPr>
+            <p:txBody>
+              <a:bodyPr wrap="square" rtlCol="0">
+                <a:spAutoFit/>
+              </a:bodyPr>
+              <a:lstStyle/>
+              <a:p>
+                <a:r>
+                  <a:rPr lang="en-GB" dirty="0"/>
+                  <a:t>POD-greedy = 27 minutes x </a:t>
+                </a:r>
+                <a14:m>
+                  <m:oMath xmlns:m="http://schemas.openxmlformats.org/officeDocument/2006/math">
+                    <m:r>
+                      <a:rPr lang="en-GB" i="1" dirty="0" smtClean="0">
+                        <a:latin typeface="Cambria Math" panose="02040503050406030204" pitchFamily="18" charset="0"/>
+                      </a:rPr>
+                      <m:t>𝑛</m:t>
+                    </m:r>
+                  </m:oMath>
+                </a14:m>
+                <a:r>
+                  <a:rPr lang="en-GB" dirty="0"/>
+                  <a:t>-iterations </a:t>
+                </a:r>
+              </a:p>
+              <a:p>
+                <a:r>
+                  <a:rPr lang="en-GB" dirty="0"/>
+                  <a:t>		       = 27 minutes x 8 = 3.6 hours  </a:t>
+                </a:r>
+              </a:p>
+            </p:txBody>
+          </p:sp>
+        </mc:Choice>
+        <mc:Fallback xmlns="">
+          <p:sp>
+            <p:nvSpPr>
+              <p:cNvPr id="6" name="CasellaDiTesto 5">
+                <a:extLst>
+                  <a:ext uri="{FF2B5EF4-FFF2-40B4-BE49-F238E27FC236}">
+                    <a16:creationId xmlns:a16="http://schemas.microsoft.com/office/drawing/2014/main" id="{963DF4F6-686F-57D1-F03E-17EE0FF43141}"/>
+                  </a:ext>
+                </a:extLst>
+              </p:cNvPr>
+              <p:cNvSpPr txBox="1">
+                <a:spLocks noRot="1" noChangeAspect="1" noMove="1" noResize="1" noEditPoints="1" noAdjustHandles="1" noChangeArrowheads="1" noChangeShapeType="1" noTextEdit="1"/>
+              </p:cNvSpPr>
+              <p:nvPr/>
+            </p:nvSpPr>
+            <p:spPr>
+              <a:xfrm>
+                <a:off x="2979569" y="1765240"/>
+                <a:ext cx="5984792" cy="646331"/>
+              </a:xfrm>
+              <a:prstGeom prst="rect">
+                <a:avLst/>
+              </a:prstGeom>
+              <a:blipFill>
+                <a:blip r:embed="rId2"/>
+                <a:stretch>
+                  <a:fillRect l="-846" t="-5769" b="-11538"/>
+                </a:stretch>
+              </a:blipFill>
+            </p:spPr>
+            <p:txBody>
+              <a:bodyPr/>
+              <a:lstStyle/>
+              <a:p>
+                <a:r>
+                  <a:rPr lang="en-GB">
+                    <a:noFill/>
+                  </a:rPr>
+                  <a:t> </a:t>
+                </a:r>
+              </a:p>
+            </p:txBody>
+          </p:sp>
+        </mc:Fallback>
+      </mc:AlternateContent>
+      <p:sp>
+        <p:nvSpPr>
+          <p:cNvPr id="7" name="Parentesi graffa chiusa 6">
+            <a:extLst>
+              <a:ext uri="{FF2B5EF4-FFF2-40B4-BE49-F238E27FC236}">
+                <a16:creationId xmlns:a16="http://schemas.microsoft.com/office/drawing/2014/main" id="{3A569382-EA79-D1C1-D9E3-BE7D15FA403D}"/>
+              </a:ext>
+            </a:extLst>
+          </p:cNvPr>
+          <p:cNvSpPr/>
+          <p:nvPr/>
+        </p:nvSpPr>
+        <p:spPr>
+          <a:xfrm>
+            <a:off x="2706860" y="1806955"/>
+            <a:ext cx="157095" cy="536852"/>
+          </a:xfrm>
+          <a:prstGeom prst="rightBrace">
+            <a:avLst/>
+          </a:prstGeom>
+          <a:ln w="19050">
+            <a:solidFill>
+              <a:schemeClr val="tx1"/>
+            </a:solidFill>
+          </a:ln>
+        </p:spPr>
+        <p:style>
+          <a:lnRef idx="1">
+            <a:schemeClr val="accent1"/>
+          </a:lnRef>
+          <a:fillRef idx="0">
+            <a:schemeClr val="accent1"/>
+          </a:fillRef>
+          <a:effectRef idx="0">
+            <a:schemeClr val="accent1"/>
+          </a:effectRef>
+          <a:fontRef idx="minor">
+            <a:schemeClr val="tx1"/>
+          </a:fontRef>
+        </p:style>
+        <p:txBody>
+          <a:bodyPr rtlCol="0" anchor="ctr"/>
+          <a:lstStyle/>
+          <a:p>
+            <a:pPr algn="ctr"/>
+            <a:endParaRPr lang="en-GB" dirty="0"/>
+          </a:p>
+        </p:txBody>
+      </p:sp>
+      <p:sp>
+        <p:nvSpPr>
+          <p:cNvPr id="8" name="CasellaDiTesto 7">
+            <a:extLst>
+              <a:ext uri="{FF2B5EF4-FFF2-40B4-BE49-F238E27FC236}">
+                <a16:creationId xmlns:a16="http://schemas.microsoft.com/office/drawing/2014/main" id="{FD9FE2B6-F4F6-024C-D7FD-B201EE89D0A6}"/>
+              </a:ext>
+            </a:extLst>
+          </p:cNvPr>
+          <p:cNvSpPr txBox="1"/>
+          <p:nvPr/>
+        </p:nvSpPr>
+        <p:spPr>
+          <a:xfrm>
+            <a:off x="179639" y="987972"/>
+            <a:ext cx="2513188" cy="1785104"/>
+          </a:xfrm>
+          <a:prstGeom prst="rect">
+            <a:avLst/>
+          </a:prstGeom>
+          <a:noFill/>
+        </p:spPr>
+        <p:txBody>
+          <a:bodyPr wrap="none" rtlCol="0">
+            <a:spAutoFit/>
+          </a:bodyPr>
+          <a:lstStyle/>
+          <a:p>
+            <a:pPr>
+              <a:spcAft>
+                <a:spcPts val="600"/>
+              </a:spcAft>
+            </a:pPr>
+            <a:r>
+              <a:rPr lang="en-GB" dirty="0"/>
+              <a:t>Offline phase: </a:t>
+            </a:r>
+          </a:p>
+          <a:p>
+            <a:pPr marL="285750" indent="-285750">
+              <a:spcAft>
+                <a:spcPts val="600"/>
+              </a:spcAft>
+              <a:buFont typeface="Arial" panose="020B0604020202020204" pitchFamily="34" charset="0"/>
+              <a:buChar char="•"/>
+            </a:pPr>
+            <a:r>
+              <a:rPr lang="en-GB" dirty="0" err="1"/>
+              <a:t>FreeFEM</a:t>
+            </a:r>
+            <a:r>
+              <a:rPr lang="en-GB" dirty="0"/>
+              <a:t>: 3 minutes</a:t>
+            </a:r>
+          </a:p>
+          <a:p>
+            <a:pPr marL="285750" indent="-285750">
+              <a:spcAft>
+                <a:spcPts val="600"/>
+              </a:spcAft>
+              <a:buFont typeface="Arial" panose="020B0604020202020204" pitchFamily="34" charset="0"/>
+              <a:buChar char="•"/>
+            </a:pPr>
+            <a:r>
+              <a:rPr lang="en-GB" dirty="0"/>
+              <a:t>Full order: 7 minutes</a:t>
+            </a:r>
+          </a:p>
+          <a:p>
+            <a:pPr marL="285750" indent="-285750">
+              <a:spcAft>
+                <a:spcPts val="600"/>
+              </a:spcAft>
+              <a:buFont typeface="Arial" panose="020B0604020202020204" pitchFamily="34" charset="0"/>
+              <a:buChar char="•"/>
+            </a:pPr>
+            <a:r>
+              <a:rPr lang="en-GB" dirty="0"/>
+              <a:t>POD: 20 minutes  </a:t>
+            </a:r>
+          </a:p>
+          <a:p>
+            <a:pPr>
+              <a:spcAft>
+                <a:spcPts val="600"/>
+              </a:spcAft>
+            </a:pPr>
+            <a:r>
+              <a:rPr lang="en-GB" dirty="0"/>
+              <a:t>= </a:t>
+            </a:r>
+            <a:r>
+              <a:rPr lang="en-GB" dirty="0">
+                <a:solidFill>
+                  <a:srgbClr val="F79646"/>
+                </a:solidFill>
+              </a:rPr>
+              <a:t>3.6 ore </a:t>
+            </a:r>
+          </a:p>
+        </p:txBody>
+      </p:sp>
+      <p:sp>
+        <p:nvSpPr>
+          <p:cNvPr id="10" name="CasellaDiTesto 9">
+            <a:extLst>
+              <a:ext uri="{FF2B5EF4-FFF2-40B4-BE49-F238E27FC236}">
+                <a16:creationId xmlns:a16="http://schemas.microsoft.com/office/drawing/2014/main" id="{0E67B500-37D0-D61B-66AA-AF067778173E}"/>
+              </a:ext>
+            </a:extLst>
+          </p:cNvPr>
+          <p:cNvSpPr txBox="1"/>
+          <p:nvPr/>
+        </p:nvSpPr>
+        <p:spPr>
+          <a:xfrm>
+            <a:off x="179639" y="3371575"/>
+            <a:ext cx="4661338" cy="369332"/>
+          </a:xfrm>
+          <a:prstGeom prst="rect">
+            <a:avLst/>
+          </a:prstGeom>
+          <a:noFill/>
+        </p:spPr>
+        <p:txBody>
+          <a:bodyPr wrap="square">
+            <a:spAutoFit/>
+          </a:bodyPr>
+          <a:lstStyle/>
+          <a:p>
+            <a:pPr>
+              <a:spcAft>
+                <a:spcPts val="600"/>
+              </a:spcAft>
+            </a:pPr>
+            <a:r>
+              <a:rPr lang="en-GB" dirty="0"/>
+              <a:t>Online phase in </a:t>
+            </a:r>
+            <a:r>
+              <a:rPr lang="en-GB" dirty="0" err="1"/>
+              <a:t>sciantix</a:t>
+            </a:r>
+            <a:r>
+              <a:rPr lang="en-GB" dirty="0"/>
+              <a:t>: </a:t>
+            </a:r>
+            <a:r>
+              <a:rPr lang="en-GB" dirty="0">
+                <a:solidFill>
+                  <a:srgbClr val="F79646"/>
+                </a:solidFill>
+              </a:rPr>
+              <a:t>5 seconds </a:t>
+            </a:r>
+          </a:p>
+        </p:txBody>
+      </p:sp>
+      <p:sp>
+        <p:nvSpPr>
+          <p:cNvPr id="11" name="CasellaDiTesto 10">
+            <a:extLst>
+              <a:ext uri="{FF2B5EF4-FFF2-40B4-BE49-F238E27FC236}">
+                <a16:creationId xmlns:a16="http://schemas.microsoft.com/office/drawing/2014/main" id="{837D29B1-6F81-8E2F-33CC-7E144BE256B5}"/>
+              </a:ext>
+            </a:extLst>
+          </p:cNvPr>
+          <p:cNvSpPr txBox="1"/>
+          <p:nvPr/>
+        </p:nvSpPr>
+        <p:spPr>
+          <a:xfrm>
+            <a:off x="179639" y="4228622"/>
+            <a:ext cx="4661338" cy="369332"/>
+          </a:xfrm>
+          <a:prstGeom prst="rect">
+            <a:avLst/>
+          </a:prstGeom>
+          <a:noFill/>
+        </p:spPr>
+        <p:txBody>
+          <a:bodyPr wrap="square">
+            <a:spAutoFit/>
+          </a:bodyPr>
+          <a:lstStyle/>
+          <a:p>
+            <a:pPr>
+              <a:spcAft>
+                <a:spcPts val="600"/>
+              </a:spcAft>
+            </a:pPr>
+            <a:r>
+              <a:rPr lang="en-GB" dirty="0"/>
+              <a:t>Speed-up: </a:t>
+            </a:r>
+            <a:r>
+              <a:rPr lang="en-GB" dirty="0">
+                <a:solidFill>
+                  <a:srgbClr val="F79646"/>
+                </a:solidFill>
+              </a:rPr>
+              <a:t>2592 </a:t>
+            </a:r>
+          </a:p>
+        </p:txBody>
+      </p:sp>
     </p:spTree>
     <p:extLst>
       <p:ext uri="{BB962C8B-B14F-4D97-AF65-F5344CB8AC3E}">
@@ -25019,7 +27056,7 @@
 </p:sld>
 </file>
 
-<file path=ppt/slides/slide11.xml><?xml version="1.0" encoding="utf-8"?>
+<file path=ppt/slides/slide12.xml><?xml version="1.0" encoding="utf-8"?>
 <p:sld xmlns:a="http://schemas.openxmlformats.org/drawingml/2006/main" xmlns:r="http://schemas.openxmlformats.org/officeDocument/2006/relationships" xmlns:p="http://schemas.openxmlformats.org/presentationml/2006/main">
   <p:cSld>
     <p:spTree>
@@ -25066,6 +27103,36 @@
           </a:p>
         </p:txBody>
       </p:sp>
+      <p:pic>
+        <p:nvPicPr>
+          <p:cNvPr id="3" name="Immagine 2">
+            <a:extLst>
+              <a:ext uri="{FF2B5EF4-FFF2-40B4-BE49-F238E27FC236}">
+                <a16:creationId xmlns:a16="http://schemas.microsoft.com/office/drawing/2014/main" id="{614EFE0A-5BF0-3C01-D4BB-30D26425ED25}"/>
+              </a:ext>
+            </a:extLst>
+          </p:cNvPr>
+          <p:cNvPicPr>
+            <a:picLocks noChangeAspect="1"/>
+          </p:cNvPicPr>
+          <p:nvPr/>
+        </p:nvPicPr>
+        <p:blipFill>
+          <a:blip r:embed="rId2"/>
+          <a:stretch>
+            <a:fillRect/>
+          </a:stretch>
+        </p:blipFill>
+        <p:spPr>
+          <a:xfrm>
+            <a:off x="272005" y="1518202"/>
+            <a:ext cx="6120011" cy="4355824"/>
+          </a:xfrm>
+          <a:prstGeom prst="rect">
+            <a:avLst/>
+          </a:prstGeom>
+        </p:spPr>
+      </p:pic>
     </p:spTree>
     <p:extLst>
       <p:ext uri="{BB962C8B-B14F-4D97-AF65-F5344CB8AC3E}">
@@ -25079,7 +27146,7 @@
 </p:sld>
 </file>
 
-<file path=ppt/slides/slide12.xml><?xml version="1.0" encoding="utf-8"?>
+<file path=ppt/slides/slide13.xml><?xml version="1.0" encoding="utf-8"?>
 <p:sld xmlns:a="http://schemas.openxmlformats.org/drawingml/2006/main" xmlns:r="http://schemas.openxmlformats.org/officeDocument/2006/relationships" xmlns:p="http://schemas.openxmlformats.org/presentationml/2006/main">
   <p:cSld>
     <p:spTree>
@@ -25126,6 +27193,189 @@
           </a:p>
         </p:txBody>
       </p:sp>
+      <p:sp>
+        <p:nvSpPr>
+          <p:cNvPr id="4" name="CasellaDiTesto 3">
+            <a:extLst>
+              <a:ext uri="{FF2B5EF4-FFF2-40B4-BE49-F238E27FC236}">
+                <a16:creationId xmlns:a16="http://schemas.microsoft.com/office/drawing/2014/main" id="{923076F0-EB31-AD07-FFE2-0DECDD8474E6}"/>
+              </a:ext>
+            </a:extLst>
+          </p:cNvPr>
+          <p:cNvSpPr txBox="1"/>
+          <p:nvPr/>
+        </p:nvSpPr>
+        <p:spPr>
+          <a:xfrm>
+            <a:off x="0" y="829124"/>
+            <a:ext cx="8955157" cy="5816977"/>
+          </a:xfrm>
+          <a:prstGeom prst="rect">
+            <a:avLst/>
+          </a:prstGeom>
+          <a:noFill/>
+        </p:spPr>
+        <p:txBody>
+          <a:bodyPr wrap="square">
+            <a:spAutoFit/>
+          </a:bodyPr>
+          <a:lstStyle/>
+          <a:p>
+            <a:pPr marL="285750" indent="-285750">
+              <a:spcAft>
+                <a:spcPts val="1200"/>
+              </a:spcAft>
+              <a:buFont typeface="Wingdings" pitchFamily="2" charset="2"/>
+              <a:buChar char="q"/>
+            </a:pPr>
+            <a:r>
+              <a:rPr lang="en-GB" dirty="0"/>
+              <a:t>Define the dedicated coupling interface between SCIANTIX and TRANSURANUS to account for columnar grains. </a:t>
+            </a:r>
+          </a:p>
+          <a:p>
+            <a:pPr>
+              <a:spcAft>
+                <a:spcPts val="1200"/>
+              </a:spcAft>
+            </a:pPr>
+            <a:endParaRPr lang="en-GB" dirty="0"/>
+          </a:p>
+          <a:p>
+            <a:pPr>
+              <a:spcAft>
+                <a:spcPts val="1200"/>
+              </a:spcAft>
+            </a:pPr>
+            <a:endParaRPr lang="en-GB" dirty="0"/>
+          </a:p>
+          <a:p>
+            <a:pPr>
+              <a:spcAft>
+                <a:spcPts val="1200"/>
+              </a:spcAft>
+            </a:pPr>
+            <a:endParaRPr lang="en-GB" dirty="0"/>
+          </a:p>
+          <a:p>
+            <a:pPr>
+              <a:spcAft>
+                <a:spcPts val="1200"/>
+              </a:spcAft>
+            </a:pPr>
+            <a:endParaRPr lang="en-GB" dirty="0"/>
+          </a:p>
+          <a:p>
+            <a:pPr>
+              <a:spcAft>
+                <a:spcPts val="1200"/>
+              </a:spcAft>
+            </a:pPr>
+            <a:endParaRPr lang="en-GB" dirty="0"/>
+          </a:p>
+          <a:p>
+            <a:pPr>
+              <a:spcAft>
+                <a:spcPts val="1200"/>
+              </a:spcAft>
+            </a:pPr>
+            <a:endParaRPr lang="en-GB" dirty="0"/>
+          </a:p>
+          <a:p>
+            <a:pPr>
+              <a:spcAft>
+                <a:spcPts val="1200"/>
+              </a:spcAft>
+            </a:pPr>
+            <a:endParaRPr lang="en-GB" dirty="0"/>
+          </a:p>
+          <a:p>
+            <a:pPr>
+              <a:spcAft>
+                <a:spcPts val="1200"/>
+              </a:spcAft>
+            </a:pPr>
+            <a:endParaRPr lang="en-GB" dirty="0"/>
+          </a:p>
+          <a:p>
+            <a:pPr>
+              <a:spcAft>
+                <a:spcPts val="1200"/>
+              </a:spcAft>
+            </a:pPr>
+            <a:endParaRPr lang="en-GB" dirty="0"/>
+          </a:p>
+          <a:p>
+            <a:pPr marL="285750" indent="-285750">
+              <a:spcAft>
+                <a:spcPts val="1200"/>
+              </a:spcAft>
+              <a:buFont typeface="Wingdings" pitchFamily="2" charset="2"/>
+              <a:buChar char="q"/>
+            </a:pPr>
+            <a:r>
+              <a:rPr lang="en-GB" dirty="0"/>
+              <a:t>Apply the algorithm to integral irradiation cases: </a:t>
+            </a:r>
+          </a:p>
+          <a:p>
+            <a:pPr marL="742950" lvl="1" indent="-285750">
+              <a:spcAft>
+                <a:spcPts val="1200"/>
+              </a:spcAft>
+              <a:buFont typeface="Wingdings" pitchFamily="2" charset="2"/>
+              <a:buChar char="Ø"/>
+            </a:pPr>
+            <a:r>
+              <a:rPr lang="en-GB" dirty="0"/>
+              <a:t>SUPERFACT-1</a:t>
+            </a:r>
+          </a:p>
+          <a:p>
+            <a:pPr marL="742950" lvl="1" indent="-285750">
+              <a:spcAft>
+                <a:spcPts val="1200"/>
+              </a:spcAft>
+              <a:buFont typeface="Wingdings" pitchFamily="2" charset="2"/>
+              <a:buChar char="Ø"/>
+            </a:pPr>
+            <a:r>
+              <a:rPr lang="en-GB" dirty="0"/>
+              <a:t>SPHERE </a:t>
+            </a:r>
+          </a:p>
+        </p:txBody>
+      </p:sp>
+      <p:pic>
+        <p:nvPicPr>
+          <p:cNvPr id="6" name="Immagine 5">
+            <a:extLst>
+              <a:ext uri="{FF2B5EF4-FFF2-40B4-BE49-F238E27FC236}">
+                <a16:creationId xmlns:a16="http://schemas.microsoft.com/office/drawing/2014/main" id="{AD2E7031-AF2D-124D-5CC3-7B5B11CB5F8F}"/>
+              </a:ext>
+            </a:extLst>
+          </p:cNvPr>
+          <p:cNvPicPr>
+            <a:picLocks noChangeAspect="1"/>
+          </p:cNvPicPr>
+          <p:nvPr/>
+        </p:nvPicPr>
+        <p:blipFill>
+          <a:blip r:embed="rId2"/>
+          <a:stretch>
+            <a:fillRect/>
+          </a:stretch>
+        </p:blipFill>
+        <p:spPr>
+          <a:xfrm>
+            <a:off x="741362" y="1463813"/>
+            <a:ext cx="7661275" cy="3545508"/>
+          </a:xfrm>
+          <a:prstGeom prst="rect">
+            <a:avLst/>
+          </a:prstGeom>
+        </p:spPr>
+      </p:pic>
     </p:spTree>
     <p:extLst>
       <p:ext uri="{BB962C8B-B14F-4D97-AF65-F5344CB8AC3E}">
@@ -25139,7 +27389,7 @@
 </p:sld>
 </file>
 
-<file path=ppt/slides/slide13.xml><?xml version="1.0" encoding="utf-8"?>
+<file path=ppt/slides/slide14.xml><?xml version="1.0" encoding="utf-8"?>
 <p:sld xmlns:a="http://schemas.openxmlformats.org/drawingml/2006/main" xmlns:r="http://schemas.openxmlformats.org/officeDocument/2006/relationships" xmlns:p="http://schemas.openxmlformats.org/presentationml/2006/main">
   <p:cSld>
     <p:spTree>
@@ -25268,7 +27518,7 @@
 </p:sld>
 </file>
 
-<file path=ppt/slides/slide14.xml><?xml version="1.0" encoding="utf-8"?>
+<file path=ppt/slides/slide15.xml><?xml version="1.0" encoding="utf-8"?>
 <p:sld xmlns:a="http://schemas.openxmlformats.org/drawingml/2006/main" xmlns:r="http://schemas.openxmlformats.org/officeDocument/2006/relationships" xmlns:p="http://schemas.openxmlformats.org/presentationml/2006/main">
   <p:cSld>
     <p:spTree>
@@ -26184,7 +28434,7 @@
 </p:sld>
 </file>
 
-<file path=ppt/slides/slide15.xml><?xml version="1.0" encoding="utf-8"?>
+<file path=ppt/slides/slide16.xml><?xml version="1.0" encoding="utf-8"?>
 <p:sld xmlns:a="http://schemas.openxmlformats.org/drawingml/2006/main" xmlns:r="http://schemas.openxmlformats.org/officeDocument/2006/relationships" xmlns:p="http://schemas.openxmlformats.org/presentationml/2006/main">
   <p:cSld>
     <p:spTree>
@@ -26268,7 +28518,7 @@
 </p:sld>
 </file>
 
-<file path=ppt/slides/slide16.xml><?xml version="1.0" encoding="utf-8"?>
+<file path=ppt/slides/slide17.xml><?xml version="1.0" encoding="utf-8"?>
 <p:sld xmlns:a="http://schemas.openxmlformats.org/drawingml/2006/main" xmlns:r="http://schemas.openxmlformats.org/officeDocument/2006/relationships" xmlns:p="http://schemas.openxmlformats.org/presentationml/2006/main">
   <p:cSld>
     <p:spTree>
@@ -28693,7 +30943,7 @@
 </p:sld>
 </file>
 
-<file path=ppt/slides/slide17.xml><?xml version="1.0" encoding="utf-8"?>
+<file path=ppt/slides/slide18.xml><?xml version="1.0" encoding="utf-8"?>
 <p:sld xmlns:a="http://schemas.openxmlformats.org/drawingml/2006/main" xmlns:r="http://schemas.openxmlformats.org/officeDocument/2006/relationships" xmlns:p="http://schemas.openxmlformats.org/presentationml/2006/main">
   <p:cSld>
     <p:spTree>
@@ -29544,7 +31794,7 @@
             </p:nvSpPr>
             <p:spPr>
               <a:xfrm>
-                <a:off x="272005" y="1155788"/>
+                <a:off x="272005" y="966947"/>
                 <a:ext cx="2961901" cy="1248547"/>
               </a:xfrm>
               <a:prstGeom prst="rect">
@@ -29886,7 +32136,7 @@
             </p:nvSpPr>
             <p:spPr>
               <a:xfrm>
-                <a:off x="272005" y="1155788"/>
+                <a:off x="272005" y="966947"/>
                 <a:ext cx="2961901" cy="1248547"/>
               </a:xfrm>
               <a:prstGeom prst="rect">
@@ -29930,7 +32180,7 @@
             </p:nvSpPr>
             <p:spPr>
               <a:xfrm>
-                <a:off x="520310" y="2658694"/>
+                <a:off x="520311" y="5505978"/>
                 <a:ext cx="2931765" cy="573170"/>
               </a:xfrm>
               <a:prstGeom prst="rect">
@@ -30173,7 +32423,7 @@
             </p:nvSpPr>
             <p:spPr>
               <a:xfrm>
-                <a:off x="520310" y="2658694"/>
+                <a:off x="520311" y="5505978"/>
                 <a:ext cx="2931765" cy="573170"/>
               </a:xfrm>
               <a:prstGeom prst="rect">
@@ -30217,8 +32467,8 @@
             </p:nvSpPr>
             <p:spPr>
               <a:xfrm>
-                <a:off x="3555726" y="4476849"/>
-                <a:ext cx="5588274" cy="1995098"/>
+                <a:off x="3799841" y="2177136"/>
+                <a:ext cx="5344159" cy="2409634"/>
               </a:xfrm>
               <a:prstGeom prst="rect">
                 <a:avLst/>
@@ -30232,16 +32482,10 @@
               <a:lstStyle/>
               <a:p>
                 <a:r>
-                  <a:rPr lang="it-IT" dirty="0" err="1">
-                    <a:latin typeface="Aptos Light" panose="020B0004020202020204" pitchFamily="34" charset="0"/>
-                  </a:rPr>
-                  <a:t>Where</a:t>
-                </a:r>
-                <a:r>
                   <a:rPr lang="it-IT" dirty="0">
                     <a:latin typeface="Aptos Light" panose="020B0004020202020204" pitchFamily="34" charset="0"/>
                   </a:rPr>
-                  <a:t>: </a:t>
+                  <a:t>Where: </a:t>
                 </a:r>
               </a:p>
               <a:p>
@@ -30900,6 +33144,157 @@
                   <a:latin typeface="Aptos Light" panose="020B0004020202020204" pitchFamily="34" charset="0"/>
                 </a:endParaRPr>
               </a:p>
+              <a:p>
+                <a:pPr marL="285750" indent="-285750">
+                  <a:buFont typeface="Arial" panose="020B0604020202020204" pitchFamily="34" charset="0"/>
+                  <a:buChar char="•"/>
+                </a:pPr>
+                <a14:m>
+                  <m:oMath xmlns:m="http://schemas.openxmlformats.org/officeDocument/2006/math">
+                    <m:sSub>
+                      <m:sSubPr>
+                        <m:ctrlPr>
+                          <a:rPr lang="it-IT" b="0" i="1" smtClean="0">
+                            <a:latin typeface="Cambria Math" panose="02040503050406030204" pitchFamily="18" charset="0"/>
+                          </a:rPr>
+                        </m:ctrlPr>
+                      </m:sSubPr>
+                      <m:e>
+                        <m:r>
+                          <a:rPr lang="it-IT" b="0" i="1" smtClean="0">
+                            <a:latin typeface="Cambria Math" panose="02040503050406030204" pitchFamily="18" charset="0"/>
+                          </a:rPr>
+                          <m:t>𝐷</m:t>
+                        </m:r>
+                      </m:e>
+                      <m:sub>
+                        <m:r>
+                          <a:rPr lang="it-IT" b="0" i="1" smtClean="0">
+                            <a:latin typeface="Cambria Math" panose="02040503050406030204" pitchFamily="18" charset="0"/>
+                          </a:rPr>
+                          <m:t>𝑓𝑖𝑡</m:t>
+                        </m:r>
+                        <m:r>
+                          <a:rPr lang="it-IT" b="0" i="1" smtClean="0">
+                            <a:latin typeface="Cambria Math" panose="02040503050406030204" pitchFamily="18" charset="0"/>
+                          </a:rPr>
+                          <m:t> </m:t>
+                        </m:r>
+                        <m:r>
+                          <a:rPr lang="it-IT" b="0" i="1" smtClean="0">
+                            <a:latin typeface="Cambria Math" panose="02040503050406030204" pitchFamily="18" charset="0"/>
+                          </a:rPr>
+                          <m:t>𝑊h𝑖𝑡𝑒</m:t>
+                        </m:r>
+                      </m:sub>
+                    </m:sSub>
+                    <m:r>
+                      <a:rPr lang="it-IT" b="0" i="1" smtClean="0">
+                        <a:latin typeface="Cambria Math" panose="02040503050406030204" pitchFamily="18" charset="0"/>
+                      </a:rPr>
+                      <m:t>=3×</m:t>
+                    </m:r>
+                    <m:sSup>
+                      <m:sSupPr>
+                        <m:ctrlPr>
+                          <a:rPr lang="it-IT" b="0" i="1" smtClean="0">
+                            <a:latin typeface="Cambria Math" panose="02040503050406030204" pitchFamily="18" charset="0"/>
+                          </a:rPr>
+                        </m:ctrlPr>
+                      </m:sSupPr>
+                      <m:e>
+                        <m:r>
+                          <a:rPr lang="it-IT" b="0" i="1" smtClean="0">
+                            <a:latin typeface="Cambria Math" panose="02040503050406030204" pitchFamily="18" charset="0"/>
+                          </a:rPr>
+                          <m:t>10</m:t>
+                        </m:r>
+                      </m:e>
+                      <m:sup>
+                        <m:r>
+                          <a:rPr lang="it-IT" b="0" i="1" smtClean="0">
+                            <a:latin typeface="Cambria Math" panose="02040503050406030204" pitchFamily="18" charset="0"/>
+                          </a:rPr>
+                          <m:t>−13</m:t>
+                        </m:r>
+                      </m:sup>
+                    </m:sSup>
+                    <m:r>
+                      <a:rPr lang="it-IT" b="0" i="1" smtClean="0">
+                        <a:latin typeface="Cambria Math" panose="02040503050406030204" pitchFamily="18" charset="0"/>
+                      </a:rPr>
+                      <m:t>∗</m:t>
+                    </m:r>
+                    <m:func>
+                      <m:funcPr>
+                        <m:ctrlPr>
+                          <a:rPr lang="it-IT" b="0" i="1" smtClean="0">
+                            <a:latin typeface="Cambria Math" panose="02040503050406030204" pitchFamily="18" charset="0"/>
+                          </a:rPr>
+                        </m:ctrlPr>
+                      </m:funcPr>
+                      <m:fName>
+                        <m:r>
+                          <m:rPr>
+                            <m:sty m:val="p"/>
+                          </m:rPr>
+                          <a:rPr lang="it-IT" b="0" i="0" smtClean="0">
+                            <a:latin typeface="Cambria Math" panose="02040503050406030204" pitchFamily="18" charset="0"/>
+                          </a:rPr>
+                          <m:t>exp</m:t>
+                        </m:r>
+                      </m:fName>
+                      <m:e>
+                        <m:d>
+                          <m:dPr>
+                            <m:ctrlPr>
+                              <a:rPr lang="it-IT" b="0" i="1" smtClean="0">
+                                <a:latin typeface="Cambria Math" panose="02040503050406030204" pitchFamily="18" charset="0"/>
+                              </a:rPr>
+                            </m:ctrlPr>
+                          </m:dPr>
+                          <m:e>
+                            <m:r>
+                              <a:rPr lang="it-IT" b="0" i="1" smtClean="0">
+                                <a:latin typeface="Cambria Math" panose="02040503050406030204" pitchFamily="18" charset="0"/>
+                              </a:rPr>
+                              <m:t>−</m:t>
+                            </m:r>
+                            <m:f>
+                              <m:fPr>
+                                <m:ctrlPr>
+                                  <a:rPr lang="it-IT" b="0" i="1" smtClean="0">
+                                    <a:latin typeface="Cambria Math" panose="02040503050406030204" pitchFamily="18" charset="0"/>
+                                  </a:rPr>
+                                </m:ctrlPr>
+                              </m:fPr>
+                              <m:num>
+                                <m:r>
+                                  <a:rPr lang="it-IT" b="0" i="1" smtClean="0">
+                                    <a:latin typeface="Cambria Math" panose="02040503050406030204" pitchFamily="18" charset="0"/>
+                                  </a:rPr>
+                                  <m:t>20487</m:t>
+                                </m:r>
+                              </m:num>
+                              <m:den>
+                                <m:r>
+                                  <a:rPr lang="it-IT" b="0" i="1" smtClean="0">
+                                    <a:latin typeface="Cambria Math" panose="02040503050406030204" pitchFamily="18" charset="0"/>
+                                  </a:rPr>
+                                  <m:t>𝑇</m:t>
+                                </m:r>
+                              </m:den>
+                            </m:f>
+                          </m:e>
+                        </m:d>
+                      </m:e>
+                    </m:func>
+                  </m:oMath>
+                </a14:m>
+                <a:endParaRPr lang="en-GB" dirty="0">
+                  <a:latin typeface="Aptos Light" panose="020B0004020202020204" pitchFamily="34" charset="0"/>
+                </a:endParaRPr>
+              </a:p>
             </p:txBody>
           </p:sp>
         </mc:Choice>
@@ -30920,8 +33315,8 @@
             </p:nvSpPr>
             <p:spPr>
               <a:xfrm>
-                <a:off x="3555726" y="4476849"/>
-                <a:ext cx="5588274" cy="1995098"/>
+                <a:off x="3799841" y="2177136"/>
+                <a:ext cx="5344159" cy="2409634"/>
               </a:xfrm>
               <a:prstGeom prst="rect">
                 <a:avLst/>
@@ -30929,166 +33324,7 @@
               <a:blipFill>
                 <a:blip r:embed="rId4"/>
                 <a:stretch>
-                  <a:fillRect l="-680" t="-1266"/>
-                </a:stretch>
-              </a:blipFill>
-            </p:spPr>
-            <p:txBody>
-              <a:bodyPr/>
-              <a:lstStyle/>
-              <a:p>
-                <a:r>
-                  <a:rPr lang="en-GB">
-                    <a:noFill/>
-                  </a:rPr>
-                  <a:t> </a:t>
-                </a:r>
-              </a:p>
-            </p:txBody>
-          </p:sp>
-        </mc:Fallback>
-      </mc:AlternateContent>
-      <mc:AlternateContent xmlns:mc="http://schemas.openxmlformats.org/markup-compatibility/2006" xmlns:a14="http://schemas.microsoft.com/office/drawing/2010/main">
-        <mc:Choice Requires="a14">
-          <p:sp>
-            <p:nvSpPr>
-              <p:cNvPr id="12" name="CasellaDiTesto 11">
-                <a:extLst>
-                  <a:ext uri="{FF2B5EF4-FFF2-40B4-BE49-F238E27FC236}">
-                    <a16:creationId xmlns:a16="http://schemas.microsoft.com/office/drawing/2014/main" id="{23932D0C-BF07-AE8E-5FCE-4623599FA284}"/>
-                  </a:ext>
-                </a:extLst>
-              </p:cNvPr>
-              <p:cNvSpPr txBox="1"/>
-              <p:nvPr/>
-            </p:nvSpPr>
-            <p:spPr>
-              <a:xfrm>
-                <a:off x="129295" y="783149"/>
-                <a:ext cx="6968190" cy="369332"/>
-              </a:xfrm>
-              <a:prstGeom prst="rect">
-                <a:avLst/>
-              </a:prstGeom>
-              <a:noFill/>
-            </p:spPr>
-            <p:txBody>
-              <a:bodyPr wrap="none" rtlCol="0">
-                <a:spAutoFit/>
-              </a:bodyPr>
-              <a:lstStyle/>
-              <a:p>
-                <a:r>
-                  <a:rPr lang="en-GB" dirty="0">
-                    <a:ea typeface="Cambria Math" panose="02040503050406030204" pitchFamily="18" charset="0"/>
-                  </a:rPr>
-                  <a:t>Being </a:t>
-                </a:r>
-                <a14:m>
-                  <m:oMath xmlns:m="http://schemas.openxmlformats.org/officeDocument/2006/math">
-                    <m:r>
-                      <a:rPr lang="it-IT" b="0" i="1" smtClean="0">
-                        <a:latin typeface="Cambria Math" panose="02040503050406030204" pitchFamily="18" charset="0"/>
-                        <a:ea typeface="Cambria Math" panose="02040503050406030204" pitchFamily="18" charset="0"/>
-                      </a:rPr>
-                      <m:t>𝒱</m:t>
-                    </m:r>
-                    <m:r>
-                      <a:rPr lang="it-IT" b="0" i="1" smtClean="0">
-                        <a:latin typeface="Cambria Math" panose="02040503050406030204" pitchFamily="18" charset="0"/>
-                        <a:ea typeface="Cambria Math" panose="02040503050406030204" pitchFamily="18" charset="0"/>
-                      </a:rPr>
-                      <m:t>=</m:t>
-                    </m:r>
-                    <m:sSup>
-                      <m:sSupPr>
-                        <m:ctrlPr>
-                          <a:rPr lang="it-IT" b="0" i="1" smtClean="0">
-                            <a:latin typeface="Cambria Math" panose="02040503050406030204" pitchFamily="18" charset="0"/>
-                            <a:ea typeface="Cambria Math" panose="02040503050406030204" pitchFamily="18" charset="0"/>
-                          </a:rPr>
-                        </m:ctrlPr>
-                      </m:sSupPr>
-                      <m:e>
-                        <m:r>
-                          <a:rPr lang="it-IT" b="0" i="1" smtClean="0">
-                            <a:latin typeface="Cambria Math" panose="02040503050406030204" pitchFamily="18" charset="0"/>
-                            <a:ea typeface="Cambria Math" panose="02040503050406030204" pitchFamily="18" charset="0"/>
-                          </a:rPr>
-                          <m:t>𝐻</m:t>
-                        </m:r>
-                      </m:e>
-                      <m:sup>
-                        <m:r>
-                          <a:rPr lang="it-IT" b="0" i="1" smtClean="0">
-                            <a:latin typeface="Cambria Math" panose="02040503050406030204" pitchFamily="18" charset="0"/>
-                            <a:ea typeface="Cambria Math" panose="02040503050406030204" pitchFamily="18" charset="0"/>
-                          </a:rPr>
-                          <m:t>1</m:t>
-                        </m:r>
-                      </m:sup>
-                    </m:sSup>
-                    <m:r>
-                      <a:rPr lang="it-IT" b="0" i="1" smtClean="0">
-                        <a:latin typeface="Cambria Math" panose="02040503050406030204" pitchFamily="18" charset="0"/>
-                        <a:ea typeface="Cambria Math" panose="02040503050406030204" pitchFamily="18" charset="0"/>
-                      </a:rPr>
-                      <m:t>(</m:t>
-                    </m:r>
-                    <m:r>
-                      <m:rPr>
-                        <m:sty m:val="p"/>
-                      </m:rPr>
-                      <a:rPr lang="it-IT" b="0" i="0" smtClean="0">
-                        <a:latin typeface="Cambria Math" panose="02040503050406030204" pitchFamily="18" charset="0"/>
-                        <a:ea typeface="Cambria Math" panose="02040503050406030204" pitchFamily="18" charset="0"/>
-                      </a:rPr>
-                      <m:t>Ω</m:t>
-                    </m:r>
-                    <m:r>
-                      <a:rPr lang="it-IT" b="0" i="1" smtClean="0">
-                        <a:latin typeface="Cambria Math" panose="02040503050406030204" pitchFamily="18" charset="0"/>
-                        <a:ea typeface="Cambria Math" panose="02040503050406030204" pitchFamily="18" charset="0"/>
-                      </a:rPr>
-                      <m:t>)</m:t>
-                    </m:r>
-                  </m:oMath>
-                </a14:m>
-                <a:r>
-                  <a:rPr lang="en-GB" dirty="0"/>
-                  <a:t> the solution space of the non-discretize equations:</a:t>
-                </a:r>
-              </a:p>
-            </p:txBody>
-          </p:sp>
-        </mc:Choice>
-        <mc:Fallback xmlns="">
-          <p:sp>
-            <p:nvSpPr>
-              <p:cNvPr id="12" name="CasellaDiTesto 11">
-                <a:extLst>
-                  <a:ext uri="{FF2B5EF4-FFF2-40B4-BE49-F238E27FC236}">
-                    <a16:creationId xmlns:a16="http://schemas.microsoft.com/office/drawing/2014/main" id="{23932D0C-BF07-AE8E-5FCE-4623599FA284}"/>
-                  </a:ext>
-                </a:extLst>
-              </p:cNvPr>
-              <p:cNvSpPr txBox="1">
-                <a:spLocks noRot="1" noChangeAspect="1" noMove="1" noResize="1" noEditPoints="1" noAdjustHandles="1" noChangeArrowheads="1" noChangeShapeType="1" noTextEdit="1"/>
-              </p:cNvSpPr>
-              <p:nvPr/>
-            </p:nvSpPr>
-            <p:spPr>
-              <a:xfrm>
-                <a:off x="129295" y="783149"/>
-                <a:ext cx="6968190" cy="369332"/>
-              </a:xfrm>
-              <a:prstGeom prst="rect">
-                <a:avLst/>
-              </a:prstGeom>
-              <a:blipFill>
-                <a:blip r:embed="rId6"/>
-                <a:stretch>
-                  <a:fillRect l="-729" t="-6667" b="-26667"/>
+                  <a:fillRect l="-950" t="-1053"/>
                 </a:stretch>
               </a:blipFill>
             </p:spPr>
@@ -31123,7 +33359,7 @@
             </p:nvSpPr>
             <p:spPr>
               <a:xfrm>
-                <a:off x="2945271" y="1383602"/>
+                <a:off x="2945271" y="1194761"/>
                 <a:ext cx="3153664" cy="276999"/>
               </a:xfrm>
               <a:prstGeom prst="rect">
@@ -31295,16 +33531,16 @@
             </p:nvSpPr>
             <p:spPr>
               <a:xfrm>
-                <a:off x="2945271" y="1383602"/>
+                <a:off x="2945271" y="1194761"/>
                 <a:ext cx="3153664" cy="276999"/>
               </a:xfrm>
               <a:prstGeom prst="rect">
                 <a:avLst/>
               </a:prstGeom>
               <a:blipFill>
-                <a:blip r:embed="rId7"/>
+                <a:blip r:embed="rId5"/>
                 <a:stretch>
-                  <a:fillRect b="-13043"/>
+                  <a:fillRect b="-18182"/>
                 </a:stretch>
               </a:blipFill>
             </p:spPr>
@@ -31339,7 +33575,7 @@
             </p:nvSpPr>
             <p:spPr>
               <a:xfrm>
-                <a:off x="2945271" y="1943133"/>
+                <a:off x="2945271" y="1754292"/>
                 <a:ext cx="854570" cy="276999"/>
               </a:xfrm>
               <a:prstGeom prst="rect">
@@ -31416,14 +33652,14 @@
             </p:nvSpPr>
             <p:spPr>
               <a:xfrm>
-                <a:off x="2945271" y="1943133"/>
+                <a:off x="2945271" y="1754292"/>
                 <a:ext cx="854570" cy="276999"/>
               </a:xfrm>
               <a:prstGeom prst="rect">
                 <a:avLst/>
               </a:prstGeom>
               <a:blipFill>
-                <a:blip r:embed="rId8"/>
+                <a:blip r:embed="rId6"/>
                 <a:stretch>
                   <a:fillRect b="-18182"/>
                 </a:stretch>
@@ -31460,7 +33696,7 @@
             </p:nvSpPr>
             <p:spPr>
               <a:xfrm>
-                <a:off x="520310" y="4453666"/>
+                <a:off x="272005" y="2445964"/>
                 <a:ext cx="2247923" cy="524439"/>
               </a:xfrm>
               <a:prstGeom prst="rect">
@@ -31688,16 +33924,16 @@
             </p:nvSpPr>
             <p:spPr>
               <a:xfrm>
-                <a:off x="520310" y="4453666"/>
+                <a:off x="272005" y="2445964"/>
                 <a:ext cx="2247923" cy="524439"/>
               </a:xfrm>
               <a:prstGeom prst="rect">
                 <a:avLst/>
               </a:prstGeom>
               <a:blipFill>
-                <a:blip r:embed="rId9"/>
+                <a:blip r:embed="rId7"/>
                 <a:stretch>
-                  <a:fillRect l="-1685" t="-2326" b="-9302"/>
+                  <a:fillRect l="-2247" t="-2381" b="-14286"/>
                 </a:stretch>
               </a:blipFill>
             </p:spPr>
@@ -31716,6 +33952,111 @@
           </p:sp>
         </mc:Fallback>
       </mc:AlternateContent>
+      <p:sp>
+        <p:nvSpPr>
+          <p:cNvPr id="5" name="CasellaDiTesto 4">
+            <a:extLst>
+              <a:ext uri="{FF2B5EF4-FFF2-40B4-BE49-F238E27FC236}">
+                <a16:creationId xmlns:a16="http://schemas.microsoft.com/office/drawing/2014/main" id="{832B4DA9-BD21-A1EE-B5CF-58E01A4A07C8}"/>
+              </a:ext>
+            </a:extLst>
+          </p:cNvPr>
+          <p:cNvSpPr txBox="1"/>
+          <p:nvPr/>
+        </p:nvSpPr>
+        <p:spPr>
+          <a:xfrm>
+            <a:off x="129295" y="4770973"/>
+            <a:ext cx="8855680" cy="646331"/>
+          </a:xfrm>
+          <a:prstGeom prst="rect">
+            <a:avLst/>
+          </a:prstGeom>
+          <a:noFill/>
+        </p:spPr>
+        <p:txBody>
+          <a:bodyPr wrap="square" rtlCol="0">
+            <a:spAutoFit/>
+          </a:bodyPr>
+          <a:lstStyle/>
+          <a:p>
+            <a:r>
+              <a:rPr lang="en-GB" dirty="0"/>
+              <a:t>From </a:t>
+            </a:r>
+            <a:r>
+              <a:rPr lang="en-GB" dirty="0" err="1">
+                <a:solidFill>
+                  <a:srgbClr val="0089CB"/>
+                </a:solidFill>
+              </a:rPr>
+              <a:t>Pizzocri</a:t>
+            </a:r>
+            <a:r>
+              <a:rPr lang="en-GB" dirty="0">
+                <a:solidFill>
+                  <a:srgbClr val="0089CB"/>
+                </a:solidFill>
+              </a:rPr>
+              <a:t> et al. 2023 </a:t>
+            </a:r>
+            <a:r>
+              <a:rPr lang="en-GB" dirty="0"/>
+              <a:t>the temperature field develops much more rapidly than the concentration field </a:t>
+            </a:r>
+            <a:r>
+              <a:rPr lang="en-GB" dirty="0">
+                <a:latin typeface="Calibri" panose="020F0502020204030204" pitchFamily="34" charset="0"/>
+                <a:cs typeface="Calibri" panose="020F0502020204030204" pitchFamily="34" charset="0"/>
+              </a:rPr>
+              <a:t>-&gt; </a:t>
+            </a:r>
+            <a:r>
+              <a:rPr lang="en-GB" dirty="0"/>
+              <a:t>decouple the two PDEs and solve the steady state:  </a:t>
+            </a:r>
+            <a:endParaRPr lang="en-GB" dirty="0">
+              <a:latin typeface="Calibri" panose="020F0502020204030204" pitchFamily="34" charset="0"/>
+              <a:cs typeface="Calibri" panose="020F0502020204030204" pitchFamily="34" charset="0"/>
+            </a:endParaRPr>
+          </a:p>
+        </p:txBody>
+      </p:sp>
+      <p:sp>
+        <p:nvSpPr>
+          <p:cNvPr id="9" name="CasellaDiTesto 8">
+            <a:extLst>
+              <a:ext uri="{FF2B5EF4-FFF2-40B4-BE49-F238E27FC236}">
+                <a16:creationId xmlns:a16="http://schemas.microsoft.com/office/drawing/2014/main" id="{03EA0B83-0103-4EB3-7A1B-7190BE2DB499}"/>
+              </a:ext>
+            </a:extLst>
+          </p:cNvPr>
+          <p:cNvSpPr txBox="1"/>
+          <p:nvPr/>
+        </p:nvSpPr>
+        <p:spPr>
+          <a:xfrm>
+            <a:off x="4661250" y="5701344"/>
+            <a:ext cx="1322106" cy="369332"/>
+          </a:xfrm>
+          <a:prstGeom prst="rect">
+            <a:avLst/>
+          </a:prstGeom>
+          <a:noFill/>
+        </p:spPr>
+        <p:txBody>
+          <a:bodyPr wrap="square">
+            <a:spAutoFit/>
+          </a:bodyPr>
+          <a:lstStyle/>
+          <a:p>
+            <a:r>
+              <a:rPr lang="en-GB" dirty="0"/>
+              <a:t>solved 1D </a:t>
+            </a:r>
+          </a:p>
+        </p:txBody>
+      </p:sp>
     </p:spTree>
     <p:extLst>
       <p:ext uri="{BB962C8B-B14F-4D97-AF65-F5344CB8AC3E}">
@@ -31771,17 +34112,101 @@
           <a:p>
             <a:r>
               <a:rPr lang="en-GB" dirty="0"/>
-              <a:t>Finite element modelling</a:t>
+              <a:t>Full order model in </a:t>
             </a:r>
+            <a:r>
+              <a:rPr lang="en-GB" dirty="0" err="1"/>
+              <a:t>FreeFEM</a:t>
+            </a:r>
+            <a:r>
+              <a:rPr lang="en-GB" dirty="0"/>
+              <a:t>++ and Python</a:t>
+            </a:r>
+          </a:p>
+        </p:txBody>
+      </p:sp>
+      <p:sp>
+        <p:nvSpPr>
+          <p:cNvPr id="6" name="CasellaDiTesto 5">
+            <a:extLst>
+              <a:ext uri="{FF2B5EF4-FFF2-40B4-BE49-F238E27FC236}">
+                <a16:creationId xmlns:a16="http://schemas.microsoft.com/office/drawing/2014/main" id="{8977C0AB-5271-0B2E-CF2A-D4E3178F627A}"/>
+              </a:ext>
+            </a:extLst>
+          </p:cNvPr>
+          <p:cNvSpPr txBox="1"/>
+          <p:nvPr/>
+        </p:nvSpPr>
+        <p:spPr>
+          <a:xfrm>
+            <a:off x="18268" y="822444"/>
+            <a:ext cx="4245619" cy="369332"/>
+          </a:xfrm>
+          <a:prstGeom prst="rect">
+            <a:avLst/>
+          </a:prstGeom>
+          <a:noFill/>
+        </p:spPr>
+        <p:txBody>
+          <a:bodyPr wrap="square" rtlCol="0">
+            <a:spAutoFit/>
+          </a:bodyPr>
+          <a:lstStyle/>
+          <a:p>
+            <a:r>
+              <a:rPr lang="it-IT" b="0" dirty="0">
+                <a:ea typeface="Cambria Math" panose="02040503050406030204" pitchFamily="18" charset="0"/>
+              </a:rPr>
+              <a:t>Finite </a:t>
+            </a:r>
+            <a:r>
+              <a:rPr lang="it-IT" b="0" dirty="0" err="1">
+                <a:ea typeface="Cambria Math" panose="02040503050406030204" pitchFamily="18" charset="0"/>
+              </a:rPr>
+              <a:t>element</a:t>
+            </a:r>
+            <a:r>
+              <a:rPr lang="it-IT" b="0" dirty="0">
+                <a:ea typeface="Cambria Math" panose="02040503050406030204" pitchFamily="18" charset="0"/>
+              </a:rPr>
+              <a:t> </a:t>
+            </a:r>
+            <a:r>
+              <a:rPr lang="it-IT" b="0" dirty="0" err="1">
+                <a:ea typeface="Cambria Math" panose="02040503050406030204" pitchFamily="18" charset="0"/>
+              </a:rPr>
+              <a:t>modelling</a:t>
+            </a:r>
+            <a:r>
+              <a:rPr lang="it-IT" b="0" dirty="0">
+                <a:ea typeface="Cambria Math" panose="02040503050406030204" pitchFamily="18" charset="0"/>
+              </a:rPr>
+              <a:t> in </a:t>
+            </a:r>
+            <a:r>
+              <a:rPr lang="it-IT" dirty="0" err="1">
+                <a:ea typeface="Cambria Math" panose="02040503050406030204" pitchFamily="18" charset="0"/>
+              </a:rPr>
+              <a:t>FreeFEM</a:t>
+            </a:r>
+            <a:r>
+              <a:rPr lang="it-IT" dirty="0">
+                <a:ea typeface="Cambria Math" panose="02040503050406030204" pitchFamily="18" charset="0"/>
+              </a:rPr>
+              <a:t>++ </a:t>
+            </a:r>
+            <a:endParaRPr lang="it-IT" b="0" dirty="0">
+              <a:ea typeface="Cambria Math" panose="02040503050406030204" pitchFamily="18" charset="0"/>
+            </a:endParaRPr>
           </a:p>
         </p:txBody>
       </p:sp>
       <p:pic>
         <p:nvPicPr>
-          <p:cNvPr id="3" name="Immagine 2">
+          <p:cNvPr id="9" name="Immagine 8">
             <a:extLst>
               <a:ext uri="{FF2B5EF4-FFF2-40B4-BE49-F238E27FC236}">
-                <a16:creationId xmlns:a16="http://schemas.microsoft.com/office/drawing/2014/main" id="{2047A272-C89D-DF11-FB95-F07E27E6543B}"/>
+                <a16:creationId xmlns:a16="http://schemas.microsoft.com/office/drawing/2014/main" id="{A4C5D00E-EFB4-C1DC-0221-081A804DEB02}"/>
               </a:ext>
             </a:extLst>
           </p:cNvPr>
@@ -31798,20 +34223,84 @@
         </p:blipFill>
         <p:spPr>
           <a:xfrm>
-            <a:off x="4815840" y="2929395"/>
-            <a:ext cx="3685765" cy="3241382"/>
+            <a:off x="5115893" y="786595"/>
+            <a:ext cx="2076228" cy="2015460"/>
           </a:xfrm>
           <a:prstGeom prst="rect">
             <a:avLst/>
           </a:prstGeom>
         </p:spPr>
       </p:pic>
+      <p:sp>
+        <p:nvSpPr>
+          <p:cNvPr id="10" name="CasellaDiTesto 9">
+            <a:extLst>
+              <a:ext uri="{FF2B5EF4-FFF2-40B4-BE49-F238E27FC236}">
+                <a16:creationId xmlns:a16="http://schemas.microsoft.com/office/drawing/2014/main" id="{71836411-E736-EE71-1D4A-E6E5ADFE6BEF}"/>
+              </a:ext>
+            </a:extLst>
+          </p:cNvPr>
+          <p:cNvSpPr txBox="1"/>
+          <p:nvPr/>
+        </p:nvSpPr>
+        <p:spPr>
+          <a:xfrm>
+            <a:off x="18268" y="1908506"/>
+            <a:ext cx="5098349" cy="923330"/>
+          </a:xfrm>
+          <a:prstGeom prst="rect">
+            <a:avLst/>
+          </a:prstGeom>
+          <a:noFill/>
+        </p:spPr>
+        <p:txBody>
+          <a:bodyPr wrap="square">
+            <a:spAutoFit/>
+          </a:bodyPr>
+          <a:lstStyle/>
+          <a:p>
+            <a:pPr marL="285750" indent="-285750">
+              <a:buFont typeface="Wingdings" pitchFamily="2" charset="2"/>
+              <a:buChar char="ü"/>
+            </a:pPr>
+            <a:r>
+              <a:rPr lang="en-GB" dirty="0"/>
+              <a:t>Mesh sensitivity. </a:t>
+            </a:r>
+          </a:p>
+          <a:p>
+            <a:pPr marL="285750" indent="-285750">
+              <a:buFont typeface="Wingdings" pitchFamily="2" charset="2"/>
+              <a:buChar char="ü"/>
+            </a:pPr>
+            <a:endParaRPr lang="en-GB" dirty="0"/>
+          </a:p>
+          <a:p>
+            <a:pPr marL="285750" indent="-285750">
+              <a:buFont typeface="Wingdings" pitchFamily="2" charset="2"/>
+              <a:buChar char="ü"/>
+            </a:pPr>
+            <a:r>
+              <a:rPr lang="en-GB" dirty="0"/>
+              <a:t> Comparison with the </a:t>
+            </a:r>
+            <a:r>
+              <a:rPr lang="en-GB" dirty="0" err="1"/>
+              <a:t>OpenFOAM</a:t>
+            </a:r>
+            <a:r>
+              <a:rPr lang="en-GB" dirty="0"/>
+              <a:t> solution:</a:t>
+            </a:r>
+          </a:p>
+        </p:txBody>
+      </p:sp>
       <p:pic>
         <p:nvPicPr>
-          <p:cNvPr id="4" name="Immagine 3">
+          <p:cNvPr id="11" name="Immagine 10">
             <a:extLst>
               <a:ext uri="{FF2B5EF4-FFF2-40B4-BE49-F238E27FC236}">
-                <a16:creationId xmlns:a16="http://schemas.microsoft.com/office/drawing/2014/main" id="{1A4C9A23-787F-7294-F311-AAF71D7E2B93}"/>
+                <a16:creationId xmlns:a16="http://schemas.microsoft.com/office/drawing/2014/main" id="{751B8930-5E79-680F-DE37-1E5ECE6E25FA}"/>
               </a:ext>
             </a:extLst>
           </p:cNvPr>
@@ -31828,8 +34317,8 @@
         </p:blipFill>
         <p:spPr>
           <a:xfrm>
-            <a:off x="272005" y="2849682"/>
-            <a:ext cx="3685765" cy="3321095"/>
+            <a:off x="4886960" y="2841164"/>
+            <a:ext cx="3685765" cy="3241382"/>
           </a:xfrm>
           <a:prstGeom prst="rect">
             <a:avLst/>
@@ -31838,10 +34327,10 @@
       </p:pic>
       <p:sp>
         <p:nvSpPr>
-          <p:cNvPr id="5" name="CasellaDiTesto 4">
+          <p:cNvPr id="12" name="CasellaDiTesto 11">
             <a:extLst>
               <a:ext uri="{FF2B5EF4-FFF2-40B4-BE49-F238E27FC236}">
-                <a16:creationId xmlns:a16="http://schemas.microsoft.com/office/drawing/2014/main" id="{C0D862B4-135B-9FBE-D34F-6D8503EB7FD4}"/>
+                <a16:creationId xmlns:a16="http://schemas.microsoft.com/office/drawing/2014/main" id="{411EE077-D56A-333C-FC87-70B3AC15870E}"/>
               </a:ext>
             </a:extLst>
           </p:cNvPr>
@@ -31850,8 +34339,8 @@
         </p:nvSpPr>
         <p:spPr>
           <a:xfrm>
-            <a:off x="914400" y="6170777"/>
-            <a:ext cx="2936701" cy="369332"/>
+            <a:off x="985520" y="6082546"/>
+            <a:ext cx="3060133" cy="369332"/>
           </a:xfrm>
           <a:prstGeom prst="rect">
             <a:avLst/>
@@ -31866,224 +34355,17 @@
           <a:p>
             <a:r>
               <a:rPr lang="en-GB" dirty="0"/>
-              <a:t>Error at steady state = 0.5% </a:t>
+              <a:t>Error at steady state = 0.08% </a:t>
             </a:r>
           </a:p>
         </p:txBody>
       </p:sp>
-      <mc:AlternateContent xmlns:mc="http://schemas.openxmlformats.org/markup-compatibility/2006" xmlns:a14="http://schemas.microsoft.com/office/drawing/2010/main">
-        <mc:Choice Requires="a14">
-          <p:sp>
-            <p:nvSpPr>
-              <p:cNvPr id="6" name="CasellaDiTesto 5">
-                <a:extLst>
-                  <a:ext uri="{FF2B5EF4-FFF2-40B4-BE49-F238E27FC236}">
-                    <a16:creationId xmlns:a16="http://schemas.microsoft.com/office/drawing/2014/main" id="{8977C0AB-5271-0B2E-CF2A-D4E3178F627A}"/>
-                  </a:ext>
-                </a:extLst>
-              </p:cNvPr>
-              <p:cNvSpPr txBox="1"/>
-              <p:nvPr/>
-            </p:nvSpPr>
-            <p:spPr>
-              <a:xfrm>
-                <a:off x="0" y="727470"/>
-                <a:ext cx="9144000" cy="369332"/>
-              </a:xfrm>
-              <a:prstGeom prst="rect">
-                <a:avLst/>
-              </a:prstGeom>
-              <a:noFill/>
-            </p:spPr>
-            <p:txBody>
-              <a:bodyPr wrap="square" rtlCol="0">
-                <a:spAutoFit/>
-              </a:bodyPr>
-              <a:lstStyle/>
-              <a:p>
-                <a:r>
-                  <a:rPr lang="it-IT" b="0" dirty="0">
-                    <a:ea typeface="Cambria Math" panose="02040503050406030204" pitchFamily="18" charset="0"/>
-                  </a:rPr>
-                  <a:t>The </a:t>
-                </a:r>
-                <a:r>
-                  <a:rPr lang="it-IT" b="0" dirty="0" err="1">
-                    <a:ea typeface="Cambria Math" panose="02040503050406030204" pitchFamily="18" charset="0"/>
-                  </a:rPr>
-                  <a:t>approximation</a:t>
-                </a:r>
-                <a:r>
-                  <a:rPr lang="it-IT" b="0" dirty="0">
-                    <a:ea typeface="Cambria Math" panose="02040503050406030204" pitchFamily="18" charset="0"/>
-                  </a:rPr>
-                  <a:t> </a:t>
-                </a:r>
-                <a:r>
-                  <a:rPr lang="it-IT" b="0" dirty="0" err="1">
-                    <a:ea typeface="Cambria Math" panose="02040503050406030204" pitchFamily="18" charset="0"/>
-                  </a:rPr>
-                  <a:t>space</a:t>
-                </a:r>
-                <a:r>
-                  <a:rPr lang="it-IT" b="0" dirty="0">
-                    <a:ea typeface="Cambria Math" panose="02040503050406030204" pitchFamily="18" charset="0"/>
-                  </a:rPr>
-                  <a:t> </a:t>
-                </a:r>
-                <a:r>
-                  <a:rPr lang="it-IT" b="0" dirty="0" err="1">
-                    <a:ea typeface="Cambria Math" panose="02040503050406030204" pitchFamily="18" charset="0"/>
-                  </a:rPr>
-                  <a:t>is</a:t>
-                </a:r>
-                <a:r>
-                  <a:rPr lang="it-IT" b="0" dirty="0">
-                    <a:ea typeface="Cambria Math" panose="02040503050406030204" pitchFamily="18" charset="0"/>
-                  </a:rPr>
-                  <a:t> </a:t>
-                </a:r>
-                <a14:m>
-                  <m:oMath xmlns:m="http://schemas.openxmlformats.org/officeDocument/2006/math">
-                    <m:sSub>
-                      <m:sSubPr>
-                        <m:ctrlPr>
-                          <a:rPr lang="it-IT" b="0" i="1" smtClean="0">
-                            <a:latin typeface="Cambria Math" panose="02040503050406030204" pitchFamily="18" charset="0"/>
-                            <a:ea typeface="Cambria Math" panose="02040503050406030204" pitchFamily="18" charset="0"/>
-                          </a:rPr>
-                        </m:ctrlPr>
-                      </m:sSubPr>
-                      <m:e>
-                        <m:r>
-                          <a:rPr lang="en-GB" i="1" smtClean="0">
-                            <a:latin typeface="Cambria Math" panose="02040503050406030204" pitchFamily="18" charset="0"/>
-                            <a:ea typeface="Cambria Math" panose="02040503050406030204" pitchFamily="18" charset="0"/>
-                          </a:rPr>
-                          <m:t>𝒱</m:t>
-                        </m:r>
-                      </m:e>
-                      <m:sub>
-                        <m:r>
-                          <m:rPr>
-                            <m:sty m:val="p"/>
-                          </m:rPr>
-                          <a:rPr lang="it-IT" b="0" i="0" smtClean="0">
-                            <a:latin typeface="Cambria Math" panose="02040503050406030204" pitchFamily="18" charset="0"/>
-                            <a:ea typeface="Cambria Math" panose="02040503050406030204" pitchFamily="18" charset="0"/>
-                          </a:rPr>
-                          <m:t>h</m:t>
-                        </m:r>
-                      </m:sub>
-                    </m:sSub>
-                    <m:r>
-                      <a:rPr lang="it-IT" b="0" i="1" smtClean="0">
-                        <a:latin typeface="Cambria Math" panose="02040503050406030204" pitchFamily="18" charset="0"/>
-                        <a:ea typeface="Cambria Math" panose="02040503050406030204" pitchFamily="18" charset="0"/>
-                      </a:rPr>
-                      <m:t>⊂ </m:t>
-                    </m:r>
-                    <m:r>
-                      <a:rPr lang="it-IT" b="0" i="1" smtClean="0">
-                        <a:latin typeface="Cambria Math" panose="02040503050406030204" pitchFamily="18" charset="0"/>
-                        <a:ea typeface="Cambria Math" panose="02040503050406030204" pitchFamily="18" charset="0"/>
-                      </a:rPr>
-                      <m:t>𝒰</m:t>
-                    </m:r>
-                  </m:oMath>
-                </a14:m>
-                <a:r>
-                  <a:rPr lang="en-GB" dirty="0"/>
-                  <a:t> with </a:t>
-                </a:r>
-                <a14:m>
-                  <m:oMath xmlns:m="http://schemas.openxmlformats.org/officeDocument/2006/math">
-                    <m:sSub>
-                      <m:sSubPr>
-                        <m:ctrlPr>
-                          <a:rPr lang="it-IT" b="0" i="1" smtClean="0">
-                            <a:latin typeface="Cambria Math" panose="02040503050406030204" pitchFamily="18" charset="0"/>
-                          </a:rPr>
-                        </m:ctrlPr>
-                      </m:sSubPr>
-                      <m:e>
-                        <m:r>
-                          <a:rPr lang="it-IT" b="0" i="1" smtClean="0">
-                            <a:latin typeface="Cambria Math" panose="02040503050406030204" pitchFamily="18" charset="0"/>
-                          </a:rPr>
-                          <m:t>𝑁</m:t>
-                        </m:r>
-                      </m:e>
-                      <m:sub>
-                        <m:r>
-                          <a:rPr lang="it-IT" b="0" i="1" smtClean="0">
-                            <a:latin typeface="Cambria Math" panose="02040503050406030204" pitchFamily="18" charset="0"/>
-                          </a:rPr>
-                          <m:t>h</m:t>
-                        </m:r>
-                      </m:sub>
-                    </m:sSub>
-                  </m:oMath>
-                </a14:m>
-                <a:r>
-                  <a:rPr lang="en-GB" dirty="0"/>
-                  <a:t> the degree of freedom. </a:t>
-                </a:r>
-              </a:p>
-            </p:txBody>
-          </p:sp>
-        </mc:Choice>
-        <mc:Fallback xmlns="">
-          <p:sp>
-            <p:nvSpPr>
-              <p:cNvPr id="6" name="CasellaDiTesto 5">
-                <a:extLst>
-                  <a:ext uri="{FF2B5EF4-FFF2-40B4-BE49-F238E27FC236}">
-                    <a16:creationId xmlns:a16="http://schemas.microsoft.com/office/drawing/2014/main" id="{8977C0AB-5271-0B2E-CF2A-D4E3178F627A}"/>
-                  </a:ext>
-                </a:extLst>
-              </p:cNvPr>
-              <p:cNvSpPr txBox="1">
-                <a:spLocks noRot="1" noChangeAspect="1" noMove="1" noResize="1" noEditPoints="1" noAdjustHandles="1" noChangeArrowheads="1" noChangeShapeType="1" noTextEdit="1"/>
-              </p:cNvSpPr>
-              <p:nvPr/>
-            </p:nvSpPr>
-            <p:spPr>
-              <a:xfrm>
-                <a:off x="0" y="727470"/>
-                <a:ext cx="9144000" cy="369332"/>
-              </a:xfrm>
-              <a:prstGeom prst="rect">
-                <a:avLst/>
-              </a:prstGeom>
-              <a:blipFill>
-                <a:blip r:embed="rId4"/>
-                <a:stretch>
-                  <a:fillRect l="-556" t="-6667" b="-26667"/>
-                </a:stretch>
-              </a:blipFill>
-            </p:spPr>
-            <p:txBody>
-              <a:bodyPr/>
-              <a:lstStyle/>
-              <a:p>
-                <a:r>
-                  <a:rPr lang="en-GB">
-                    <a:noFill/>
-                  </a:rPr>
-                  <a:t> </a:t>
-                </a:r>
-              </a:p>
-            </p:txBody>
-          </p:sp>
-        </mc:Fallback>
-      </mc:AlternateContent>
       <p:sp>
         <p:nvSpPr>
-          <p:cNvPr id="7" name="CasellaDiTesto 6">
+          <p:cNvPr id="13" name="CasellaDiTesto 12">
             <a:extLst>
               <a:ext uri="{FF2B5EF4-FFF2-40B4-BE49-F238E27FC236}">
-                <a16:creationId xmlns:a16="http://schemas.microsoft.com/office/drawing/2014/main" id="{6620AB32-7B21-AFE6-5840-173635EF155D}"/>
+                <a16:creationId xmlns:a16="http://schemas.microsoft.com/office/drawing/2014/main" id="{C9B3B0DA-E8B6-BFDE-511A-D0CEBBD40712}"/>
               </a:ext>
             </a:extLst>
           </p:cNvPr>
@@ -32092,8 +34374,8 @@
         </p:nvSpPr>
         <p:spPr>
           <a:xfrm>
-            <a:off x="0" y="1900483"/>
-            <a:ext cx="9144000" cy="1061829"/>
+            <a:off x="5528766" y="6091874"/>
+            <a:ext cx="2129173" cy="369332"/>
           </a:xfrm>
           <a:prstGeom prst="rect">
             <a:avLst/>
@@ -32101,81 +34383,77 @@
           <a:noFill/>
         </p:spPr>
         <p:txBody>
-          <a:bodyPr wrap="square" rtlCol="0">
+          <a:bodyPr wrap="none" rtlCol="0">
             <a:spAutoFit/>
           </a:bodyPr>
           <a:lstStyle/>
           <a:p>
-            <a:pPr marL="285750" indent="-285750">
-              <a:buFont typeface="Arial" panose="020B0604020202020204" pitchFamily="34" charset="0"/>
-              <a:buChar char="•"/>
-            </a:pPr>
             <a:r>
               <a:rPr lang="en-GB" dirty="0"/>
-              <a:t>In </a:t>
-            </a:r>
-            <a:r>
-              <a:rPr lang="en-GB" dirty="0" err="1">
-                <a:solidFill>
-                  <a:schemeClr val="accent3"/>
-                </a:solidFill>
-              </a:rPr>
-              <a:t>FreeFEM</a:t>
-            </a:r>
-            <a:r>
-              <a:rPr lang="en-GB" dirty="0">
-                <a:solidFill>
-                  <a:schemeClr val="accent3"/>
-                </a:solidFill>
-              </a:rPr>
-              <a:t>++ </a:t>
-            </a:r>
-            <a:r>
-              <a:rPr lang="en-GB" dirty="0"/>
-              <a:t>is realized the cylinder mesh, the finite element spaces and the matrices.    </a:t>
-            </a:r>
-          </a:p>
-          <a:p>
-            <a:pPr marL="285750" indent="-285750">
-              <a:buFont typeface="Arial" panose="020B0604020202020204" pitchFamily="34" charset="0"/>
-              <a:buChar char="•"/>
-            </a:pPr>
-            <a:r>
-              <a:rPr lang="en-GB" dirty="0"/>
-              <a:t>In </a:t>
-            </a:r>
-            <a:r>
-              <a:rPr lang="en-GB" dirty="0">
-                <a:solidFill>
-                  <a:srgbClr val="0089CB"/>
-                </a:solidFill>
-              </a:rPr>
-              <a:t>Python</a:t>
-            </a:r>
-            <a:r>
-              <a:rPr lang="en-GB" dirty="0"/>
-              <a:t> is solved the linear system with </a:t>
-            </a:r>
-            <a:r>
-              <a:rPr lang="en-GB" dirty="0" err="1"/>
-              <a:t>Farward</a:t>
-            </a:r>
-            <a:r>
-              <a:rPr lang="en-GB" dirty="0"/>
-              <a:t> Euler. </a:t>
-            </a:r>
-          </a:p>
-          <a:p>
-            <a:endParaRPr lang="en-GB" sz="700" dirty="0"/>
-          </a:p>
-          <a:p>
-            <a:r>
-              <a:rPr lang="en-GB" dirty="0"/>
-              <a:t>Check done: </a:t>
+              <a:t>Max error = 0.017% </a:t>
             </a:r>
           </a:p>
         </p:txBody>
       </p:sp>
+      <p:pic>
+        <p:nvPicPr>
+          <p:cNvPr id="14" name="Immagine 13">
+            <a:extLst>
+              <a:ext uri="{FF2B5EF4-FFF2-40B4-BE49-F238E27FC236}">
+                <a16:creationId xmlns:a16="http://schemas.microsoft.com/office/drawing/2014/main" id="{46AF74E4-E43A-4A4F-8CE8-69CB1E007BCB}"/>
+              </a:ext>
+            </a:extLst>
+          </p:cNvPr>
+          <p:cNvPicPr>
+            <a:picLocks noChangeAspect="1"/>
+          </p:cNvPicPr>
+          <p:nvPr/>
+        </p:nvPicPr>
+        <p:blipFill>
+          <a:blip r:embed="rId4"/>
+          <a:stretch>
+            <a:fillRect/>
+          </a:stretch>
+        </p:blipFill>
+        <p:spPr>
+          <a:xfrm>
+            <a:off x="642053" y="2853374"/>
+            <a:ext cx="3403600" cy="3238500"/>
+          </a:xfrm>
+          <a:prstGeom prst="rect">
+            <a:avLst/>
+          </a:prstGeom>
+        </p:spPr>
+      </p:pic>
+      <p:pic>
+        <p:nvPicPr>
+          <p:cNvPr id="4" name="Immagine 3" descr="Immagine che contiene cerchio, modello, arte, Simmetria&#10;&#10;Descrizione generata automaticamente">
+            <a:extLst>
+              <a:ext uri="{FF2B5EF4-FFF2-40B4-BE49-F238E27FC236}">
+                <a16:creationId xmlns:a16="http://schemas.microsoft.com/office/drawing/2014/main" id="{E4FCE0C8-3E33-8995-90BB-6439C26B8E07}"/>
+              </a:ext>
+            </a:extLst>
+          </p:cNvPr>
+          <p:cNvPicPr>
+            <a:picLocks noChangeAspect="1"/>
+          </p:cNvPicPr>
+          <p:nvPr/>
+        </p:nvPicPr>
+        <p:blipFill>
+          <a:blip r:embed="rId5"/>
+          <a:srcRect l="7301"/>
+          <a:stretch/>
+        </p:blipFill>
+        <p:spPr>
+          <a:xfrm>
+            <a:off x="7262745" y="822444"/>
+            <a:ext cx="1779279" cy="1821365"/>
+          </a:xfrm>
+          <a:prstGeom prst="rect">
+            <a:avLst/>
+          </a:prstGeom>
+        </p:spPr>
+      </p:pic>
     </p:spTree>
     <p:extLst>
       <p:ext uri="{BB962C8B-B14F-4D97-AF65-F5344CB8AC3E}">
@@ -32346,7 +34624,7 @@
                                     <a:latin typeface="Cambria Math" panose="02040503050406030204" pitchFamily="18" charset="0"/>
                                     <a:ea typeface="Cambria Math" panose="02040503050406030204" pitchFamily="18" charset="0"/>
                                   </a:rPr>
-                                  <m:t>𝜙</m:t>
+                                  <m:t>𝜓</m:t>
                                 </m:r>
                               </m:e>
                               <m:sub>
@@ -34876,7 +37154,7 @@
             <p:spPr>
               <a:xfrm>
                 <a:off x="149087" y="788424"/>
-                <a:ext cx="2350835" cy="532710"/>
+                <a:ext cx="8915400" cy="1086708"/>
               </a:xfrm>
               <a:prstGeom prst="rect">
                 <a:avLst/>
@@ -34884,10 +37162,152 @@
               <a:noFill/>
             </p:spPr>
             <p:txBody>
-              <a:bodyPr wrap="none" rtlCol="0">
+              <a:bodyPr wrap="square" rtlCol="0">
                 <a:spAutoFit/>
               </a:bodyPr>
               <a:lstStyle/>
+              <a:p>
+                <a:r>
+                  <a:rPr lang="it-IT" b="0" dirty="0">
+                    <a:ea typeface="Cambria Math" panose="02040503050406030204" pitchFamily="18" charset="0"/>
+                  </a:rPr>
+                  <a:t>The training set of </a:t>
+                </a:r>
+                <a:r>
+                  <a:rPr lang="it-IT" b="0" dirty="0" err="1">
+                    <a:ea typeface="Cambria Math" panose="02040503050406030204" pitchFamily="18" charset="0"/>
+                  </a:rPr>
+                  <a:t>parameters</a:t>
+                </a:r>
+                <a:r>
+                  <a:rPr lang="it-IT" b="0" dirty="0">
+                    <a:ea typeface="Cambria Math" panose="02040503050406030204" pitchFamily="18" charset="0"/>
+                  </a:rPr>
+                  <a:t> </a:t>
+                </a:r>
+                <a:r>
+                  <a:rPr lang="it-IT" b="0" dirty="0" err="1">
+                    <a:ea typeface="Cambria Math" panose="02040503050406030204" pitchFamily="18" charset="0"/>
+                  </a:rPr>
+                  <a:t>is</a:t>
+                </a:r>
+                <a:r>
+                  <a:rPr lang="it-IT" b="0" dirty="0">
+                    <a:ea typeface="Cambria Math" panose="02040503050406030204" pitchFamily="18" charset="0"/>
+                  </a:rPr>
+                  <a:t> a </a:t>
+                </a:r>
+                <a:r>
+                  <a:rPr lang="it-IT" b="0" dirty="0" err="1">
+                    <a:ea typeface="Cambria Math" panose="02040503050406030204" pitchFamily="18" charset="0"/>
+                  </a:rPr>
+                  <a:t>sufficiently</a:t>
+                </a:r>
+                <a:r>
+                  <a:rPr lang="it-IT" b="0" dirty="0">
+                    <a:ea typeface="Cambria Math" panose="02040503050406030204" pitchFamily="18" charset="0"/>
+                  </a:rPr>
+                  <a:t> </a:t>
+                </a:r>
+                <a:r>
+                  <a:rPr lang="it-IT" b="0" dirty="0" err="1">
+                    <a:ea typeface="Cambria Math" panose="02040503050406030204" pitchFamily="18" charset="0"/>
+                  </a:rPr>
+                  <a:t>rich</a:t>
+                </a:r>
+                <a:r>
+                  <a:rPr lang="it-IT" b="0" dirty="0">
+                    <a:ea typeface="Cambria Math" panose="02040503050406030204" pitchFamily="18" charset="0"/>
+                  </a:rPr>
+                  <a:t> subset of the </a:t>
+                </a:r>
+                <a:r>
+                  <a:rPr lang="it-IT" b="0" dirty="0" err="1">
+                    <a:ea typeface="Cambria Math" panose="02040503050406030204" pitchFamily="18" charset="0"/>
+                  </a:rPr>
+                  <a:t>parameter</a:t>
+                </a:r>
+                <a:r>
+                  <a:rPr lang="it-IT" b="0" dirty="0">
+                    <a:ea typeface="Cambria Math" panose="02040503050406030204" pitchFamily="18" charset="0"/>
+                  </a:rPr>
+                  <a:t> </a:t>
+                </a:r>
+                <a:r>
+                  <a:rPr lang="it-IT" b="0" dirty="0" err="1">
+                    <a:ea typeface="Cambria Math" panose="02040503050406030204" pitchFamily="18" charset="0"/>
+                  </a:rPr>
+                  <a:t>space</a:t>
+                </a:r>
+                <a:r>
+                  <a:rPr lang="it-IT" b="0" dirty="0">
+                    <a:ea typeface="Cambria Math" panose="02040503050406030204" pitchFamily="18" charset="0"/>
+                  </a:rPr>
+                  <a:t> </a:t>
+                </a:r>
+                <a14:m>
+                  <m:oMath xmlns:m="http://schemas.openxmlformats.org/officeDocument/2006/math">
+                    <m:r>
+                      <a:rPr lang="it-IT" b="0" i="1" smtClean="0">
+                        <a:latin typeface="Cambria Math" panose="02040503050406030204" pitchFamily="18" charset="0"/>
+                        <a:ea typeface="Cambria Math" panose="02040503050406030204" pitchFamily="18" charset="0"/>
+                      </a:rPr>
+                      <m:t>𝒫</m:t>
+                    </m:r>
+                  </m:oMath>
+                </a14:m>
+                <a:r>
+                  <a:rPr lang="it-IT" b="0" dirty="0">
+                    <a:ea typeface="Cambria Math" panose="02040503050406030204" pitchFamily="18" charset="0"/>
+                  </a:rPr>
+                  <a:t>  </a:t>
+                </a:r>
+                <a:r>
+                  <a:rPr lang="it-IT" dirty="0" err="1">
+                    <a:ea typeface="Cambria Math" panose="02040503050406030204" pitchFamily="18" charset="0"/>
+                  </a:rPr>
+                  <a:t>obtained</a:t>
+                </a:r>
+                <a:r>
+                  <a:rPr lang="it-IT" dirty="0">
+                    <a:ea typeface="Cambria Math" panose="02040503050406030204" pitchFamily="18" charset="0"/>
+                  </a:rPr>
+                  <a:t> by </a:t>
+                </a:r>
+                <a:r>
+                  <a:rPr lang="it-IT" dirty="0" err="1">
+                    <a:ea typeface="Cambria Math" panose="02040503050406030204" pitchFamily="18" charset="0"/>
+                  </a:rPr>
+                  <a:t>drawing</a:t>
+                </a:r>
+                <a:r>
+                  <a:rPr lang="it-IT" dirty="0">
+                    <a:ea typeface="Cambria Math" panose="02040503050406030204" pitchFamily="18" charset="0"/>
+                  </a:rPr>
+                  <a:t> random samples from a </a:t>
+                </a:r>
+                <a:r>
+                  <a:rPr lang="it-IT" dirty="0" err="1">
+                    <a:ea typeface="Cambria Math" panose="02040503050406030204" pitchFamily="18" charset="0"/>
+                  </a:rPr>
+                  <a:t>uniform</a:t>
+                </a:r>
+                <a:r>
+                  <a:rPr lang="it-IT" dirty="0">
+                    <a:ea typeface="Cambria Math" panose="02040503050406030204" pitchFamily="18" charset="0"/>
+                  </a:rPr>
+                  <a:t> </a:t>
+                </a:r>
+                <a:r>
+                  <a:rPr lang="it-IT" dirty="0" err="1">
+                    <a:ea typeface="Cambria Math" panose="02040503050406030204" pitchFamily="18" charset="0"/>
+                  </a:rPr>
+                  <a:t>distribution</a:t>
+                </a:r>
+                <a:endParaRPr lang="it-IT" dirty="0">
+                  <a:ea typeface="Cambria Math" panose="02040503050406030204" pitchFamily="18" charset="0"/>
+                </a:endParaRPr>
+              </a:p>
               <a:p>
                 <a:pPr/>
                 <a14:m>
@@ -35055,7 +37475,7 @@
             <p:spPr>
               <a:xfrm>
                 <a:off x="149087" y="788424"/>
-                <a:ext cx="2350835" cy="532710"/>
+                <a:ext cx="8915400" cy="1086708"/>
               </a:xfrm>
               <a:prstGeom prst="rect">
                 <a:avLst/>
@@ -35063,105 +37483,7 @@
               <a:blipFill>
                 <a:blip r:embed="rId2"/>
                 <a:stretch>
-                  <a:fillRect b="-4545"/>
-                </a:stretch>
-              </a:blipFill>
-            </p:spPr>
-            <p:txBody>
-              <a:bodyPr/>
-              <a:lstStyle/>
-              <a:p>
-                <a:r>
-                  <a:rPr lang="en-GB">
-                    <a:noFill/>
-                  </a:rPr>
-                  <a:t> </a:t>
-                </a:r>
-              </a:p>
-            </p:txBody>
-          </p:sp>
-        </mc:Fallback>
-      </mc:AlternateContent>
-      <mc:AlternateContent xmlns:mc="http://schemas.openxmlformats.org/markup-compatibility/2006" xmlns:a14="http://schemas.microsoft.com/office/drawing/2010/main">
-        <mc:Choice Requires="a14">
-          <p:sp>
-            <p:nvSpPr>
-              <p:cNvPr id="6" name="CasellaDiTesto 5">
-                <a:extLst>
-                  <a:ext uri="{FF2B5EF4-FFF2-40B4-BE49-F238E27FC236}">
-                    <a16:creationId xmlns:a16="http://schemas.microsoft.com/office/drawing/2014/main" id="{F90B5A80-C246-9A9B-2B32-79533AE1E3CA}"/>
-                  </a:ext>
-                </a:extLst>
-              </p:cNvPr>
-              <p:cNvSpPr txBox="1"/>
-              <p:nvPr/>
-            </p:nvSpPr>
-            <p:spPr>
-              <a:xfrm>
-                <a:off x="149087" y="1515037"/>
-                <a:ext cx="6848863" cy="369332"/>
-              </a:xfrm>
-              <a:prstGeom prst="rect">
-                <a:avLst/>
-              </a:prstGeom>
-              <a:noFill/>
-            </p:spPr>
-            <p:txBody>
-              <a:bodyPr wrap="none" rtlCol="0">
-                <a:spAutoFit/>
-              </a:bodyPr>
-              <a:lstStyle/>
-              <a:p>
-                <a:r>
-                  <a:rPr lang="en-GB" dirty="0"/>
-                  <a:t>Random samples from a uniform distribution in </a:t>
-                </a:r>
-                <a14:m>
-                  <m:oMath xmlns:m="http://schemas.openxmlformats.org/officeDocument/2006/math">
-                    <m:r>
-                      <a:rPr lang="it-IT" b="0" i="1" smtClean="0">
-                        <a:latin typeface="Cambria Math" panose="02040503050406030204" pitchFamily="18" charset="0"/>
-                        <a:ea typeface="Cambria Math" panose="02040503050406030204" pitchFamily="18" charset="0"/>
-                      </a:rPr>
-                      <m:t>𝒫</m:t>
-                    </m:r>
-                  </m:oMath>
-                </a14:m>
-                <a:r>
-                  <a:rPr lang="en-GB" dirty="0"/>
-                  <a:t> of 10’000 values. </a:t>
-                </a:r>
-              </a:p>
-            </p:txBody>
-          </p:sp>
-        </mc:Choice>
-        <mc:Fallback xmlns="">
-          <p:sp>
-            <p:nvSpPr>
-              <p:cNvPr id="6" name="CasellaDiTesto 5">
-                <a:extLst>
-                  <a:ext uri="{FF2B5EF4-FFF2-40B4-BE49-F238E27FC236}">
-                    <a16:creationId xmlns:a16="http://schemas.microsoft.com/office/drawing/2014/main" id="{F90B5A80-C246-9A9B-2B32-79533AE1E3CA}"/>
-                  </a:ext>
-                </a:extLst>
-              </p:cNvPr>
-              <p:cNvSpPr txBox="1">
-                <a:spLocks noRot="1" noChangeAspect="1" noMove="1" noResize="1" noEditPoints="1" noAdjustHandles="1" noChangeArrowheads="1" noChangeShapeType="1" noTextEdit="1"/>
-              </p:cNvSpPr>
-              <p:nvPr/>
-            </p:nvSpPr>
-            <p:spPr>
-              <a:xfrm>
-                <a:off x="149087" y="1515037"/>
-                <a:ext cx="6848863" cy="369332"/>
-              </a:xfrm>
-              <a:prstGeom prst="rect">
-                <a:avLst/>
-              </a:prstGeom>
-              <a:blipFill>
-                <a:blip r:embed="rId3"/>
-                <a:stretch>
-                  <a:fillRect l="-739" t="-6667" b="-23333"/>
+                  <a:fillRect l="-569" t="-1149" b="-1149"/>
                 </a:stretch>
               </a:blipFill>
             </p:spPr>
@@ -35261,10 +37583,10 @@
       </p:sp>
       <p:pic>
         <p:nvPicPr>
-          <p:cNvPr id="8" name="Immagine 7" descr="Immagine che contiene testo, schermata, Carattere, numero&#10;&#10;Descrizione generata automaticamente">
+          <p:cNvPr id="7" name="Immagine 6" descr="Immagine che contiene testo, schermata, Carattere, linea&#10;&#10;Descrizione generata automaticamente">
             <a:extLst>
               <a:ext uri="{FF2B5EF4-FFF2-40B4-BE49-F238E27FC236}">
-                <a16:creationId xmlns:a16="http://schemas.microsoft.com/office/drawing/2014/main" id="{C8ED3122-D549-A5CB-A2C6-E3D23C7020B4}"/>
+                <a16:creationId xmlns:a16="http://schemas.microsoft.com/office/drawing/2014/main" id="{6B3AD281-31C8-CC0E-4490-D83405A9241B}"/>
               </a:ext>
             </a:extLst>
           </p:cNvPr>
@@ -35274,15 +37596,15 @@
           <p:nvPr/>
         </p:nvPicPr>
         <p:blipFill>
-          <a:blip r:embed="rId4"/>
+          <a:blip r:embed="rId3"/>
           <a:stretch>
             <a:fillRect/>
           </a:stretch>
         </p:blipFill>
         <p:spPr>
           <a:xfrm>
-            <a:off x="1593850" y="2241550"/>
-            <a:ext cx="5956300" cy="2374900"/>
+            <a:off x="821083" y="2389255"/>
+            <a:ext cx="7003704" cy="2490857"/>
           </a:xfrm>
           <a:prstGeom prst="rect">
             <a:avLst/>
@@ -35365,7 +37687,7 @@
             </p:nvSpPr>
             <p:spPr>
               <a:xfrm>
-                <a:off x="272005" y="1223134"/>
+                <a:off x="272005" y="1302646"/>
                 <a:ext cx="3484986" cy="778868"/>
               </a:xfrm>
               <a:prstGeom prst="rect">
@@ -35644,7 +37966,7 @@
             </p:nvSpPr>
             <p:spPr>
               <a:xfrm>
-                <a:off x="272005" y="1223134"/>
+                <a:off x="272005" y="1302646"/>
                 <a:ext cx="3484986" cy="778868"/>
               </a:xfrm>
               <a:prstGeom prst="rect">
@@ -35653,7 +37975,7 @@
               <a:blipFill>
                 <a:blip r:embed="rId3"/>
                 <a:stretch>
-                  <a:fillRect t="-112903" b="-174194"/>
+                  <a:fillRect t="-111290" b="-174194"/>
                 </a:stretch>
               </a:blipFill>
             </p:spPr>
@@ -35965,7 +38287,7 @@
         </p:nvSpPr>
         <p:spPr>
           <a:xfrm>
-            <a:off x="1026854" y="1990855"/>
+            <a:off x="1026854" y="2070367"/>
             <a:ext cx="3253391" cy="338554"/>
           </a:xfrm>
           <a:prstGeom prst="rect">
@@ -35994,41 +38316,103 @@
           </a:p>
         </p:txBody>
       </p:sp>
-      <p:sp>
-        <p:nvSpPr>
-          <p:cNvPr id="13" name="CasellaDiTesto 12">
-            <a:extLst>
-              <a:ext uri="{FF2B5EF4-FFF2-40B4-BE49-F238E27FC236}">
-                <a16:creationId xmlns:a16="http://schemas.microsoft.com/office/drawing/2014/main" id="{28CAE0B0-1B5B-726A-B49A-A74A89B47C0D}"/>
-              </a:ext>
-            </a:extLst>
-          </p:cNvPr>
-          <p:cNvSpPr txBox="1"/>
-          <p:nvPr/>
-        </p:nvSpPr>
-        <p:spPr>
-          <a:xfrm>
-            <a:off x="91440" y="803817"/>
-            <a:ext cx="4925516" cy="369332"/>
-          </a:xfrm>
-          <a:prstGeom prst="rect">
-            <a:avLst/>
-          </a:prstGeom>
-          <a:noFill/>
-        </p:spPr>
-        <p:txBody>
-          <a:bodyPr wrap="none" rtlCol="0">
-            <a:spAutoFit/>
-          </a:bodyPr>
-          <a:lstStyle/>
-          <a:p>
-            <a:r>
-              <a:rPr lang="en-GB" dirty="0"/>
-              <a:t>Discrete Empirical Interpolation Method (DEIM):</a:t>
-            </a:r>
-          </a:p>
-        </p:txBody>
-      </p:sp>
+      <mc:AlternateContent xmlns:mc="http://schemas.openxmlformats.org/markup-compatibility/2006" xmlns:a14="http://schemas.microsoft.com/office/drawing/2010/main">
+        <mc:Choice Requires="a14">
+          <p:sp>
+            <p:nvSpPr>
+              <p:cNvPr id="13" name="CasellaDiTesto 12">
+                <a:extLst>
+                  <a:ext uri="{FF2B5EF4-FFF2-40B4-BE49-F238E27FC236}">
+                    <a16:creationId xmlns:a16="http://schemas.microsoft.com/office/drawing/2014/main" id="{28CAE0B0-1B5B-726A-B49A-A74A89B47C0D}"/>
+                  </a:ext>
+                </a:extLst>
+              </p:cNvPr>
+              <p:cNvSpPr txBox="1"/>
+              <p:nvPr/>
+            </p:nvSpPr>
+            <p:spPr>
+              <a:xfrm>
+                <a:off x="0" y="712654"/>
+                <a:ext cx="5605670" cy="646331"/>
+              </a:xfrm>
+              <a:prstGeom prst="rect">
+                <a:avLst/>
+              </a:prstGeom>
+              <a:noFill/>
+            </p:spPr>
+            <p:txBody>
+              <a:bodyPr wrap="square" rtlCol="0">
+                <a:spAutoFit/>
+              </a:bodyPr>
+              <a:lstStyle/>
+              <a:p>
+                <a:r>
+                  <a:rPr lang="en-GB" dirty="0"/>
+                  <a:t>Discrete Empirical Interpolation Method (DEIM) consists of rewriting </a:t>
+                </a:r>
+                <a14:m>
+                  <m:oMath xmlns:m="http://schemas.openxmlformats.org/officeDocument/2006/math">
+                    <m:r>
+                      <a:rPr lang="it-IT" b="1" i="1" smtClean="0">
+                        <a:latin typeface="Cambria Math" panose="02040503050406030204" pitchFamily="18" charset="0"/>
+                      </a:rPr>
+                      <m:t>𝑫</m:t>
+                    </m:r>
+                  </m:oMath>
+                </a14:m>
+                <a:r>
+                  <a:rPr lang="en-GB" dirty="0"/>
+                  <a:t> as a linear combination:</a:t>
+                </a:r>
+              </a:p>
+            </p:txBody>
+          </p:sp>
+        </mc:Choice>
+        <mc:Fallback xmlns="">
+          <p:sp>
+            <p:nvSpPr>
+              <p:cNvPr id="13" name="CasellaDiTesto 12">
+                <a:extLst>
+                  <a:ext uri="{FF2B5EF4-FFF2-40B4-BE49-F238E27FC236}">
+                    <a16:creationId xmlns:a16="http://schemas.microsoft.com/office/drawing/2014/main" id="{28CAE0B0-1B5B-726A-B49A-A74A89B47C0D}"/>
+                  </a:ext>
+                </a:extLst>
+              </p:cNvPr>
+              <p:cNvSpPr txBox="1">
+                <a:spLocks noRot="1" noChangeAspect="1" noMove="1" noResize="1" noEditPoints="1" noAdjustHandles="1" noChangeArrowheads="1" noChangeShapeType="1" noTextEdit="1"/>
+              </p:cNvSpPr>
+              <p:nvPr/>
+            </p:nvSpPr>
+            <p:spPr>
+              <a:xfrm>
+                <a:off x="0" y="712654"/>
+                <a:ext cx="5605670" cy="646331"/>
+              </a:xfrm>
+              <a:prstGeom prst="rect">
+                <a:avLst/>
+              </a:prstGeom>
+              <a:blipFill>
+                <a:blip r:embed="rId5"/>
+                <a:stretch>
+                  <a:fillRect l="-905" t="-5769" b="-11538"/>
+                </a:stretch>
+              </a:blipFill>
+            </p:spPr>
+            <p:txBody>
+              <a:bodyPr/>
+              <a:lstStyle/>
+              <a:p>
+                <a:r>
+                  <a:rPr lang="en-GB">
+                    <a:noFill/>
+                  </a:rPr>
+                  <a:t> </a:t>
+                </a:r>
+              </a:p>
+            </p:txBody>
+          </p:sp>
+        </mc:Fallback>
+      </mc:AlternateContent>
       <p:sp>
         <p:nvSpPr>
           <p:cNvPr id="17" name="CasellaDiTesto 16">
@@ -36078,7 +38462,7 @@
         </p:nvSpPr>
         <p:spPr>
           <a:xfrm>
-            <a:off x="2338369" y="1458113"/>
+            <a:off x="2338369" y="1537625"/>
             <a:ext cx="650240" cy="369332"/>
           </a:xfrm>
           <a:prstGeom prst="rect">
@@ -36619,54 +39003,6 @@
           </a:p>
         </p:txBody>
       </p:sp>
-      <p:sp>
-        <p:nvSpPr>
-          <p:cNvPr id="5" name="CasellaDiTesto 4">
-            <a:extLst>
-              <a:ext uri="{FF2B5EF4-FFF2-40B4-BE49-F238E27FC236}">
-                <a16:creationId xmlns:a16="http://schemas.microsoft.com/office/drawing/2014/main" id="{C7CADFF0-5FC9-2C27-8F1D-D90F653A8FD1}"/>
-              </a:ext>
-            </a:extLst>
-          </p:cNvPr>
-          <p:cNvSpPr txBox="1"/>
-          <p:nvPr/>
-        </p:nvSpPr>
-        <p:spPr>
-          <a:xfrm>
-            <a:off x="0" y="6206085"/>
-            <a:ext cx="4687556" cy="369332"/>
-          </a:xfrm>
-          <a:prstGeom prst="rect">
-            <a:avLst/>
-          </a:prstGeom>
-          <a:noFill/>
-        </p:spPr>
-        <p:txBody>
-          <a:bodyPr wrap="square">
-            <a:spAutoFit/>
-          </a:bodyPr>
-          <a:lstStyle/>
-          <a:p>
-            <a:r>
-              <a:rPr lang="en-GB" dirty="0" err="1">
-                <a:solidFill>
-                  <a:srgbClr val="0089CB"/>
-                </a:solidFill>
-              </a:rPr>
-              <a:t>Grepl</a:t>
-            </a:r>
-            <a:r>
-              <a:rPr lang="en-GB" dirty="0">
-                <a:solidFill>
-                  <a:srgbClr val="0089CB"/>
-                </a:solidFill>
-              </a:rPr>
-              <a:t> et al. 2005</a:t>
-            </a:r>
-            <a:endParaRPr lang="en-GB" dirty="0"/>
-          </a:p>
-        </p:txBody>
-      </p:sp>
       <p:pic>
         <p:nvPicPr>
           <p:cNvPr id="7" name="Immagine 6" descr="Immagine che contiene testo, Carattere, ricevuta, schermata&#10;&#10;Descrizione generata automaticamente">
@@ -36689,14 +39025,259 @@
         </p:blipFill>
         <p:spPr>
           <a:xfrm>
-            <a:off x="272005" y="3318468"/>
-            <a:ext cx="6769100" cy="2730500"/>
+            <a:off x="463592" y="1771762"/>
+            <a:ext cx="8216815" cy="3314475"/>
           </a:xfrm>
           <a:prstGeom prst="rect">
             <a:avLst/>
           </a:prstGeom>
         </p:spPr>
       </p:pic>
+      <mc:AlternateContent xmlns:mc="http://schemas.openxmlformats.org/markup-compatibility/2006" xmlns:a14="http://schemas.microsoft.com/office/drawing/2010/main">
+        <mc:Choice Requires="a14">
+          <p:sp>
+            <p:nvSpPr>
+              <p:cNvPr id="4" name="CasellaDiTesto 3">
+                <a:extLst>
+                  <a:ext uri="{FF2B5EF4-FFF2-40B4-BE49-F238E27FC236}">
+                    <a16:creationId xmlns:a16="http://schemas.microsoft.com/office/drawing/2014/main" id="{E3BC256F-86F8-AF67-2F6B-039F0DAED83C}"/>
+                  </a:ext>
+                </a:extLst>
+              </p:cNvPr>
+              <p:cNvSpPr txBox="1"/>
+              <p:nvPr/>
+            </p:nvSpPr>
+            <p:spPr>
+              <a:xfrm>
+                <a:off x="0" y="5575833"/>
+                <a:ext cx="1222912" cy="369332"/>
+              </a:xfrm>
+              <a:prstGeom prst="rect">
+                <a:avLst/>
+              </a:prstGeom>
+              <a:noFill/>
+            </p:spPr>
+            <p:txBody>
+              <a:bodyPr wrap="square">
+                <a:spAutoFit/>
+              </a:bodyPr>
+              <a:lstStyle/>
+              <a:p>
+                <a:pPr/>
+                <a14:m>
+                  <m:oMathPara xmlns:m="http://schemas.openxmlformats.org/officeDocument/2006/math">
+                    <m:oMathParaPr>
+                      <m:jc m:val="centerGroup"/>
+                    </m:oMathParaPr>
+                    <m:oMath xmlns:m="http://schemas.openxmlformats.org/officeDocument/2006/math">
+                      <m:sSub>
+                        <m:sSubPr>
+                          <m:ctrlPr>
+                            <a:rPr lang="it-IT" b="0" i="1" smtClean="0">
+                              <a:latin typeface="Cambria Math" panose="02040503050406030204" pitchFamily="18" charset="0"/>
+                            </a:rPr>
+                          </m:ctrlPr>
+                        </m:sSubPr>
+                        <m:e>
+                          <m:r>
+                            <a:rPr lang="it-IT" b="0" i="1" smtClean="0">
+                              <a:latin typeface="Cambria Math" panose="02040503050406030204" pitchFamily="18" charset="0"/>
+                            </a:rPr>
+                            <m:t>𝑁</m:t>
+                          </m:r>
+                        </m:e>
+                        <m:sub>
+                          <m:r>
+                            <a:rPr lang="it-IT" b="0" i="1" smtClean="0">
+                              <a:latin typeface="Cambria Math" panose="02040503050406030204" pitchFamily="18" charset="0"/>
+                              <a:ea typeface="Cambria Math" panose="02040503050406030204" pitchFamily="18" charset="0"/>
+                            </a:rPr>
+                            <m:t>𝜀</m:t>
+                          </m:r>
+                        </m:sub>
+                      </m:sSub>
+                      <m:r>
+                        <a:rPr lang="it-IT" b="0" i="1" smtClean="0">
+                          <a:latin typeface="Cambria Math" panose="02040503050406030204" pitchFamily="18" charset="0"/>
+                        </a:rPr>
+                        <m:t>=58</m:t>
+                      </m:r>
+                    </m:oMath>
+                  </m:oMathPara>
+                </a14:m>
+                <a:endParaRPr lang="en-GB" dirty="0"/>
+              </a:p>
+            </p:txBody>
+          </p:sp>
+        </mc:Choice>
+        <mc:Fallback xmlns="">
+          <p:sp>
+            <p:nvSpPr>
+              <p:cNvPr id="4" name="CasellaDiTesto 3">
+                <a:extLst>
+                  <a:ext uri="{FF2B5EF4-FFF2-40B4-BE49-F238E27FC236}">
+                    <a16:creationId xmlns:a16="http://schemas.microsoft.com/office/drawing/2014/main" id="{E3BC256F-86F8-AF67-2F6B-039F0DAED83C}"/>
+                  </a:ext>
+                </a:extLst>
+              </p:cNvPr>
+              <p:cNvSpPr txBox="1">
+                <a:spLocks noRot="1" noChangeAspect="1" noMove="1" noResize="1" noEditPoints="1" noAdjustHandles="1" noChangeArrowheads="1" noChangeShapeType="1" noTextEdit="1"/>
+              </p:cNvSpPr>
+              <p:nvPr/>
+            </p:nvSpPr>
+            <p:spPr>
+              <a:xfrm>
+                <a:off x="0" y="5575833"/>
+                <a:ext cx="1222912" cy="369332"/>
+              </a:xfrm>
+              <a:prstGeom prst="rect">
+                <a:avLst/>
+              </a:prstGeom>
+              <a:blipFill>
+                <a:blip r:embed="rId3"/>
+                <a:stretch>
+                  <a:fillRect/>
+                </a:stretch>
+              </a:blipFill>
+            </p:spPr>
+            <p:txBody>
+              <a:bodyPr/>
+              <a:lstStyle/>
+              <a:p>
+                <a:r>
+                  <a:rPr lang="en-GB">
+                    <a:noFill/>
+                  </a:rPr>
+                  <a:t> </a:t>
+                </a:r>
+              </a:p>
+            </p:txBody>
+          </p:sp>
+        </mc:Fallback>
+      </mc:AlternateContent>
+      <mc:AlternateContent xmlns:mc="http://schemas.openxmlformats.org/markup-compatibility/2006" xmlns:a14="http://schemas.microsoft.com/office/drawing/2010/main">
+        <mc:Choice Requires="a14">
+          <p:sp>
+            <p:nvSpPr>
+              <p:cNvPr id="8" name="CasellaDiTesto 7">
+                <a:extLst>
+                  <a:ext uri="{FF2B5EF4-FFF2-40B4-BE49-F238E27FC236}">
+                    <a16:creationId xmlns:a16="http://schemas.microsoft.com/office/drawing/2014/main" id="{920339FC-65EC-2529-45AE-5058FA990E9D}"/>
+                  </a:ext>
+                </a:extLst>
+              </p:cNvPr>
+              <p:cNvSpPr txBox="1"/>
+              <p:nvPr/>
+            </p:nvSpPr>
+            <p:spPr>
+              <a:xfrm>
+                <a:off x="0" y="751638"/>
+                <a:ext cx="9144000" cy="923330"/>
+              </a:xfrm>
+              <a:prstGeom prst="rect">
+                <a:avLst/>
+              </a:prstGeom>
+              <a:noFill/>
+            </p:spPr>
+            <p:txBody>
+              <a:bodyPr wrap="square">
+                <a:spAutoFit/>
+              </a:bodyPr>
+              <a:lstStyle/>
+              <a:p>
+                <a:pPr algn="just"/>
+                <a:r>
+                  <a:rPr lang="en-GB" dirty="0"/>
+                  <a:t>The greedy methods incrementally expand the approximation </a:t>
+                </a:r>
+                <a14:m>
+                  <m:oMath xmlns:m="http://schemas.openxmlformats.org/officeDocument/2006/math">
+                    <m:sSub>
+                      <m:sSubPr>
+                        <m:ctrlPr>
+                          <a:rPr lang="it-IT" b="0" i="1" smtClean="0">
+                            <a:latin typeface="Cambria Math" panose="02040503050406030204" pitchFamily="18" charset="0"/>
+                            <a:ea typeface="Cambria Math" panose="02040503050406030204" pitchFamily="18" charset="0"/>
+                          </a:rPr>
+                        </m:ctrlPr>
+                      </m:sSubPr>
+                      <m:e>
+                        <m:r>
+                          <a:rPr lang="en-GB" i="1" smtClean="0">
+                            <a:latin typeface="Cambria Math" panose="02040503050406030204" pitchFamily="18" charset="0"/>
+                            <a:ea typeface="Cambria Math" panose="02040503050406030204" pitchFamily="18" charset="0"/>
+                          </a:rPr>
+                          <m:t>𝒱</m:t>
+                        </m:r>
+                      </m:e>
+                      <m:sub>
+                        <m:r>
+                          <m:rPr>
+                            <m:sty m:val="p"/>
+                          </m:rPr>
+                          <a:rPr lang="it-IT">
+                            <a:latin typeface="Cambria Math" panose="02040503050406030204" pitchFamily="18" charset="0"/>
+                            <a:ea typeface="Cambria Math" panose="02040503050406030204" pitchFamily="18" charset="0"/>
+                          </a:rPr>
+                          <m:t>ε</m:t>
+                        </m:r>
+                      </m:sub>
+                    </m:sSub>
+                  </m:oMath>
+                </a14:m>
+                <a:r>
+                  <a:rPr lang="en-GB" dirty="0"/>
+                  <a:t> by incorporating new basis functions corresponding to states not adequately represented by the current model approximation.  </a:t>
+                </a:r>
+              </a:p>
+            </p:txBody>
+          </p:sp>
+        </mc:Choice>
+        <mc:Fallback xmlns="">
+          <p:sp>
+            <p:nvSpPr>
+              <p:cNvPr id="8" name="CasellaDiTesto 7">
+                <a:extLst>
+                  <a:ext uri="{FF2B5EF4-FFF2-40B4-BE49-F238E27FC236}">
+                    <a16:creationId xmlns:a16="http://schemas.microsoft.com/office/drawing/2014/main" id="{920339FC-65EC-2529-45AE-5058FA990E9D}"/>
+                  </a:ext>
+                </a:extLst>
+              </p:cNvPr>
+              <p:cNvSpPr txBox="1">
+                <a:spLocks noRot="1" noChangeAspect="1" noMove="1" noResize="1" noEditPoints="1" noAdjustHandles="1" noChangeArrowheads="1" noChangeShapeType="1" noTextEdit="1"/>
+              </p:cNvSpPr>
+              <p:nvPr/>
+            </p:nvSpPr>
+            <p:spPr>
+              <a:xfrm>
+                <a:off x="0" y="751638"/>
+                <a:ext cx="9144000" cy="923330"/>
+              </a:xfrm>
+              <a:prstGeom prst="rect">
+                <a:avLst/>
+              </a:prstGeom>
+              <a:blipFill>
+                <a:blip r:embed="rId4"/>
+                <a:stretch>
+                  <a:fillRect l="-556" t="-2740" r="-556" b="-10959"/>
+                </a:stretch>
+              </a:blipFill>
+            </p:spPr>
+            <p:txBody>
+              <a:bodyPr/>
+              <a:lstStyle/>
+              <a:p>
+                <a:r>
+                  <a:rPr lang="en-GB">
+                    <a:noFill/>
+                  </a:rPr>
+                  <a:t> </a:t>
+                </a:r>
+              </a:p>
+            </p:txBody>
+          </p:sp>
+        </mc:Fallback>
+      </mc:AlternateContent>
     </p:spTree>
     <p:extLst>
       <p:ext uri="{BB962C8B-B14F-4D97-AF65-F5344CB8AC3E}">
@@ -36752,7 +39333,7 @@
           <a:p>
             <a:r>
               <a:rPr lang="en-GB" dirty="0"/>
-              <a:t>Online stage in SCIANTIX</a:t>
+              <a:t>Online stage in SCIANTIX 2.1</a:t>
             </a:r>
           </a:p>
         </p:txBody>
@@ -36773,7 +39354,7 @@
             </p:nvSpPr>
             <p:spPr>
               <a:xfrm>
-                <a:off x="104179" y="875031"/>
+                <a:off x="181815" y="1109397"/>
                 <a:ext cx="5698282" cy="778931"/>
               </a:xfrm>
               <a:prstGeom prst="rect">
@@ -37220,7 +39801,7 @@
             </p:nvSpPr>
             <p:spPr>
               <a:xfrm>
-                <a:off x="104179" y="875031"/>
+                <a:off x="181815" y="1109397"/>
                 <a:ext cx="5698282" cy="778931"/>
               </a:xfrm>
               <a:prstGeom prst="rect">
@@ -37229,7 +39810,7 @@
               <a:blipFill>
                 <a:blip r:embed="rId2"/>
                 <a:stretch>
-                  <a:fillRect l="-14477" t="-112903" r="-1336" b="-174194"/>
+                  <a:fillRect l="-14222" t="-111290" r="-1111" b="-174194"/>
                 </a:stretch>
               </a:blipFill>
             </p:spPr>
@@ -37262,8 +39843,8 @@
         </p:nvSpPr>
         <p:spPr>
           <a:xfrm>
-            <a:off x="104179" y="1749806"/>
-            <a:ext cx="1562159" cy="369332"/>
+            <a:off x="181815" y="2713978"/>
+            <a:ext cx="2649636" cy="369332"/>
           </a:xfrm>
           <a:prstGeom prst="rect">
             <a:avLst/>
@@ -37277,16 +39858,10 @@
           <a:lstStyle/>
           <a:p>
             <a:r>
-              <a:rPr lang="en-GB" dirty="0" err="1">
-                <a:latin typeface="Aptos" panose="020B0004020202020204" pitchFamily="34" charset="0"/>
-              </a:rPr>
-              <a:t>Farward</a:t>
-            </a:r>
-            <a:r>
               <a:rPr lang="en-GB" dirty="0">
                 <a:latin typeface="Aptos" panose="020B0004020202020204" pitchFamily="34" charset="0"/>
               </a:rPr>
-              <a:t> Euler</a:t>
+              <a:t>Backward Euler scheme:</a:t>
             </a:r>
           </a:p>
         </p:txBody>
@@ -37307,7 +39882,7 @@
             </p:nvSpPr>
             <p:spPr>
               <a:xfrm>
-                <a:off x="-87796" y="2091505"/>
+                <a:off x="0" y="3295249"/>
                 <a:ext cx="7443189" cy="871264"/>
               </a:xfrm>
               <a:prstGeom prst="rect">
@@ -37893,7 +40468,7 @@
             </p:nvSpPr>
             <p:spPr>
               <a:xfrm>
-                <a:off x="-87796" y="2091505"/>
+                <a:off x="0" y="3295249"/>
                 <a:ext cx="7443189" cy="871264"/>
               </a:xfrm>
               <a:prstGeom prst="rect">
@@ -37902,7 +40477,7 @@
               <a:blipFill>
                 <a:blip r:embed="rId3"/>
                 <a:stretch>
-                  <a:fillRect l="-8007" t="-94286" b="-148571"/>
+                  <a:fillRect l="-8007" t="-95652" b="-152174"/>
                 </a:stretch>
               </a:blipFill>
             </p:spPr>
@@ -37921,6 +40496,75 @@
           </p:sp>
         </mc:Fallback>
       </mc:AlternateContent>
+      <p:pic>
+        <p:nvPicPr>
+          <p:cNvPr id="14" name="Immagine 13" descr="Immagine che contiene nero, oscurità&#10;&#10;Descrizione generata automaticamente">
+            <a:extLst>
+              <a:ext uri="{FF2B5EF4-FFF2-40B4-BE49-F238E27FC236}">
+                <a16:creationId xmlns:a16="http://schemas.microsoft.com/office/drawing/2014/main" id="{49A48BEE-5F72-F203-E8C9-C01281F8BA47}"/>
+              </a:ext>
+            </a:extLst>
+          </p:cNvPr>
+          <p:cNvPicPr>
+            <a:picLocks noChangeAspect="1"/>
+          </p:cNvPicPr>
+          <p:nvPr/>
+        </p:nvPicPr>
+        <p:blipFill>
+          <a:blip r:embed="rId4"/>
+          <a:stretch>
+            <a:fillRect/>
+          </a:stretch>
+        </p:blipFill>
+        <p:spPr>
+          <a:xfrm>
+            <a:off x="272005" y="5381628"/>
+            <a:ext cx="437387" cy="437387"/>
+          </a:xfrm>
+          <a:prstGeom prst="rect">
+            <a:avLst/>
+          </a:prstGeom>
+        </p:spPr>
+      </p:pic>
+      <p:sp>
+        <p:nvSpPr>
+          <p:cNvPr id="15" name="CasellaDiTesto 14">
+            <a:extLst>
+              <a:ext uri="{FF2B5EF4-FFF2-40B4-BE49-F238E27FC236}">
+                <a16:creationId xmlns:a16="http://schemas.microsoft.com/office/drawing/2014/main" id="{CB399F43-022D-4CBC-CCAB-EACC10FA1AF5}"/>
+              </a:ext>
+            </a:extLst>
+          </p:cNvPr>
+          <p:cNvSpPr txBox="1"/>
+          <p:nvPr/>
+        </p:nvSpPr>
+        <p:spPr>
+          <a:xfrm>
+            <a:off x="750588" y="5450198"/>
+            <a:ext cx="6692601" cy="369332"/>
+          </a:xfrm>
+          <a:prstGeom prst="rect">
+            <a:avLst/>
+          </a:prstGeom>
+          <a:noFill/>
+        </p:spPr>
+        <p:txBody>
+          <a:bodyPr wrap="none" rtlCol="0">
+            <a:spAutoFit/>
+          </a:bodyPr>
+          <a:lstStyle/>
+          <a:p>
+            <a:r>
+              <a:rPr lang="en-GB" dirty="0" err="1"/>
+              <a:t>Sciantix</a:t>
+            </a:r>
+            <a:r>
+              <a:rPr lang="en-GB" dirty="0"/>
+              <a:t> received as input a single file containing these matrices.   </a:t>
+            </a:r>
+          </a:p>
+        </p:txBody>
+      </p:sp>
     </p:spTree>
     <p:extLst>
       <p:ext uri="{BB962C8B-B14F-4D97-AF65-F5344CB8AC3E}">

--- a/ROM updates 18 October 2024.pptx
+++ b/ROM updates 18 October 2024.pptx
@@ -7482,7 +7482,7 @@
   <pc:docChgLst>
     <pc:chgData name="Martina Di Gennaro" userId="242c7127-975c-4ec0-b2ee-15e19a223141" providerId="ADAL" clId="{6BF65FE4-74A7-9749-A675-EBA0086FF38E}"/>
     <pc:docChg chg="undo redo custSel addSld delSld modSld sldOrd modMainMaster">
-      <pc:chgData name="Martina Di Gennaro" userId="242c7127-975c-4ec0-b2ee-15e19a223141" providerId="ADAL" clId="{6BF65FE4-74A7-9749-A675-EBA0086FF38E}" dt="2024-11-14T09:03:45.934" v="7435" actId="1076"/>
+      <pc:chgData name="Martina Di Gennaro" userId="242c7127-975c-4ec0-b2ee-15e19a223141" providerId="ADAL" clId="{6BF65FE4-74A7-9749-A675-EBA0086FF38E}" dt="2024-11-14T09:11:26.499" v="7441" actId="20577"/>
       <pc:docMkLst>
         <pc:docMk/>
       </pc:docMkLst>
@@ -7622,7 +7622,7 @@
         </pc:sldMkLst>
       </pc:sldChg>
       <pc:sldChg chg="addSp delSp modSp new mod">
-        <pc:chgData name="Martina Di Gennaro" userId="242c7127-975c-4ec0-b2ee-15e19a223141" providerId="ADAL" clId="{6BF65FE4-74A7-9749-A675-EBA0086FF38E}" dt="2024-11-13T14:35:41.560" v="6737" actId="1076"/>
+        <pc:chgData name="Martina Di Gennaro" userId="242c7127-975c-4ec0-b2ee-15e19a223141" providerId="ADAL" clId="{6BF65FE4-74A7-9749-A675-EBA0086FF38E}" dt="2024-11-14T09:11:26.499" v="7441" actId="20577"/>
         <pc:sldMkLst>
           <pc:docMk/>
           <pc:sldMk cId="443031710" sldId="479"/>
@@ -7652,7 +7652,7 @@
           </ac:spMkLst>
         </pc:spChg>
         <pc:spChg chg="add mod">
-          <ac:chgData name="Martina Di Gennaro" userId="242c7127-975c-4ec0-b2ee-15e19a223141" providerId="ADAL" clId="{6BF65FE4-74A7-9749-A675-EBA0086FF38E}" dt="2024-11-13T14:35:41.560" v="6737" actId="1076"/>
+          <ac:chgData name="Martina Di Gennaro" userId="242c7127-975c-4ec0-b2ee-15e19a223141" providerId="ADAL" clId="{6BF65FE4-74A7-9749-A675-EBA0086FF38E}" dt="2024-11-14T09:11:02.079" v="7437" actId="20577"/>
           <ac:spMkLst>
             <pc:docMk/>
             <pc:sldMk cId="443031710" sldId="479"/>
@@ -7668,7 +7668,7 @@
           </ac:spMkLst>
         </pc:spChg>
         <pc:spChg chg="add mod">
-          <ac:chgData name="Martina Di Gennaro" userId="242c7127-975c-4ec0-b2ee-15e19a223141" providerId="ADAL" clId="{6BF65FE4-74A7-9749-A675-EBA0086FF38E}" dt="2024-11-13T14:32:32.473" v="6689" actId="207"/>
+          <ac:chgData name="Martina Di Gennaro" userId="242c7127-975c-4ec0-b2ee-15e19a223141" providerId="ADAL" clId="{6BF65FE4-74A7-9749-A675-EBA0086FF38E}" dt="2024-11-14T09:11:03.617" v="7438" actId="20577"/>
           <ac:spMkLst>
             <pc:docMk/>
             <pc:sldMk cId="443031710" sldId="479"/>
@@ -7684,7 +7684,7 @@
           </ac:spMkLst>
         </pc:spChg>
         <pc:spChg chg="add mod">
-          <ac:chgData name="Martina Di Gennaro" userId="242c7127-975c-4ec0-b2ee-15e19a223141" providerId="ADAL" clId="{6BF65FE4-74A7-9749-A675-EBA0086FF38E}" dt="2024-11-13T14:35:04.908" v="6696" actId="207"/>
+          <ac:chgData name="Martina Di Gennaro" userId="242c7127-975c-4ec0-b2ee-15e19a223141" providerId="ADAL" clId="{6BF65FE4-74A7-9749-A675-EBA0086FF38E}" dt="2024-11-14T09:11:26.499" v="7441" actId="20577"/>
           <ac:spMkLst>
             <pc:docMk/>
             <pc:sldMk cId="443031710" sldId="479"/>
@@ -26685,8 +26685,8 @@
           </a:p>
         </p:txBody>
       </p:sp>
-      <mc:AlternateContent xmlns:mc="http://schemas.openxmlformats.org/markup-compatibility/2006" xmlns:a14="http://schemas.microsoft.com/office/drawing/2010/main">
-        <mc:Choice Requires="a14">
+      <mc:AlternateContent xmlns:mc="http://schemas.openxmlformats.org/markup-compatibility/2006">
+        <mc:Choice xmlns:a14="http://schemas.microsoft.com/office/drawing/2010/main" Requires="a14">
           <p:sp>
             <p:nvSpPr>
               <p:cNvPr id="6" name="CasellaDiTesto 5">
@@ -26737,13 +26737,13 @@
               <a:p>
                 <a:r>
                   <a:rPr lang="en-GB" dirty="0"/>
-                  <a:t>		       = 27 minutes x 8 = 3.6 hours  </a:t>
+                  <a:t>		       = 27 minutes x 7 = 3.2 hours  </a:t>
                 </a:r>
               </a:p>
             </p:txBody>
           </p:sp>
         </mc:Choice>
-        <mc:Fallback xmlns="">
+        <mc:Fallback>
           <p:sp>
             <p:nvSpPr>
               <p:cNvPr id="6" name="CasellaDiTesto 5">
@@ -26934,7 +26934,7 @@
                   <a:srgbClr val="F79646"/>
                 </a:solidFill>
               </a:rPr>
-              <a:t>3.6 ore </a:t>
+              <a:t>3.2 ore </a:t>
             </a:r>
           </a:p>
         </p:txBody>
@@ -27038,7 +27038,7 @@
                   <a:srgbClr val="F79646"/>
                 </a:solidFill>
               </a:rPr>
-              <a:t>2592 </a:t>
+              <a:t>2300 </a:t>
             </a:r>
           </a:p>
         </p:txBody>
